--- a/GIT.pptx
+++ b/GIT.pptx
@@ -47,6 +47,10 @@
     <p:sldId id="301" r:id="rId41"/>
     <p:sldId id="302" r:id="rId42"/>
     <p:sldId id="303" r:id="rId43"/>
+    <p:sldId id="304" r:id="rId44"/>
+    <p:sldId id="305" r:id="rId45"/>
+    <p:sldId id="306" r:id="rId46"/>
+    <p:sldId id="307" r:id="rId47"/>
   </p:sldIdLst>
   <p:sldSz cx="12192000" cy="6858000"/>
   <p:notesSz cx="6858000" cy="9144000"/>
@@ -192,6 +196,10 @@
             <p14:sldId id="301"/>
             <p14:sldId id="302"/>
             <p14:sldId id="303"/>
+            <p14:sldId id="304"/>
+            <p14:sldId id="305"/>
+            <p14:sldId id="306"/>
+            <p14:sldId id="307"/>
           </p14:sldIdLst>
         </p14:section>
       </p14:sectionLst>
@@ -985,6 +993,753 @@
 </dgm:colorsDef>
 </file>
 
+<file path=ppt/diagrams/colors10.xml><?xml version="1.0" encoding="utf-8"?>
+<dgm:colorsDef xmlns:dgm="http://schemas.openxmlformats.org/drawingml/2006/diagram" xmlns:a="http://schemas.openxmlformats.org/drawingml/2006/main" uniqueId="urn:microsoft.com/office/officeart/2005/8/colors/accent1_2">
+  <dgm:title val=""/>
+  <dgm:desc val=""/>
+  <dgm:catLst>
+    <dgm:cat type="accent1" pri="11200"/>
+  </dgm:catLst>
+  <dgm:styleLbl name="node0">
+    <dgm:fillClrLst meth="repeat">
+      <a:schemeClr val="accent1"/>
+    </dgm:fillClrLst>
+    <dgm:linClrLst meth="repeat">
+      <a:schemeClr val="lt1"/>
+    </dgm:linClrLst>
+    <dgm:effectClrLst/>
+    <dgm:txLinClrLst/>
+    <dgm:txFillClrLst/>
+    <dgm:txEffectClrLst/>
+  </dgm:styleLbl>
+  <dgm:styleLbl name="alignNode1">
+    <dgm:fillClrLst meth="repeat">
+      <a:schemeClr val="accent1"/>
+    </dgm:fillClrLst>
+    <dgm:linClrLst meth="repeat">
+      <a:schemeClr val="accent1"/>
+    </dgm:linClrLst>
+    <dgm:effectClrLst/>
+    <dgm:txLinClrLst/>
+    <dgm:txFillClrLst/>
+    <dgm:txEffectClrLst/>
+  </dgm:styleLbl>
+  <dgm:styleLbl name="node1">
+    <dgm:fillClrLst meth="repeat">
+      <a:schemeClr val="accent1"/>
+    </dgm:fillClrLst>
+    <dgm:linClrLst meth="repeat">
+      <a:schemeClr val="lt1"/>
+    </dgm:linClrLst>
+    <dgm:effectClrLst/>
+    <dgm:txLinClrLst/>
+    <dgm:txFillClrLst/>
+    <dgm:txEffectClrLst/>
+  </dgm:styleLbl>
+  <dgm:styleLbl name="lnNode1">
+    <dgm:fillClrLst meth="repeat">
+      <a:schemeClr val="accent1"/>
+    </dgm:fillClrLst>
+    <dgm:linClrLst meth="repeat">
+      <a:schemeClr val="lt1"/>
+    </dgm:linClrLst>
+    <dgm:effectClrLst/>
+    <dgm:txLinClrLst/>
+    <dgm:txFillClrLst/>
+    <dgm:txEffectClrLst/>
+  </dgm:styleLbl>
+  <dgm:styleLbl name="vennNode1">
+    <dgm:fillClrLst meth="repeat">
+      <a:schemeClr val="accent1">
+        <a:alpha val="50000"/>
+      </a:schemeClr>
+    </dgm:fillClrLst>
+    <dgm:linClrLst meth="repeat">
+      <a:schemeClr val="lt1"/>
+    </dgm:linClrLst>
+    <dgm:effectClrLst/>
+    <dgm:txLinClrLst/>
+    <dgm:txFillClrLst/>
+    <dgm:txEffectClrLst/>
+  </dgm:styleLbl>
+  <dgm:styleLbl name="node2">
+    <dgm:fillClrLst meth="repeat">
+      <a:schemeClr val="accent1"/>
+    </dgm:fillClrLst>
+    <dgm:linClrLst meth="repeat">
+      <a:schemeClr val="lt1"/>
+    </dgm:linClrLst>
+    <dgm:effectClrLst/>
+    <dgm:txLinClrLst/>
+    <dgm:txFillClrLst/>
+    <dgm:txEffectClrLst/>
+  </dgm:styleLbl>
+  <dgm:styleLbl name="node3">
+    <dgm:fillClrLst meth="repeat">
+      <a:schemeClr val="accent1"/>
+    </dgm:fillClrLst>
+    <dgm:linClrLst meth="repeat">
+      <a:schemeClr val="lt1"/>
+    </dgm:linClrLst>
+    <dgm:effectClrLst/>
+    <dgm:txLinClrLst/>
+    <dgm:txFillClrLst/>
+    <dgm:txEffectClrLst/>
+  </dgm:styleLbl>
+  <dgm:styleLbl name="node4">
+    <dgm:fillClrLst meth="repeat">
+      <a:schemeClr val="accent1"/>
+    </dgm:fillClrLst>
+    <dgm:linClrLst meth="repeat">
+      <a:schemeClr val="lt1"/>
+    </dgm:linClrLst>
+    <dgm:effectClrLst/>
+    <dgm:txLinClrLst/>
+    <dgm:txFillClrLst/>
+    <dgm:txEffectClrLst/>
+  </dgm:styleLbl>
+  <dgm:styleLbl name="fgImgPlace1">
+    <dgm:fillClrLst meth="repeat">
+      <a:schemeClr val="accent1">
+        <a:tint val="50000"/>
+      </a:schemeClr>
+    </dgm:fillClrLst>
+    <dgm:linClrLst meth="repeat">
+      <a:schemeClr val="lt1"/>
+    </dgm:linClrLst>
+    <dgm:effectClrLst/>
+    <dgm:txLinClrLst/>
+    <dgm:txFillClrLst meth="repeat">
+      <a:schemeClr val="lt1"/>
+    </dgm:txFillClrLst>
+    <dgm:txEffectClrLst/>
+  </dgm:styleLbl>
+  <dgm:styleLbl name="alignImgPlace1">
+    <dgm:fillClrLst meth="repeat">
+      <a:schemeClr val="accent1">
+        <a:tint val="50000"/>
+      </a:schemeClr>
+    </dgm:fillClrLst>
+    <dgm:linClrLst meth="repeat">
+      <a:schemeClr val="lt1"/>
+    </dgm:linClrLst>
+    <dgm:effectClrLst/>
+    <dgm:txLinClrLst/>
+    <dgm:txFillClrLst meth="repeat">
+      <a:schemeClr val="lt1"/>
+    </dgm:txFillClrLst>
+    <dgm:txEffectClrLst/>
+  </dgm:styleLbl>
+  <dgm:styleLbl name="bgImgPlace1">
+    <dgm:fillClrLst meth="repeat">
+      <a:schemeClr val="accent1">
+        <a:tint val="50000"/>
+      </a:schemeClr>
+    </dgm:fillClrLst>
+    <dgm:linClrLst meth="repeat">
+      <a:schemeClr val="lt1"/>
+    </dgm:linClrLst>
+    <dgm:effectClrLst/>
+    <dgm:txLinClrLst/>
+    <dgm:txFillClrLst meth="repeat">
+      <a:schemeClr val="lt1"/>
+    </dgm:txFillClrLst>
+    <dgm:txEffectClrLst/>
+  </dgm:styleLbl>
+  <dgm:styleLbl name="sibTrans2D1">
+    <dgm:fillClrLst meth="repeat">
+      <a:schemeClr val="accent1">
+        <a:tint val="60000"/>
+      </a:schemeClr>
+    </dgm:fillClrLst>
+    <dgm:linClrLst meth="repeat">
+      <a:schemeClr val="accent1">
+        <a:tint val="60000"/>
+      </a:schemeClr>
+    </dgm:linClrLst>
+    <dgm:effectClrLst/>
+    <dgm:txLinClrLst/>
+    <dgm:txFillClrLst/>
+    <dgm:txEffectClrLst/>
+  </dgm:styleLbl>
+  <dgm:styleLbl name="fgSibTrans2D1">
+    <dgm:fillClrLst meth="repeat">
+      <a:schemeClr val="accent1">
+        <a:tint val="60000"/>
+      </a:schemeClr>
+    </dgm:fillClrLst>
+    <dgm:linClrLst meth="repeat">
+      <a:schemeClr val="accent1">
+        <a:tint val="60000"/>
+      </a:schemeClr>
+    </dgm:linClrLst>
+    <dgm:effectClrLst/>
+    <dgm:txLinClrLst/>
+    <dgm:txFillClrLst/>
+    <dgm:txEffectClrLst/>
+  </dgm:styleLbl>
+  <dgm:styleLbl name="bgSibTrans2D1">
+    <dgm:fillClrLst meth="repeat">
+      <a:schemeClr val="accent1">
+        <a:tint val="60000"/>
+      </a:schemeClr>
+    </dgm:fillClrLst>
+    <dgm:linClrLst meth="repeat">
+      <a:schemeClr val="accent1">
+        <a:tint val="60000"/>
+      </a:schemeClr>
+    </dgm:linClrLst>
+    <dgm:effectClrLst/>
+    <dgm:txLinClrLst/>
+    <dgm:txFillClrLst/>
+    <dgm:txEffectClrLst/>
+  </dgm:styleLbl>
+  <dgm:styleLbl name="sibTrans1D1">
+    <dgm:fillClrLst meth="repeat">
+      <a:schemeClr val="accent1"/>
+    </dgm:fillClrLst>
+    <dgm:linClrLst meth="repeat">
+      <a:schemeClr val="accent1"/>
+    </dgm:linClrLst>
+    <dgm:effectClrLst/>
+    <dgm:txLinClrLst/>
+    <dgm:txFillClrLst meth="repeat">
+      <a:schemeClr val="tx1"/>
+    </dgm:txFillClrLst>
+    <dgm:txEffectClrLst/>
+  </dgm:styleLbl>
+  <dgm:styleLbl name="callout">
+    <dgm:fillClrLst meth="repeat">
+      <a:schemeClr val="accent1"/>
+    </dgm:fillClrLst>
+    <dgm:linClrLst meth="repeat">
+      <a:schemeClr val="accent1">
+        <a:tint val="50000"/>
+      </a:schemeClr>
+    </dgm:linClrLst>
+    <dgm:effectClrLst/>
+    <dgm:txLinClrLst/>
+    <dgm:txFillClrLst meth="repeat">
+      <a:schemeClr val="tx1"/>
+    </dgm:txFillClrLst>
+    <dgm:txEffectClrLst/>
+  </dgm:styleLbl>
+  <dgm:styleLbl name="asst0">
+    <dgm:fillClrLst meth="repeat">
+      <a:schemeClr val="accent1"/>
+    </dgm:fillClrLst>
+    <dgm:linClrLst meth="repeat">
+      <a:schemeClr val="lt1"/>
+    </dgm:linClrLst>
+    <dgm:effectClrLst/>
+    <dgm:txLinClrLst/>
+    <dgm:txFillClrLst/>
+    <dgm:txEffectClrLst/>
+  </dgm:styleLbl>
+  <dgm:styleLbl name="asst1">
+    <dgm:fillClrLst meth="repeat">
+      <a:schemeClr val="accent1"/>
+    </dgm:fillClrLst>
+    <dgm:linClrLst meth="repeat">
+      <a:schemeClr val="lt1"/>
+    </dgm:linClrLst>
+    <dgm:effectClrLst/>
+    <dgm:txLinClrLst/>
+    <dgm:txFillClrLst/>
+    <dgm:txEffectClrLst/>
+  </dgm:styleLbl>
+  <dgm:styleLbl name="asst2">
+    <dgm:fillClrLst meth="repeat">
+      <a:schemeClr val="accent1"/>
+    </dgm:fillClrLst>
+    <dgm:linClrLst meth="repeat">
+      <a:schemeClr val="lt1"/>
+    </dgm:linClrLst>
+    <dgm:effectClrLst/>
+    <dgm:txLinClrLst/>
+    <dgm:txFillClrLst/>
+    <dgm:txEffectClrLst/>
+  </dgm:styleLbl>
+  <dgm:styleLbl name="asst3">
+    <dgm:fillClrLst meth="repeat">
+      <a:schemeClr val="accent1"/>
+    </dgm:fillClrLst>
+    <dgm:linClrLst meth="repeat">
+      <a:schemeClr val="lt1"/>
+    </dgm:linClrLst>
+    <dgm:effectClrLst/>
+    <dgm:txLinClrLst/>
+    <dgm:txFillClrLst/>
+    <dgm:txEffectClrLst/>
+  </dgm:styleLbl>
+  <dgm:styleLbl name="asst4">
+    <dgm:fillClrLst meth="repeat">
+      <a:schemeClr val="accent1"/>
+    </dgm:fillClrLst>
+    <dgm:linClrLst meth="repeat">
+      <a:schemeClr val="lt1"/>
+    </dgm:linClrLst>
+    <dgm:effectClrLst/>
+    <dgm:txLinClrLst/>
+    <dgm:txFillClrLst/>
+    <dgm:txEffectClrLst/>
+  </dgm:styleLbl>
+  <dgm:styleLbl name="parChTrans2D1">
+    <dgm:fillClrLst meth="repeat">
+      <a:schemeClr val="accent1">
+        <a:tint val="60000"/>
+      </a:schemeClr>
+    </dgm:fillClrLst>
+    <dgm:linClrLst meth="repeat">
+      <a:schemeClr val="accent1">
+        <a:tint val="60000"/>
+      </a:schemeClr>
+    </dgm:linClrLst>
+    <dgm:effectClrLst/>
+    <dgm:txLinClrLst/>
+    <dgm:txFillClrLst meth="repeat">
+      <a:schemeClr val="lt1"/>
+    </dgm:txFillClrLst>
+    <dgm:txEffectClrLst/>
+  </dgm:styleLbl>
+  <dgm:styleLbl name="parChTrans2D2">
+    <dgm:fillClrLst meth="repeat">
+      <a:schemeClr val="accent1"/>
+    </dgm:fillClrLst>
+    <dgm:linClrLst meth="repeat">
+      <a:schemeClr val="accent1"/>
+    </dgm:linClrLst>
+    <dgm:effectClrLst/>
+    <dgm:txLinClrLst/>
+    <dgm:txFillClrLst meth="repeat">
+      <a:schemeClr val="lt1"/>
+    </dgm:txFillClrLst>
+    <dgm:txEffectClrLst/>
+  </dgm:styleLbl>
+  <dgm:styleLbl name="parChTrans2D3">
+    <dgm:fillClrLst meth="repeat">
+      <a:schemeClr val="accent1"/>
+    </dgm:fillClrLst>
+    <dgm:linClrLst meth="repeat">
+      <a:schemeClr val="accent1"/>
+    </dgm:linClrLst>
+    <dgm:effectClrLst/>
+    <dgm:txLinClrLst/>
+    <dgm:txFillClrLst meth="repeat">
+      <a:schemeClr val="lt1"/>
+    </dgm:txFillClrLst>
+    <dgm:txEffectClrLst/>
+  </dgm:styleLbl>
+  <dgm:styleLbl name="parChTrans2D4">
+    <dgm:fillClrLst meth="repeat">
+      <a:schemeClr val="accent1"/>
+    </dgm:fillClrLst>
+    <dgm:linClrLst meth="repeat">
+      <a:schemeClr val="accent1"/>
+    </dgm:linClrLst>
+    <dgm:effectClrLst/>
+    <dgm:txLinClrLst/>
+    <dgm:txFillClrLst meth="repeat">
+      <a:schemeClr val="lt1"/>
+    </dgm:txFillClrLst>
+    <dgm:txEffectClrLst/>
+  </dgm:styleLbl>
+  <dgm:styleLbl name="parChTrans1D1">
+    <dgm:fillClrLst meth="repeat">
+      <a:schemeClr val="accent1"/>
+    </dgm:fillClrLst>
+    <dgm:linClrLst meth="repeat">
+      <a:schemeClr val="accent1">
+        <a:shade val="60000"/>
+      </a:schemeClr>
+    </dgm:linClrLst>
+    <dgm:effectClrLst/>
+    <dgm:txLinClrLst/>
+    <dgm:txFillClrLst meth="repeat">
+      <a:schemeClr val="tx1"/>
+    </dgm:txFillClrLst>
+    <dgm:txEffectClrLst/>
+  </dgm:styleLbl>
+  <dgm:styleLbl name="parChTrans1D2">
+    <dgm:fillClrLst meth="repeat">
+      <a:schemeClr val="accent1"/>
+    </dgm:fillClrLst>
+    <dgm:linClrLst meth="repeat">
+      <a:schemeClr val="accent1">
+        <a:shade val="60000"/>
+      </a:schemeClr>
+    </dgm:linClrLst>
+    <dgm:effectClrLst/>
+    <dgm:txLinClrLst/>
+    <dgm:txFillClrLst meth="repeat">
+      <a:schemeClr val="tx1"/>
+    </dgm:txFillClrLst>
+    <dgm:txEffectClrLst/>
+  </dgm:styleLbl>
+  <dgm:styleLbl name="parChTrans1D3">
+    <dgm:fillClrLst meth="repeat">
+      <a:schemeClr val="accent1"/>
+    </dgm:fillClrLst>
+    <dgm:linClrLst meth="repeat">
+      <a:schemeClr val="accent1">
+        <a:shade val="80000"/>
+      </a:schemeClr>
+    </dgm:linClrLst>
+    <dgm:effectClrLst/>
+    <dgm:txLinClrLst/>
+    <dgm:txFillClrLst meth="repeat">
+      <a:schemeClr val="tx1"/>
+    </dgm:txFillClrLst>
+    <dgm:txEffectClrLst/>
+  </dgm:styleLbl>
+  <dgm:styleLbl name="parChTrans1D4">
+    <dgm:fillClrLst meth="repeat">
+      <a:schemeClr val="accent1"/>
+    </dgm:fillClrLst>
+    <dgm:linClrLst meth="repeat">
+      <a:schemeClr val="accent1">
+        <a:shade val="80000"/>
+      </a:schemeClr>
+    </dgm:linClrLst>
+    <dgm:effectClrLst/>
+    <dgm:txLinClrLst/>
+    <dgm:txFillClrLst meth="repeat">
+      <a:schemeClr val="tx1"/>
+    </dgm:txFillClrLst>
+    <dgm:txEffectClrLst/>
+  </dgm:styleLbl>
+  <dgm:styleLbl name="fgAcc1">
+    <dgm:fillClrLst meth="repeat">
+      <a:schemeClr val="lt1">
+        <a:alpha val="90000"/>
+      </a:schemeClr>
+    </dgm:fillClrLst>
+    <dgm:linClrLst meth="repeat">
+      <a:schemeClr val="accent1"/>
+    </dgm:linClrLst>
+    <dgm:effectClrLst/>
+    <dgm:txLinClrLst/>
+    <dgm:txFillClrLst meth="repeat">
+      <a:schemeClr val="dk1"/>
+    </dgm:txFillClrLst>
+    <dgm:txEffectClrLst/>
+  </dgm:styleLbl>
+  <dgm:styleLbl name="conFgAcc1">
+    <dgm:fillClrLst meth="repeat">
+      <a:schemeClr val="lt1">
+        <a:alpha val="90000"/>
+      </a:schemeClr>
+    </dgm:fillClrLst>
+    <dgm:linClrLst meth="repeat">
+      <a:schemeClr val="accent1"/>
+    </dgm:linClrLst>
+    <dgm:effectClrLst/>
+    <dgm:txLinClrLst/>
+    <dgm:txFillClrLst meth="repeat">
+      <a:schemeClr val="dk1"/>
+    </dgm:txFillClrLst>
+    <dgm:txEffectClrLst/>
+  </dgm:styleLbl>
+  <dgm:styleLbl name="alignAcc1">
+    <dgm:fillClrLst meth="repeat">
+      <a:schemeClr val="lt1">
+        <a:alpha val="90000"/>
+      </a:schemeClr>
+    </dgm:fillClrLst>
+    <dgm:linClrLst meth="repeat">
+      <a:schemeClr val="accent1"/>
+    </dgm:linClrLst>
+    <dgm:effectClrLst/>
+    <dgm:txLinClrLst/>
+    <dgm:txFillClrLst meth="repeat">
+      <a:schemeClr val="dk1"/>
+    </dgm:txFillClrLst>
+    <dgm:txEffectClrLst/>
+  </dgm:styleLbl>
+  <dgm:styleLbl name="trAlignAcc1">
+    <dgm:fillClrLst meth="repeat">
+      <a:schemeClr val="lt1">
+        <a:alpha val="40000"/>
+      </a:schemeClr>
+    </dgm:fillClrLst>
+    <dgm:linClrLst meth="repeat">
+      <a:schemeClr val="accent1"/>
+    </dgm:linClrLst>
+    <dgm:effectClrLst/>
+    <dgm:txLinClrLst/>
+    <dgm:txFillClrLst meth="repeat">
+      <a:schemeClr val="dk1"/>
+    </dgm:txFillClrLst>
+    <dgm:txEffectClrLst/>
+  </dgm:styleLbl>
+  <dgm:styleLbl name="bgAcc1">
+    <dgm:fillClrLst meth="repeat">
+      <a:schemeClr val="lt1">
+        <a:alpha val="90000"/>
+      </a:schemeClr>
+    </dgm:fillClrLst>
+    <dgm:linClrLst meth="repeat">
+      <a:schemeClr val="accent1"/>
+    </dgm:linClrLst>
+    <dgm:effectClrLst/>
+    <dgm:txLinClrLst/>
+    <dgm:txFillClrLst meth="repeat">
+      <a:schemeClr val="dk1"/>
+    </dgm:txFillClrLst>
+    <dgm:txEffectClrLst/>
+  </dgm:styleLbl>
+  <dgm:styleLbl name="solidFgAcc1">
+    <dgm:fillClrLst meth="repeat">
+      <a:schemeClr val="lt1"/>
+    </dgm:fillClrLst>
+    <dgm:linClrLst meth="repeat">
+      <a:schemeClr val="accent1"/>
+    </dgm:linClrLst>
+    <dgm:effectClrLst/>
+    <dgm:txLinClrLst/>
+    <dgm:txFillClrLst meth="repeat">
+      <a:schemeClr val="dk1"/>
+    </dgm:txFillClrLst>
+    <dgm:txEffectClrLst/>
+  </dgm:styleLbl>
+  <dgm:styleLbl name="solidAlignAcc1">
+    <dgm:fillClrLst meth="repeat">
+      <a:schemeClr val="lt1"/>
+    </dgm:fillClrLst>
+    <dgm:linClrLst meth="repeat">
+      <a:schemeClr val="accent1"/>
+    </dgm:linClrLst>
+    <dgm:effectClrLst/>
+    <dgm:txLinClrLst/>
+    <dgm:txFillClrLst meth="repeat">
+      <a:schemeClr val="dk1"/>
+    </dgm:txFillClrLst>
+    <dgm:txEffectClrLst/>
+  </dgm:styleLbl>
+  <dgm:styleLbl name="solidBgAcc1">
+    <dgm:fillClrLst meth="repeat">
+      <a:schemeClr val="lt1"/>
+    </dgm:fillClrLst>
+    <dgm:linClrLst meth="repeat">
+      <a:schemeClr val="accent1"/>
+    </dgm:linClrLst>
+    <dgm:effectClrLst/>
+    <dgm:txLinClrLst/>
+    <dgm:txFillClrLst meth="repeat">
+      <a:schemeClr val="dk1"/>
+    </dgm:txFillClrLst>
+    <dgm:txEffectClrLst/>
+  </dgm:styleLbl>
+  <dgm:styleLbl name="fgAccFollowNode1">
+    <dgm:fillClrLst meth="repeat">
+      <a:schemeClr val="accent1">
+        <a:alpha val="90000"/>
+        <a:tint val="40000"/>
+      </a:schemeClr>
+    </dgm:fillClrLst>
+    <dgm:linClrLst meth="repeat">
+      <a:schemeClr val="accent1">
+        <a:alpha val="90000"/>
+        <a:tint val="40000"/>
+      </a:schemeClr>
+    </dgm:linClrLst>
+    <dgm:effectClrLst/>
+    <dgm:txLinClrLst/>
+    <dgm:txFillClrLst meth="repeat">
+      <a:schemeClr val="dk1"/>
+    </dgm:txFillClrLst>
+    <dgm:txEffectClrLst/>
+  </dgm:styleLbl>
+  <dgm:styleLbl name="alignAccFollowNode1">
+    <dgm:fillClrLst meth="repeat">
+      <a:schemeClr val="accent1">
+        <a:alpha val="90000"/>
+        <a:tint val="40000"/>
+      </a:schemeClr>
+    </dgm:fillClrLst>
+    <dgm:linClrLst meth="repeat">
+      <a:schemeClr val="accent1">
+        <a:alpha val="90000"/>
+        <a:tint val="40000"/>
+      </a:schemeClr>
+    </dgm:linClrLst>
+    <dgm:effectClrLst/>
+    <dgm:txLinClrLst/>
+    <dgm:txFillClrLst meth="repeat">
+      <a:schemeClr val="dk1"/>
+    </dgm:txFillClrLst>
+    <dgm:txEffectClrLst/>
+  </dgm:styleLbl>
+  <dgm:styleLbl name="bgAccFollowNode1">
+    <dgm:fillClrLst meth="repeat">
+      <a:schemeClr val="accent1">
+        <a:alpha val="90000"/>
+        <a:tint val="40000"/>
+      </a:schemeClr>
+    </dgm:fillClrLst>
+    <dgm:linClrLst meth="repeat">
+      <a:schemeClr val="accent1">
+        <a:alpha val="90000"/>
+        <a:tint val="40000"/>
+      </a:schemeClr>
+    </dgm:linClrLst>
+    <dgm:effectClrLst/>
+    <dgm:txLinClrLst/>
+    <dgm:txFillClrLst meth="repeat">
+      <a:schemeClr val="dk1"/>
+    </dgm:txFillClrLst>
+    <dgm:txEffectClrLst/>
+  </dgm:styleLbl>
+  <dgm:styleLbl name="fgAcc0">
+    <dgm:fillClrLst meth="repeat">
+      <a:schemeClr val="lt1">
+        <a:alpha val="90000"/>
+      </a:schemeClr>
+    </dgm:fillClrLst>
+    <dgm:linClrLst meth="repeat">
+      <a:schemeClr val="accent1"/>
+    </dgm:linClrLst>
+    <dgm:effectClrLst/>
+    <dgm:txLinClrLst/>
+    <dgm:txFillClrLst meth="repeat">
+      <a:schemeClr val="dk1"/>
+    </dgm:txFillClrLst>
+    <dgm:txEffectClrLst/>
+  </dgm:styleLbl>
+  <dgm:styleLbl name="fgAcc2">
+    <dgm:fillClrLst meth="repeat">
+      <a:schemeClr val="lt1">
+        <a:alpha val="90000"/>
+      </a:schemeClr>
+    </dgm:fillClrLst>
+    <dgm:linClrLst meth="repeat">
+      <a:schemeClr val="accent1"/>
+    </dgm:linClrLst>
+    <dgm:effectClrLst/>
+    <dgm:txLinClrLst/>
+    <dgm:txFillClrLst meth="repeat">
+      <a:schemeClr val="dk1"/>
+    </dgm:txFillClrLst>
+    <dgm:txEffectClrLst/>
+  </dgm:styleLbl>
+  <dgm:styleLbl name="fgAcc3">
+    <dgm:fillClrLst meth="repeat">
+      <a:schemeClr val="lt1">
+        <a:alpha val="90000"/>
+      </a:schemeClr>
+    </dgm:fillClrLst>
+    <dgm:linClrLst meth="repeat">
+      <a:schemeClr val="accent1"/>
+    </dgm:linClrLst>
+    <dgm:effectClrLst/>
+    <dgm:txLinClrLst/>
+    <dgm:txFillClrLst meth="repeat">
+      <a:schemeClr val="dk1"/>
+    </dgm:txFillClrLst>
+    <dgm:txEffectClrLst/>
+  </dgm:styleLbl>
+  <dgm:styleLbl name="fgAcc4">
+    <dgm:fillClrLst meth="repeat">
+      <a:schemeClr val="lt1">
+        <a:alpha val="90000"/>
+      </a:schemeClr>
+    </dgm:fillClrLst>
+    <dgm:linClrLst meth="repeat">
+      <a:schemeClr val="accent1"/>
+    </dgm:linClrLst>
+    <dgm:effectClrLst/>
+    <dgm:txLinClrLst/>
+    <dgm:txFillClrLst meth="repeat">
+      <a:schemeClr val="dk1"/>
+    </dgm:txFillClrLst>
+    <dgm:txEffectClrLst/>
+  </dgm:styleLbl>
+  <dgm:styleLbl name="bgShp">
+    <dgm:fillClrLst meth="repeat">
+      <a:schemeClr val="accent1">
+        <a:tint val="40000"/>
+      </a:schemeClr>
+    </dgm:fillClrLst>
+    <dgm:linClrLst meth="repeat">
+      <a:schemeClr val="accent1"/>
+    </dgm:linClrLst>
+    <dgm:effectClrLst/>
+    <dgm:txLinClrLst/>
+    <dgm:txFillClrLst meth="repeat">
+      <a:schemeClr val="dk1"/>
+    </dgm:txFillClrLst>
+    <dgm:txEffectClrLst/>
+  </dgm:styleLbl>
+  <dgm:styleLbl name="dkBgShp">
+    <dgm:fillClrLst meth="repeat">
+      <a:schemeClr val="accent1">
+        <a:shade val="80000"/>
+      </a:schemeClr>
+    </dgm:fillClrLst>
+    <dgm:linClrLst meth="repeat">
+      <a:schemeClr val="accent1"/>
+    </dgm:linClrLst>
+    <dgm:effectClrLst/>
+    <dgm:txLinClrLst/>
+    <dgm:txFillClrLst meth="repeat">
+      <a:schemeClr val="lt1"/>
+    </dgm:txFillClrLst>
+    <dgm:txEffectClrLst/>
+  </dgm:styleLbl>
+  <dgm:styleLbl name="trBgShp">
+    <dgm:fillClrLst meth="repeat">
+      <a:schemeClr val="accent1">
+        <a:tint val="50000"/>
+        <a:alpha val="40000"/>
+      </a:schemeClr>
+    </dgm:fillClrLst>
+    <dgm:linClrLst meth="repeat">
+      <a:schemeClr val="accent1"/>
+    </dgm:linClrLst>
+    <dgm:effectClrLst/>
+    <dgm:txLinClrLst/>
+    <dgm:txFillClrLst meth="repeat">
+      <a:schemeClr val="lt1"/>
+    </dgm:txFillClrLst>
+    <dgm:txEffectClrLst/>
+  </dgm:styleLbl>
+  <dgm:styleLbl name="fgShp">
+    <dgm:fillClrLst meth="repeat">
+      <a:schemeClr val="accent1">
+        <a:tint val="60000"/>
+      </a:schemeClr>
+    </dgm:fillClrLst>
+    <dgm:linClrLst meth="repeat">
+      <a:schemeClr val="lt1"/>
+    </dgm:linClrLst>
+    <dgm:effectClrLst/>
+    <dgm:txLinClrLst/>
+    <dgm:txFillClrLst meth="repeat">
+      <a:schemeClr val="dk1"/>
+    </dgm:txFillClrLst>
+    <dgm:txEffectClrLst/>
+  </dgm:styleLbl>
+  <dgm:styleLbl name="revTx">
+    <dgm:fillClrLst meth="repeat">
+      <a:schemeClr val="lt1">
+        <a:alpha val="0"/>
+      </a:schemeClr>
+    </dgm:fillClrLst>
+    <dgm:linClrLst meth="repeat">
+      <a:schemeClr val="dk1">
+        <a:alpha val="0"/>
+      </a:schemeClr>
+    </dgm:linClrLst>
+    <dgm:effectClrLst/>
+    <dgm:txLinClrLst/>
+    <dgm:txFillClrLst meth="repeat">
+      <a:schemeClr val="tx1"/>
+    </dgm:txFillClrLst>
+    <dgm:txEffectClrLst/>
+  </dgm:styleLbl>
+</dgm:colorsDef>
+</file>
+
 <file path=ppt/diagrams/colors2.xml><?xml version="1.0" encoding="utf-8"?>
 <dgm:colorsDef xmlns:dgm="http://schemas.openxmlformats.org/drawingml/2006/diagram" xmlns:a="http://schemas.openxmlformats.org/drawingml/2006/main" uniqueId="urn:microsoft.com/office/officeart/2005/8/colors/colorful5">
   <dgm:title val=""/>
@@ -6392,6 +7147,788 @@
   <dgm:styleLbl name="fgShp">
     <dgm:fillClrLst meth="repeat">
       <a:schemeClr val="accent5">
+        <a:tint val="40000"/>
+      </a:schemeClr>
+    </dgm:fillClrLst>
+    <dgm:linClrLst meth="repeat">
+      <a:schemeClr val="lt1"/>
+    </dgm:linClrLst>
+    <dgm:effectClrLst/>
+    <dgm:txLinClrLst/>
+    <dgm:txFillClrLst meth="repeat">
+      <a:schemeClr val="dk1"/>
+    </dgm:txFillClrLst>
+    <dgm:txEffectClrLst/>
+  </dgm:styleLbl>
+  <dgm:styleLbl name="revTx">
+    <dgm:fillClrLst meth="repeat">
+      <a:schemeClr val="lt1">
+        <a:alpha val="0"/>
+      </a:schemeClr>
+    </dgm:fillClrLst>
+    <dgm:linClrLst meth="repeat">
+      <a:schemeClr val="dk1">
+        <a:alpha val="0"/>
+      </a:schemeClr>
+    </dgm:linClrLst>
+    <dgm:effectClrLst/>
+    <dgm:txLinClrLst/>
+    <dgm:txFillClrLst meth="repeat">
+      <a:schemeClr val="tx1"/>
+    </dgm:txFillClrLst>
+    <dgm:txEffectClrLst/>
+  </dgm:styleLbl>
+</dgm:colorsDef>
+</file>
+
+<file path=ppt/diagrams/colors9.xml><?xml version="1.0" encoding="utf-8"?>
+<dgm:colorsDef xmlns:dgm="http://schemas.openxmlformats.org/drawingml/2006/diagram" xmlns:a="http://schemas.openxmlformats.org/drawingml/2006/main" uniqueId="urn:microsoft.com/office/officeart/2005/8/colors/colorful2">
+  <dgm:title val=""/>
+  <dgm:desc val=""/>
+  <dgm:catLst>
+    <dgm:cat type="colorful" pri="10200"/>
+  </dgm:catLst>
+  <dgm:styleLbl name="node0">
+    <dgm:fillClrLst meth="repeat">
+      <a:schemeClr val="accent1"/>
+    </dgm:fillClrLst>
+    <dgm:linClrLst meth="repeat">
+      <a:schemeClr val="lt1"/>
+    </dgm:linClrLst>
+    <dgm:effectClrLst/>
+    <dgm:txLinClrLst/>
+    <dgm:txFillClrLst/>
+    <dgm:txEffectClrLst/>
+  </dgm:styleLbl>
+  <dgm:styleLbl name="node1">
+    <dgm:fillClrLst>
+      <a:schemeClr val="accent2"/>
+      <a:schemeClr val="accent3"/>
+    </dgm:fillClrLst>
+    <dgm:linClrLst meth="repeat">
+      <a:schemeClr val="lt1"/>
+    </dgm:linClrLst>
+    <dgm:effectClrLst/>
+    <dgm:txLinClrLst/>
+    <dgm:txFillClrLst/>
+    <dgm:txEffectClrLst/>
+  </dgm:styleLbl>
+  <dgm:styleLbl name="alignNode1">
+    <dgm:fillClrLst>
+      <a:schemeClr val="accent2"/>
+      <a:schemeClr val="accent3"/>
+    </dgm:fillClrLst>
+    <dgm:linClrLst>
+      <a:schemeClr val="accent2"/>
+      <a:schemeClr val="accent3"/>
+    </dgm:linClrLst>
+    <dgm:effectClrLst/>
+    <dgm:txLinClrLst/>
+    <dgm:txFillClrLst/>
+    <dgm:txEffectClrLst/>
+  </dgm:styleLbl>
+  <dgm:styleLbl name="lnNode1">
+    <dgm:fillClrLst>
+      <a:schemeClr val="accent2"/>
+      <a:schemeClr val="accent3"/>
+    </dgm:fillClrLst>
+    <dgm:linClrLst meth="repeat">
+      <a:schemeClr val="lt1"/>
+    </dgm:linClrLst>
+    <dgm:effectClrLst/>
+    <dgm:txLinClrLst/>
+    <dgm:txFillClrLst/>
+    <dgm:txEffectClrLst/>
+  </dgm:styleLbl>
+  <dgm:styleLbl name="vennNode1">
+    <dgm:fillClrLst>
+      <a:schemeClr val="accent2">
+        <a:alpha val="50000"/>
+      </a:schemeClr>
+      <a:schemeClr val="accent3">
+        <a:alpha val="50000"/>
+      </a:schemeClr>
+    </dgm:fillClrLst>
+    <dgm:linClrLst meth="repeat">
+      <a:schemeClr val="lt1"/>
+    </dgm:linClrLst>
+    <dgm:effectClrLst/>
+    <dgm:txLinClrLst/>
+    <dgm:txFillClrLst/>
+    <dgm:txEffectClrLst/>
+  </dgm:styleLbl>
+  <dgm:styleLbl name="node2">
+    <dgm:fillClrLst>
+      <a:schemeClr val="accent3"/>
+    </dgm:fillClrLst>
+    <dgm:linClrLst meth="repeat">
+      <a:schemeClr val="lt1"/>
+    </dgm:linClrLst>
+    <dgm:effectClrLst/>
+    <dgm:txLinClrLst/>
+    <dgm:txFillClrLst/>
+    <dgm:txEffectClrLst/>
+  </dgm:styleLbl>
+  <dgm:styleLbl name="node3">
+    <dgm:fillClrLst>
+      <a:schemeClr val="accent4"/>
+    </dgm:fillClrLst>
+    <dgm:linClrLst meth="repeat">
+      <a:schemeClr val="lt1"/>
+    </dgm:linClrLst>
+    <dgm:effectClrLst/>
+    <dgm:txLinClrLst/>
+    <dgm:txFillClrLst/>
+    <dgm:txEffectClrLst/>
+  </dgm:styleLbl>
+  <dgm:styleLbl name="node4">
+    <dgm:fillClrLst>
+      <a:schemeClr val="accent5"/>
+    </dgm:fillClrLst>
+    <dgm:linClrLst meth="repeat">
+      <a:schemeClr val="lt1"/>
+    </dgm:linClrLst>
+    <dgm:effectClrLst/>
+    <dgm:txLinClrLst/>
+    <dgm:txFillClrLst/>
+    <dgm:txEffectClrLst/>
+  </dgm:styleLbl>
+  <dgm:styleLbl name="fgImgPlace1">
+    <dgm:fillClrLst>
+      <a:schemeClr val="accent2">
+        <a:tint val="50000"/>
+      </a:schemeClr>
+      <a:schemeClr val="accent3">
+        <a:tint val="50000"/>
+      </a:schemeClr>
+    </dgm:fillClrLst>
+    <dgm:linClrLst meth="repeat">
+      <a:schemeClr val="lt1"/>
+    </dgm:linClrLst>
+    <dgm:effectClrLst/>
+    <dgm:txLinClrLst/>
+    <dgm:txFillClrLst meth="repeat">
+      <a:schemeClr val="lt1"/>
+    </dgm:txFillClrLst>
+    <dgm:txEffectClrLst/>
+  </dgm:styleLbl>
+  <dgm:styleLbl name="alignImgPlace1">
+    <dgm:fillClrLst>
+      <a:schemeClr val="accent2">
+        <a:tint val="50000"/>
+      </a:schemeClr>
+      <a:schemeClr val="accent3">
+        <a:tint val="20000"/>
+      </a:schemeClr>
+    </dgm:fillClrLst>
+    <dgm:linClrLst meth="repeat">
+      <a:schemeClr val="lt1"/>
+    </dgm:linClrLst>
+    <dgm:effectClrLst/>
+    <dgm:txLinClrLst/>
+    <dgm:txFillClrLst meth="repeat">
+      <a:schemeClr val="lt1"/>
+    </dgm:txFillClrLst>
+    <dgm:txEffectClrLst/>
+  </dgm:styleLbl>
+  <dgm:styleLbl name="bgImgPlace1">
+    <dgm:fillClrLst>
+      <a:schemeClr val="accent2">
+        <a:tint val="50000"/>
+      </a:schemeClr>
+      <a:schemeClr val="accent3">
+        <a:tint val="20000"/>
+      </a:schemeClr>
+    </dgm:fillClrLst>
+    <dgm:linClrLst meth="repeat">
+      <a:schemeClr val="lt1"/>
+    </dgm:linClrLst>
+    <dgm:effectClrLst/>
+    <dgm:txLinClrLst/>
+    <dgm:txFillClrLst meth="repeat">
+      <a:schemeClr val="lt1"/>
+    </dgm:txFillClrLst>
+    <dgm:txEffectClrLst/>
+  </dgm:styleLbl>
+  <dgm:styleLbl name="sibTrans2D1">
+    <dgm:fillClrLst>
+      <a:schemeClr val="accent2"/>
+      <a:schemeClr val="accent3"/>
+    </dgm:fillClrLst>
+    <dgm:linClrLst meth="repeat">
+      <a:schemeClr val="lt1"/>
+    </dgm:linClrLst>
+    <dgm:effectClrLst/>
+    <dgm:txLinClrLst/>
+    <dgm:txFillClrLst/>
+    <dgm:txEffectClrLst/>
+  </dgm:styleLbl>
+  <dgm:styleLbl name="fgSibTrans2D1">
+    <dgm:fillClrLst>
+      <a:schemeClr val="accent2"/>
+      <a:schemeClr val="accent3"/>
+    </dgm:fillClrLst>
+    <dgm:linClrLst meth="repeat">
+      <a:schemeClr val="lt1"/>
+    </dgm:linClrLst>
+    <dgm:effectClrLst/>
+    <dgm:txLinClrLst/>
+    <dgm:txFillClrLst meth="repeat">
+      <a:schemeClr val="lt1"/>
+    </dgm:txFillClrLst>
+    <dgm:txEffectClrLst/>
+  </dgm:styleLbl>
+  <dgm:styleLbl name="bgSibTrans2D1">
+    <dgm:fillClrLst>
+      <a:schemeClr val="accent2"/>
+      <a:schemeClr val="accent3"/>
+    </dgm:fillClrLst>
+    <dgm:linClrLst meth="repeat">
+      <a:schemeClr val="lt1"/>
+    </dgm:linClrLst>
+    <dgm:effectClrLst/>
+    <dgm:txLinClrLst/>
+    <dgm:txFillClrLst meth="repeat">
+      <a:schemeClr val="lt1"/>
+    </dgm:txFillClrLst>
+    <dgm:txEffectClrLst/>
+  </dgm:styleLbl>
+  <dgm:styleLbl name="sibTrans1D1">
+    <dgm:fillClrLst/>
+    <dgm:linClrLst>
+      <a:schemeClr val="accent2"/>
+      <a:schemeClr val="accent3"/>
+    </dgm:linClrLst>
+    <dgm:effectClrLst/>
+    <dgm:txLinClrLst/>
+    <dgm:txFillClrLst meth="repeat">
+      <a:schemeClr val="tx1"/>
+    </dgm:txFillClrLst>
+    <dgm:txEffectClrLst/>
+  </dgm:styleLbl>
+  <dgm:styleLbl name="callout">
+    <dgm:fillClrLst meth="repeat">
+      <a:schemeClr val="accent2"/>
+    </dgm:fillClrLst>
+    <dgm:linClrLst meth="repeat">
+      <a:schemeClr val="accent2">
+        <a:tint val="50000"/>
+      </a:schemeClr>
+    </dgm:linClrLst>
+    <dgm:effectClrLst/>
+    <dgm:txLinClrLst/>
+    <dgm:txFillClrLst meth="repeat">
+      <a:schemeClr val="tx1"/>
+    </dgm:txFillClrLst>
+    <dgm:txEffectClrLst/>
+  </dgm:styleLbl>
+  <dgm:styleLbl name="asst0">
+    <dgm:fillClrLst meth="repeat">
+      <a:schemeClr val="accent2"/>
+    </dgm:fillClrLst>
+    <dgm:linClrLst meth="repeat">
+      <a:schemeClr val="lt1">
+        <a:shade val="80000"/>
+      </a:schemeClr>
+    </dgm:linClrLst>
+    <dgm:effectClrLst/>
+    <dgm:txLinClrLst/>
+    <dgm:txFillClrLst/>
+    <dgm:txEffectClrLst/>
+  </dgm:styleLbl>
+  <dgm:styleLbl name="asst1">
+    <dgm:fillClrLst meth="repeat">
+      <a:schemeClr val="accent3"/>
+    </dgm:fillClrLst>
+    <dgm:linClrLst meth="repeat">
+      <a:schemeClr val="lt1">
+        <a:shade val="80000"/>
+      </a:schemeClr>
+    </dgm:linClrLst>
+    <dgm:effectClrLst/>
+    <dgm:txLinClrLst/>
+    <dgm:txFillClrLst/>
+    <dgm:txEffectClrLst/>
+  </dgm:styleLbl>
+  <dgm:styleLbl name="asst2">
+    <dgm:fillClrLst>
+      <a:schemeClr val="accent4"/>
+    </dgm:fillClrLst>
+    <dgm:linClrLst meth="repeat">
+      <a:schemeClr val="lt1"/>
+    </dgm:linClrLst>
+    <dgm:effectClrLst/>
+    <dgm:txLinClrLst/>
+    <dgm:txFillClrLst/>
+    <dgm:txEffectClrLst/>
+  </dgm:styleLbl>
+  <dgm:styleLbl name="asst3">
+    <dgm:fillClrLst>
+      <a:schemeClr val="accent5"/>
+    </dgm:fillClrLst>
+    <dgm:linClrLst meth="repeat">
+      <a:schemeClr val="lt1"/>
+    </dgm:linClrLst>
+    <dgm:effectClrLst/>
+    <dgm:txLinClrLst/>
+    <dgm:txFillClrLst/>
+    <dgm:txEffectClrLst/>
+  </dgm:styleLbl>
+  <dgm:styleLbl name="asst4">
+    <dgm:fillClrLst>
+      <a:schemeClr val="accent6"/>
+    </dgm:fillClrLst>
+    <dgm:linClrLst meth="repeat">
+      <a:schemeClr val="lt1"/>
+    </dgm:linClrLst>
+    <dgm:effectClrLst/>
+    <dgm:txLinClrLst/>
+    <dgm:txFillClrLst/>
+    <dgm:txEffectClrLst/>
+  </dgm:styleLbl>
+  <dgm:styleLbl name="parChTrans2D1">
+    <dgm:fillClrLst meth="repeat">
+      <a:schemeClr val="accent2"/>
+    </dgm:fillClrLst>
+    <dgm:linClrLst meth="repeat">
+      <a:schemeClr val="lt1"/>
+    </dgm:linClrLst>
+    <dgm:effectClrLst/>
+    <dgm:txLinClrLst/>
+    <dgm:txFillClrLst meth="repeat">
+      <a:schemeClr val="lt1"/>
+    </dgm:txFillClrLst>
+    <dgm:txEffectClrLst/>
+  </dgm:styleLbl>
+  <dgm:styleLbl name="parChTrans2D2">
+    <dgm:fillClrLst meth="repeat">
+      <a:schemeClr val="accent3"/>
+    </dgm:fillClrLst>
+    <dgm:linClrLst meth="repeat">
+      <a:schemeClr val="lt1"/>
+    </dgm:linClrLst>
+    <dgm:effectClrLst/>
+    <dgm:txLinClrLst/>
+    <dgm:txFillClrLst/>
+    <dgm:txEffectClrLst/>
+  </dgm:styleLbl>
+  <dgm:styleLbl name="parChTrans2D3">
+    <dgm:fillClrLst meth="repeat">
+      <a:schemeClr val="accent4"/>
+    </dgm:fillClrLst>
+    <dgm:linClrLst meth="repeat">
+      <a:schemeClr val="lt1"/>
+    </dgm:linClrLst>
+    <dgm:effectClrLst/>
+    <dgm:txLinClrLst/>
+    <dgm:txFillClrLst/>
+    <dgm:txEffectClrLst/>
+  </dgm:styleLbl>
+  <dgm:styleLbl name="parChTrans2D4">
+    <dgm:fillClrLst meth="repeat">
+      <a:schemeClr val="accent5"/>
+    </dgm:fillClrLst>
+    <dgm:linClrLst meth="repeat">
+      <a:schemeClr val="lt1"/>
+    </dgm:linClrLst>
+    <dgm:effectClrLst/>
+    <dgm:txLinClrLst/>
+    <dgm:txFillClrLst meth="repeat">
+      <a:schemeClr val="lt1"/>
+    </dgm:txFillClrLst>
+    <dgm:txEffectClrLst/>
+  </dgm:styleLbl>
+  <dgm:styleLbl name="parChTrans1D1">
+    <dgm:fillClrLst meth="repeat">
+      <a:schemeClr val="accent2"/>
+    </dgm:fillClrLst>
+    <dgm:linClrLst meth="repeat">
+      <a:schemeClr val="accent2"/>
+    </dgm:linClrLst>
+    <dgm:effectClrLst/>
+    <dgm:txLinClrLst/>
+    <dgm:txFillClrLst meth="repeat">
+      <a:schemeClr val="tx1"/>
+    </dgm:txFillClrLst>
+    <dgm:txEffectClrLst/>
+  </dgm:styleLbl>
+  <dgm:styleLbl name="parChTrans1D2">
+    <dgm:fillClrLst meth="repeat">
+      <a:schemeClr val="accent2">
+        <a:tint val="90000"/>
+      </a:schemeClr>
+    </dgm:fillClrLst>
+    <dgm:linClrLst meth="repeat">
+      <a:schemeClr val="accent3"/>
+    </dgm:linClrLst>
+    <dgm:effectClrLst/>
+    <dgm:txLinClrLst/>
+    <dgm:txFillClrLst meth="repeat">
+      <a:schemeClr val="tx1"/>
+    </dgm:txFillClrLst>
+    <dgm:txEffectClrLst/>
+  </dgm:styleLbl>
+  <dgm:styleLbl name="parChTrans1D3">
+    <dgm:fillClrLst meth="repeat">
+      <a:schemeClr val="accent2">
+        <a:tint val="70000"/>
+      </a:schemeClr>
+    </dgm:fillClrLst>
+    <dgm:linClrLst meth="repeat">
+      <a:schemeClr val="accent4"/>
+    </dgm:linClrLst>
+    <dgm:effectClrLst/>
+    <dgm:txLinClrLst/>
+    <dgm:txFillClrLst meth="repeat">
+      <a:schemeClr val="tx1"/>
+    </dgm:txFillClrLst>
+    <dgm:txEffectClrLst/>
+  </dgm:styleLbl>
+  <dgm:styleLbl name="parChTrans1D4">
+    <dgm:fillClrLst meth="repeat">
+      <a:schemeClr val="accent2">
+        <a:tint val="50000"/>
+      </a:schemeClr>
+    </dgm:fillClrLst>
+    <dgm:linClrLst meth="repeat">
+      <a:schemeClr val="accent5"/>
+    </dgm:linClrLst>
+    <dgm:effectClrLst/>
+    <dgm:txLinClrLst/>
+    <dgm:txFillClrLst meth="repeat">
+      <a:schemeClr val="tx1"/>
+    </dgm:txFillClrLst>
+    <dgm:txEffectClrLst/>
+  </dgm:styleLbl>
+  <dgm:styleLbl name="fgAcc1">
+    <dgm:fillClrLst meth="repeat">
+      <a:schemeClr val="lt1">
+        <a:alpha val="90000"/>
+      </a:schemeClr>
+    </dgm:fillClrLst>
+    <dgm:linClrLst>
+      <a:schemeClr val="accent2"/>
+      <a:schemeClr val="accent3"/>
+    </dgm:linClrLst>
+    <dgm:effectClrLst/>
+    <dgm:txLinClrLst/>
+    <dgm:txFillClrLst meth="repeat">
+      <a:schemeClr val="dk1"/>
+    </dgm:txFillClrLst>
+    <dgm:txEffectClrLst/>
+  </dgm:styleLbl>
+  <dgm:styleLbl name="conFgAcc1">
+    <dgm:fillClrLst meth="repeat">
+      <a:schemeClr val="lt1">
+        <a:alpha val="90000"/>
+      </a:schemeClr>
+    </dgm:fillClrLst>
+    <dgm:linClrLst>
+      <a:schemeClr val="accent2"/>
+      <a:schemeClr val="accent3"/>
+    </dgm:linClrLst>
+    <dgm:effectClrLst/>
+    <dgm:txLinClrLst/>
+    <dgm:txFillClrLst meth="repeat">
+      <a:schemeClr val="dk1"/>
+    </dgm:txFillClrLst>
+    <dgm:txEffectClrLst/>
+  </dgm:styleLbl>
+  <dgm:styleLbl name="alignAcc1">
+    <dgm:fillClrLst meth="repeat">
+      <a:schemeClr val="lt1">
+        <a:alpha val="90000"/>
+      </a:schemeClr>
+    </dgm:fillClrLst>
+    <dgm:linClrLst>
+      <a:schemeClr val="accent2"/>
+      <a:schemeClr val="accent3"/>
+    </dgm:linClrLst>
+    <dgm:effectClrLst/>
+    <dgm:txLinClrLst/>
+    <dgm:txFillClrLst meth="repeat">
+      <a:schemeClr val="dk1"/>
+    </dgm:txFillClrLst>
+    <dgm:txEffectClrLst/>
+  </dgm:styleLbl>
+  <dgm:styleLbl name="trAlignAcc1">
+    <dgm:fillClrLst meth="repeat">
+      <a:schemeClr val="lt1">
+        <a:alpha val="40000"/>
+      </a:schemeClr>
+    </dgm:fillClrLst>
+    <dgm:linClrLst meth="repeat">
+      <a:schemeClr val="accent2"/>
+    </dgm:linClrLst>
+    <dgm:effectClrLst/>
+    <dgm:txLinClrLst/>
+    <dgm:txFillClrLst meth="repeat">
+      <a:schemeClr val="dk1"/>
+    </dgm:txFillClrLst>
+    <dgm:txEffectClrLst/>
+  </dgm:styleLbl>
+  <dgm:styleLbl name="bgAcc1">
+    <dgm:fillClrLst meth="repeat">
+      <a:schemeClr val="lt1">
+        <a:alpha val="90000"/>
+      </a:schemeClr>
+    </dgm:fillClrLst>
+    <dgm:linClrLst>
+      <a:schemeClr val="accent2"/>
+      <a:schemeClr val="accent3"/>
+    </dgm:linClrLst>
+    <dgm:effectClrLst/>
+    <dgm:txLinClrLst/>
+    <dgm:txFillClrLst meth="repeat">
+      <a:schemeClr val="dk1"/>
+    </dgm:txFillClrLst>
+    <dgm:txEffectClrLst/>
+  </dgm:styleLbl>
+  <dgm:styleLbl name="solidFgAcc1">
+    <dgm:fillClrLst meth="repeat">
+      <a:schemeClr val="lt1"/>
+    </dgm:fillClrLst>
+    <dgm:linClrLst>
+      <a:schemeClr val="accent2"/>
+      <a:schemeClr val="accent3"/>
+    </dgm:linClrLst>
+    <dgm:effectClrLst/>
+    <dgm:txLinClrLst/>
+    <dgm:txFillClrLst meth="repeat">
+      <a:schemeClr val="dk1"/>
+    </dgm:txFillClrLst>
+    <dgm:txEffectClrLst/>
+  </dgm:styleLbl>
+  <dgm:styleLbl name="solidAlignAcc1">
+    <dgm:fillClrLst meth="repeat">
+      <a:schemeClr val="lt1"/>
+    </dgm:fillClrLst>
+    <dgm:linClrLst>
+      <a:schemeClr val="accent2"/>
+      <a:schemeClr val="accent3"/>
+    </dgm:linClrLst>
+    <dgm:effectClrLst/>
+    <dgm:txLinClrLst/>
+    <dgm:txFillClrLst meth="repeat">
+      <a:schemeClr val="dk1"/>
+    </dgm:txFillClrLst>
+    <dgm:txEffectClrLst/>
+  </dgm:styleLbl>
+  <dgm:styleLbl name="solidBgAcc1">
+    <dgm:fillClrLst meth="repeat">
+      <a:schemeClr val="lt1"/>
+    </dgm:fillClrLst>
+    <dgm:linClrLst>
+      <a:schemeClr val="accent2"/>
+      <a:schemeClr val="accent3"/>
+    </dgm:linClrLst>
+    <dgm:effectClrLst/>
+    <dgm:txLinClrLst/>
+    <dgm:txFillClrLst meth="repeat">
+      <a:schemeClr val="dk1"/>
+    </dgm:txFillClrLst>
+    <dgm:txEffectClrLst/>
+  </dgm:styleLbl>
+  <dgm:styleLbl name="fgAccFollowNode1">
+    <dgm:fillClrLst>
+      <a:schemeClr val="accent2">
+        <a:tint val="40000"/>
+        <a:alpha val="90000"/>
+      </a:schemeClr>
+      <a:schemeClr val="accent3">
+        <a:tint val="40000"/>
+        <a:alpha val="90000"/>
+      </a:schemeClr>
+    </dgm:fillClrLst>
+    <dgm:linClrLst>
+      <a:schemeClr val="accent2">
+        <a:tint val="40000"/>
+        <a:alpha val="90000"/>
+      </a:schemeClr>
+      <a:schemeClr val="accent3">
+        <a:tint val="40000"/>
+        <a:alpha val="90000"/>
+      </a:schemeClr>
+    </dgm:linClrLst>
+    <dgm:effectClrLst/>
+    <dgm:txLinClrLst/>
+    <dgm:txFillClrLst meth="repeat">
+      <a:schemeClr val="dk1"/>
+    </dgm:txFillClrLst>
+    <dgm:txEffectClrLst/>
+  </dgm:styleLbl>
+  <dgm:styleLbl name="alignAccFollowNode1">
+    <dgm:fillClrLst>
+      <a:schemeClr val="accent2">
+        <a:tint val="40000"/>
+        <a:alpha val="90000"/>
+      </a:schemeClr>
+      <a:schemeClr val="accent3">
+        <a:tint val="40000"/>
+        <a:alpha val="90000"/>
+      </a:schemeClr>
+    </dgm:fillClrLst>
+    <dgm:linClrLst>
+      <a:schemeClr val="accent2">
+        <a:tint val="40000"/>
+        <a:alpha val="90000"/>
+      </a:schemeClr>
+      <a:schemeClr val="accent3">
+        <a:tint val="40000"/>
+        <a:alpha val="90000"/>
+      </a:schemeClr>
+    </dgm:linClrLst>
+    <dgm:effectClrLst/>
+    <dgm:txLinClrLst/>
+    <dgm:txFillClrLst meth="repeat">
+      <a:schemeClr val="dk1"/>
+    </dgm:txFillClrLst>
+    <dgm:txEffectClrLst/>
+  </dgm:styleLbl>
+  <dgm:styleLbl name="bgAccFollowNode1">
+    <dgm:fillClrLst>
+      <a:schemeClr val="accent2">
+        <a:tint val="40000"/>
+        <a:alpha val="90000"/>
+      </a:schemeClr>
+      <a:schemeClr val="accent3">
+        <a:tint val="40000"/>
+        <a:alpha val="90000"/>
+      </a:schemeClr>
+    </dgm:fillClrLst>
+    <dgm:linClrLst>
+      <a:schemeClr val="accent2">
+        <a:tint val="40000"/>
+        <a:alpha val="90000"/>
+      </a:schemeClr>
+      <a:schemeClr val="accent3">
+        <a:tint val="40000"/>
+        <a:alpha val="90000"/>
+      </a:schemeClr>
+    </dgm:linClrLst>
+    <dgm:effectClrLst/>
+    <dgm:txLinClrLst/>
+    <dgm:txFillClrLst meth="repeat">
+      <a:schemeClr val="dk1"/>
+    </dgm:txFillClrLst>
+    <dgm:txEffectClrLst/>
+  </dgm:styleLbl>
+  <dgm:styleLbl name="fgAcc0">
+    <dgm:fillClrLst meth="repeat">
+      <a:schemeClr val="lt1">
+        <a:alpha val="90000"/>
+      </a:schemeClr>
+    </dgm:fillClrLst>
+    <dgm:linClrLst>
+      <a:schemeClr val="accent1"/>
+    </dgm:linClrLst>
+    <dgm:effectClrLst/>
+    <dgm:txLinClrLst/>
+    <dgm:txFillClrLst meth="repeat">
+      <a:schemeClr val="dk1"/>
+    </dgm:txFillClrLst>
+    <dgm:txEffectClrLst/>
+  </dgm:styleLbl>
+  <dgm:styleLbl name="fgAcc2">
+    <dgm:fillClrLst meth="repeat">
+      <a:schemeClr val="lt1">
+        <a:alpha val="90000"/>
+      </a:schemeClr>
+    </dgm:fillClrLst>
+    <dgm:linClrLst>
+      <a:schemeClr val="accent3"/>
+    </dgm:linClrLst>
+    <dgm:effectClrLst/>
+    <dgm:txLinClrLst/>
+    <dgm:txFillClrLst meth="repeat">
+      <a:schemeClr val="dk1"/>
+    </dgm:txFillClrLst>
+    <dgm:txEffectClrLst/>
+  </dgm:styleLbl>
+  <dgm:styleLbl name="fgAcc3">
+    <dgm:fillClrLst meth="repeat">
+      <a:schemeClr val="lt1">
+        <a:alpha val="90000"/>
+      </a:schemeClr>
+    </dgm:fillClrLst>
+    <dgm:linClrLst>
+      <a:schemeClr val="accent4"/>
+    </dgm:linClrLst>
+    <dgm:effectClrLst/>
+    <dgm:txLinClrLst/>
+    <dgm:txFillClrLst meth="repeat">
+      <a:schemeClr val="dk1"/>
+    </dgm:txFillClrLst>
+    <dgm:txEffectClrLst/>
+  </dgm:styleLbl>
+  <dgm:styleLbl name="fgAcc4">
+    <dgm:fillClrLst meth="repeat">
+      <a:schemeClr val="lt1">
+        <a:alpha val="90000"/>
+      </a:schemeClr>
+    </dgm:fillClrLst>
+    <dgm:linClrLst>
+      <a:schemeClr val="accent5"/>
+    </dgm:linClrLst>
+    <dgm:effectClrLst/>
+    <dgm:txLinClrLst/>
+    <dgm:txFillClrLst meth="repeat">
+      <a:schemeClr val="dk1"/>
+    </dgm:txFillClrLst>
+    <dgm:txEffectClrLst/>
+  </dgm:styleLbl>
+  <dgm:styleLbl name="bgShp">
+    <dgm:fillClrLst meth="repeat">
+      <a:schemeClr val="accent2">
+        <a:tint val="40000"/>
+      </a:schemeClr>
+    </dgm:fillClrLst>
+    <dgm:linClrLst meth="repeat">
+      <a:schemeClr val="dk1"/>
+    </dgm:linClrLst>
+    <dgm:effectClrLst/>
+    <dgm:txLinClrLst/>
+    <dgm:txFillClrLst meth="repeat">
+      <a:schemeClr val="dk1"/>
+    </dgm:txFillClrLst>
+    <dgm:txEffectClrLst/>
+  </dgm:styleLbl>
+  <dgm:styleLbl name="dkBgShp">
+    <dgm:fillClrLst meth="repeat">
+      <a:schemeClr val="accent2">
+        <a:shade val="90000"/>
+      </a:schemeClr>
+    </dgm:fillClrLst>
+    <dgm:linClrLst meth="repeat">
+      <a:schemeClr val="dk1"/>
+    </dgm:linClrLst>
+    <dgm:effectClrLst/>
+    <dgm:txLinClrLst/>
+    <dgm:txFillClrLst meth="repeat">
+      <a:schemeClr val="lt1"/>
+    </dgm:txFillClrLst>
+    <dgm:txEffectClrLst/>
+  </dgm:styleLbl>
+  <dgm:styleLbl name="trBgShp">
+    <dgm:fillClrLst meth="repeat">
+      <a:schemeClr val="accent2">
+        <a:tint val="50000"/>
+        <a:alpha val="40000"/>
+      </a:schemeClr>
+    </dgm:fillClrLst>
+    <dgm:linClrLst meth="repeat">
+      <a:schemeClr val="accent2"/>
+    </dgm:linClrLst>
+    <dgm:effectClrLst/>
+    <dgm:txLinClrLst/>
+    <dgm:txFillClrLst meth="repeat">
+      <a:schemeClr val="lt1"/>
+    </dgm:txFillClrLst>
+    <dgm:txEffectClrLst/>
+  </dgm:styleLbl>
+  <dgm:styleLbl name="fgShp">
+    <dgm:fillClrLst meth="repeat">
+      <a:schemeClr val="accent2">
         <a:tint val="40000"/>
       </a:schemeClr>
     </dgm:fillClrLst>
@@ -6655,6 +8192,356 @@
     <dgm:cxn modelId="{76787F3C-1E1C-404D-BC4F-5F227225F068}" type="presParOf" srcId="{3370F3AD-95F8-4E8D-9469-C22F1B4FA065}" destId="{987B9797-926A-404E-92C7-6BE6D25BC81B}" srcOrd="4" destOrd="0" presId="urn:microsoft.com/office/officeart/2005/8/layout/default"/>
     <dgm:cxn modelId="{628777CF-A57B-43FF-AD03-BCA2563A765E}" type="presParOf" srcId="{3370F3AD-95F8-4E8D-9469-C22F1B4FA065}" destId="{5B8F3667-1D6B-4F37-B3E5-7BCF3FC08673}" srcOrd="5" destOrd="0" presId="urn:microsoft.com/office/officeart/2005/8/layout/default"/>
     <dgm:cxn modelId="{9BA45B25-3556-45BA-8EE8-150500D56FF8}" type="presParOf" srcId="{3370F3AD-95F8-4E8D-9469-C22F1B4FA065}" destId="{24A8ABA4-96CC-41C1-80A1-446E4456538B}" srcOrd="6" destOrd="0" presId="urn:microsoft.com/office/officeart/2005/8/layout/default"/>
+  </dgm:cxnLst>
+  <dgm:bg/>
+  <dgm:whole/>
+  <dgm:extLst>
+    <a:ext uri="http://schemas.microsoft.com/office/drawing/2008/diagram">
+      <dsp:dataModelExt xmlns:dsp="http://schemas.microsoft.com/office/drawing/2008/diagram" relId="rId6" minVer="http://schemas.openxmlformats.org/drawingml/2006/diagram"/>
+    </a:ext>
+  </dgm:extLst>
+</dgm:dataModel>
+</file>
+
+<file path=ppt/diagrams/data10.xml><?xml version="1.0" encoding="utf-8"?>
+<dgm:dataModel xmlns:dgm="http://schemas.openxmlformats.org/drawingml/2006/diagram" xmlns:a="http://schemas.openxmlformats.org/drawingml/2006/main">
+  <dgm:ptLst>
+    <dgm:pt modelId="{E8B484D1-D10F-475F-82AF-FE1A48A48C3A}" type="doc">
+      <dgm:prSet loTypeId="urn:microsoft.com/office/officeart/2005/8/layout/vList2" loCatId="list" qsTypeId="urn:microsoft.com/office/officeart/2005/8/quickstyle/simple1" qsCatId="simple" csTypeId="urn:microsoft.com/office/officeart/2005/8/colors/accent1_2" csCatId="accent1"/>
+      <dgm:spPr/>
+      <dgm:t>
+        <a:bodyPr/>
+        <a:lstStyle/>
+        <a:p>
+          <a:endParaRPr lang="en-US"/>
+        </a:p>
+      </dgm:t>
+    </dgm:pt>
+    <dgm:pt modelId="{DBFFEA36-C72C-46F5-AA9A-B2108F5BF607}">
+      <dgm:prSet/>
+      <dgm:spPr/>
+      <dgm:t>
+        <a:bodyPr/>
+        <a:lstStyle/>
+        <a:p>
+          <a:r>
+            <a:rPr lang="en-US"/>
+            <a:t>Github Repo should be public.</a:t>
+          </a:r>
+        </a:p>
+      </dgm:t>
+    </dgm:pt>
+    <dgm:pt modelId="{9E3B7DB1-F31D-4903-9010-41A3AB8D701B}" type="parTrans" cxnId="{946569AE-456F-4371-B142-4D4D833FAFE9}">
+      <dgm:prSet/>
+      <dgm:spPr/>
+      <dgm:t>
+        <a:bodyPr/>
+        <a:lstStyle/>
+        <a:p>
+          <a:endParaRPr lang="en-US"/>
+        </a:p>
+      </dgm:t>
+    </dgm:pt>
+    <dgm:pt modelId="{7814CC93-CAD3-4DC1-9457-A53D2C3676F1}" type="sibTrans" cxnId="{946569AE-456F-4371-B142-4D4D833FAFE9}">
+      <dgm:prSet/>
+      <dgm:spPr/>
+      <dgm:t>
+        <a:bodyPr/>
+        <a:lstStyle/>
+        <a:p>
+          <a:endParaRPr lang="en-US"/>
+        </a:p>
+      </dgm:t>
+    </dgm:pt>
+    <dgm:pt modelId="{47890C08-0AF3-41FB-9CE8-F274B94A97F4}">
+      <dgm:prSet/>
+      <dgm:spPr/>
+      <dgm:t>
+        <a:bodyPr/>
+        <a:lstStyle/>
+        <a:p>
+          <a:r>
+            <a:rPr lang="en-US"/>
+            <a:t>If Private, then person who is accessing should get permission from the owner</a:t>
+          </a:r>
+        </a:p>
+      </dgm:t>
+    </dgm:pt>
+    <dgm:pt modelId="{51AE9D22-1BC8-48BD-A316-75E3AA858C1A}" type="parTrans" cxnId="{DD51D40D-158D-46A5-84AE-0E07E5E7B8B2}">
+      <dgm:prSet/>
+      <dgm:spPr/>
+      <dgm:t>
+        <a:bodyPr/>
+        <a:lstStyle/>
+        <a:p>
+          <a:endParaRPr lang="en-US"/>
+        </a:p>
+      </dgm:t>
+    </dgm:pt>
+    <dgm:pt modelId="{30DD7394-8526-4DC9-B15F-5400F687C933}" type="sibTrans" cxnId="{DD51D40D-158D-46A5-84AE-0E07E5E7B8B2}">
+      <dgm:prSet/>
+      <dgm:spPr/>
+      <dgm:t>
+        <a:bodyPr/>
+        <a:lstStyle/>
+        <a:p>
+          <a:endParaRPr lang="en-US"/>
+        </a:p>
+      </dgm:t>
+    </dgm:pt>
+    <dgm:pt modelId="{FD99AD56-C245-4DEF-AF42-BF7B293BAE72}">
+      <dgm:prSet/>
+      <dgm:spPr/>
+      <dgm:t>
+        <a:bodyPr/>
+        <a:lstStyle/>
+        <a:p>
+          <a:r>
+            <a:rPr lang="en-US"/>
+            <a:t>Generate SSH keys in “Target machine” and add these keys into the github account of the owner</a:t>
+          </a:r>
+        </a:p>
+      </dgm:t>
+    </dgm:pt>
+    <dgm:pt modelId="{638E4639-9380-4FF9-B4C4-490CA720D700}" type="parTrans" cxnId="{898191DB-5A92-4755-874E-1ABF05E8D216}">
+      <dgm:prSet/>
+      <dgm:spPr/>
+      <dgm:t>
+        <a:bodyPr/>
+        <a:lstStyle/>
+        <a:p>
+          <a:endParaRPr lang="en-US"/>
+        </a:p>
+      </dgm:t>
+    </dgm:pt>
+    <dgm:pt modelId="{94FCC23D-C385-4C06-B0FE-593DA9B51EF3}" type="sibTrans" cxnId="{898191DB-5A92-4755-874E-1ABF05E8D216}">
+      <dgm:prSet/>
+      <dgm:spPr/>
+      <dgm:t>
+        <a:bodyPr/>
+        <a:lstStyle/>
+        <a:p>
+          <a:endParaRPr lang="en-US"/>
+        </a:p>
+      </dgm:t>
+    </dgm:pt>
+    <dgm:pt modelId="{13BF04BA-92B1-40BF-86DF-93E8AA05A573}">
+      <dgm:prSet/>
+      <dgm:spPr/>
+      <dgm:t>
+        <a:bodyPr/>
+        <a:lstStyle/>
+        <a:p>
+          <a:r>
+            <a:rPr lang="en-US"/>
+            <a:t>Create empty local Git Repo</a:t>
+          </a:r>
+        </a:p>
+      </dgm:t>
+    </dgm:pt>
+    <dgm:pt modelId="{840D9617-A954-47F4-9B87-BF0E7319EF9C}" type="parTrans" cxnId="{18740220-74F1-4A9E-ACB5-148CABEBE2DC}">
+      <dgm:prSet/>
+      <dgm:spPr/>
+      <dgm:t>
+        <a:bodyPr/>
+        <a:lstStyle/>
+        <a:p>
+          <a:endParaRPr lang="en-US"/>
+        </a:p>
+      </dgm:t>
+    </dgm:pt>
+    <dgm:pt modelId="{12810540-159E-4794-AC06-9D5E5EDD77E5}" type="sibTrans" cxnId="{18740220-74F1-4A9E-ACB5-148CABEBE2DC}">
+      <dgm:prSet/>
+      <dgm:spPr/>
+      <dgm:t>
+        <a:bodyPr/>
+        <a:lstStyle/>
+        <a:p>
+          <a:endParaRPr lang="en-US"/>
+        </a:p>
+      </dgm:t>
+    </dgm:pt>
+    <dgm:pt modelId="{6F518C6E-0DC1-4BBC-9333-96C03772C8CB}">
+      <dgm:prSet/>
+      <dgm:spPr/>
+      <dgm:t>
+        <a:bodyPr/>
+        <a:lstStyle/>
+        <a:p>
+          <a:r>
+            <a:rPr lang="en-US"/>
+            <a:t>Use “git clone ssh github URL to repo which has to be pulled to local machine”. This is found in code drop down in the github repo which you want to clone</a:t>
+          </a:r>
+        </a:p>
+      </dgm:t>
+    </dgm:pt>
+    <dgm:pt modelId="{2C0C874B-C0F6-4672-8411-960A5BE6BED0}" type="parTrans" cxnId="{7D05F917-C5FF-45C0-8605-0BB05C0818A5}">
+      <dgm:prSet/>
+      <dgm:spPr/>
+      <dgm:t>
+        <a:bodyPr/>
+        <a:lstStyle/>
+        <a:p>
+          <a:endParaRPr lang="en-US"/>
+        </a:p>
+      </dgm:t>
+    </dgm:pt>
+    <dgm:pt modelId="{7DFC0C54-38DB-4151-887F-28348C9E6043}" type="sibTrans" cxnId="{7D05F917-C5FF-45C0-8605-0BB05C0818A5}">
+      <dgm:prSet/>
+      <dgm:spPr/>
+      <dgm:t>
+        <a:bodyPr/>
+        <a:lstStyle/>
+        <a:p>
+          <a:endParaRPr lang="en-US"/>
+        </a:p>
+      </dgm:t>
+    </dgm:pt>
+    <dgm:pt modelId="{F95CB6B9-7C99-411F-9AFE-F1ABD3C42452}">
+      <dgm:prSet/>
+      <dgm:spPr/>
+      <dgm:t>
+        <a:bodyPr/>
+        <a:lstStyle/>
+        <a:p>
+          <a:r>
+            <a:rPr lang="en-US"/>
+            <a:t>(Github is in your known hosts)</a:t>
+          </a:r>
+        </a:p>
+      </dgm:t>
+    </dgm:pt>
+    <dgm:pt modelId="{6B7BDC87-F164-49FE-9056-C8C69B0B712C}" type="parTrans" cxnId="{CA34927B-2923-45F5-9FA6-83A76143A8AD}">
+      <dgm:prSet/>
+      <dgm:spPr/>
+      <dgm:t>
+        <a:bodyPr/>
+        <a:lstStyle/>
+        <a:p>
+          <a:endParaRPr lang="en-US"/>
+        </a:p>
+      </dgm:t>
+    </dgm:pt>
+    <dgm:pt modelId="{036CC9B3-E807-47A8-97DF-5BF6C40E911E}" type="sibTrans" cxnId="{CA34927B-2923-45F5-9FA6-83A76143A8AD}">
+      <dgm:prSet/>
+      <dgm:spPr/>
+      <dgm:t>
+        <a:bodyPr/>
+        <a:lstStyle/>
+        <a:p>
+          <a:endParaRPr lang="en-US"/>
+        </a:p>
+      </dgm:t>
+    </dgm:pt>
+    <dgm:pt modelId="{E4FC7B61-DCB9-4702-8B7E-E4663CE5486F}" type="pres">
+      <dgm:prSet presAssocID="{E8B484D1-D10F-475F-82AF-FE1A48A48C3A}" presName="linear" presStyleCnt="0">
+        <dgm:presLayoutVars>
+          <dgm:animLvl val="lvl"/>
+          <dgm:resizeHandles val="exact"/>
+        </dgm:presLayoutVars>
+      </dgm:prSet>
+      <dgm:spPr/>
+    </dgm:pt>
+    <dgm:pt modelId="{C51B03AD-5CAD-404D-B3BE-D2C60D20953F}" type="pres">
+      <dgm:prSet presAssocID="{DBFFEA36-C72C-46F5-AA9A-B2108F5BF607}" presName="parentText" presStyleLbl="node1" presStyleIdx="0" presStyleCnt="6">
+        <dgm:presLayoutVars>
+          <dgm:chMax val="0"/>
+          <dgm:bulletEnabled val="1"/>
+        </dgm:presLayoutVars>
+      </dgm:prSet>
+      <dgm:spPr/>
+    </dgm:pt>
+    <dgm:pt modelId="{B2B52111-14E3-4E8B-A347-EB16A3B2B3A5}" type="pres">
+      <dgm:prSet presAssocID="{7814CC93-CAD3-4DC1-9457-A53D2C3676F1}" presName="spacer" presStyleCnt="0"/>
+      <dgm:spPr/>
+    </dgm:pt>
+    <dgm:pt modelId="{7B5D3580-83B4-4EE2-914D-C632104D9785}" type="pres">
+      <dgm:prSet presAssocID="{47890C08-0AF3-41FB-9CE8-F274B94A97F4}" presName="parentText" presStyleLbl="node1" presStyleIdx="1" presStyleCnt="6">
+        <dgm:presLayoutVars>
+          <dgm:chMax val="0"/>
+          <dgm:bulletEnabled val="1"/>
+        </dgm:presLayoutVars>
+      </dgm:prSet>
+      <dgm:spPr/>
+    </dgm:pt>
+    <dgm:pt modelId="{7B6F4596-3A75-4922-A326-741652386F25}" type="pres">
+      <dgm:prSet presAssocID="{30DD7394-8526-4DC9-B15F-5400F687C933}" presName="spacer" presStyleCnt="0"/>
+      <dgm:spPr/>
+    </dgm:pt>
+    <dgm:pt modelId="{BD3785A9-EFCE-4C2E-A03D-ADD6BC4F5CA4}" type="pres">
+      <dgm:prSet presAssocID="{FD99AD56-C245-4DEF-AF42-BF7B293BAE72}" presName="parentText" presStyleLbl="node1" presStyleIdx="2" presStyleCnt="6">
+        <dgm:presLayoutVars>
+          <dgm:chMax val="0"/>
+          <dgm:bulletEnabled val="1"/>
+        </dgm:presLayoutVars>
+      </dgm:prSet>
+      <dgm:spPr/>
+    </dgm:pt>
+    <dgm:pt modelId="{9962FCE1-86A5-43A8-894B-705AB70C0FDB}" type="pres">
+      <dgm:prSet presAssocID="{94FCC23D-C385-4C06-B0FE-593DA9B51EF3}" presName="spacer" presStyleCnt="0"/>
+      <dgm:spPr/>
+    </dgm:pt>
+    <dgm:pt modelId="{397DAA08-B8CA-41F0-BF4F-11873D21E45F}" type="pres">
+      <dgm:prSet presAssocID="{13BF04BA-92B1-40BF-86DF-93E8AA05A573}" presName="parentText" presStyleLbl="node1" presStyleIdx="3" presStyleCnt="6">
+        <dgm:presLayoutVars>
+          <dgm:chMax val="0"/>
+          <dgm:bulletEnabled val="1"/>
+        </dgm:presLayoutVars>
+      </dgm:prSet>
+      <dgm:spPr/>
+    </dgm:pt>
+    <dgm:pt modelId="{3F123394-C334-4D90-8A4C-3D6DC887C22F}" type="pres">
+      <dgm:prSet presAssocID="{12810540-159E-4794-AC06-9D5E5EDD77E5}" presName="spacer" presStyleCnt="0"/>
+      <dgm:spPr/>
+    </dgm:pt>
+    <dgm:pt modelId="{28C4A1C4-09BF-4AC0-83A7-788CF1A3496D}" type="pres">
+      <dgm:prSet presAssocID="{6F518C6E-0DC1-4BBC-9333-96C03772C8CB}" presName="parentText" presStyleLbl="node1" presStyleIdx="4" presStyleCnt="6">
+        <dgm:presLayoutVars>
+          <dgm:chMax val="0"/>
+          <dgm:bulletEnabled val="1"/>
+        </dgm:presLayoutVars>
+      </dgm:prSet>
+      <dgm:spPr/>
+    </dgm:pt>
+    <dgm:pt modelId="{1DF51BA6-24F8-482D-B004-B15A92DB38A8}" type="pres">
+      <dgm:prSet presAssocID="{7DFC0C54-38DB-4151-887F-28348C9E6043}" presName="spacer" presStyleCnt="0"/>
+      <dgm:spPr/>
+    </dgm:pt>
+    <dgm:pt modelId="{B2AD28ED-9587-4543-BAB3-7D36C23A0EC4}" type="pres">
+      <dgm:prSet presAssocID="{F95CB6B9-7C99-411F-9AFE-F1ABD3C42452}" presName="parentText" presStyleLbl="node1" presStyleIdx="5" presStyleCnt="6">
+        <dgm:presLayoutVars>
+          <dgm:chMax val="0"/>
+          <dgm:bulletEnabled val="1"/>
+        </dgm:presLayoutVars>
+      </dgm:prSet>
+      <dgm:spPr/>
+    </dgm:pt>
+  </dgm:ptLst>
+  <dgm:cxnLst>
+    <dgm:cxn modelId="{DD51D40D-158D-46A5-84AE-0E07E5E7B8B2}" srcId="{E8B484D1-D10F-475F-82AF-FE1A48A48C3A}" destId="{47890C08-0AF3-41FB-9CE8-F274B94A97F4}" srcOrd="1" destOrd="0" parTransId="{51AE9D22-1BC8-48BD-A316-75E3AA858C1A}" sibTransId="{30DD7394-8526-4DC9-B15F-5400F687C933}"/>
+    <dgm:cxn modelId="{7D05F917-C5FF-45C0-8605-0BB05C0818A5}" srcId="{E8B484D1-D10F-475F-82AF-FE1A48A48C3A}" destId="{6F518C6E-0DC1-4BBC-9333-96C03772C8CB}" srcOrd="4" destOrd="0" parTransId="{2C0C874B-C0F6-4672-8411-960A5BE6BED0}" sibTransId="{7DFC0C54-38DB-4151-887F-28348C9E6043}"/>
+    <dgm:cxn modelId="{18740220-74F1-4A9E-ACB5-148CABEBE2DC}" srcId="{E8B484D1-D10F-475F-82AF-FE1A48A48C3A}" destId="{13BF04BA-92B1-40BF-86DF-93E8AA05A573}" srcOrd="3" destOrd="0" parTransId="{840D9617-A954-47F4-9B87-BF0E7319EF9C}" sibTransId="{12810540-159E-4794-AC06-9D5E5EDD77E5}"/>
+    <dgm:cxn modelId="{A489F22D-F537-44DB-BAFA-A2A10F2DC69E}" type="presOf" srcId="{DBFFEA36-C72C-46F5-AA9A-B2108F5BF607}" destId="{C51B03AD-5CAD-404D-B3BE-D2C60D20953F}" srcOrd="0" destOrd="0" presId="urn:microsoft.com/office/officeart/2005/8/layout/vList2"/>
+    <dgm:cxn modelId="{9FC5405E-C25D-4236-B8C8-B38F2DB7DA6E}" type="presOf" srcId="{FD99AD56-C245-4DEF-AF42-BF7B293BAE72}" destId="{BD3785A9-EFCE-4C2E-A03D-ADD6BC4F5CA4}" srcOrd="0" destOrd="0" presId="urn:microsoft.com/office/officeart/2005/8/layout/vList2"/>
+    <dgm:cxn modelId="{F11D205F-B66E-4089-B976-F08C0A859513}" type="presOf" srcId="{E8B484D1-D10F-475F-82AF-FE1A48A48C3A}" destId="{E4FC7B61-DCB9-4702-8B7E-E4663CE5486F}" srcOrd="0" destOrd="0" presId="urn:microsoft.com/office/officeart/2005/8/layout/vList2"/>
+    <dgm:cxn modelId="{073B8148-F0AC-4BBA-872C-D99BC84FBACF}" type="presOf" srcId="{47890C08-0AF3-41FB-9CE8-F274B94A97F4}" destId="{7B5D3580-83B4-4EE2-914D-C632104D9785}" srcOrd="0" destOrd="0" presId="urn:microsoft.com/office/officeart/2005/8/layout/vList2"/>
+    <dgm:cxn modelId="{2A2B9D51-0DDE-450F-B7E0-7655FD352F53}" type="presOf" srcId="{F95CB6B9-7C99-411F-9AFE-F1ABD3C42452}" destId="{B2AD28ED-9587-4543-BAB3-7D36C23A0EC4}" srcOrd="0" destOrd="0" presId="urn:microsoft.com/office/officeart/2005/8/layout/vList2"/>
+    <dgm:cxn modelId="{CA34927B-2923-45F5-9FA6-83A76143A8AD}" srcId="{E8B484D1-D10F-475F-82AF-FE1A48A48C3A}" destId="{F95CB6B9-7C99-411F-9AFE-F1ABD3C42452}" srcOrd="5" destOrd="0" parTransId="{6B7BDC87-F164-49FE-9056-C8C69B0B712C}" sibTransId="{036CC9B3-E807-47A8-97DF-5BF6C40E911E}"/>
+    <dgm:cxn modelId="{946569AE-456F-4371-B142-4D4D833FAFE9}" srcId="{E8B484D1-D10F-475F-82AF-FE1A48A48C3A}" destId="{DBFFEA36-C72C-46F5-AA9A-B2108F5BF607}" srcOrd="0" destOrd="0" parTransId="{9E3B7DB1-F31D-4903-9010-41A3AB8D701B}" sibTransId="{7814CC93-CAD3-4DC1-9457-A53D2C3676F1}"/>
+    <dgm:cxn modelId="{1DEF23BF-94B8-4155-8E89-A1F02A3861F7}" type="presOf" srcId="{13BF04BA-92B1-40BF-86DF-93E8AA05A573}" destId="{397DAA08-B8CA-41F0-BF4F-11873D21E45F}" srcOrd="0" destOrd="0" presId="urn:microsoft.com/office/officeart/2005/8/layout/vList2"/>
+    <dgm:cxn modelId="{0B9DD8C9-E6C9-4DA7-9897-1C6492685C22}" type="presOf" srcId="{6F518C6E-0DC1-4BBC-9333-96C03772C8CB}" destId="{28C4A1C4-09BF-4AC0-83A7-788CF1A3496D}" srcOrd="0" destOrd="0" presId="urn:microsoft.com/office/officeart/2005/8/layout/vList2"/>
+    <dgm:cxn modelId="{898191DB-5A92-4755-874E-1ABF05E8D216}" srcId="{E8B484D1-D10F-475F-82AF-FE1A48A48C3A}" destId="{FD99AD56-C245-4DEF-AF42-BF7B293BAE72}" srcOrd="2" destOrd="0" parTransId="{638E4639-9380-4FF9-B4C4-490CA720D700}" sibTransId="{94FCC23D-C385-4C06-B0FE-593DA9B51EF3}"/>
+    <dgm:cxn modelId="{9A0885B7-1039-43A7-9C93-8CAF02836D61}" type="presParOf" srcId="{E4FC7B61-DCB9-4702-8B7E-E4663CE5486F}" destId="{C51B03AD-5CAD-404D-B3BE-D2C60D20953F}" srcOrd="0" destOrd="0" presId="urn:microsoft.com/office/officeart/2005/8/layout/vList2"/>
+    <dgm:cxn modelId="{E6A719F6-1492-43CD-BFCE-922D5B4B15E9}" type="presParOf" srcId="{E4FC7B61-DCB9-4702-8B7E-E4663CE5486F}" destId="{B2B52111-14E3-4E8B-A347-EB16A3B2B3A5}" srcOrd="1" destOrd="0" presId="urn:microsoft.com/office/officeart/2005/8/layout/vList2"/>
+    <dgm:cxn modelId="{B36A8AB2-A57A-4082-8DE5-FE00194CCF3A}" type="presParOf" srcId="{E4FC7B61-DCB9-4702-8B7E-E4663CE5486F}" destId="{7B5D3580-83B4-4EE2-914D-C632104D9785}" srcOrd="2" destOrd="0" presId="urn:microsoft.com/office/officeart/2005/8/layout/vList2"/>
+    <dgm:cxn modelId="{0995579C-73A2-4537-B226-FB5DEBC2685F}" type="presParOf" srcId="{E4FC7B61-DCB9-4702-8B7E-E4663CE5486F}" destId="{7B6F4596-3A75-4922-A326-741652386F25}" srcOrd="3" destOrd="0" presId="urn:microsoft.com/office/officeart/2005/8/layout/vList2"/>
+    <dgm:cxn modelId="{CF334230-6E95-4A92-8B95-73D483767AB0}" type="presParOf" srcId="{E4FC7B61-DCB9-4702-8B7E-E4663CE5486F}" destId="{BD3785A9-EFCE-4C2E-A03D-ADD6BC4F5CA4}" srcOrd="4" destOrd="0" presId="urn:microsoft.com/office/officeart/2005/8/layout/vList2"/>
+    <dgm:cxn modelId="{F59CE774-2F56-49DE-8329-7FAB39ED4B75}" type="presParOf" srcId="{E4FC7B61-DCB9-4702-8B7E-E4663CE5486F}" destId="{9962FCE1-86A5-43A8-894B-705AB70C0FDB}" srcOrd="5" destOrd="0" presId="urn:microsoft.com/office/officeart/2005/8/layout/vList2"/>
+    <dgm:cxn modelId="{1E46AEA0-E0E2-48A9-A739-9F1508492F84}" type="presParOf" srcId="{E4FC7B61-DCB9-4702-8B7E-E4663CE5486F}" destId="{397DAA08-B8CA-41F0-BF4F-11873D21E45F}" srcOrd="6" destOrd="0" presId="urn:microsoft.com/office/officeart/2005/8/layout/vList2"/>
+    <dgm:cxn modelId="{6A3B3F9F-009C-41F9-8413-B521495A3D8A}" type="presParOf" srcId="{E4FC7B61-DCB9-4702-8B7E-E4663CE5486F}" destId="{3F123394-C334-4D90-8A4C-3D6DC887C22F}" srcOrd="7" destOrd="0" presId="urn:microsoft.com/office/officeart/2005/8/layout/vList2"/>
+    <dgm:cxn modelId="{B1D1E2A6-56E4-4DE7-947C-5512B89BDC89}" type="presParOf" srcId="{E4FC7B61-DCB9-4702-8B7E-E4663CE5486F}" destId="{28C4A1C4-09BF-4AC0-83A7-788CF1A3496D}" srcOrd="8" destOrd="0" presId="urn:microsoft.com/office/officeart/2005/8/layout/vList2"/>
+    <dgm:cxn modelId="{AD6FD5C6-CF82-4320-8DB4-AAC3BBF155E4}" type="presParOf" srcId="{E4FC7B61-DCB9-4702-8B7E-E4663CE5486F}" destId="{1DF51BA6-24F8-482D-B004-B15A92DB38A8}" srcOrd="9" destOrd="0" presId="urn:microsoft.com/office/officeart/2005/8/layout/vList2"/>
+    <dgm:cxn modelId="{432F3589-560E-40CA-8433-ADE0455C818D}" type="presParOf" srcId="{E4FC7B61-DCB9-4702-8B7E-E4663CE5486F}" destId="{B2AD28ED-9587-4543-BAB3-7D36C23A0EC4}" srcOrd="10" destOrd="0" presId="urn:microsoft.com/office/officeart/2005/8/layout/vList2"/>
   </dgm:cxnLst>
   <dgm:bg/>
   <dgm:whole/>
@@ -9176,6 +11063,227 @@
 </dgm:dataModel>
 </file>
 
+<file path=ppt/diagrams/data9.xml><?xml version="1.0" encoding="utf-8"?>
+<dgm:dataModel xmlns:dgm="http://schemas.openxmlformats.org/drawingml/2006/diagram" xmlns:a="http://schemas.openxmlformats.org/drawingml/2006/main">
+  <dgm:ptLst>
+    <dgm:pt modelId="{4B283DC6-B626-4FB9-82CB-7FDE4304C484}" type="doc">
+      <dgm:prSet loTypeId="urn:microsoft.com/office/officeart/2005/8/layout/vList2" loCatId="list" qsTypeId="urn:microsoft.com/office/officeart/2005/8/quickstyle/simple4" qsCatId="simple" csTypeId="urn:microsoft.com/office/officeart/2005/8/colors/colorful2" csCatId="colorful" phldr="1"/>
+      <dgm:spPr/>
+      <dgm:t>
+        <a:bodyPr/>
+        <a:lstStyle/>
+        <a:p>
+          <a:endParaRPr lang="en-US"/>
+        </a:p>
+      </dgm:t>
+    </dgm:pt>
+    <dgm:pt modelId="{88A70BA0-CFF0-4AF2-A1EC-11E0E4C3E888}">
+      <dgm:prSet/>
+      <dgm:spPr/>
+      <dgm:t>
+        <a:bodyPr/>
+        <a:lstStyle/>
+        <a:p>
+          <a:r>
+            <a:rPr lang="en-US" dirty="0"/>
+            <a:t>&gt;&gt; git clone “</a:t>
+          </a:r>
+          <a:r>
+            <a:rPr lang="en-US" dirty="0" err="1"/>
+            <a:t>ssh</a:t>
+          </a:r>
+          <a:r>
+            <a:rPr lang="en-US" dirty="0"/>
+            <a:t> </a:t>
+          </a:r>
+          <a:r>
+            <a:rPr lang="en-US" dirty="0" err="1"/>
+            <a:t>github</a:t>
+          </a:r>
+          <a:r>
+            <a:rPr lang="en-US" dirty="0"/>
+            <a:t> URL to repo which has to be pulled to local machine”</a:t>
+          </a:r>
+        </a:p>
+        <a:p>
+          <a:r>
+            <a:rPr lang="en-US" dirty="0"/>
+            <a:t>URL is found in code dropdown inside the </a:t>
+          </a:r>
+          <a:r>
+            <a:rPr lang="en-US" dirty="0" err="1"/>
+            <a:t>github</a:t>
+          </a:r>
+          <a:r>
+            <a:rPr lang="en-US" dirty="0"/>
+            <a:t> repo</a:t>
+          </a:r>
+        </a:p>
+      </dgm:t>
+    </dgm:pt>
+    <dgm:pt modelId="{0D62AB2B-612E-4649-8CBE-1EE0A0B7A11F}" type="parTrans" cxnId="{30D55CDC-9593-4900-864A-41AE09D2B846}">
+      <dgm:prSet/>
+      <dgm:spPr/>
+      <dgm:t>
+        <a:bodyPr/>
+        <a:lstStyle/>
+        <a:p>
+          <a:endParaRPr lang="en-US"/>
+        </a:p>
+      </dgm:t>
+    </dgm:pt>
+    <dgm:pt modelId="{A13ED000-A697-492F-862D-F4EC45289F3A}" type="sibTrans" cxnId="{30D55CDC-9593-4900-864A-41AE09D2B846}">
+      <dgm:prSet/>
+      <dgm:spPr/>
+      <dgm:t>
+        <a:bodyPr/>
+        <a:lstStyle/>
+        <a:p>
+          <a:endParaRPr lang="en-US"/>
+        </a:p>
+      </dgm:t>
+    </dgm:pt>
+    <dgm:pt modelId="{76D8DD33-FFE5-4E78-AA36-B3D95BE9F503}">
+      <dgm:prSet/>
+      <dgm:spPr/>
+      <dgm:t>
+        <a:bodyPr/>
+        <a:lstStyle/>
+        <a:p>
+          <a:r>
+            <a:rPr lang="en-US"/>
+            <a:t>&gt;&gt; git pull origin “default branch of Github repo”</a:t>
+          </a:r>
+        </a:p>
+      </dgm:t>
+    </dgm:pt>
+    <dgm:pt modelId="{6626906F-0587-4B05-9994-2FE3F297DFD6}" type="parTrans" cxnId="{827D31C5-507A-4695-A2A0-C154E87209A9}">
+      <dgm:prSet/>
+      <dgm:spPr/>
+      <dgm:t>
+        <a:bodyPr/>
+        <a:lstStyle/>
+        <a:p>
+          <a:endParaRPr lang="en-US"/>
+        </a:p>
+      </dgm:t>
+    </dgm:pt>
+    <dgm:pt modelId="{81C8EF73-4D4F-4DA3-A724-1F7A72829B0E}" type="sibTrans" cxnId="{827D31C5-507A-4695-A2A0-C154E87209A9}">
+      <dgm:prSet/>
+      <dgm:spPr/>
+      <dgm:t>
+        <a:bodyPr/>
+        <a:lstStyle/>
+        <a:p>
+          <a:endParaRPr lang="en-US"/>
+        </a:p>
+      </dgm:t>
+    </dgm:pt>
+    <dgm:pt modelId="{D8855482-6203-4A55-8132-BB1E0D7897F6}">
+      <dgm:prSet/>
+      <dgm:spPr/>
+      <dgm:t>
+        <a:bodyPr/>
+        <a:lstStyle/>
+        <a:p>
+          <a:r>
+            <a:rPr lang="en-US" dirty="0"/>
+            <a:t>NOTE: Doing pull before push operation is good practice. First, we should get the latest code from remote repo(someone might have submitted changes) and then push our changes</a:t>
+          </a:r>
+        </a:p>
+      </dgm:t>
+    </dgm:pt>
+    <dgm:pt modelId="{C5F1E6FC-4B8B-48DE-990D-2D76BC4D3C29}" type="parTrans" cxnId="{04FF7C49-1324-4B75-94DB-61485C543401}">
+      <dgm:prSet/>
+      <dgm:spPr/>
+      <dgm:t>
+        <a:bodyPr/>
+        <a:lstStyle/>
+        <a:p>
+          <a:endParaRPr lang="en-US"/>
+        </a:p>
+      </dgm:t>
+    </dgm:pt>
+    <dgm:pt modelId="{698A270B-A04B-4573-AD67-0978BBBD4445}" type="sibTrans" cxnId="{04FF7C49-1324-4B75-94DB-61485C543401}">
+      <dgm:prSet/>
+      <dgm:spPr/>
+      <dgm:t>
+        <a:bodyPr/>
+        <a:lstStyle/>
+        <a:p>
+          <a:endParaRPr lang="en-US"/>
+        </a:p>
+      </dgm:t>
+    </dgm:pt>
+    <dgm:pt modelId="{ADE2F7F6-B318-4517-A869-346BB7ACDC4C}" type="pres">
+      <dgm:prSet presAssocID="{4B283DC6-B626-4FB9-82CB-7FDE4304C484}" presName="linear" presStyleCnt="0">
+        <dgm:presLayoutVars>
+          <dgm:animLvl val="lvl"/>
+          <dgm:resizeHandles val="exact"/>
+        </dgm:presLayoutVars>
+      </dgm:prSet>
+      <dgm:spPr/>
+    </dgm:pt>
+    <dgm:pt modelId="{B6A1745C-8D34-4BEB-96E4-FA2694D15952}" type="pres">
+      <dgm:prSet presAssocID="{88A70BA0-CFF0-4AF2-A1EC-11E0E4C3E888}" presName="parentText" presStyleLbl="node1" presStyleIdx="0" presStyleCnt="3">
+        <dgm:presLayoutVars>
+          <dgm:chMax val="0"/>
+          <dgm:bulletEnabled val="1"/>
+        </dgm:presLayoutVars>
+      </dgm:prSet>
+      <dgm:spPr/>
+    </dgm:pt>
+    <dgm:pt modelId="{5C61F769-F3CA-4679-8BAB-E81C2C570790}" type="pres">
+      <dgm:prSet presAssocID="{A13ED000-A697-492F-862D-F4EC45289F3A}" presName="spacer" presStyleCnt="0"/>
+      <dgm:spPr/>
+    </dgm:pt>
+    <dgm:pt modelId="{C27A23FF-0191-42EF-A655-559ECD9DA60F}" type="pres">
+      <dgm:prSet presAssocID="{76D8DD33-FFE5-4E78-AA36-B3D95BE9F503}" presName="parentText" presStyleLbl="node1" presStyleIdx="1" presStyleCnt="3">
+        <dgm:presLayoutVars>
+          <dgm:chMax val="0"/>
+          <dgm:bulletEnabled val="1"/>
+        </dgm:presLayoutVars>
+      </dgm:prSet>
+      <dgm:spPr/>
+    </dgm:pt>
+    <dgm:pt modelId="{ED09ABA1-F715-4426-A104-DD6B905C3784}" type="pres">
+      <dgm:prSet presAssocID="{81C8EF73-4D4F-4DA3-A724-1F7A72829B0E}" presName="spacer" presStyleCnt="0"/>
+      <dgm:spPr/>
+    </dgm:pt>
+    <dgm:pt modelId="{48A944D4-0293-48A1-B167-8BAC651CC98A}" type="pres">
+      <dgm:prSet presAssocID="{D8855482-6203-4A55-8132-BB1E0D7897F6}" presName="parentText" presStyleLbl="node1" presStyleIdx="2" presStyleCnt="3">
+        <dgm:presLayoutVars>
+          <dgm:chMax val="0"/>
+          <dgm:bulletEnabled val="1"/>
+        </dgm:presLayoutVars>
+      </dgm:prSet>
+      <dgm:spPr/>
+    </dgm:pt>
+  </dgm:ptLst>
+  <dgm:cxnLst>
+    <dgm:cxn modelId="{04FF7C49-1324-4B75-94DB-61485C543401}" srcId="{4B283DC6-B626-4FB9-82CB-7FDE4304C484}" destId="{D8855482-6203-4A55-8132-BB1E0D7897F6}" srcOrd="2" destOrd="0" parTransId="{C5F1E6FC-4B8B-48DE-990D-2D76BC4D3C29}" sibTransId="{698A270B-A04B-4573-AD67-0978BBBD4445}"/>
+    <dgm:cxn modelId="{B78A325A-7491-421C-AD38-44FBD1D231D0}" type="presOf" srcId="{4B283DC6-B626-4FB9-82CB-7FDE4304C484}" destId="{ADE2F7F6-B318-4517-A869-346BB7ACDC4C}" srcOrd="0" destOrd="0" presId="urn:microsoft.com/office/officeart/2005/8/layout/vList2"/>
+    <dgm:cxn modelId="{AB68A18E-16D9-4FDB-A14D-93CD1D5085DC}" type="presOf" srcId="{76D8DD33-FFE5-4E78-AA36-B3D95BE9F503}" destId="{C27A23FF-0191-42EF-A655-559ECD9DA60F}" srcOrd="0" destOrd="0" presId="urn:microsoft.com/office/officeart/2005/8/layout/vList2"/>
+    <dgm:cxn modelId="{6DD0D99F-4AD3-4E83-AF71-B136DC34D645}" type="presOf" srcId="{D8855482-6203-4A55-8132-BB1E0D7897F6}" destId="{48A944D4-0293-48A1-B167-8BAC651CC98A}" srcOrd="0" destOrd="0" presId="urn:microsoft.com/office/officeart/2005/8/layout/vList2"/>
+    <dgm:cxn modelId="{827D31C5-507A-4695-A2A0-C154E87209A9}" srcId="{4B283DC6-B626-4FB9-82CB-7FDE4304C484}" destId="{76D8DD33-FFE5-4E78-AA36-B3D95BE9F503}" srcOrd="1" destOrd="0" parTransId="{6626906F-0587-4B05-9994-2FE3F297DFD6}" sibTransId="{81C8EF73-4D4F-4DA3-A724-1F7A72829B0E}"/>
+    <dgm:cxn modelId="{30D55CDC-9593-4900-864A-41AE09D2B846}" srcId="{4B283DC6-B626-4FB9-82CB-7FDE4304C484}" destId="{88A70BA0-CFF0-4AF2-A1EC-11E0E4C3E888}" srcOrd="0" destOrd="0" parTransId="{0D62AB2B-612E-4649-8CBE-1EE0A0B7A11F}" sibTransId="{A13ED000-A697-492F-862D-F4EC45289F3A}"/>
+    <dgm:cxn modelId="{4E4E06EF-D67F-4E46-9BD6-30FA69865C8E}" type="presOf" srcId="{88A70BA0-CFF0-4AF2-A1EC-11E0E4C3E888}" destId="{B6A1745C-8D34-4BEB-96E4-FA2694D15952}" srcOrd="0" destOrd="0" presId="urn:microsoft.com/office/officeart/2005/8/layout/vList2"/>
+    <dgm:cxn modelId="{2C7E8925-961E-4D14-AC47-F07091150A5B}" type="presParOf" srcId="{ADE2F7F6-B318-4517-A869-346BB7ACDC4C}" destId="{B6A1745C-8D34-4BEB-96E4-FA2694D15952}" srcOrd="0" destOrd="0" presId="urn:microsoft.com/office/officeart/2005/8/layout/vList2"/>
+    <dgm:cxn modelId="{BCB24367-1706-48E5-831E-1D21DA640695}" type="presParOf" srcId="{ADE2F7F6-B318-4517-A869-346BB7ACDC4C}" destId="{5C61F769-F3CA-4679-8BAB-E81C2C570790}" srcOrd="1" destOrd="0" presId="urn:microsoft.com/office/officeart/2005/8/layout/vList2"/>
+    <dgm:cxn modelId="{0B81A6CF-BB9F-4B82-AE85-213651E7C7A2}" type="presParOf" srcId="{ADE2F7F6-B318-4517-A869-346BB7ACDC4C}" destId="{C27A23FF-0191-42EF-A655-559ECD9DA60F}" srcOrd="2" destOrd="0" presId="urn:microsoft.com/office/officeart/2005/8/layout/vList2"/>
+    <dgm:cxn modelId="{6CE31C09-B7EF-4973-B59D-4FA966686A0E}" type="presParOf" srcId="{ADE2F7F6-B318-4517-A869-346BB7ACDC4C}" destId="{ED09ABA1-F715-4426-A104-DD6B905C3784}" srcOrd="3" destOrd="0" presId="urn:microsoft.com/office/officeart/2005/8/layout/vList2"/>
+    <dgm:cxn modelId="{C15D8480-9387-4BA9-900C-D46BDBECFBC4}" type="presParOf" srcId="{ADE2F7F6-B318-4517-A869-346BB7ACDC4C}" destId="{48A944D4-0293-48A1-B167-8BAC651CC98A}" srcOrd="4" destOrd="0" presId="urn:microsoft.com/office/officeart/2005/8/layout/vList2"/>
+  </dgm:cxnLst>
+  <dgm:bg/>
+  <dgm:whole/>
+  <dgm:extLst>
+    <a:ext uri="http://schemas.microsoft.com/office/drawing/2008/diagram">
+      <dsp:dataModelExt xmlns:dsp="http://schemas.microsoft.com/office/drawing/2008/diagram" relId="rId6" minVer="http://schemas.openxmlformats.org/drawingml/2006/diagram"/>
+    </a:ext>
+  </dgm:extLst>
+</dgm:dataModel>
+</file>
+
 <file path=ppt/diagrams/drawing1.xml><?xml version="1.0" encoding="utf-8"?>
 <dsp:drawing xmlns:dgm="http://schemas.openxmlformats.org/drawingml/2006/diagram" xmlns:dsp="http://schemas.microsoft.com/office/drawing/2008/diagram" xmlns:a="http://schemas.openxmlformats.org/drawingml/2006/main">
   <dsp:spTree>
@@ -9494,6 +11602,486 @@
       <dsp:txXfrm>
         <a:off x="3852486" y="2257545"/>
         <a:ext cx="3222855" cy="1933713"/>
+      </dsp:txXfrm>
+    </dsp:sp>
+  </dsp:spTree>
+</dsp:drawing>
+</file>
+
+<file path=ppt/diagrams/drawing10.xml><?xml version="1.0" encoding="utf-8"?>
+<dsp:drawing xmlns:dgm="http://schemas.openxmlformats.org/drawingml/2006/diagram" xmlns:dsp="http://schemas.microsoft.com/office/drawing/2008/diagram" xmlns:a="http://schemas.openxmlformats.org/drawingml/2006/main">
+  <dsp:spTree>
+    <dsp:nvGrpSpPr>
+      <dsp:cNvPr id="0" name=""/>
+      <dsp:cNvGrpSpPr/>
+    </dsp:nvGrpSpPr>
+    <dsp:grpSpPr/>
+    <dsp:sp modelId="{C51B03AD-5CAD-404D-B3BE-D2C60D20953F}">
+      <dsp:nvSpPr>
+        <dsp:cNvPr id="0" name=""/>
+        <dsp:cNvSpPr/>
+      </dsp:nvSpPr>
+      <dsp:spPr>
+        <a:xfrm>
+          <a:off x="0" y="131991"/>
+          <a:ext cx="6721812" cy="1005543"/>
+        </a:xfrm>
+        <a:prstGeom prst="roundRect">
+          <a:avLst/>
+        </a:prstGeom>
+        <a:solidFill>
+          <a:schemeClr val="accent1">
+            <a:hueOff val="0"/>
+            <a:satOff val="0"/>
+            <a:lumOff val="0"/>
+            <a:alphaOff val="0"/>
+          </a:schemeClr>
+        </a:solidFill>
+        <a:ln w="12700" cap="flat" cmpd="sng" algn="ctr">
+          <a:solidFill>
+            <a:schemeClr val="lt1">
+              <a:hueOff val="0"/>
+              <a:satOff val="0"/>
+              <a:lumOff val="0"/>
+              <a:alphaOff val="0"/>
+            </a:schemeClr>
+          </a:solidFill>
+          <a:prstDash val="solid"/>
+          <a:miter lim="800000"/>
+        </a:ln>
+        <a:effectLst/>
+      </dsp:spPr>
+      <dsp:style>
+        <a:lnRef idx="2">
+          <a:scrgbClr r="0" g="0" b="0"/>
+        </a:lnRef>
+        <a:fillRef idx="1">
+          <a:scrgbClr r="0" g="0" b="0"/>
+        </a:fillRef>
+        <a:effectRef idx="0">
+          <a:scrgbClr r="0" g="0" b="0"/>
+        </a:effectRef>
+        <a:fontRef idx="minor">
+          <a:schemeClr val="lt1"/>
+        </a:fontRef>
+      </dsp:style>
+      <dsp:txBody>
+        <a:bodyPr spcFirstLastPara="0" vert="horz" wrap="square" lIns="68580" tIns="68580" rIns="68580" bIns="68580" numCol="1" spcCol="1270" anchor="ctr" anchorCtr="0">
+          <a:noAutofit/>
+        </a:bodyPr>
+        <a:lstStyle/>
+        <a:p>
+          <a:pPr marL="0" lvl="0" indent="0" algn="l" defTabSz="800100">
+            <a:lnSpc>
+              <a:spcPct val="90000"/>
+            </a:lnSpc>
+            <a:spcBef>
+              <a:spcPct val="0"/>
+            </a:spcBef>
+            <a:spcAft>
+              <a:spcPct val="35000"/>
+            </a:spcAft>
+            <a:buNone/>
+          </a:pPr>
+          <a:r>
+            <a:rPr lang="en-US" sz="1800" kern="1200"/>
+            <a:t>Github Repo should be public.</a:t>
+          </a:r>
+        </a:p>
+      </dsp:txBody>
+      <dsp:txXfrm>
+        <a:off x="49087" y="181078"/>
+        <a:ext cx="6623638" cy="907369"/>
+      </dsp:txXfrm>
+    </dsp:sp>
+    <dsp:sp modelId="{7B5D3580-83B4-4EE2-914D-C632104D9785}">
+      <dsp:nvSpPr>
+        <dsp:cNvPr id="0" name=""/>
+        <dsp:cNvSpPr/>
+      </dsp:nvSpPr>
+      <dsp:spPr>
+        <a:xfrm>
+          <a:off x="0" y="1189374"/>
+          <a:ext cx="6721812" cy="1005543"/>
+        </a:xfrm>
+        <a:prstGeom prst="roundRect">
+          <a:avLst/>
+        </a:prstGeom>
+        <a:solidFill>
+          <a:schemeClr val="accent1">
+            <a:hueOff val="0"/>
+            <a:satOff val="0"/>
+            <a:lumOff val="0"/>
+            <a:alphaOff val="0"/>
+          </a:schemeClr>
+        </a:solidFill>
+        <a:ln w="12700" cap="flat" cmpd="sng" algn="ctr">
+          <a:solidFill>
+            <a:schemeClr val="lt1">
+              <a:hueOff val="0"/>
+              <a:satOff val="0"/>
+              <a:lumOff val="0"/>
+              <a:alphaOff val="0"/>
+            </a:schemeClr>
+          </a:solidFill>
+          <a:prstDash val="solid"/>
+          <a:miter lim="800000"/>
+        </a:ln>
+        <a:effectLst/>
+      </dsp:spPr>
+      <dsp:style>
+        <a:lnRef idx="2">
+          <a:scrgbClr r="0" g="0" b="0"/>
+        </a:lnRef>
+        <a:fillRef idx="1">
+          <a:scrgbClr r="0" g="0" b="0"/>
+        </a:fillRef>
+        <a:effectRef idx="0">
+          <a:scrgbClr r="0" g="0" b="0"/>
+        </a:effectRef>
+        <a:fontRef idx="minor">
+          <a:schemeClr val="lt1"/>
+        </a:fontRef>
+      </dsp:style>
+      <dsp:txBody>
+        <a:bodyPr spcFirstLastPara="0" vert="horz" wrap="square" lIns="68580" tIns="68580" rIns="68580" bIns="68580" numCol="1" spcCol="1270" anchor="ctr" anchorCtr="0">
+          <a:noAutofit/>
+        </a:bodyPr>
+        <a:lstStyle/>
+        <a:p>
+          <a:pPr marL="0" lvl="0" indent="0" algn="l" defTabSz="800100">
+            <a:lnSpc>
+              <a:spcPct val="90000"/>
+            </a:lnSpc>
+            <a:spcBef>
+              <a:spcPct val="0"/>
+            </a:spcBef>
+            <a:spcAft>
+              <a:spcPct val="35000"/>
+            </a:spcAft>
+            <a:buNone/>
+          </a:pPr>
+          <a:r>
+            <a:rPr lang="en-US" sz="1800" kern="1200"/>
+            <a:t>If Private, then person who is accessing should get permission from the owner</a:t>
+          </a:r>
+        </a:p>
+      </dsp:txBody>
+      <dsp:txXfrm>
+        <a:off x="49087" y="1238461"/>
+        <a:ext cx="6623638" cy="907369"/>
+      </dsp:txXfrm>
+    </dsp:sp>
+    <dsp:sp modelId="{BD3785A9-EFCE-4C2E-A03D-ADD6BC4F5CA4}">
+      <dsp:nvSpPr>
+        <dsp:cNvPr id="0" name=""/>
+        <dsp:cNvSpPr/>
+      </dsp:nvSpPr>
+      <dsp:spPr>
+        <a:xfrm>
+          <a:off x="0" y="2246757"/>
+          <a:ext cx="6721812" cy="1005543"/>
+        </a:xfrm>
+        <a:prstGeom prst="roundRect">
+          <a:avLst/>
+        </a:prstGeom>
+        <a:solidFill>
+          <a:schemeClr val="accent1">
+            <a:hueOff val="0"/>
+            <a:satOff val="0"/>
+            <a:lumOff val="0"/>
+            <a:alphaOff val="0"/>
+          </a:schemeClr>
+        </a:solidFill>
+        <a:ln w="12700" cap="flat" cmpd="sng" algn="ctr">
+          <a:solidFill>
+            <a:schemeClr val="lt1">
+              <a:hueOff val="0"/>
+              <a:satOff val="0"/>
+              <a:lumOff val="0"/>
+              <a:alphaOff val="0"/>
+            </a:schemeClr>
+          </a:solidFill>
+          <a:prstDash val="solid"/>
+          <a:miter lim="800000"/>
+        </a:ln>
+        <a:effectLst/>
+      </dsp:spPr>
+      <dsp:style>
+        <a:lnRef idx="2">
+          <a:scrgbClr r="0" g="0" b="0"/>
+        </a:lnRef>
+        <a:fillRef idx="1">
+          <a:scrgbClr r="0" g="0" b="0"/>
+        </a:fillRef>
+        <a:effectRef idx="0">
+          <a:scrgbClr r="0" g="0" b="0"/>
+        </a:effectRef>
+        <a:fontRef idx="minor">
+          <a:schemeClr val="lt1"/>
+        </a:fontRef>
+      </dsp:style>
+      <dsp:txBody>
+        <a:bodyPr spcFirstLastPara="0" vert="horz" wrap="square" lIns="68580" tIns="68580" rIns="68580" bIns="68580" numCol="1" spcCol="1270" anchor="ctr" anchorCtr="0">
+          <a:noAutofit/>
+        </a:bodyPr>
+        <a:lstStyle/>
+        <a:p>
+          <a:pPr marL="0" lvl="0" indent="0" algn="l" defTabSz="800100">
+            <a:lnSpc>
+              <a:spcPct val="90000"/>
+            </a:lnSpc>
+            <a:spcBef>
+              <a:spcPct val="0"/>
+            </a:spcBef>
+            <a:spcAft>
+              <a:spcPct val="35000"/>
+            </a:spcAft>
+            <a:buNone/>
+          </a:pPr>
+          <a:r>
+            <a:rPr lang="en-US" sz="1800" kern="1200"/>
+            <a:t>Generate SSH keys in “Target machine” and add these keys into the github account of the owner</a:t>
+          </a:r>
+        </a:p>
+      </dsp:txBody>
+      <dsp:txXfrm>
+        <a:off x="49087" y="2295844"/>
+        <a:ext cx="6623638" cy="907369"/>
+      </dsp:txXfrm>
+    </dsp:sp>
+    <dsp:sp modelId="{397DAA08-B8CA-41F0-BF4F-11873D21E45F}">
+      <dsp:nvSpPr>
+        <dsp:cNvPr id="0" name=""/>
+        <dsp:cNvSpPr/>
+      </dsp:nvSpPr>
+      <dsp:spPr>
+        <a:xfrm>
+          <a:off x="0" y="3304141"/>
+          <a:ext cx="6721812" cy="1005543"/>
+        </a:xfrm>
+        <a:prstGeom prst="roundRect">
+          <a:avLst/>
+        </a:prstGeom>
+        <a:solidFill>
+          <a:schemeClr val="accent1">
+            <a:hueOff val="0"/>
+            <a:satOff val="0"/>
+            <a:lumOff val="0"/>
+            <a:alphaOff val="0"/>
+          </a:schemeClr>
+        </a:solidFill>
+        <a:ln w="12700" cap="flat" cmpd="sng" algn="ctr">
+          <a:solidFill>
+            <a:schemeClr val="lt1">
+              <a:hueOff val="0"/>
+              <a:satOff val="0"/>
+              <a:lumOff val="0"/>
+              <a:alphaOff val="0"/>
+            </a:schemeClr>
+          </a:solidFill>
+          <a:prstDash val="solid"/>
+          <a:miter lim="800000"/>
+        </a:ln>
+        <a:effectLst/>
+      </dsp:spPr>
+      <dsp:style>
+        <a:lnRef idx="2">
+          <a:scrgbClr r="0" g="0" b="0"/>
+        </a:lnRef>
+        <a:fillRef idx="1">
+          <a:scrgbClr r="0" g="0" b="0"/>
+        </a:fillRef>
+        <a:effectRef idx="0">
+          <a:scrgbClr r="0" g="0" b="0"/>
+        </a:effectRef>
+        <a:fontRef idx="minor">
+          <a:schemeClr val="lt1"/>
+        </a:fontRef>
+      </dsp:style>
+      <dsp:txBody>
+        <a:bodyPr spcFirstLastPara="0" vert="horz" wrap="square" lIns="68580" tIns="68580" rIns="68580" bIns="68580" numCol="1" spcCol="1270" anchor="ctr" anchorCtr="0">
+          <a:noAutofit/>
+        </a:bodyPr>
+        <a:lstStyle/>
+        <a:p>
+          <a:pPr marL="0" lvl="0" indent="0" algn="l" defTabSz="800100">
+            <a:lnSpc>
+              <a:spcPct val="90000"/>
+            </a:lnSpc>
+            <a:spcBef>
+              <a:spcPct val="0"/>
+            </a:spcBef>
+            <a:spcAft>
+              <a:spcPct val="35000"/>
+            </a:spcAft>
+            <a:buNone/>
+          </a:pPr>
+          <a:r>
+            <a:rPr lang="en-US" sz="1800" kern="1200"/>
+            <a:t>Create empty local Git Repo</a:t>
+          </a:r>
+        </a:p>
+      </dsp:txBody>
+      <dsp:txXfrm>
+        <a:off x="49087" y="3353228"/>
+        <a:ext cx="6623638" cy="907369"/>
+      </dsp:txXfrm>
+    </dsp:sp>
+    <dsp:sp modelId="{28C4A1C4-09BF-4AC0-83A7-788CF1A3496D}">
+      <dsp:nvSpPr>
+        <dsp:cNvPr id="0" name=""/>
+        <dsp:cNvSpPr/>
+      </dsp:nvSpPr>
+      <dsp:spPr>
+        <a:xfrm>
+          <a:off x="0" y="4361524"/>
+          <a:ext cx="6721812" cy="1005543"/>
+        </a:xfrm>
+        <a:prstGeom prst="roundRect">
+          <a:avLst/>
+        </a:prstGeom>
+        <a:solidFill>
+          <a:schemeClr val="accent1">
+            <a:hueOff val="0"/>
+            <a:satOff val="0"/>
+            <a:lumOff val="0"/>
+            <a:alphaOff val="0"/>
+          </a:schemeClr>
+        </a:solidFill>
+        <a:ln w="12700" cap="flat" cmpd="sng" algn="ctr">
+          <a:solidFill>
+            <a:schemeClr val="lt1">
+              <a:hueOff val="0"/>
+              <a:satOff val="0"/>
+              <a:lumOff val="0"/>
+              <a:alphaOff val="0"/>
+            </a:schemeClr>
+          </a:solidFill>
+          <a:prstDash val="solid"/>
+          <a:miter lim="800000"/>
+        </a:ln>
+        <a:effectLst/>
+      </dsp:spPr>
+      <dsp:style>
+        <a:lnRef idx="2">
+          <a:scrgbClr r="0" g="0" b="0"/>
+        </a:lnRef>
+        <a:fillRef idx="1">
+          <a:scrgbClr r="0" g="0" b="0"/>
+        </a:fillRef>
+        <a:effectRef idx="0">
+          <a:scrgbClr r="0" g="0" b="0"/>
+        </a:effectRef>
+        <a:fontRef idx="minor">
+          <a:schemeClr val="lt1"/>
+        </a:fontRef>
+      </dsp:style>
+      <dsp:txBody>
+        <a:bodyPr spcFirstLastPara="0" vert="horz" wrap="square" lIns="68580" tIns="68580" rIns="68580" bIns="68580" numCol="1" spcCol="1270" anchor="ctr" anchorCtr="0">
+          <a:noAutofit/>
+        </a:bodyPr>
+        <a:lstStyle/>
+        <a:p>
+          <a:pPr marL="0" lvl="0" indent="0" algn="l" defTabSz="800100">
+            <a:lnSpc>
+              <a:spcPct val="90000"/>
+            </a:lnSpc>
+            <a:spcBef>
+              <a:spcPct val="0"/>
+            </a:spcBef>
+            <a:spcAft>
+              <a:spcPct val="35000"/>
+            </a:spcAft>
+            <a:buNone/>
+          </a:pPr>
+          <a:r>
+            <a:rPr lang="en-US" sz="1800" kern="1200"/>
+            <a:t>Use “git clone ssh github URL to repo which has to be pulled to local machine”. This is found in code drop down in the github repo which you want to clone</a:t>
+          </a:r>
+        </a:p>
+      </dsp:txBody>
+      <dsp:txXfrm>
+        <a:off x="49087" y="4410611"/>
+        <a:ext cx="6623638" cy="907369"/>
+      </dsp:txXfrm>
+    </dsp:sp>
+    <dsp:sp modelId="{B2AD28ED-9587-4543-BAB3-7D36C23A0EC4}">
+      <dsp:nvSpPr>
+        <dsp:cNvPr id="0" name=""/>
+        <dsp:cNvSpPr/>
+      </dsp:nvSpPr>
+      <dsp:spPr>
+        <a:xfrm>
+          <a:off x="0" y="5418907"/>
+          <a:ext cx="6721812" cy="1005543"/>
+        </a:xfrm>
+        <a:prstGeom prst="roundRect">
+          <a:avLst/>
+        </a:prstGeom>
+        <a:solidFill>
+          <a:schemeClr val="accent1">
+            <a:hueOff val="0"/>
+            <a:satOff val="0"/>
+            <a:lumOff val="0"/>
+            <a:alphaOff val="0"/>
+          </a:schemeClr>
+        </a:solidFill>
+        <a:ln w="12700" cap="flat" cmpd="sng" algn="ctr">
+          <a:solidFill>
+            <a:schemeClr val="lt1">
+              <a:hueOff val="0"/>
+              <a:satOff val="0"/>
+              <a:lumOff val="0"/>
+              <a:alphaOff val="0"/>
+            </a:schemeClr>
+          </a:solidFill>
+          <a:prstDash val="solid"/>
+          <a:miter lim="800000"/>
+        </a:ln>
+        <a:effectLst/>
+      </dsp:spPr>
+      <dsp:style>
+        <a:lnRef idx="2">
+          <a:scrgbClr r="0" g="0" b="0"/>
+        </a:lnRef>
+        <a:fillRef idx="1">
+          <a:scrgbClr r="0" g="0" b="0"/>
+        </a:fillRef>
+        <a:effectRef idx="0">
+          <a:scrgbClr r="0" g="0" b="0"/>
+        </a:effectRef>
+        <a:fontRef idx="minor">
+          <a:schemeClr val="lt1"/>
+        </a:fontRef>
+      </dsp:style>
+      <dsp:txBody>
+        <a:bodyPr spcFirstLastPara="0" vert="horz" wrap="square" lIns="68580" tIns="68580" rIns="68580" bIns="68580" numCol="1" spcCol="1270" anchor="ctr" anchorCtr="0">
+          <a:noAutofit/>
+        </a:bodyPr>
+        <a:lstStyle/>
+        <a:p>
+          <a:pPr marL="0" lvl="0" indent="0" algn="l" defTabSz="800100">
+            <a:lnSpc>
+              <a:spcPct val="90000"/>
+            </a:lnSpc>
+            <a:spcBef>
+              <a:spcPct val="0"/>
+            </a:spcBef>
+            <a:spcAft>
+              <a:spcPct val="35000"/>
+            </a:spcAft>
+            <a:buNone/>
+          </a:pPr>
+          <a:r>
+            <a:rPr lang="en-US" sz="1800" kern="1200"/>
+            <a:t>(Github is in your known hosts)</a:t>
+          </a:r>
+        </a:p>
+      </dsp:txBody>
+      <dsp:txXfrm>
+        <a:off x="49087" y="5467994"/>
+        <a:ext cx="6623638" cy="907369"/>
       </dsp:txXfrm>
     </dsp:sp>
   </dsp:spTree>
@@ -13497,6 +16085,357 @@
 </dsp:drawing>
 </file>
 
+<file path=ppt/diagrams/drawing9.xml><?xml version="1.0" encoding="utf-8"?>
+<dsp:drawing xmlns:dgm="http://schemas.openxmlformats.org/drawingml/2006/diagram" xmlns:dsp="http://schemas.microsoft.com/office/drawing/2008/diagram" xmlns:a="http://schemas.openxmlformats.org/drawingml/2006/main">
+  <dsp:spTree>
+    <dsp:nvGrpSpPr>
+      <dsp:cNvPr id="0" name=""/>
+      <dsp:cNvGrpSpPr/>
+    </dsp:nvGrpSpPr>
+    <dsp:grpSpPr/>
+    <dsp:sp modelId="{B6A1745C-8D34-4BEB-96E4-FA2694D15952}">
+      <dsp:nvSpPr>
+        <dsp:cNvPr id="0" name=""/>
+        <dsp:cNvSpPr/>
+      </dsp:nvSpPr>
+      <dsp:spPr>
+        <a:xfrm>
+          <a:off x="0" y="297530"/>
+          <a:ext cx="6666833" cy="1577379"/>
+        </a:xfrm>
+        <a:prstGeom prst="roundRect">
+          <a:avLst/>
+        </a:prstGeom>
+        <a:gradFill rotWithShape="0">
+          <a:gsLst>
+            <a:gs pos="0">
+              <a:schemeClr val="accent2">
+                <a:hueOff val="0"/>
+                <a:satOff val="0"/>
+                <a:lumOff val="0"/>
+                <a:alphaOff val="0"/>
+                <a:satMod val="103000"/>
+                <a:lumMod val="102000"/>
+                <a:tint val="94000"/>
+              </a:schemeClr>
+            </a:gs>
+            <a:gs pos="50000">
+              <a:schemeClr val="accent2">
+                <a:hueOff val="0"/>
+                <a:satOff val="0"/>
+                <a:lumOff val="0"/>
+                <a:alphaOff val="0"/>
+                <a:satMod val="110000"/>
+                <a:lumMod val="100000"/>
+                <a:shade val="100000"/>
+              </a:schemeClr>
+            </a:gs>
+            <a:gs pos="100000">
+              <a:schemeClr val="accent2">
+                <a:hueOff val="0"/>
+                <a:satOff val="0"/>
+                <a:lumOff val="0"/>
+                <a:alphaOff val="0"/>
+                <a:lumMod val="99000"/>
+                <a:satMod val="120000"/>
+                <a:shade val="78000"/>
+              </a:schemeClr>
+            </a:gs>
+          </a:gsLst>
+          <a:lin ang="5400000" scaled="0"/>
+        </a:gradFill>
+        <a:ln>
+          <a:noFill/>
+        </a:ln>
+        <a:effectLst/>
+      </dsp:spPr>
+      <dsp:style>
+        <a:lnRef idx="0">
+          <a:scrgbClr r="0" g="0" b="0"/>
+        </a:lnRef>
+        <a:fillRef idx="3">
+          <a:scrgbClr r="0" g="0" b="0"/>
+        </a:fillRef>
+        <a:effectRef idx="2">
+          <a:scrgbClr r="0" g="0" b="0"/>
+        </a:effectRef>
+        <a:fontRef idx="minor">
+          <a:schemeClr val="lt1"/>
+        </a:fontRef>
+      </dsp:style>
+      <dsp:txBody>
+        <a:bodyPr spcFirstLastPara="0" vert="horz" wrap="square" lIns="83820" tIns="83820" rIns="83820" bIns="83820" numCol="1" spcCol="1270" anchor="ctr" anchorCtr="0">
+          <a:noAutofit/>
+        </a:bodyPr>
+        <a:lstStyle/>
+        <a:p>
+          <a:pPr marL="0" lvl="0" indent="0" algn="l" defTabSz="977900">
+            <a:lnSpc>
+              <a:spcPct val="90000"/>
+            </a:lnSpc>
+            <a:spcBef>
+              <a:spcPct val="0"/>
+            </a:spcBef>
+            <a:spcAft>
+              <a:spcPct val="35000"/>
+            </a:spcAft>
+            <a:buNone/>
+          </a:pPr>
+          <a:r>
+            <a:rPr lang="en-US" sz="2200" kern="1200" dirty="0"/>
+            <a:t>&gt;&gt; git clone “</a:t>
+          </a:r>
+          <a:r>
+            <a:rPr lang="en-US" sz="2200" kern="1200" dirty="0" err="1"/>
+            <a:t>ssh</a:t>
+          </a:r>
+          <a:r>
+            <a:rPr lang="en-US" sz="2200" kern="1200" dirty="0"/>
+            <a:t> </a:t>
+          </a:r>
+          <a:r>
+            <a:rPr lang="en-US" sz="2200" kern="1200" dirty="0" err="1"/>
+            <a:t>github</a:t>
+          </a:r>
+          <a:r>
+            <a:rPr lang="en-US" sz="2200" kern="1200" dirty="0"/>
+            <a:t> URL to repo which has to be pulled to local machine”</a:t>
+          </a:r>
+        </a:p>
+        <a:p>
+          <a:pPr marL="0" lvl="0" indent="0" algn="l" defTabSz="977900">
+            <a:lnSpc>
+              <a:spcPct val="90000"/>
+            </a:lnSpc>
+            <a:spcBef>
+              <a:spcPct val="0"/>
+            </a:spcBef>
+            <a:spcAft>
+              <a:spcPct val="35000"/>
+            </a:spcAft>
+            <a:buNone/>
+          </a:pPr>
+          <a:r>
+            <a:rPr lang="en-US" sz="2200" kern="1200" dirty="0"/>
+            <a:t>URL is found in code dropdown inside the </a:t>
+          </a:r>
+          <a:r>
+            <a:rPr lang="en-US" sz="2200" kern="1200" dirty="0" err="1"/>
+            <a:t>github</a:t>
+          </a:r>
+          <a:r>
+            <a:rPr lang="en-US" sz="2200" kern="1200" dirty="0"/>
+            <a:t> repo</a:t>
+          </a:r>
+        </a:p>
+      </dsp:txBody>
+      <dsp:txXfrm>
+        <a:off x="77001" y="374531"/>
+        <a:ext cx="6512831" cy="1423377"/>
+      </dsp:txXfrm>
+    </dsp:sp>
+    <dsp:sp modelId="{C27A23FF-0191-42EF-A655-559ECD9DA60F}">
+      <dsp:nvSpPr>
+        <dsp:cNvPr id="0" name=""/>
+        <dsp:cNvSpPr/>
+      </dsp:nvSpPr>
+      <dsp:spPr>
+        <a:xfrm>
+          <a:off x="0" y="1938270"/>
+          <a:ext cx="6666833" cy="1577379"/>
+        </a:xfrm>
+        <a:prstGeom prst="roundRect">
+          <a:avLst/>
+        </a:prstGeom>
+        <a:gradFill rotWithShape="0">
+          <a:gsLst>
+            <a:gs pos="0">
+              <a:schemeClr val="accent2">
+                <a:hueOff val="-727682"/>
+                <a:satOff val="-41964"/>
+                <a:lumOff val="4314"/>
+                <a:alphaOff val="0"/>
+                <a:satMod val="103000"/>
+                <a:lumMod val="102000"/>
+                <a:tint val="94000"/>
+              </a:schemeClr>
+            </a:gs>
+            <a:gs pos="50000">
+              <a:schemeClr val="accent2">
+                <a:hueOff val="-727682"/>
+                <a:satOff val="-41964"/>
+                <a:lumOff val="4314"/>
+                <a:alphaOff val="0"/>
+                <a:satMod val="110000"/>
+                <a:lumMod val="100000"/>
+                <a:shade val="100000"/>
+              </a:schemeClr>
+            </a:gs>
+            <a:gs pos="100000">
+              <a:schemeClr val="accent2">
+                <a:hueOff val="-727682"/>
+                <a:satOff val="-41964"/>
+                <a:lumOff val="4314"/>
+                <a:alphaOff val="0"/>
+                <a:lumMod val="99000"/>
+                <a:satMod val="120000"/>
+                <a:shade val="78000"/>
+              </a:schemeClr>
+            </a:gs>
+          </a:gsLst>
+          <a:lin ang="5400000" scaled="0"/>
+        </a:gradFill>
+        <a:ln>
+          <a:noFill/>
+        </a:ln>
+        <a:effectLst/>
+      </dsp:spPr>
+      <dsp:style>
+        <a:lnRef idx="0">
+          <a:scrgbClr r="0" g="0" b="0"/>
+        </a:lnRef>
+        <a:fillRef idx="3">
+          <a:scrgbClr r="0" g="0" b="0"/>
+        </a:fillRef>
+        <a:effectRef idx="2">
+          <a:scrgbClr r="0" g="0" b="0"/>
+        </a:effectRef>
+        <a:fontRef idx="minor">
+          <a:schemeClr val="lt1"/>
+        </a:fontRef>
+      </dsp:style>
+      <dsp:txBody>
+        <a:bodyPr spcFirstLastPara="0" vert="horz" wrap="square" lIns="83820" tIns="83820" rIns="83820" bIns="83820" numCol="1" spcCol="1270" anchor="ctr" anchorCtr="0">
+          <a:noAutofit/>
+        </a:bodyPr>
+        <a:lstStyle/>
+        <a:p>
+          <a:pPr marL="0" lvl="0" indent="0" algn="l" defTabSz="977900">
+            <a:lnSpc>
+              <a:spcPct val="90000"/>
+            </a:lnSpc>
+            <a:spcBef>
+              <a:spcPct val="0"/>
+            </a:spcBef>
+            <a:spcAft>
+              <a:spcPct val="35000"/>
+            </a:spcAft>
+            <a:buNone/>
+          </a:pPr>
+          <a:r>
+            <a:rPr lang="en-US" sz="2200" kern="1200"/>
+            <a:t>&gt;&gt; git pull origin “default branch of Github repo”</a:t>
+          </a:r>
+        </a:p>
+      </dsp:txBody>
+      <dsp:txXfrm>
+        <a:off x="77001" y="2015271"/>
+        <a:ext cx="6512831" cy="1423377"/>
+      </dsp:txXfrm>
+    </dsp:sp>
+    <dsp:sp modelId="{48A944D4-0293-48A1-B167-8BAC651CC98A}">
+      <dsp:nvSpPr>
+        <dsp:cNvPr id="0" name=""/>
+        <dsp:cNvSpPr/>
+      </dsp:nvSpPr>
+      <dsp:spPr>
+        <a:xfrm>
+          <a:off x="0" y="3579009"/>
+          <a:ext cx="6666833" cy="1577379"/>
+        </a:xfrm>
+        <a:prstGeom prst="roundRect">
+          <a:avLst/>
+        </a:prstGeom>
+        <a:gradFill rotWithShape="0">
+          <a:gsLst>
+            <a:gs pos="0">
+              <a:schemeClr val="accent2">
+                <a:hueOff val="-1455363"/>
+                <a:satOff val="-83928"/>
+                <a:lumOff val="8628"/>
+                <a:alphaOff val="0"/>
+                <a:satMod val="103000"/>
+                <a:lumMod val="102000"/>
+                <a:tint val="94000"/>
+              </a:schemeClr>
+            </a:gs>
+            <a:gs pos="50000">
+              <a:schemeClr val="accent2">
+                <a:hueOff val="-1455363"/>
+                <a:satOff val="-83928"/>
+                <a:lumOff val="8628"/>
+                <a:alphaOff val="0"/>
+                <a:satMod val="110000"/>
+                <a:lumMod val="100000"/>
+                <a:shade val="100000"/>
+              </a:schemeClr>
+            </a:gs>
+            <a:gs pos="100000">
+              <a:schemeClr val="accent2">
+                <a:hueOff val="-1455363"/>
+                <a:satOff val="-83928"/>
+                <a:lumOff val="8628"/>
+                <a:alphaOff val="0"/>
+                <a:lumMod val="99000"/>
+                <a:satMod val="120000"/>
+                <a:shade val="78000"/>
+              </a:schemeClr>
+            </a:gs>
+          </a:gsLst>
+          <a:lin ang="5400000" scaled="0"/>
+        </a:gradFill>
+        <a:ln>
+          <a:noFill/>
+        </a:ln>
+        <a:effectLst/>
+      </dsp:spPr>
+      <dsp:style>
+        <a:lnRef idx="0">
+          <a:scrgbClr r="0" g="0" b="0"/>
+        </a:lnRef>
+        <a:fillRef idx="3">
+          <a:scrgbClr r="0" g="0" b="0"/>
+        </a:fillRef>
+        <a:effectRef idx="2">
+          <a:scrgbClr r="0" g="0" b="0"/>
+        </a:effectRef>
+        <a:fontRef idx="minor">
+          <a:schemeClr val="lt1"/>
+        </a:fontRef>
+      </dsp:style>
+      <dsp:txBody>
+        <a:bodyPr spcFirstLastPara="0" vert="horz" wrap="square" lIns="83820" tIns="83820" rIns="83820" bIns="83820" numCol="1" spcCol="1270" anchor="ctr" anchorCtr="0">
+          <a:noAutofit/>
+        </a:bodyPr>
+        <a:lstStyle/>
+        <a:p>
+          <a:pPr marL="0" lvl="0" indent="0" algn="l" defTabSz="977900">
+            <a:lnSpc>
+              <a:spcPct val="90000"/>
+            </a:lnSpc>
+            <a:spcBef>
+              <a:spcPct val="0"/>
+            </a:spcBef>
+            <a:spcAft>
+              <a:spcPct val="35000"/>
+            </a:spcAft>
+            <a:buNone/>
+          </a:pPr>
+          <a:r>
+            <a:rPr lang="en-US" sz="2200" kern="1200" dirty="0"/>
+            <a:t>NOTE: Doing pull before push operation is good practice. First, we should get the latest code from remote repo(someone might have submitted changes) and then push our changes</a:t>
+          </a:r>
+        </a:p>
+      </dsp:txBody>
+      <dsp:txXfrm>
+        <a:off x="77001" y="3656010"/>
+        <a:ext cx="6512831" cy="1423377"/>
+      </dsp:txXfrm>
+    </dsp:sp>
+  </dsp:spTree>
+</dsp:drawing>
+</file>
+
 <file path=ppt/diagrams/layout1.xml><?xml version="1.0" encoding="utf-8"?>
 <dgm:layoutDef xmlns:dgm="http://schemas.openxmlformats.org/drawingml/2006/diagram" xmlns:a="http://schemas.openxmlformats.org/drawingml/2006/main" uniqueId="urn:microsoft.com/office/officeart/2005/8/layout/default">
   <dgm:title val=""/>
@@ -13639,6 +16578,173 @@
           <dgm:ruleLst/>
         </dgm:layoutNode>
       </dgm:forEach>
+    </dgm:forEach>
+  </dgm:layoutNode>
+</dgm:layoutDef>
+</file>
+
+<file path=ppt/diagrams/layout10.xml><?xml version="1.0" encoding="utf-8"?>
+<dgm:layoutDef xmlns:dgm="http://schemas.openxmlformats.org/drawingml/2006/diagram" xmlns:a="http://schemas.openxmlformats.org/drawingml/2006/main" uniqueId="urn:microsoft.com/office/officeart/2005/8/layout/vList2">
+  <dgm:title val=""/>
+  <dgm:desc val=""/>
+  <dgm:catLst>
+    <dgm:cat type="list" pri="3000"/>
+    <dgm:cat type="convert" pri="1000"/>
+  </dgm:catLst>
+  <dgm:sampData>
+    <dgm:dataModel>
+      <dgm:ptLst>
+        <dgm:pt modelId="0" type="doc"/>
+        <dgm:pt modelId="1">
+          <dgm:prSet phldr="1"/>
+        </dgm:pt>
+        <dgm:pt modelId="11">
+          <dgm:prSet phldr="1"/>
+        </dgm:pt>
+        <dgm:pt modelId="2">
+          <dgm:prSet phldr="1"/>
+        </dgm:pt>
+        <dgm:pt modelId="21">
+          <dgm:prSet phldr="1"/>
+        </dgm:pt>
+      </dgm:ptLst>
+      <dgm:cxnLst>
+        <dgm:cxn modelId="4" srcId="0" destId="1" srcOrd="0" destOrd="0"/>
+        <dgm:cxn modelId="5" srcId="0" destId="2" srcOrd="1" destOrd="0"/>
+        <dgm:cxn modelId="12" srcId="1" destId="11" srcOrd="0" destOrd="0"/>
+        <dgm:cxn modelId="23" srcId="2" destId="21" srcOrd="0" destOrd="0"/>
+      </dgm:cxnLst>
+      <dgm:bg/>
+      <dgm:whole/>
+    </dgm:dataModel>
+  </dgm:sampData>
+  <dgm:styleData>
+    <dgm:dataModel>
+      <dgm:ptLst>
+        <dgm:pt modelId="0" type="doc"/>
+        <dgm:pt modelId="1"/>
+        <dgm:pt modelId="2"/>
+      </dgm:ptLst>
+      <dgm:cxnLst>
+        <dgm:cxn modelId="3" srcId="0" destId="1" srcOrd="0" destOrd="0"/>
+        <dgm:cxn modelId="4" srcId="0" destId="2" srcOrd="1" destOrd="0"/>
+      </dgm:cxnLst>
+      <dgm:bg/>
+      <dgm:whole/>
+    </dgm:dataModel>
+  </dgm:styleData>
+  <dgm:clrData>
+    <dgm:dataModel>
+      <dgm:ptLst>
+        <dgm:pt modelId="0" type="doc"/>
+        <dgm:pt modelId="1"/>
+        <dgm:pt modelId="2"/>
+        <dgm:pt modelId="3"/>
+        <dgm:pt modelId="4"/>
+      </dgm:ptLst>
+      <dgm:cxnLst>
+        <dgm:cxn modelId="5" srcId="0" destId="1" srcOrd="0" destOrd="0"/>
+        <dgm:cxn modelId="6" srcId="0" destId="2" srcOrd="1" destOrd="0"/>
+        <dgm:cxn modelId="7" srcId="0" destId="3" srcOrd="2" destOrd="0"/>
+        <dgm:cxn modelId="8" srcId="0" destId="4" srcOrd="3" destOrd="0"/>
+      </dgm:cxnLst>
+      <dgm:bg/>
+      <dgm:whole/>
+    </dgm:dataModel>
+  </dgm:clrData>
+  <dgm:layoutNode name="linear">
+    <dgm:varLst>
+      <dgm:animLvl val="lvl"/>
+      <dgm:resizeHandles val="exact"/>
+    </dgm:varLst>
+    <dgm:alg type="lin">
+      <dgm:param type="linDir" val="fromT"/>
+      <dgm:param type="vertAlign" val="mid"/>
+    </dgm:alg>
+    <dgm:shape xmlns:r="http://schemas.openxmlformats.org/officeDocument/2006/relationships" r:blip="">
+      <dgm:adjLst/>
+    </dgm:shape>
+    <dgm:presOf/>
+    <dgm:constrLst>
+      <dgm:constr type="w" for="ch" forName="parentText" refType="w"/>
+      <dgm:constr type="h" for="ch" forName="parentText" refType="primFontSz" refFor="ch" refForName="parentText" fact="0.52"/>
+      <dgm:constr type="w" for="ch" forName="childText" refType="w"/>
+      <dgm:constr type="h" for="ch" forName="childText" refType="primFontSz" refFor="ch" refForName="parentText" fact="0.46"/>
+      <dgm:constr type="h" for="ch" forName="parentText" op="equ"/>
+      <dgm:constr type="primFontSz" for="ch" forName="parentText" op="equ" val="65"/>
+      <dgm:constr type="primFontSz" for="ch" forName="childText" refType="primFontSz" refFor="ch" refForName="parentText" op="equ"/>
+      <dgm:constr type="h" for="ch" forName="spacer" refType="primFontSz" refFor="ch" refForName="parentText" fact="0.08"/>
+    </dgm:constrLst>
+    <dgm:ruleLst>
+      <dgm:rule type="primFontSz" for="ch" forName="parentText" val="5" fact="NaN" max="NaN"/>
+    </dgm:ruleLst>
+    <dgm:forEach name="Name0" axis="ch" ptType="node">
+      <dgm:layoutNode name="parentText" styleLbl="node1">
+        <dgm:varLst>
+          <dgm:chMax val="0"/>
+          <dgm:bulletEnabled val="1"/>
+        </dgm:varLst>
+        <dgm:alg type="tx">
+          <dgm:param type="parTxLTRAlign" val="l"/>
+          <dgm:param type="parTxRTLAlign" val="r"/>
+        </dgm:alg>
+        <dgm:shape xmlns:r="http://schemas.openxmlformats.org/officeDocument/2006/relationships" type="roundRect" r:blip="">
+          <dgm:adjLst/>
+        </dgm:shape>
+        <dgm:presOf axis="self"/>
+        <dgm:constrLst>
+          <dgm:constr type="tMarg" refType="primFontSz" fact="0.3"/>
+          <dgm:constr type="bMarg" refType="primFontSz" fact="0.3"/>
+          <dgm:constr type="lMarg" refType="primFontSz" fact="0.3"/>
+          <dgm:constr type="rMarg" refType="primFontSz" fact="0.3"/>
+        </dgm:constrLst>
+        <dgm:ruleLst>
+          <dgm:rule type="h" val="INF" fact="NaN" max="NaN"/>
+        </dgm:ruleLst>
+      </dgm:layoutNode>
+      <dgm:choose name="Name1">
+        <dgm:if name="Name2" axis="ch" ptType="node" func="cnt" op="gte" val="1">
+          <dgm:layoutNode name="childText" styleLbl="revTx">
+            <dgm:varLst>
+              <dgm:bulletEnabled val="1"/>
+            </dgm:varLst>
+            <dgm:alg type="tx">
+              <dgm:param type="stBulletLvl" val="1"/>
+              <dgm:param type="lnSpAfChP" val="20"/>
+            </dgm:alg>
+            <dgm:shape xmlns:r="http://schemas.openxmlformats.org/officeDocument/2006/relationships" type="rect" r:blip="">
+              <dgm:adjLst/>
+            </dgm:shape>
+            <dgm:presOf axis="des" ptType="node"/>
+            <dgm:constrLst>
+              <dgm:constr type="tMarg" refType="primFontSz" fact="0.1"/>
+              <dgm:constr type="bMarg" refType="primFontSz" fact="0.1"/>
+              <dgm:constr type="lMarg" refType="w" fact="0.09"/>
+            </dgm:constrLst>
+            <dgm:ruleLst>
+              <dgm:rule type="h" val="INF" fact="NaN" max="NaN"/>
+            </dgm:ruleLst>
+          </dgm:layoutNode>
+        </dgm:if>
+        <dgm:else name="Name3">
+          <dgm:choose name="Name4">
+            <dgm:if name="Name5" axis="par ch" ptType="doc node" func="cnt" op="gte" val="2">
+              <dgm:forEach name="Name6" axis="followSib" ptType="sibTrans" cnt="1">
+                <dgm:layoutNode name="spacer">
+                  <dgm:alg type="sp"/>
+                  <dgm:shape xmlns:r="http://schemas.openxmlformats.org/officeDocument/2006/relationships" r:blip="">
+                    <dgm:adjLst/>
+                  </dgm:shape>
+                  <dgm:presOf/>
+                  <dgm:constrLst/>
+                  <dgm:ruleLst/>
+                </dgm:layoutNode>
+              </dgm:forEach>
+            </dgm:if>
+            <dgm:else name="Name7"/>
+          </dgm:choose>
+        </dgm:else>
+      </dgm:choose>
     </dgm:forEach>
   </dgm:layoutNode>
 </dgm:layoutDef>
@@ -15942,7 +19048,1208 @@
 </dgm:layoutDef>
 </file>
 
+<file path=ppt/diagrams/layout9.xml><?xml version="1.0" encoding="utf-8"?>
+<dgm:layoutDef xmlns:dgm="http://schemas.openxmlformats.org/drawingml/2006/diagram" xmlns:a="http://schemas.openxmlformats.org/drawingml/2006/main" uniqueId="urn:microsoft.com/office/officeart/2005/8/layout/vList2">
+  <dgm:title val=""/>
+  <dgm:desc val=""/>
+  <dgm:catLst>
+    <dgm:cat type="list" pri="3000"/>
+    <dgm:cat type="convert" pri="1000"/>
+  </dgm:catLst>
+  <dgm:sampData>
+    <dgm:dataModel>
+      <dgm:ptLst>
+        <dgm:pt modelId="0" type="doc"/>
+        <dgm:pt modelId="1">
+          <dgm:prSet phldr="1"/>
+        </dgm:pt>
+        <dgm:pt modelId="11">
+          <dgm:prSet phldr="1"/>
+        </dgm:pt>
+        <dgm:pt modelId="2">
+          <dgm:prSet phldr="1"/>
+        </dgm:pt>
+        <dgm:pt modelId="21">
+          <dgm:prSet phldr="1"/>
+        </dgm:pt>
+      </dgm:ptLst>
+      <dgm:cxnLst>
+        <dgm:cxn modelId="4" srcId="0" destId="1" srcOrd="0" destOrd="0"/>
+        <dgm:cxn modelId="5" srcId="0" destId="2" srcOrd="1" destOrd="0"/>
+        <dgm:cxn modelId="12" srcId="1" destId="11" srcOrd="0" destOrd="0"/>
+        <dgm:cxn modelId="23" srcId="2" destId="21" srcOrd="0" destOrd="0"/>
+      </dgm:cxnLst>
+      <dgm:bg/>
+      <dgm:whole/>
+    </dgm:dataModel>
+  </dgm:sampData>
+  <dgm:styleData>
+    <dgm:dataModel>
+      <dgm:ptLst>
+        <dgm:pt modelId="0" type="doc"/>
+        <dgm:pt modelId="1"/>
+        <dgm:pt modelId="2"/>
+      </dgm:ptLst>
+      <dgm:cxnLst>
+        <dgm:cxn modelId="3" srcId="0" destId="1" srcOrd="0" destOrd="0"/>
+        <dgm:cxn modelId="4" srcId="0" destId="2" srcOrd="1" destOrd="0"/>
+      </dgm:cxnLst>
+      <dgm:bg/>
+      <dgm:whole/>
+    </dgm:dataModel>
+  </dgm:styleData>
+  <dgm:clrData>
+    <dgm:dataModel>
+      <dgm:ptLst>
+        <dgm:pt modelId="0" type="doc"/>
+        <dgm:pt modelId="1"/>
+        <dgm:pt modelId="2"/>
+        <dgm:pt modelId="3"/>
+        <dgm:pt modelId="4"/>
+      </dgm:ptLst>
+      <dgm:cxnLst>
+        <dgm:cxn modelId="5" srcId="0" destId="1" srcOrd="0" destOrd="0"/>
+        <dgm:cxn modelId="6" srcId="0" destId="2" srcOrd="1" destOrd="0"/>
+        <dgm:cxn modelId="7" srcId="0" destId="3" srcOrd="2" destOrd="0"/>
+        <dgm:cxn modelId="8" srcId="0" destId="4" srcOrd="3" destOrd="0"/>
+      </dgm:cxnLst>
+      <dgm:bg/>
+      <dgm:whole/>
+    </dgm:dataModel>
+  </dgm:clrData>
+  <dgm:layoutNode name="linear">
+    <dgm:varLst>
+      <dgm:animLvl val="lvl"/>
+      <dgm:resizeHandles val="exact"/>
+    </dgm:varLst>
+    <dgm:alg type="lin">
+      <dgm:param type="linDir" val="fromT"/>
+      <dgm:param type="vertAlign" val="mid"/>
+    </dgm:alg>
+    <dgm:shape xmlns:r="http://schemas.openxmlformats.org/officeDocument/2006/relationships" r:blip="">
+      <dgm:adjLst/>
+    </dgm:shape>
+    <dgm:presOf/>
+    <dgm:constrLst>
+      <dgm:constr type="w" for="ch" forName="parentText" refType="w"/>
+      <dgm:constr type="h" for="ch" forName="parentText" refType="primFontSz" refFor="ch" refForName="parentText" fact="0.52"/>
+      <dgm:constr type="w" for="ch" forName="childText" refType="w"/>
+      <dgm:constr type="h" for="ch" forName="childText" refType="primFontSz" refFor="ch" refForName="parentText" fact="0.46"/>
+      <dgm:constr type="h" for="ch" forName="parentText" op="equ"/>
+      <dgm:constr type="primFontSz" for="ch" forName="parentText" op="equ" val="65"/>
+      <dgm:constr type="primFontSz" for="ch" forName="childText" refType="primFontSz" refFor="ch" refForName="parentText" op="equ"/>
+      <dgm:constr type="h" for="ch" forName="spacer" refType="primFontSz" refFor="ch" refForName="parentText" fact="0.08"/>
+    </dgm:constrLst>
+    <dgm:ruleLst>
+      <dgm:rule type="primFontSz" for="ch" forName="parentText" val="5" fact="NaN" max="NaN"/>
+    </dgm:ruleLst>
+    <dgm:forEach name="Name0" axis="ch" ptType="node">
+      <dgm:layoutNode name="parentText" styleLbl="node1">
+        <dgm:varLst>
+          <dgm:chMax val="0"/>
+          <dgm:bulletEnabled val="1"/>
+        </dgm:varLst>
+        <dgm:alg type="tx">
+          <dgm:param type="parTxLTRAlign" val="l"/>
+          <dgm:param type="parTxRTLAlign" val="r"/>
+        </dgm:alg>
+        <dgm:shape xmlns:r="http://schemas.openxmlformats.org/officeDocument/2006/relationships" type="roundRect" r:blip="">
+          <dgm:adjLst/>
+        </dgm:shape>
+        <dgm:presOf axis="self"/>
+        <dgm:constrLst>
+          <dgm:constr type="tMarg" refType="primFontSz" fact="0.3"/>
+          <dgm:constr type="bMarg" refType="primFontSz" fact="0.3"/>
+          <dgm:constr type="lMarg" refType="primFontSz" fact="0.3"/>
+          <dgm:constr type="rMarg" refType="primFontSz" fact="0.3"/>
+        </dgm:constrLst>
+        <dgm:ruleLst>
+          <dgm:rule type="h" val="INF" fact="NaN" max="NaN"/>
+        </dgm:ruleLst>
+      </dgm:layoutNode>
+      <dgm:choose name="Name1">
+        <dgm:if name="Name2" axis="ch" ptType="node" func="cnt" op="gte" val="1">
+          <dgm:layoutNode name="childText" styleLbl="revTx">
+            <dgm:varLst>
+              <dgm:bulletEnabled val="1"/>
+            </dgm:varLst>
+            <dgm:alg type="tx">
+              <dgm:param type="stBulletLvl" val="1"/>
+              <dgm:param type="lnSpAfChP" val="20"/>
+            </dgm:alg>
+            <dgm:shape xmlns:r="http://schemas.openxmlformats.org/officeDocument/2006/relationships" type="rect" r:blip="">
+              <dgm:adjLst/>
+            </dgm:shape>
+            <dgm:presOf axis="des" ptType="node"/>
+            <dgm:constrLst>
+              <dgm:constr type="tMarg" refType="primFontSz" fact="0.1"/>
+              <dgm:constr type="bMarg" refType="primFontSz" fact="0.1"/>
+              <dgm:constr type="lMarg" refType="w" fact="0.09"/>
+            </dgm:constrLst>
+            <dgm:ruleLst>
+              <dgm:rule type="h" val="INF" fact="NaN" max="NaN"/>
+            </dgm:ruleLst>
+          </dgm:layoutNode>
+        </dgm:if>
+        <dgm:else name="Name3">
+          <dgm:choose name="Name4">
+            <dgm:if name="Name5" axis="par ch" ptType="doc node" func="cnt" op="gte" val="2">
+              <dgm:forEach name="Name6" axis="followSib" ptType="sibTrans" cnt="1">
+                <dgm:layoutNode name="spacer">
+                  <dgm:alg type="sp"/>
+                  <dgm:shape xmlns:r="http://schemas.openxmlformats.org/officeDocument/2006/relationships" r:blip="">
+                    <dgm:adjLst/>
+                  </dgm:shape>
+                  <dgm:presOf/>
+                  <dgm:constrLst/>
+                  <dgm:ruleLst/>
+                </dgm:layoutNode>
+              </dgm:forEach>
+            </dgm:if>
+            <dgm:else name="Name7"/>
+          </dgm:choose>
+        </dgm:else>
+      </dgm:choose>
+    </dgm:forEach>
+  </dgm:layoutNode>
+</dgm:layoutDef>
+</file>
+
 <file path=ppt/diagrams/quickStyle1.xml><?xml version="1.0" encoding="utf-8"?>
+<dgm:styleDef xmlns:dgm="http://schemas.openxmlformats.org/drawingml/2006/diagram" xmlns:a="http://schemas.openxmlformats.org/drawingml/2006/main" uniqueId="urn:microsoft.com/office/officeart/2005/8/quickstyle/simple1">
+  <dgm:title val=""/>
+  <dgm:desc val=""/>
+  <dgm:catLst>
+    <dgm:cat type="simple" pri="10100"/>
+  </dgm:catLst>
+  <dgm:scene3d>
+    <a:camera prst="orthographicFront"/>
+    <a:lightRig rig="threePt" dir="t"/>
+  </dgm:scene3d>
+  <dgm:styleLbl name="node0">
+    <dgm:scene3d>
+      <a:camera prst="orthographicFront"/>
+      <a:lightRig rig="threePt" dir="t"/>
+    </dgm:scene3d>
+    <dgm:sp3d/>
+    <dgm:txPr/>
+    <dgm:style>
+      <a:lnRef idx="2">
+        <a:scrgbClr r="0" g="0" b="0"/>
+      </a:lnRef>
+      <a:fillRef idx="1">
+        <a:scrgbClr r="0" g="0" b="0"/>
+      </a:fillRef>
+      <a:effectRef idx="0">
+        <a:scrgbClr r="0" g="0" b="0"/>
+      </a:effectRef>
+      <a:fontRef idx="minor">
+        <a:schemeClr val="lt1"/>
+      </a:fontRef>
+    </dgm:style>
+  </dgm:styleLbl>
+  <dgm:styleLbl name="lnNode1">
+    <dgm:scene3d>
+      <a:camera prst="orthographicFront"/>
+      <a:lightRig rig="threePt" dir="t"/>
+    </dgm:scene3d>
+    <dgm:sp3d/>
+    <dgm:txPr/>
+    <dgm:style>
+      <a:lnRef idx="2">
+        <a:scrgbClr r="0" g="0" b="0"/>
+      </a:lnRef>
+      <a:fillRef idx="1">
+        <a:scrgbClr r="0" g="0" b="0"/>
+      </a:fillRef>
+      <a:effectRef idx="0">
+        <a:scrgbClr r="0" g="0" b="0"/>
+      </a:effectRef>
+      <a:fontRef idx="minor">
+        <a:schemeClr val="lt1"/>
+      </a:fontRef>
+    </dgm:style>
+  </dgm:styleLbl>
+  <dgm:styleLbl name="vennNode1">
+    <dgm:scene3d>
+      <a:camera prst="orthographicFront"/>
+      <a:lightRig rig="threePt" dir="t"/>
+    </dgm:scene3d>
+    <dgm:sp3d/>
+    <dgm:txPr/>
+    <dgm:style>
+      <a:lnRef idx="2">
+        <a:scrgbClr r="0" g="0" b="0"/>
+      </a:lnRef>
+      <a:fillRef idx="1">
+        <a:scrgbClr r="0" g="0" b="0"/>
+      </a:fillRef>
+      <a:effectRef idx="0">
+        <a:scrgbClr r="0" g="0" b="0"/>
+      </a:effectRef>
+      <a:fontRef idx="minor">
+        <a:schemeClr val="tx1"/>
+      </a:fontRef>
+    </dgm:style>
+  </dgm:styleLbl>
+  <dgm:styleLbl name="alignNode1">
+    <dgm:scene3d>
+      <a:camera prst="orthographicFront"/>
+      <a:lightRig rig="threePt" dir="t"/>
+    </dgm:scene3d>
+    <dgm:sp3d/>
+    <dgm:txPr/>
+    <dgm:style>
+      <a:lnRef idx="2">
+        <a:scrgbClr r="0" g="0" b="0"/>
+      </a:lnRef>
+      <a:fillRef idx="1">
+        <a:scrgbClr r="0" g="0" b="0"/>
+      </a:fillRef>
+      <a:effectRef idx="0">
+        <a:scrgbClr r="0" g="0" b="0"/>
+      </a:effectRef>
+      <a:fontRef idx="minor">
+        <a:schemeClr val="lt1"/>
+      </a:fontRef>
+    </dgm:style>
+  </dgm:styleLbl>
+  <dgm:styleLbl name="node1">
+    <dgm:scene3d>
+      <a:camera prst="orthographicFront"/>
+      <a:lightRig rig="threePt" dir="t"/>
+    </dgm:scene3d>
+    <dgm:sp3d/>
+    <dgm:txPr/>
+    <dgm:style>
+      <a:lnRef idx="2">
+        <a:scrgbClr r="0" g="0" b="0"/>
+      </a:lnRef>
+      <a:fillRef idx="1">
+        <a:scrgbClr r="0" g="0" b="0"/>
+      </a:fillRef>
+      <a:effectRef idx="0">
+        <a:scrgbClr r="0" g="0" b="0"/>
+      </a:effectRef>
+      <a:fontRef idx="minor">
+        <a:schemeClr val="lt1"/>
+      </a:fontRef>
+    </dgm:style>
+  </dgm:styleLbl>
+  <dgm:styleLbl name="node2">
+    <dgm:scene3d>
+      <a:camera prst="orthographicFront"/>
+      <a:lightRig rig="threePt" dir="t"/>
+    </dgm:scene3d>
+    <dgm:sp3d/>
+    <dgm:txPr/>
+    <dgm:style>
+      <a:lnRef idx="2">
+        <a:scrgbClr r="0" g="0" b="0"/>
+      </a:lnRef>
+      <a:fillRef idx="1">
+        <a:scrgbClr r="0" g="0" b="0"/>
+      </a:fillRef>
+      <a:effectRef idx="0">
+        <a:scrgbClr r="0" g="0" b="0"/>
+      </a:effectRef>
+      <a:fontRef idx="minor">
+        <a:schemeClr val="lt1"/>
+      </a:fontRef>
+    </dgm:style>
+  </dgm:styleLbl>
+  <dgm:styleLbl name="node3">
+    <dgm:scene3d>
+      <a:camera prst="orthographicFront"/>
+      <a:lightRig rig="threePt" dir="t"/>
+    </dgm:scene3d>
+    <dgm:sp3d/>
+    <dgm:txPr/>
+    <dgm:style>
+      <a:lnRef idx="2">
+        <a:scrgbClr r="0" g="0" b="0"/>
+      </a:lnRef>
+      <a:fillRef idx="1">
+        <a:scrgbClr r="0" g="0" b="0"/>
+      </a:fillRef>
+      <a:effectRef idx="0">
+        <a:scrgbClr r="0" g="0" b="0"/>
+      </a:effectRef>
+      <a:fontRef idx="minor">
+        <a:schemeClr val="lt1"/>
+      </a:fontRef>
+    </dgm:style>
+  </dgm:styleLbl>
+  <dgm:styleLbl name="node4">
+    <dgm:scene3d>
+      <a:camera prst="orthographicFront"/>
+      <a:lightRig rig="threePt" dir="t"/>
+    </dgm:scene3d>
+    <dgm:sp3d/>
+    <dgm:txPr/>
+    <dgm:style>
+      <a:lnRef idx="2">
+        <a:scrgbClr r="0" g="0" b="0"/>
+      </a:lnRef>
+      <a:fillRef idx="1">
+        <a:scrgbClr r="0" g="0" b="0"/>
+      </a:fillRef>
+      <a:effectRef idx="0">
+        <a:scrgbClr r="0" g="0" b="0"/>
+      </a:effectRef>
+      <a:fontRef idx="minor">
+        <a:schemeClr val="lt1"/>
+      </a:fontRef>
+    </dgm:style>
+  </dgm:styleLbl>
+  <dgm:styleLbl name="fgImgPlace1">
+    <dgm:scene3d>
+      <a:camera prst="orthographicFront"/>
+      <a:lightRig rig="threePt" dir="t"/>
+    </dgm:scene3d>
+    <dgm:sp3d/>
+    <dgm:txPr/>
+    <dgm:style>
+      <a:lnRef idx="2">
+        <a:scrgbClr r="0" g="0" b="0"/>
+      </a:lnRef>
+      <a:fillRef idx="1">
+        <a:scrgbClr r="0" g="0" b="0"/>
+      </a:fillRef>
+      <a:effectRef idx="0">
+        <a:scrgbClr r="0" g="0" b="0"/>
+      </a:effectRef>
+      <a:fontRef idx="minor"/>
+    </dgm:style>
+  </dgm:styleLbl>
+  <dgm:styleLbl name="alignImgPlace1">
+    <dgm:scene3d>
+      <a:camera prst="orthographicFront"/>
+      <a:lightRig rig="threePt" dir="t"/>
+    </dgm:scene3d>
+    <dgm:sp3d/>
+    <dgm:txPr/>
+    <dgm:style>
+      <a:lnRef idx="2">
+        <a:scrgbClr r="0" g="0" b="0"/>
+      </a:lnRef>
+      <a:fillRef idx="1">
+        <a:scrgbClr r="0" g="0" b="0"/>
+      </a:fillRef>
+      <a:effectRef idx="0">
+        <a:scrgbClr r="0" g="0" b="0"/>
+      </a:effectRef>
+      <a:fontRef idx="minor"/>
+    </dgm:style>
+  </dgm:styleLbl>
+  <dgm:styleLbl name="bgImgPlace1">
+    <dgm:scene3d>
+      <a:camera prst="orthographicFront"/>
+      <a:lightRig rig="threePt" dir="t"/>
+    </dgm:scene3d>
+    <dgm:sp3d/>
+    <dgm:txPr/>
+    <dgm:style>
+      <a:lnRef idx="2">
+        <a:scrgbClr r="0" g="0" b="0"/>
+      </a:lnRef>
+      <a:fillRef idx="1">
+        <a:scrgbClr r="0" g="0" b="0"/>
+      </a:fillRef>
+      <a:effectRef idx="0">
+        <a:scrgbClr r="0" g="0" b="0"/>
+      </a:effectRef>
+      <a:fontRef idx="minor"/>
+    </dgm:style>
+  </dgm:styleLbl>
+  <dgm:styleLbl name="sibTrans2D1">
+    <dgm:scene3d>
+      <a:camera prst="orthographicFront"/>
+      <a:lightRig rig="threePt" dir="t"/>
+    </dgm:scene3d>
+    <dgm:sp3d/>
+    <dgm:txPr/>
+    <dgm:style>
+      <a:lnRef idx="0">
+        <a:scrgbClr r="0" g="0" b="0"/>
+      </a:lnRef>
+      <a:fillRef idx="1">
+        <a:scrgbClr r="0" g="0" b="0"/>
+      </a:fillRef>
+      <a:effectRef idx="0">
+        <a:scrgbClr r="0" g="0" b="0"/>
+      </a:effectRef>
+      <a:fontRef idx="minor">
+        <a:schemeClr val="lt1"/>
+      </a:fontRef>
+    </dgm:style>
+  </dgm:styleLbl>
+  <dgm:styleLbl name="fgSibTrans2D1">
+    <dgm:scene3d>
+      <a:camera prst="orthographicFront"/>
+      <a:lightRig rig="threePt" dir="t"/>
+    </dgm:scene3d>
+    <dgm:sp3d/>
+    <dgm:txPr/>
+    <dgm:style>
+      <a:lnRef idx="0">
+        <a:scrgbClr r="0" g="0" b="0"/>
+      </a:lnRef>
+      <a:fillRef idx="1">
+        <a:scrgbClr r="0" g="0" b="0"/>
+      </a:fillRef>
+      <a:effectRef idx="0">
+        <a:scrgbClr r="0" g="0" b="0"/>
+      </a:effectRef>
+      <a:fontRef idx="minor">
+        <a:schemeClr val="lt1"/>
+      </a:fontRef>
+    </dgm:style>
+  </dgm:styleLbl>
+  <dgm:styleLbl name="bgSibTrans2D1">
+    <dgm:scene3d>
+      <a:camera prst="orthographicFront"/>
+      <a:lightRig rig="threePt" dir="t"/>
+    </dgm:scene3d>
+    <dgm:sp3d/>
+    <dgm:txPr/>
+    <dgm:style>
+      <a:lnRef idx="0">
+        <a:scrgbClr r="0" g="0" b="0"/>
+      </a:lnRef>
+      <a:fillRef idx="1">
+        <a:scrgbClr r="0" g="0" b="0"/>
+      </a:fillRef>
+      <a:effectRef idx="0">
+        <a:scrgbClr r="0" g="0" b="0"/>
+      </a:effectRef>
+      <a:fontRef idx="minor">
+        <a:schemeClr val="lt1"/>
+      </a:fontRef>
+    </dgm:style>
+  </dgm:styleLbl>
+  <dgm:styleLbl name="sibTrans1D1">
+    <dgm:scene3d>
+      <a:camera prst="orthographicFront"/>
+      <a:lightRig rig="threePt" dir="t"/>
+    </dgm:scene3d>
+    <dgm:sp3d/>
+    <dgm:txPr/>
+    <dgm:style>
+      <a:lnRef idx="1">
+        <a:scrgbClr r="0" g="0" b="0"/>
+      </a:lnRef>
+      <a:fillRef idx="0">
+        <a:scrgbClr r="0" g="0" b="0"/>
+      </a:fillRef>
+      <a:effectRef idx="0">
+        <a:scrgbClr r="0" g="0" b="0"/>
+      </a:effectRef>
+      <a:fontRef idx="minor"/>
+    </dgm:style>
+  </dgm:styleLbl>
+  <dgm:styleLbl name="callout">
+    <dgm:scene3d>
+      <a:camera prst="orthographicFront"/>
+      <a:lightRig rig="threePt" dir="t"/>
+    </dgm:scene3d>
+    <dgm:sp3d/>
+    <dgm:txPr/>
+    <dgm:style>
+      <a:lnRef idx="2">
+        <a:scrgbClr r="0" g="0" b="0"/>
+      </a:lnRef>
+      <a:fillRef idx="1">
+        <a:scrgbClr r="0" g="0" b="0"/>
+      </a:fillRef>
+      <a:effectRef idx="0">
+        <a:scrgbClr r="0" g="0" b="0"/>
+      </a:effectRef>
+      <a:fontRef idx="minor"/>
+    </dgm:style>
+  </dgm:styleLbl>
+  <dgm:styleLbl name="asst0">
+    <dgm:scene3d>
+      <a:camera prst="orthographicFront"/>
+      <a:lightRig rig="threePt" dir="t"/>
+    </dgm:scene3d>
+    <dgm:sp3d/>
+    <dgm:txPr/>
+    <dgm:style>
+      <a:lnRef idx="2">
+        <a:scrgbClr r="0" g="0" b="0"/>
+      </a:lnRef>
+      <a:fillRef idx="1">
+        <a:scrgbClr r="0" g="0" b="0"/>
+      </a:fillRef>
+      <a:effectRef idx="0">
+        <a:scrgbClr r="0" g="0" b="0"/>
+      </a:effectRef>
+      <a:fontRef idx="minor">
+        <a:schemeClr val="lt1"/>
+      </a:fontRef>
+    </dgm:style>
+  </dgm:styleLbl>
+  <dgm:styleLbl name="asst1">
+    <dgm:scene3d>
+      <a:camera prst="orthographicFront"/>
+      <a:lightRig rig="threePt" dir="t"/>
+    </dgm:scene3d>
+    <dgm:sp3d/>
+    <dgm:txPr/>
+    <dgm:style>
+      <a:lnRef idx="2">
+        <a:scrgbClr r="0" g="0" b="0"/>
+      </a:lnRef>
+      <a:fillRef idx="1">
+        <a:scrgbClr r="0" g="0" b="0"/>
+      </a:fillRef>
+      <a:effectRef idx="0">
+        <a:scrgbClr r="0" g="0" b="0"/>
+      </a:effectRef>
+      <a:fontRef idx="minor">
+        <a:schemeClr val="lt1"/>
+      </a:fontRef>
+    </dgm:style>
+  </dgm:styleLbl>
+  <dgm:styleLbl name="asst2">
+    <dgm:scene3d>
+      <a:camera prst="orthographicFront"/>
+      <a:lightRig rig="threePt" dir="t"/>
+    </dgm:scene3d>
+    <dgm:sp3d/>
+    <dgm:txPr/>
+    <dgm:style>
+      <a:lnRef idx="2">
+        <a:scrgbClr r="0" g="0" b="0"/>
+      </a:lnRef>
+      <a:fillRef idx="1">
+        <a:scrgbClr r="0" g="0" b="0"/>
+      </a:fillRef>
+      <a:effectRef idx="0">
+        <a:scrgbClr r="0" g="0" b="0"/>
+      </a:effectRef>
+      <a:fontRef idx="minor">
+        <a:schemeClr val="lt1"/>
+      </a:fontRef>
+    </dgm:style>
+  </dgm:styleLbl>
+  <dgm:styleLbl name="asst3">
+    <dgm:scene3d>
+      <a:camera prst="orthographicFront"/>
+      <a:lightRig rig="threePt" dir="t"/>
+    </dgm:scene3d>
+    <dgm:sp3d/>
+    <dgm:txPr/>
+    <dgm:style>
+      <a:lnRef idx="2">
+        <a:scrgbClr r="0" g="0" b="0"/>
+      </a:lnRef>
+      <a:fillRef idx="1">
+        <a:scrgbClr r="0" g="0" b="0"/>
+      </a:fillRef>
+      <a:effectRef idx="0">
+        <a:scrgbClr r="0" g="0" b="0"/>
+      </a:effectRef>
+      <a:fontRef idx="minor">
+        <a:schemeClr val="lt1"/>
+      </a:fontRef>
+    </dgm:style>
+  </dgm:styleLbl>
+  <dgm:styleLbl name="asst4">
+    <dgm:scene3d>
+      <a:camera prst="orthographicFront"/>
+      <a:lightRig rig="threePt" dir="t"/>
+    </dgm:scene3d>
+    <dgm:sp3d/>
+    <dgm:txPr/>
+    <dgm:style>
+      <a:lnRef idx="2">
+        <a:scrgbClr r="0" g="0" b="0"/>
+      </a:lnRef>
+      <a:fillRef idx="1">
+        <a:scrgbClr r="0" g="0" b="0"/>
+      </a:fillRef>
+      <a:effectRef idx="0">
+        <a:scrgbClr r="0" g="0" b="0"/>
+      </a:effectRef>
+      <a:fontRef idx="minor">
+        <a:schemeClr val="lt1"/>
+      </a:fontRef>
+    </dgm:style>
+  </dgm:styleLbl>
+  <dgm:styleLbl name="parChTrans2D1">
+    <dgm:scene3d>
+      <a:camera prst="orthographicFront"/>
+      <a:lightRig rig="threePt" dir="t"/>
+    </dgm:scene3d>
+    <dgm:sp3d/>
+    <dgm:txPr/>
+    <dgm:style>
+      <a:lnRef idx="2">
+        <a:scrgbClr r="0" g="0" b="0"/>
+      </a:lnRef>
+      <a:fillRef idx="1">
+        <a:scrgbClr r="0" g="0" b="0"/>
+      </a:fillRef>
+      <a:effectRef idx="0">
+        <a:scrgbClr r="0" g="0" b="0"/>
+      </a:effectRef>
+      <a:fontRef idx="minor">
+        <a:schemeClr val="lt1"/>
+      </a:fontRef>
+    </dgm:style>
+  </dgm:styleLbl>
+  <dgm:styleLbl name="parChTrans2D2">
+    <dgm:scene3d>
+      <a:camera prst="orthographicFront"/>
+      <a:lightRig rig="threePt" dir="t"/>
+    </dgm:scene3d>
+    <dgm:sp3d/>
+    <dgm:txPr/>
+    <dgm:style>
+      <a:lnRef idx="2">
+        <a:scrgbClr r="0" g="0" b="0"/>
+      </a:lnRef>
+      <a:fillRef idx="1">
+        <a:scrgbClr r="0" g="0" b="0"/>
+      </a:fillRef>
+      <a:effectRef idx="0">
+        <a:scrgbClr r="0" g="0" b="0"/>
+      </a:effectRef>
+      <a:fontRef idx="minor">
+        <a:schemeClr val="lt1"/>
+      </a:fontRef>
+    </dgm:style>
+  </dgm:styleLbl>
+  <dgm:styleLbl name="parChTrans2D3">
+    <dgm:scene3d>
+      <a:camera prst="orthographicFront"/>
+      <a:lightRig rig="threePt" dir="t"/>
+    </dgm:scene3d>
+    <dgm:sp3d/>
+    <dgm:txPr/>
+    <dgm:style>
+      <a:lnRef idx="2">
+        <a:scrgbClr r="0" g="0" b="0"/>
+      </a:lnRef>
+      <a:fillRef idx="1">
+        <a:scrgbClr r="0" g="0" b="0"/>
+      </a:fillRef>
+      <a:effectRef idx="0">
+        <a:scrgbClr r="0" g="0" b="0"/>
+      </a:effectRef>
+      <a:fontRef idx="minor">
+        <a:schemeClr val="lt1"/>
+      </a:fontRef>
+    </dgm:style>
+  </dgm:styleLbl>
+  <dgm:styleLbl name="parChTrans2D4">
+    <dgm:scene3d>
+      <a:camera prst="orthographicFront"/>
+      <a:lightRig rig="threePt" dir="t"/>
+    </dgm:scene3d>
+    <dgm:sp3d/>
+    <dgm:txPr/>
+    <dgm:style>
+      <a:lnRef idx="2">
+        <a:scrgbClr r="0" g="0" b="0"/>
+      </a:lnRef>
+      <a:fillRef idx="1">
+        <a:scrgbClr r="0" g="0" b="0"/>
+      </a:fillRef>
+      <a:effectRef idx="0">
+        <a:scrgbClr r="0" g="0" b="0"/>
+      </a:effectRef>
+      <a:fontRef idx="minor">
+        <a:schemeClr val="lt1"/>
+      </a:fontRef>
+    </dgm:style>
+  </dgm:styleLbl>
+  <dgm:styleLbl name="parChTrans1D1">
+    <dgm:scene3d>
+      <a:camera prst="orthographicFront"/>
+      <a:lightRig rig="threePt" dir="t"/>
+    </dgm:scene3d>
+    <dgm:sp3d/>
+    <dgm:txPr/>
+    <dgm:style>
+      <a:lnRef idx="2">
+        <a:scrgbClr r="0" g="0" b="0"/>
+      </a:lnRef>
+      <a:fillRef idx="0">
+        <a:scrgbClr r="0" g="0" b="0"/>
+      </a:fillRef>
+      <a:effectRef idx="0">
+        <a:scrgbClr r="0" g="0" b="0"/>
+      </a:effectRef>
+      <a:fontRef idx="minor"/>
+    </dgm:style>
+  </dgm:styleLbl>
+  <dgm:styleLbl name="parChTrans1D2">
+    <dgm:scene3d>
+      <a:camera prst="orthographicFront"/>
+      <a:lightRig rig="threePt" dir="t"/>
+    </dgm:scene3d>
+    <dgm:sp3d/>
+    <dgm:txPr/>
+    <dgm:style>
+      <a:lnRef idx="2">
+        <a:scrgbClr r="0" g="0" b="0"/>
+      </a:lnRef>
+      <a:fillRef idx="0">
+        <a:scrgbClr r="0" g="0" b="0"/>
+      </a:fillRef>
+      <a:effectRef idx="0">
+        <a:scrgbClr r="0" g="0" b="0"/>
+      </a:effectRef>
+      <a:fontRef idx="minor"/>
+    </dgm:style>
+  </dgm:styleLbl>
+  <dgm:styleLbl name="parChTrans1D3">
+    <dgm:scene3d>
+      <a:camera prst="orthographicFront"/>
+      <a:lightRig rig="threePt" dir="t"/>
+    </dgm:scene3d>
+    <dgm:sp3d/>
+    <dgm:txPr/>
+    <dgm:style>
+      <a:lnRef idx="2">
+        <a:scrgbClr r="0" g="0" b="0"/>
+      </a:lnRef>
+      <a:fillRef idx="0">
+        <a:scrgbClr r="0" g="0" b="0"/>
+      </a:fillRef>
+      <a:effectRef idx="0">
+        <a:scrgbClr r="0" g="0" b="0"/>
+      </a:effectRef>
+      <a:fontRef idx="minor"/>
+    </dgm:style>
+  </dgm:styleLbl>
+  <dgm:styleLbl name="parChTrans1D4">
+    <dgm:scene3d>
+      <a:camera prst="orthographicFront"/>
+      <a:lightRig rig="threePt" dir="t"/>
+    </dgm:scene3d>
+    <dgm:sp3d/>
+    <dgm:txPr/>
+    <dgm:style>
+      <a:lnRef idx="2">
+        <a:scrgbClr r="0" g="0" b="0"/>
+      </a:lnRef>
+      <a:fillRef idx="0">
+        <a:scrgbClr r="0" g="0" b="0"/>
+      </a:fillRef>
+      <a:effectRef idx="0">
+        <a:scrgbClr r="0" g="0" b="0"/>
+      </a:effectRef>
+      <a:fontRef idx="minor"/>
+    </dgm:style>
+  </dgm:styleLbl>
+  <dgm:styleLbl name="fgAcc1">
+    <dgm:scene3d>
+      <a:camera prst="orthographicFront"/>
+      <a:lightRig rig="threePt" dir="t"/>
+    </dgm:scene3d>
+    <dgm:sp3d/>
+    <dgm:txPr/>
+    <dgm:style>
+      <a:lnRef idx="2">
+        <a:scrgbClr r="0" g="0" b="0"/>
+      </a:lnRef>
+      <a:fillRef idx="1">
+        <a:scrgbClr r="0" g="0" b="0"/>
+      </a:fillRef>
+      <a:effectRef idx="0">
+        <a:scrgbClr r="0" g="0" b="0"/>
+      </a:effectRef>
+      <a:fontRef idx="minor"/>
+    </dgm:style>
+  </dgm:styleLbl>
+  <dgm:styleLbl name="conFgAcc1">
+    <dgm:scene3d>
+      <a:camera prst="orthographicFront"/>
+      <a:lightRig rig="threePt" dir="t"/>
+    </dgm:scene3d>
+    <dgm:sp3d/>
+    <dgm:txPr/>
+    <dgm:style>
+      <a:lnRef idx="2">
+        <a:scrgbClr r="0" g="0" b="0"/>
+      </a:lnRef>
+      <a:fillRef idx="1">
+        <a:scrgbClr r="0" g="0" b="0"/>
+      </a:fillRef>
+      <a:effectRef idx="0">
+        <a:scrgbClr r="0" g="0" b="0"/>
+      </a:effectRef>
+      <a:fontRef idx="minor"/>
+    </dgm:style>
+  </dgm:styleLbl>
+  <dgm:styleLbl name="alignAcc1">
+    <dgm:scene3d>
+      <a:camera prst="orthographicFront"/>
+      <a:lightRig rig="threePt" dir="t"/>
+    </dgm:scene3d>
+    <dgm:sp3d/>
+    <dgm:txPr/>
+    <dgm:style>
+      <a:lnRef idx="2">
+        <a:scrgbClr r="0" g="0" b="0"/>
+      </a:lnRef>
+      <a:fillRef idx="1">
+        <a:scrgbClr r="0" g="0" b="0"/>
+      </a:fillRef>
+      <a:effectRef idx="0">
+        <a:scrgbClr r="0" g="0" b="0"/>
+      </a:effectRef>
+      <a:fontRef idx="minor"/>
+    </dgm:style>
+  </dgm:styleLbl>
+  <dgm:styleLbl name="trAlignAcc1">
+    <dgm:scene3d>
+      <a:camera prst="orthographicFront"/>
+      <a:lightRig rig="threePt" dir="t"/>
+    </dgm:scene3d>
+    <dgm:sp3d/>
+    <dgm:txPr/>
+    <dgm:style>
+      <a:lnRef idx="1">
+        <a:scrgbClr r="0" g="0" b="0"/>
+      </a:lnRef>
+      <a:fillRef idx="1">
+        <a:scrgbClr r="0" g="0" b="0"/>
+      </a:fillRef>
+      <a:effectRef idx="0">
+        <a:scrgbClr r="0" g="0" b="0"/>
+      </a:effectRef>
+      <a:fontRef idx="minor"/>
+    </dgm:style>
+  </dgm:styleLbl>
+  <dgm:styleLbl name="bgAcc1">
+    <dgm:scene3d>
+      <a:camera prst="orthographicFront"/>
+      <a:lightRig rig="threePt" dir="t"/>
+    </dgm:scene3d>
+    <dgm:sp3d/>
+    <dgm:txPr/>
+    <dgm:style>
+      <a:lnRef idx="2">
+        <a:scrgbClr r="0" g="0" b="0"/>
+      </a:lnRef>
+      <a:fillRef idx="1">
+        <a:scrgbClr r="0" g="0" b="0"/>
+      </a:fillRef>
+      <a:effectRef idx="0">
+        <a:scrgbClr r="0" g="0" b="0"/>
+      </a:effectRef>
+      <a:fontRef idx="minor"/>
+    </dgm:style>
+  </dgm:styleLbl>
+  <dgm:styleLbl name="solidFgAcc1">
+    <dgm:scene3d>
+      <a:camera prst="orthographicFront"/>
+      <a:lightRig rig="threePt" dir="t"/>
+    </dgm:scene3d>
+    <dgm:sp3d/>
+    <dgm:txPr/>
+    <dgm:style>
+      <a:lnRef idx="2">
+        <a:scrgbClr r="0" g="0" b="0"/>
+      </a:lnRef>
+      <a:fillRef idx="1">
+        <a:scrgbClr r="0" g="0" b="0"/>
+      </a:fillRef>
+      <a:effectRef idx="0">
+        <a:scrgbClr r="0" g="0" b="0"/>
+      </a:effectRef>
+      <a:fontRef idx="minor"/>
+    </dgm:style>
+  </dgm:styleLbl>
+  <dgm:styleLbl name="solidAlignAcc1">
+    <dgm:scene3d>
+      <a:camera prst="orthographicFront"/>
+      <a:lightRig rig="threePt" dir="t"/>
+    </dgm:scene3d>
+    <dgm:sp3d/>
+    <dgm:txPr/>
+    <dgm:style>
+      <a:lnRef idx="2">
+        <a:scrgbClr r="0" g="0" b="0"/>
+      </a:lnRef>
+      <a:fillRef idx="1">
+        <a:scrgbClr r="0" g="0" b="0"/>
+      </a:fillRef>
+      <a:effectRef idx="0">
+        <a:scrgbClr r="0" g="0" b="0"/>
+      </a:effectRef>
+      <a:fontRef idx="minor"/>
+    </dgm:style>
+  </dgm:styleLbl>
+  <dgm:styleLbl name="solidBgAcc1">
+    <dgm:scene3d>
+      <a:camera prst="orthographicFront"/>
+      <a:lightRig rig="threePt" dir="t"/>
+    </dgm:scene3d>
+    <dgm:sp3d/>
+    <dgm:txPr/>
+    <dgm:style>
+      <a:lnRef idx="2">
+        <a:scrgbClr r="0" g="0" b="0"/>
+      </a:lnRef>
+      <a:fillRef idx="1">
+        <a:scrgbClr r="0" g="0" b="0"/>
+      </a:fillRef>
+      <a:effectRef idx="0">
+        <a:scrgbClr r="0" g="0" b="0"/>
+      </a:effectRef>
+      <a:fontRef idx="minor"/>
+    </dgm:style>
+  </dgm:styleLbl>
+  <dgm:styleLbl name="fgAccFollowNode1">
+    <dgm:scene3d>
+      <a:camera prst="orthographicFront"/>
+      <a:lightRig rig="threePt" dir="t"/>
+    </dgm:scene3d>
+    <dgm:sp3d/>
+    <dgm:txPr/>
+    <dgm:style>
+      <a:lnRef idx="2">
+        <a:scrgbClr r="0" g="0" b="0"/>
+      </a:lnRef>
+      <a:fillRef idx="1">
+        <a:scrgbClr r="0" g="0" b="0"/>
+      </a:fillRef>
+      <a:effectRef idx="0">
+        <a:scrgbClr r="0" g="0" b="0"/>
+      </a:effectRef>
+      <a:fontRef idx="minor"/>
+    </dgm:style>
+  </dgm:styleLbl>
+  <dgm:styleLbl name="alignAccFollowNode1">
+    <dgm:scene3d>
+      <a:camera prst="orthographicFront"/>
+      <a:lightRig rig="threePt" dir="t"/>
+    </dgm:scene3d>
+    <dgm:sp3d/>
+    <dgm:txPr/>
+    <dgm:style>
+      <a:lnRef idx="2">
+        <a:scrgbClr r="0" g="0" b="0"/>
+      </a:lnRef>
+      <a:fillRef idx="1">
+        <a:scrgbClr r="0" g="0" b="0"/>
+      </a:fillRef>
+      <a:effectRef idx="0">
+        <a:scrgbClr r="0" g="0" b="0"/>
+      </a:effectRef>
+      <a:fontRef idx="minor"/>
+    </dgm:style>
+  </dgm:styleLbl>
+  <dgm:styleLbl name="bgAccFollowNode1">
+    <dgm:scene3d>
+      <a:camera prst="orthographicFront"/>
+      <a:lightRig rig="threePt" dir="t"/>
+    </dgm:scene3d>
+    <dgm:sp3d/>
+    <dgm:txPr/>
+    <dgm:style>
+      <a:lnRef idx="2">
+        <a:scrgbClr r="0" g="0" b="0"/>
+      </a:lnRef>
+      <a:fillRef idx="1">
+        <a:scrgbClr r="0" g="0" b="0"/>
+      </a:fillRef>
+      <a:effectRef idx="0">
+        <a:scrgbClr r="0" g="0" b="0"/>
+      </a:effectRef>
+      <a:fontRef idx="minor"/>
+    </dgm:style>
+  </dgm:styleLbl>
+  <dgm:styleLbl name="fgAcc0">
+    <dgm:scene3d>
+      <a:camera prst="orthographicFront"/>
+      <a:lightRig rig="threePt" dir="t"/>
+    </dgm:scene3d>
+    <dgm:sp3d/>
+    <dgm:txPr/>
+    <dgm:style>
+      <a:lnRef idx="2">
+        <a:scrgbClr r="0" g="0" b="0"/>
+      </a:lnRef>
+      <a:fillRef idx="1">
+        <a:scrgbClr r="0" g="0" b="0"/>
+      </a:fillRef>
+      <a:effectRef idx="0">
+        <a:scrgbClr r="0" g="0" b="0"/>
+      </a:effectRef>
+      <a:fontRef idx="minor"/>
+    </dgm:style>
+  </dgm:styleLbl>
+  <dgm:styleLbl name="fgAcc2">
+    <dgm:scene3d>
+      <a:camera prst="orthographicFront"/>
+      <a:lightRig rig="threePt" dir="t"/>
+    </dgm:scene3d>
+    <dgm:sp3d/>
+    <dgm:txPr/>
+    <dgm:style>
+      <a:lnRef idx="2">
+        <a:scrgbClr r="0" g="0" b="0"/>
+      </a:lnRef>
+      <a:fillRef idx="1">
+        <a:scrgbClr r="0" g="0" b="0"/>
+      </a:fillRef>
+      <a:effectRef idx="0">
+        <a:scrgbClr r="0" g="0" b="0"/>
+      </a:effectRef>
+      <a:fontRef idx="minor"/>
+    </dgm:style>
+  </dgm:styleLbl>
+  <dgm:styleLbl name="fgAcc3">
+    <dgm:scene3d>
+      <a:camera prst="orthographicFront"/>
+      <a:lightRig rig="threePt" dir="t"/>
+    </dgm:scene3d>
+    <dgm:sp3d/>
+    <dgm:txPr/>
+    <dgm:style>
+      <a:lnRef idx="2">
+        <a:scrgbClr r="0" g="0" b="0"/>
+      </a:lnRef>
+      <a:fillRef idx="1">
+        <a:scrgbClr r="0" g="0" b="0"/>
+      </a:fillRef>
+      <a:effectRef idx="0">
+        <a:scrgbClr r="0" g="0" b="0"/>
+      </a:effectRef>
+      <a:fontRef idx="minor"/>
+    </dgm:style>
+  </dgm:styleLbl>
+  <dgm:styleLbl name="fgAcc4">
+    <dgm:scene3d>
+      <a:camera prst="orthographicFront"/>
+      <a:lightRig rig="threePt" dir="t"/>
+    </dgm:scene3d>
+    <dgm:sp3d/>
+    <dgm:txPr/>
+    <dgm:style>
+      <a:lnRef idx="2">
+        <a:scrgbClr r="0" g="0" b="0"/>
+      </a:lnRef>
+      <a:fillRef idx="1">
+        <a:scrgbClr r="0" g="0" b="0"/>
+      </a:fillRef>
+      <a:effectRef idx="0">
+        <a:scrgbClr r="0" g="0" b="0"/>
+      </a:effectRef>
+      <a:fontRef idx="minor"/>
+    </dgm:style>
+  </dgm:styleLbl>
+  <dgm:styleLbl name="bgShp">
+    <dgm:scene3d>
+      <a:camera prst="orthographicFront"/>
+      <a:lightRig rig="threePt" dir="t"/>
+    </dgm:scene3d>
+    <dgm:sp3d/>
+    <dgm:txPr/>
+    <dgm:style>
+      <a:lnRef idx="0">
+        <a:scrgbClr r="0" g="0" b="0"/>
+      </a:lnRef>
+      <a:fillRef idx="1">
+        <a:scrgbClr r="0" g="0" b="0"/>
+      </a:fillRef>
+      <a:effectRef idx="0">
+        <a:scrgbClr r="0" g="0" b="0"/>
+      </a:effectRef>
+      <a:fontRef idx="minor"/>
+    </dgm:style>
+  </dgm:styleLbl>
+  <dgm:styleLbl name="dkBgShp">
+    <dgm:scene3d>
+      <a:camera prst="orthographicFront"/>
+      <a:lightRig rig="threePt" dir="t"/>
+    </dgm:scene3d>
+    <dgm:sp3d/>
+    <dgm:txPr/>
+    <dgm:style>
+      <a:lnRef idx="0">
+        <a:scrgbClr r="0" g="0" b="0"/>
+      </a:lnRef>
+      <a:fillRef idx="1">
+        <a:scrgbClr r="0" g="0" b="0"/>
+      </a:fillRef>
+      <a:effectRef idx="0">
+        <a:scrgbClr r="0" g="0" b="0"/>
+      </a:effectRef>
+      <a:fontRef idx="minor"/>
+    </dgm:style>
+  </dgm:styleLbl>
+  <dgm:styleLbl name="trBgShp">
+    <dgm:scene3d>
+      <a:camera prst="orthographicFront"/>
+      <a:lightRig rig="threePt" dir="t"/>
+    </dgm:scene3d>
+    <dgm:sp3d/>
+    <dgm:txPr/>
+    <dgm:style>
+      <a:lnRef idx="0">
+        <a:scrgbClr r="0" g="0" b="0"/>
+      </a:lnRef>
+      <a:fillRef idx="1">
+        <a:scrgbClr r="0" g="0" b="0"/>
+      </a:fillRef>
+      <a:effectRef idx="0">
+        <a:scrgbClr r="0" g="0" b="0"/>
+      </a:effectRef>
+      <a:fontRef idx="minor"/>
+    </dgm:style>
+  </dgm:styleLbl>
+  <dgm:styleLbl name="fgShp">
+    <dgm:scene3d>
+      <a:camera prst="orthographicFront"/>
+      <a:lightRig rig="threePt" dir="t"/>
+    </dgm:scene3d>
+    <dgm:sp3d/>
+    <dgm:txPr/>
+    <dgm:style>
+      <a:lnRef idx="2">
+        <a:scrgbClr r="0" g="0" b="0"/>
+      </a:lnRef>
+      <a:fillRef idx="1">
+        <a:scrgbClr r="0" g="0" b="0"/>
+      </a:fillRef>
+      <a:effectRef idx="0">
+        <a:scrgbClr r="0" g="0" b="0"/>
+      </a:effectRef>
+      <a:fontRef idx="minor"/>
+    </dgm:style>
+  </dgm:styleLbl>
+  <dgm:styleLbl name="revTx">
+    <dgm:scene3d>
+      <a:camera prst="orthographicFront"/>
+      <a:lightRig rig="threePt" dir="t"/>
+    </dgm:scene3d>
+    <dgm:sp3d/>
+    <dgm:txPr/>
+    <dgm:style>
+      <a:lnRef idx="0">
+        <a:scrgbClr r="0" g="0" b="0"/>
+      </a:lnRef>
+      <a:fillRef idx="0">
+        <a:scrgbClr r="0" g="0" b="0"/>
+      </a:fillRef>
+      <a:effectRef idx="0">
+        <a:scrgbClr r="0" g="0" b="0"/>
+      </a:effectRef>
+      <a:fontRef idx="minor"/>
+    </dgm:style>
+  </dgm:styleLbl>
+</dgm:styleDef>
+</file>
+
+<file path=ppt/diagrams/quickStyle10.xml><?xml version="1.0" encoding="utf-8"?>
 <dgm:styleDef xmlns:dgm="http://schemas.openxmlformats.org/drawingml/2006/diagram" xmlns:a="http://schemas.openxmlformats.org/drawingml/2006/main" uniqueId="urn:microsoft.com/office/officeart/2005/8/quickstyle/simple1">
   <dgm:title val=""/>
   <dgm:desc val=""/>
@@ -24212,6 +28519,1040 @@
         <a:scrgbClr r="0" g="0" b="0"/>
       </a:fillRef>
       <a:effectRef idx="0">
+        <a:scrgbClr r="0" g="0" b="0"/>
+      </a:effectRef>
+      <a:fontRef idx="minor"/>
+    </dgm:style>
+  </dgm:styleLbl>
+  <dgm:styleLbl name="revTx">
+    <dgm:scene3d>
+      <a:camera prst="orthographicFront"/>
+      <a:lightRig rig="threePt" dir="t"/>
+    </dgm:scene3d>
+    <dgm:sp3d/>
+    <dgm:txPr/>
+    <dgm:style>
+      <a:lnRef idx="0">
+        <a:scrgbClr r="0" g="0" b="0"/>
+      </a:lnRef>
+      <a:fillRef idx="0">
+        <a:scrgbClr r="0" g="0" b="0"/>
+      </a:fillRef>
+      <a:effectRef idx="0">
+        <a:scrgbClr r="0" g="0" b="0"/>
+      </a:effectRef>
+      <a:fontRef idx="minor"/>
+    </dgm:style>
+  </dgm:styleLbl>
+</dgm:styleDef>
+</file>
+
+<file path=ppt/diagrams/quickStyle9.xml><?xml version="1.0" encoding="utf-8"?>
+<dgm:styleDef xmlns:dgm="http://schemas.openxmlformats.org/drawingml/2006/diagram" xmlns:a="http://schemas.openxmlformats.org/drawingml/2006/main" uniqueId="urn:microsoft.com/office/officeart/2005/8/quickstyle/simple4">
+  <dgm:title val=""/>
+  <dgm:desc val=""/>
+  <dgm:catLst>
+    <dgm:cat type="simple" pri="10400"/>
+  </dgm:catLst>
+  <dgm:scene3d>
+    <a:camera prst="orthographicFront"/>
+    <a:lightRig rig="threePt" dir="t"/>
+  </dgm:scene3d>
+  <dgm:styleLbl name="node0">
+    <dgm:scene3d>
+      <a:camera prst="orthographicFront"/>
+      <a:lightRig rig="threePt" dir="t"/>
+    </dgm:scene3d>
+    <dgm:sp3d/>
+    <dgm:txPr/>
+    <dgm:style>
+      <a:lnRef idx="0">
+        <a:scrgbClr r="0" g="0" b="0"/>
+      </a:lnRef>
+      <a:fillRef idx="3">
+        <a:scrgbClr r="0" g="0" b="0"/>
+      </a:fillRef>
+      <a:effectRef idx="2">
+        <a:scrgbClr r="0" g="0" b="0"/>
+      </a:effectRef>
+      <a:fontRef idx="minor">
+        <a:schemeClr val="lt1"/>
+      </a:fontRef>
+    </dgm:style>
+  </dgm:styleLbl>
+  <dgm:styleLbl name="lnNode1">
+    <dgm:scene3d>
+      <a:camera prst="orthographicFront"/>
+      <a:lightRig rig="threePt" dir="t"/>
+    </dgm:scene3d>
+    <dgm:sp3d/>
+    <dgm:txPr/>
+    <dgm:style>
+      <a:lnRef idx="1">
+        <a:scrgbClr r="0" g="0" b="0"/>
+      </a:lnRef>
+      <a:fillRef idx="3">
+        <a:scrgbClr r="0" g="0" b="0"/>
+      </a:fillRef>
+      <a:effectRef idx="2">
+        <a:scrgbClr r="0" g="0" b="0"/>
+      </a:effectRef>
+      <a:fontRef idx="minor">
+        <a:schemeClr val="lt1"/>
+      </a:fontRef>
+    </dgm:style>
+  </dgm:styleLbl>
+  <dgm:styleLbl name="vennNode1">
+    <dgm:scene3d>
+      <a:camera prst="orthographicFront"/>
+      <a:lightRig rig="threePt" dir="t"/>
+    </dgm:scene3d>
+    <dgm:sp3d/>
+    <dgm:txPr/>
+    <dgm:style>
+      <a:lnRef idx="0">
+        <a:scrgbClr r="0" g="0" b="0"/>
+      </a:lnRef>
+      <a:fillRef idx="3">
+        <a:scrgbClr r="0" g="0" b="0"/>
+      </a:fillRef>
+      <a:effectRef idx="0">
+        <a:scrgbClr r="0" g="0" b="0"/>
+      </a:effectRef>
+      <a:fontRef idx="minor">
+        <a:schemeClr val="tx1"/>
+      </a:fontRef>
+    </dgm:style>
+  </dgm:styleLbl>
+  <dgm:styleLbl name="alignNode1">
+    <dgm:scene3d>
+      <a:camera prst="orthographicFront"/>
+      <a:lightRig rig="threePt" dir="t"/>
+    </dgm:scene3d>
+    <dgm:sp3d/>
+    <dgm:txPr/>
+    <dgm:style>
+      <a:lnRef idx="1">
+        <a:scrgbClr r="0" g="0" b="0"/>
+      </a:lnRef>
+      <a:fillRef idx="3">
+        <a:scrgbClr r="0" g="0" b="0"/>
+      </a:fillRef>
+      <a:effectRef idx="2">
+        <a:scrgbClr r="0" g="0" b="0"/>
+      </a:effectRef>
+      <a:fontRef idx="minor">
+        <a:schemeClr val="lt1"/>
+      </a:fontRef>
+    </dgm:style>
+  </dgm:styleLbl>
+  <dgm:styleLbl name="node1">
+    <dgm:scene3d>
+      <a:camera prst="orthographicFront"/>
+      <a:lightRig rig="threePt" dir="t"/>
+    </dgm:scene3d>
+    <dgm:sp3d/>
+    <dgm:txPr/>
+    <dgm:style>
+      <a:lnRef idx="0">
+        <a:scrgbClr r="0" g="0" b="0"/>
+      </a:lnRef>
+      <a:fillRef idx="3">
+        <a:scrgbClr r="0" g="0" b="0"/>
+      </a:fillRef>
+      <a:effectRef idx="2">
+        <a:scrgbClr r="0" g="0" b="0"/>
+      </a:effectRef>
+      <a:fontRef idx="minor">
+        <a:schemeClr val="lt1"/>
+      </a:fontRef>
+    </dgm:style>
+  </dgm:styleLbl>
+  <dgm:styleLbl name="node2">
+    <dgm:scene3d>
+      <a:camera prst="orthographicFront"/>
+      <a:lightRig rig="threePt" dir="t"/>
+    </dgm:scene3d>
+    <dgm:sp3d/>
+    <dgm:txPr/>
+    <dgm:style>
+      <a:lnRef idx="0">
+        <a:scrgbClr r="0" g="0" b="0"/>
+      </a:lnRef>
+      <a:fillRef idx="3">
+        <a:scrgbClr r="0" g="0" b="0"/>
+      </a:fillRef>
+      <a:effectRef idx="2">
+        <a:scrgbClr r="0" g="0" b="0"/>
+      </a:effectRef>
+      <a:fontRef idx="minor">
+        <a:schemeClr val="lt1"/>
+      </a:fontRef>
+    </dgm:style>
+  </dgm:styleLbl>
+  <dgm:styleLbl name="node3">
+    <dgm:scene3d>
+      <a:camera prst="orthographicFront"/>
+      <a:lightRig rig="threePt" dir="t"/>
+    </dgm:scene3d>
+    <dgm:sp3d/>
+    <dgm:txPr/>
+    <dgm:style>
+      <a:lnRef idx="0">
+        <a:scrgbClr r="0" g="0" b="0"/>
+      </a:lnRef>
+      <a:fillRef idx="3">
+        <a:scrgbClr r="0" g="0" b="0"/>
+      </a:fillRef>
+      <a:effectRef idx="2">
+        <a:scrgbClr r="0" g="0" b="0"/>
+      </a:effectRef>
+      <a:fontRef idx="minor">
+        <a:schemeClr val="lt1"/>
+      </a:fontRef>
+    </dgm:style>
+  </dgm:styleLbl>
+  <dgm:styleLbl name="node4">
+    <dgm:scene3d>
+      <a:camera prst="orthographicFront"/>
+      <a:lightRig rig="threePt" dir="t"/>
+    </dgm:scene3d>
+    <dgm:sp3d/>
+    <dgm:txPr/>
+    <dgm:style>
+      <a:lnRef idx="0">
+        <a:scrgbClr r="0" g="0" b="0"/>
+      </a:lnRef>
+      <a:fillRef idx="3">
+        <a:scrgbClr r="0" g="0" b="0"/>
+      </a:fillRef>
+      <a:effectRef idx="2">
+        <a:scrgbClr r="0" g="0" b="0"/>
+      </a:effectRef>
+      <a:fontRef idx="minor">
+        <a:schemeClr val="lt1"/>
+      </a:fontRef>
+    </dgm:style>
+  </dgm:styleLbl>
+  <dgm:styleLbl name="fgImgPlace1">
+    <dgm:scene3d>
+      <a:camera prst="orthographicFront"/>
+      <a:lightRig rig="threePt" dir="t"/>
+    </dgm:scene3d>
+    <dgm:sp3d/>
+    <dgm:txPr/>
+    <dgm:style>
+      <a:lnRef idx="0">
+        <a:scrgbClr r="0" g="0" b="0"/>
+      </a:lnRef>
+      <a:fillRef idx="1">
+        <a:scrgbClr r="0" g="0" b="0"/>
+      </a:fillRef>
+      <a:effectRef idx="2">
+        <a:scrgbClr r="0" g="0" b="0"/>
+      </a:effectRef>
+      <a:fontRef idx="minor"/>
+    </dgm:style>
+  </dgm:styleLbl>
+  <dgm:styleLbl name="alignImgPlace1">
+    <dgm:scene3d>
+      <a:camera prst="orthographicFront"/>
+      <a:lightRig rig="threePt" dir="t"/>
+    </dgm:scene3d>
+    <dgm:sp3d/>
+    <dgm:txPr/>
+    <dgm:style>
+      <a:lnRef idx="0">
+        <a:scrgbClr r="0" g="0" b="0"/>
+      </a:lnRef>
+      <a:fillRef idx="1">
+        <a:scrgbClr r="0" g="0" b="0"/>
+      </a:fillRef>
+      <a:effectRef idx="2">
+        <a:scrgbClr r="0" g="0" b="0"/>
+      </a:effectRef>
+      <a:fontRef idx="minor"/>
+    </dgm:style>
+  </dgm:styleLbl>
+  <dgm:styleLbl name="bgImgPlace1">
+    <dgm:scene3d>
+      <a:camera prst="orthographicFront"/>
+      <a:lightRig rig="threePt" dir="t"/>
+    </dgm:scene3d>
+    <dgm:sp3d/>
+    <dgm:txPr/>
+    <dgm:style>
+      <a:lnRef idx="0">
+        <a:scrgbClr r="0" g="0" b="0"/>
+      </a:lnRef>
+      <a:fillRef idx="1">
+        <a:scrgbClr r="0" g="0" b="0"/>
+      </a:fillRef>
+      <a:effectRef idx="2">
+        <a:scrgbClr r="0" g="0" b="0"/>
+      </a:effectRef>
+      <a:fontRef idx="minor"/>
+    </dgm:style>
+  </dgm:styleLbl>
+  <dgm:styleLbl name="sibTrans2D1">
+    <dgm:scene3d>
+      <a:camera prst="orthographicFront"/>
+      <a:lightRig rig="threePt" dir="t"/>
+    </dgm:scene3d>
+    <dgm:sp3d/>
+    <dgm:txPr/>
+    <dgm:style>
+      <a:lnRef idx="0">
+        <a:scrgbClr r="0" g="0" b="0"/>
+      </a:lnRef>
+      <a:fillRef idx="3">
+        <a:scrgbClr r="0" g="0" b="0"/>
+      </a:fillRef>
+      <a:effectRef idx="2">
+        <a:scrgbClr r="0" g="0" b="0"/>
+      </a:effectRef>
+      <a:fontRef idx="minor">
+        <a:schemeClr val="lt1"/>
+      </a:fontRef>
+    </dgm:style>
+  </dgm:styleLbl>
+  <dgm:styleLbl name="fgSibTrans2D1">
+    <dgm:scene3d>
+      <a:camera prst="orthographicFront"/>
+      <a:lightRig rig="threePt" dir="t"/>
+    </dgm:scene3d>
+    <dgm:sp3d/>
+    <dgm:txPr/>
+    <dgm:style>
+      <a:lnRef idx="0">
+        <a:scrgbClr r="0" g="0" b="0"/>
+      </a:lnRef>
+      <a:fillRef idx="3">
+        <a:scrgbClr r="0" g="0" b="0"/>
+      </a:fillRef>
+      <a:effectRef idx="2">
+        <a:scrgbClr r="0" g="0" b="0"/>
+      </a:effectRef>
+      <a:fontRef idx="minor">
+        <a:schemeClr val="lt1"/>
+      </a:fontRef>
+    </dgm:style>
+  </dgm:styleLbl>
+  <dgm:styleLbl name="bgSibTrans2D1">
+    <dgm:scene3d>
+      <a:camera prst="orthographicFront"/>
+      <a:lightRig rig="threePt" dir="t"/>
+    </dgm:scene3d>
+    <dgm:sp3d/>
+    <dgm:txPr/>
+    <dgm:style>
+      <a:lnRef idx="0">
+        <a:scrgbClr r="0" g="0" b="0"/>
+      </a:lnRef>
+      <a:fillRef idx="3">
+        <a:scrgbClr r="0" g="0" b="0"/>
+      </a:fillRef>
+      <a:effectRef idx="2">
+        <a:scrgbClr r="0" g="0" b="0"/>
+      </a:effectRef>
+      <a:fontRef idx="minor">
+        <a:schemeClr val="lt1"/>
+      </a:fontRef>
+    </dgm:style>
+  </dgm:styleLbl>
+  <dgm:styleLbl name="sibTrans1D1">
+    <dgm:scene3d>
+      <a:camera prst="orthographicFront"/>
+      <a:lightRig rig="threePt" dir="t"/>
+    </dgm:scene3d>
+    <dgm:sp3d/>
+    <dgm:txPr/>
+    <dgm:style>
+      <a:lnRef idx="1">
+        <a:scrgbClr r="0" g="0" b="0"/>
+      </a:lnRef>
+      <a:fillRef idx="0">
+        <a:scrgbClr r="0" g="0" b="0"/>
+      </a:fillRef>
+      <a:effectRef idx="0">
+        <a:scrgbClr r="0" g="0" b="0"/>
+      </a:effectRef>
+      <a:fontRef idx="minor"/>
+    </dgm:style>
+  </dgm:styleLbl>
+  <dgm:styleLbl name="callout">
+    <dgm:scene3d>
+      <a:camera prst="orthographicFront"/>
+      <a:lightRig rig="threePt" dir="t"/>
+    </dgm:scene3d>
+    <dgm:sp3d/>
+    <dgm:txPr/>
+    <dgm:style>
+      <a:lnRef idx="2">
+        <a:scrgbClr r="0" g="0" b="0"/>
+      </a:lnRef>
+      <a:fillRef idx="1">
+        <a:scrgbClr r="0" g="0" b="0"/>
+      </a:fillRef>
+      <a:effectRef idx="1">
+        <a:scrgbClr r="0" g="0" b="0"/>
+      </a:effectRef>
+      <a:fontRef idx="minor"/>
+    </dgm:style>
+  </dgm:styleLbl>
+  <dgm:styleLbl name="asst0">
+    <dgm:scene3d>
+      <a:camera prst="orthographicFront"/>
+      <a:lightRig rig="threePt" dir="t"/>
+    </dgm:scene3d>
+    <dgm:sp3d/>
+    <dgm:txPr/>
+    <dgm:style>
+      <a:lnRef idx="0">
+        <a:scrgbClr r="0" g="0" b="0"/>
+      </a:lnRef>
+      <a:fillRef idx="3">
+        <a:scrgbClr r="0" g="0" b="0"/>
+      </a:fillRef>
+      <a:effectRef idx="2">
+        <a:scrgbClr r="0" g="0" b="0"/>
+      </a:effectRef>
+      <a:fontRef idx="minor">
+        <a:schemeClr val="lt1"/>
+      </a:fontRef>
+    </dgm:style>
+  </dgm:styleLbl>
+  <dgm:styleLbl name="asst1">
+    <dgm:scene3d>
+      <a:camera prst="orthographicFront"/>
+      <a:lightRig rig="threePt" dir="t"/>
+    </dgm:scene3d>
+    <dgm:sp3d/>
+    <dgm:txPr/>
+    <dgm:style>
+      <a:lnRef idx="0">
+        <a:scrgbClr r="0" g="0" b="0"/>
+      </a:lnRef>
+      <a:fillRef idx="3">
+        <a:scrgbClr r="0" g="0" b="0"/>
+      </a:fillRef>
+      <a:effectRef idx="2">
+        <a:scrgbClr r="0" g="0" b="0"/>
+      </a:effectRef>
+      <a:fontRef idx="minor">
+        <a:schemeClr val="lt1"/>
+      </a:fontRef>
+    </dgm:style>
+  </dgm:styleLbl>
+  <dgm:styleLbl name="asst2">
+    <dgm:scene3d>
+      <a:camera prst="orthographicFront"/>
+      <a:lightRig rig="threePt" dir="t"/>
+    </dgm:scene3d>
+    <dgm:sp3d/>
+    <dgm:txPr/>
+    <dgm:style>
+      <a:lnRef idx="0">
+        <a:scrgbClr r="0" g="0" b="0"/>
+      </a:lnRef>
+      <a:fillRef idx="3">
+        <a:scrgbClr r="0" g="0" b="0"/>
+      </a:fillRef>
+      <a:effectRef idx="2">
+        <a:scrgbClr r="0" g="0" b="0"/>
+      </a:effectRef>
+      <a:fontRef idx="minor">
+        <a:schemeClr val="lt1"/>
+      </a:fontRef>
+    </dgm:style>
+  </dgm:styleLbl>
+  <dgm:styleLbl name="asst3">
+    <dgm:scene3d>
+      <a:camera prst="orthographicFront"/>
+      <a:lightRig rig="threePt" dir="t"/>
+    </dgm:scene3d>
+    <dgm:sp3d/>
+    <dgm:txPr/>
+    <dgm:style>
+      <a:lnRef idx="0">
+        <a:scrgbClr r="0" g="0" b="0"/>
+      </a:lnRef>
+      <a:fillRef idx="3">
+        <a:scrgbClr r="0" g="0" b="0"/>
+      </a:fillRef>
+      <a:effectRef idx="2">
+        <a:scrgbClr r="0" g="0" b="0"/>
+      </a:effectRef>
+      <a:fontRef idx="minor">
+        <a:schemeClr val="lt1"/>
+      </a:fontRef>
+    </dgm:style>
+  </dgm:styleLbl>
+  <dgm:styleLbl name="asst4">
+    <dgm:scene3d>
+      <a:camera prst="orthographicFront"/>
+      <a:lightRig rig="threePt" dir="t"/>
+    </dgm:scene3d>
+    <dgm:sp3d/>
+    <dgm:txPr/>
+    <dgm:style>
+      <a:lnRef idx="0">
+        <a:scrgbClr r="0" g="0" b="0"/>
+      </a:lnRef>
+      <a:fillRef idx="3">
+        <a:scrgbClr r="0" g="0" b="0"/>
+      </a:fillRef>
+      <a:effectRef idx="2">
+        <a:scrgbClr r="0" g="0" b="0"/>
+      </a:effectRef>
+      <a:fontRef idx="minor">
+        <a:schemeClr val="lt1"/>
+      </a:fontRef>
+    </dgm:style>
+  </dgm:styleLbl>
+  <dgm:styleLbl name="parChTrans2D1">
+    <dgm:scene3d>
+      <a:camera prst="orthographicFront"/>
+      <a:lightRig rig="threePt" dir="t"/>
+    </dgm:scene3d>
+    <dgm:sp3d/>
+    <dgm:txPr/>
+    <dgm:style>
+      <a:lnRef idx="0">
+        <a:scrgbClr r="0" g="0" b="0"/>
+      </a:lnRef>
+      <a:fillRef idx="3">
+        <a:scrgbClr r="0" g="0" b="0"/>
+      </a:fillRef>
+      <a:effectRef idx="2">
+        <a:scrgbClr r="0" g="0" b="0"/>
+      </a:effectRef>
+      <a:fontRef idx="minor">
+        <a:schemeClr val="lt1"/>
+      </a:fontRef>
+    </dgm:style>
+  </dgm:styleLbl>
+  <dgm:styleLbl name="parChTrans2D2">
+    <dgm:scene3d>
+      <a:camera prst="orthographicFront"/>
+      <a:lightRig rig="threePt" dir="t"/>
+    </dgm:scene3d>
+    <dgm:sp3d/>
+    <dgm:txPr/>
+    <dgm:style>
+      <a:lnRef idx="0">
+        <a:scrgbClr r="0" g="0" b="0"/>
+      </a:lnRef>
+      <a:fillRef idx="3">
+        <a:scrgbClr r="0" g="0" b="0"/>
+      </a:fillRef>
+      <a:effectRef idx="2">
+        <a:scrgbClr r="0" g="0" b="0"/>
+      </a:effectRef>
+      <a:fontRef idx="minor">
+        <a:schemeClr val="lt1"/>
+      </a:fontRef>
+    </dgm:style>
+  </dgm:styleLbl>
+  <dgm:styleLbl name="parChTrans2D3">
+    <dgm:scene3d>
+      <a:camera prst="orthographicFront"/>
+      <a:lightRig rig="threePt" dir="t"/>
+    </dgm:scene3d>
+    <dgm:sp3d/>
+    <dgm:txPr/>
+    <dgm:style>
+      <a:lnRef idx="1">
+        <a:scrgbClr r="0" g="0" b="0"/>
+      </a:lnRef>
+      <a:fillRef idx="3">
+        <a:scrgbClr r="0" g="0" b="0"/>
+      </a:fillRef>
+      <a:effectRef idx="2">
+        <a:scrgbClr r="0" g="0" b="0"/>
+      </a:effectRef>
+      <a:fontRef idx="minor">
+        <a:schemeClr val="lt1"/>
+      </a:fontRef>
+    </dgm:style>
+  </dgm:styleLbl>
+  <dgm:styleLbl name="parChTrans2D4">
+    <dgm:scene3d>
+      <a:camera prst="orthographicFront"/>
+      <a:lightRig rig="threePt" dir="t"/>
+    </dgm:scene3d>
+    <dgm:sp3d/>
+    <dgm:txPr/>
+    <dgm:style>
+      <a:lnRef idx="1">
+        <a:scrgbClr r="0" g="0" b="0"/>
+      </a:lnRef>
+      <a:fillRef idx="3">
+        <a:scrgbClr r="0" g="0" b="0"/>
+      </a:fillRef>
+      <a:effectRef idx="2">
+        <a:scrgbClr r="0" g="0" b="0"/>
+      </a:effectRef>
+      <a:fontRef idx="minor">
+        <a:schemeClr val="lt1"/>
+      </a:fontRef>
+    </dgm:style>
+  </dgm:styleLbl>
+  <dgm:styleLbl name="parChTrans1D1">
+    <dgm:scene3d>
+      <a:camera prst="orthographicFront"/>
+      <a:lightRig rig="threePt" dir="t"/>
+    </dgm:scene3d>
+    <dgm:sp3d/>
+    <dgm:txPr/>
+    <dgm:style>
+      <a:lnRef idx="1">
+        <a:scrgbClr r="0" g="0" b="0"/>
+      </a:lnRef>
+      <a:fillRef idx="0">
+        <a:scrgbClr r="0" g="0" b="0"/>
+      </a:fillRef>
+      <a:effectRef idx="0">
+        <a:scrgbClr r="0" g="0" b="0"/>
+      </a:effectRef>
+      <a:fontRef idx="minor"/>
+    </dgm:style>
+  </dgm:styleLbl>
+  <dgm:styleLbl name="parChTrans1D2">
+    <dgm:scene3d>
+      <a:camera prst="orthographicFront"/>
+      <a:lightRig rig="threePt" dir="t"/>
+    </dgm:scene3d>
+    <dgm:sp3d/>
+    <dgm:txPr/>
+    <dgm:style>
+      <a:lnRef idx="1">
+        <a:scrgbClr r="0" g="0" b="0"/>
+      </a:lnRef>
+      <a:fillRef idx="0">
+        <a:scrgbClr r="0" g="0" b="0"/>
+      </a:fillRef>
+      <a:effectRef idx="0">
+        <a:scrgbClr r="0" g="0" b="0"/>
+      </a:effectRef>
+      <a:fontRef idx="minor"/>
+    </dgm:style>
+  </dgm:styleLbl>
+  <dgm:styleLbl name="parChTrans1D3">
+    <dgm:scene3d>
+      <a:camera prst="orthographicFront"/>
+      <a:lightRig rig="threePt" dir="t"/>
+    </dgm:scene3d>
+    <dgm:sp3d/>
+    <dgm:txPr/>
+    <dgm:style>
+      <a:lnRef idx="1">
+        <a:scrgbClr r="0" g="0" b="0"/>
+      </a:lnRef>
+      <a:fillRef idx="0">
+        <a:scrgbClr r="0" g="0" b="0"/>
+      </a:fillRef>
+      <a:effectRef idx="0">
+        <a:scrgbClr r="0" g="0" b="0"/>
+      </a:effectRef>
+      <a:fontRef idx="minor"/>
+    </dgm:style>
+  </dgm:styleLbl>
+  <dgm:styleLbl name="parChTrans1D4">
+    <dgm:scene3d>
+      <a:camera prst="orthographicFront"/>
+      <a:lightRig rig="threePt" dir="t"/>
+    </dgm:scene3d>
+    <dgm:sp3d/>
+    <dgm:txPr/>
+    <dgm:style>
+      <a:lnRef idx="1">
+        <a:scrgbClr r="0" g="0" b="0"/>
+      </a:lnRef>
+      <a:fillRef idx="0">
+        <a:scrgbClr r="0" g="0" b="0"/>
+      </a:fillRef>
+      <a:effectRef idx="0">
+        <a:scrgbClr r="0" g="0" b="0"/>
+      </a:effectRef>
+      <a:fontRef idx="minor"/>
+    </dgm:style>
+  </dgm:styleLbl>
+  <dgm:styleLbl name="fgAcc1">
+    <dgm:scene3d>
+      <a:camera prst="orthographicFront"/>
+      <a:lightRig rig="threePt" dir="t"/>
+    </dgm:scene3d>
+    <dgm:sp3d/>
+    <dgm:txPr/>
+    <dgm:style>
+      <a:lnRef idx="1">
+        <a:scrgbClr r="0" g="0" b="0"/>
+      </a:lnRef>
+      <a:fillRef idx="1">
+        <a:scrgbClr r="0" g="0" b="0"/>
+      </a:fillRef>
+      <a:effectRef idx="0">
+        <a:scrgbClr r="0" g="0" b="0"/>
+      </a:effectRef>
+      <a:fontRef idx="minor"/>
+    </dgm:style>
+  </dgm:styleLbl>
+  <dgm:styleLbl name="conFgAcc1">
+    <dgm:scene3d>
+      <a:camera prst="orthographicFront"/>
+      <a:lightRig rig="threePt" dir="t"/>
+    </dgm:scene3d>
+    <dgm:sp3d/>
+    <dgm:txPr/>
+    <dgm:style>
+      <a:lnRef idx="1">
+        <a:scrgbClr r="0" g="0" b="0"/>
+      </a:lnRef>
+      <a:fillRef idx="1">
+        <a:scrgbClr r="0" g="0" b="0"/>
+      </a:fillRef>
+      <a:effectRef idx="0">
+        <a:scrgbClr r="0" g="0" b="0"/>
+      </a:effectRef>
+      <a:fontRef idx="minor"/>
+    </dgm:style>
+  </dgm:styleLbl>
+  <dgm:styleLbl name="alignAcc1">
+    <dgm:scene3d>
+      <a:camera prst="orthographicFront"/>
+      <a:lightRig rig="threePt" dir="t"/>
+    </dgm:scene3d>
+    <dgm:sp3d/>
+    <dgm:txPr/>
+    <dgm:style>
+      <a:lnRef idx="1">
+        <a:scrgbClr r="0" g="0" b="0"/>
+      </a:lnRef>
+      <a:fillRef idx="1">
+        <a:scrgbClr r="0" g="0" b="0"/>
+      </a:fillRef>
+      <a:effectRef idx="0">
+        <a:scrgbClr r="0" g="0" b="0"/>
+      </a:effectRef>
+      <a:fontRef idx="minor"/>
+    </dgm:style>
+  </dgm:styleLbl>
+  <dgm:styleLbl name="trAlignAcc1">
+    <dgm:scene3d>
+      <a:camera prst="orthographicFront"/>
+      <a:lightRig rig="threePt" dir="t"/>
+    </dgm:scene3d>
+    <dgm:sp3d/>
+    <dgm:txPr/>
+    <dgm:style>
+      <a:lnRef idx="1">
+        <a:scrgbClr r="0" g="0" b="0"/>
+      </a:lnRef>
+      <a:fillRef idx="1">
+        <a:scrgbClr r="0" g="0" b="0"/>
+      </a:fillRef>
+      <a:effectRef idx="0">
+        <a:scrgbClr r="0" g="0" b="0"/>
+      </a:effectRef>
+      <a:fontRef idx="minor"/>
+    </dgm:style>
+  </dgm:styleLbl>
+  <dgm:styleLbl name="bgAcc1">
+    <dgm:scene3d>
+      <a:camera prst="orthographicFront"/>
+      <a:lightRig rig="threePt" dir="t"/>
+    </dgm:scene3d>
+    <dgm:sp3d/>
+    <dgm:txPr/>
+    <dgm:style>
+      <a:lnRef idx="1">
+        <a:scrgbClr r="0" g="0" b="0"/>
+      </a:lnRef>
+      <a:fillRef idx="1">
+        <a:scrgbClr r="0" g="0" b="0"/>
+      </a:fillRef>
+      <a:effectRef idx="0">
+        <a:scrgbClr r="0" g="0" b="0"/>
+      </a:effectRef>
+      <a:fontRef idx="minor"/>
+    </dgm:style>
+  </dgm:styleLbl>
+  <dgm:styleLbl name="solidFgAcc1">
+    <dgm:scene3d>
+      <a:camera prst="orthographicFront"/>
+      <a:lightRig rig="threePt" dir="t"/>
+    </dgm:scene3d>
+    <dgm:sp3d/>
+    <dgm:txPr/>
+    <dgm:style>
+      <a:lnRef idx="1">
+        <a:scrgbClr r="0" g="0" b="0"/>
+      </a:lnRef>
+      <a:fillRef idx="1">
+        <a:scrgbClr r="0" g="0" b="0"/>
+      </a:fillRef>
+      <a:effectRef idx="0">
+        <a:scrgbClr r="0" g="0" b="0"/>
+      </a:effectRef>
+      <a:fontRef idx="minor"/>
+    </dgm:style>
+  </dgm:styleLbl>
+  <dgm:styleLbl name="solidAlignAcc1">
+    <dgm:scene3d>
+      <a:camera prst="orthographicFront"/>
+      <a:lightRig rig="threePt" dir="t"/>
+    </dgm:scene3d>
+    <dgm:sp3d/>
+    <dgm:txPr/>
+    <dgm:style>
+      <a:lnRef idx="1">
+        <a:scrgbClr r="0" g="0" b="0"/>
+      </a:lnRef>
+      <a:fillRef idx="1">
+        <a:scrgbClr r="0" g="0" b="0"/>
+      </a:fillRef>
+      <a:effectRef idx="0">
+        <a:scrgbClr r="0" g="0" b="0"/>
+      </a:effectRef>
+      <a:fontRef idx="minor"/>
+    </dgm:style>
+  </dgm:styleLbl>
+  <dgm:styleLbl name="solidBgAcc1">
+    <dgm:scene3d>
+      <a:camera prst="orthographicFront"/>
+      <a:lightRig rig="threePt" dir="t"/>
+    </dgm:scene3d>
+    <dgm:sp3d/>
+    <dgm:txPr/>
+    <dgm:style>
+      <a:lnRef idx="1">
+        <a:scrgbClr r="0" g="0" b="0"/>
+      </a:lnRef>
+      <a:fillRef idx="1">
+        <a:scrgbClr r="0" g="0" b="0"/>
+      </a:fillRef>
+      <a:effectRef idx="0">
+        <a:scrgbClr r="0" g="0" b="0"/>
+      </a:effectRef>
+      <a:fontRef idx="minor"/>
+    </dgm:style>
+  </dgm:styleLbl>
+  <dgm:styleLbl name="fgAccFollowNode1">
+    <dgm:scene3d>
+      <a:camera prst="orthographicFront"/>
+      <a:lightRig rig="threePt" dir="t"/>
+    </dgm:scene3d>
+    <dgm:sp3d/>
+    <dgm:txPr/>
+    <dgm:style>
+      <a:lnRef idx="1">
+        <a:scrgbClr r="0" g="0" b="0"/>
+      </a:lnRef>
+      <a:fillRef idx="1">
+        <a:scrgbClr r="0" g="0" b="0"/>
+      </a:fillRef>
+      <a:effectRef idx="0">
+        <a:scrgbClr r="0" g="0" b="0"/>
+      </a:effectRef>
+      <a:fontRef idx="minor"/>
+    </dgm:style>
+  </dgm:styleLbl>
+  <dgm:styleLbl name="alignAccFollowNode1">
+    <dgm:scene3d>
+      <a:camera prst="orthographicFront"/>
+      <a:lightRig rig="threePt" dir="t"/>
+    </dgm:scene3d>
+    <dgm:sp3d/>
+    <dgm:txPr/>
+    <dgm:style>
+      <a:lnRef idx="1">
+        <a:scrgbClr r="0" g="0" b="0"/>
+      </a:lnRef>
+      <a:fillRef idx="1">
+        <a:scrgbClr r="0" g="0" b="0"/>
+      </a:fillRef>
+      <a:effectRef idx="0">
+        <a:scrgbClr r="0" g="0" b="0"/>
+      </a:effectRef>
+      <a:fontRef idx="minor"/>
+    </dgm:style>
+  </dgm:styleLbl>
+  <dgm:styleLbl name="bgAccFollowNode1">
+    <dgm:scene3d>
+      <a:camera prst="orthographicFront"/>
+      <a:lightRig rig="threePt" dir="t"/>
+    </dgm:scene3d>
+    <dgm:sp3d/>
+    <dgm:txPr/>
+    <dgm:style>
+      <a:lnRef idx="1">
+        <a:scrgbClr r="0" g="0" b="0"/>
+      </a:lnRef>
+      <a:fillRef idx="1">
+        <a:scrgbClr r="0" g="0" b="0"/>
+      </a:fillRef>
+      <a:effectRef idx="0">
+        <a:scrgbClr r="0" g="0" b="0"/>
+      </a:effectRef>
+      <a:fontRef idx="minor"/>
+    </dgm:style>
+  </dgm:styleLbl>
+  <dgm:styleLbl name="fgAcc0">
+    <dgm:scene3d>
+      <a:camera prst="orthographicFront"/>
+      <a:lightRig rig="threePt" dir="t"/>
+    </dgm:scene3d>
+    <dgm:sp3d/>
+    <dgm:txPr/>
+    <dgm:style>
+      <a:lnRef idx="1">
+        <a:scrgbClr r="0" g="0" b="0"/>
+      </a:lnRef>
+      <a:fillRef idx="1">
+        <a:scrgbClr r="0" g="0" b="0"/>
+      </a:fillRef>
+      <a:effectRef idx="0">
+        <a:scrgbClr r="0" g="0" b="0"/>
+      </a:effectRef>
+      <a:fontRef idx="minor"/>
+    </dgm:style>
+  </dgm:styleLbl>
+  <dgm:styleLbl name="fgAcc2">
+    <dgm:scene3d>
+      <a:camera prst="orthographicFront"/>
+      <a:lightRig rig="threePt" dir="t"/>
+    </dgm:scene3d>
+    <dgm:sp3d/>
+    <dgm:txPr/>
+    <dgm:style>
+      <a:lnRef idx="1">
+        <a:scrgbClr r="0" g="0" b="0"/>
+      </a:lnRef>
+      <a:fillRef idx="1">
+        <a:scrgbClr r="0" g="0" b="0"/>
+      </a:fillRef>
+      <a:effectRef idx="0">
+        <a:scrgbClr r="0" g="0" b="0"/>
+      </a:effectRef>
+      <a:fontRef idx="minor"/>
+    </dgm:style>
+  </dgm:styleLbl>
+  <dgm:styleLbl name="fgAcc3">
+    <dgm:scene3d>
+      <a:camera prst="orthographicFront"/>
+      <a:lightRig rig="threePt" dir="t"/>
+    </dgm:scene3d>
+    <dgm:sp3d/>
+    <dgm:txPr/>
+    <dgm:style>
+      <a:lnRef idx="1">
+        <a:scrgbClr r="0" g="0" b="0"/>
+      </a:lnRef>
+      <a:fillRef idx="1">
+        <a:scrgbClr r="0" g="0" b="0"/>
+      </a:fillRef>
+      <a:effectRef idx="0">
+        <a:scrgbClr r="0" g="0" b="0"/>
+      </a:effectRef>
+      <a:fontRef idx="minor"/>
+    </dgm:style>
+  </dgm:styleLbl>
+  <dgm:styleLbl name="fgAcc4">
+    <dgm:scene3d>
+      <a:camera prst="orthographicFront"/>
+      <a:lightRig rig="threePt" dir="t"/>
+    </dgm:scene3d>
+    <dgm:sp3d/>
+    <dgm:txPr/>
+    <dgm:style>
+      <a:lnRef idx="1">
+        <a:scrgbClr r="0" g="0" b="0"/>
+      </a:lnRef>
+      <a:fillRef idx="1">
+        <a:scrgbClr r="0" g="0" b="0"/>
+      </a:fillRef>
+      <a:effectRef idx="0">
+        <a:scrgbClr r="0" g="0" b="0"/>
+      </a:effectRef>
+      <a:fontRef idx="minor"/>
+    </dgm:style>
+  </dgm:styleLbl>
+  <dgm:styleLbl name="bgShp">
+    <dgm:scene3d>
+      <a:camera prst="orthographicFront"/>
+      <a:lightRig rig="threePt" dir="t"/>
+    </dgm:scene3d>
+    <dgm:sp3d/>
+    <dgm:txPr/>
+    <dgm:style>
+      <a:lnRef idx="0">
+        <a:scrgbClr r="0" g="0" b="0"/>
+      </a:lnRef>
+      <a:fillRef idx="1">
+        <a:scrgbClr r="0" g="0" b="0"/>
+      </a:fillRef>
+      <a:effectRef idx="2">
+        <a:scrgbClr r="0" g="0" b="0"/>
+      </a:effectRef>
+      <a:fontRef idx="minor"/>
+    </dgm:style>
+  </dgm:styleLbl>
+  <dgm:styleLbl name="dkBgShp">
+    <dgm:scene3d>
+      <a:camera prst="orthographicFront"/>
+      <a:lightRig rig="threePt" dir="t"/>
+    </dgm:scene3d>
+    <dgm:sp3d/>
+    <dgm:txPr/>
+    <dgm:style>
+      <a:lnRef idx="0">
+        <a:scrgbClr r="0" g="0" b="0"/>
+      </a:lnRef>
+      <a:fillRef idx="1">
+        <a:scrgbClr r="0" g="0" b="0"/>
+      </a:fillRef>
+      <a:effectRef idx="2">
+        <a:scrgbClr r="0" g="0" b="0"/>
+      </a:effectRef>
+      <a:fontRef idx="minor"/>
+    </dgm:style>
+  </dgm:styleLbl>
+  <dgm:styleLbl name="trBgShp">
+    <dgm:scene3d>
+      <a:camera prst="orthographicFront"/>
+      <a:lightRig rig="threePt" dir="t"/>
+    </dgm:scene3d>
+    <dgm:sp3d/>
+    <dgm:txPr/>
+    <dgm:style>
+      <a:lnRef idx="0">
+        <a:scrgbClr r="0" g="0" b="0"/>
+      </a:lnRef>
+      <a:fillRef idx="1">
+        <a:scrgbClr r="0" g="0" b="0"/>
+      </a:fillRef>
+      <a:effectRef idx="0">
+        <a:scrgbClr r="0" g="0" b="0"/>
+      </a:effectRef>
+      <a:fontRef idx="minor"/>
+    </dgm:style>
+  </dgm:styleLbl>
+  <dgm:styleLbl name="fgShp">
+    <dgm:scene3d>
+      <a:camera prst="orthographicFront"/>
+      <a:lightRig rig="threePt" dir="t"/>
+    </dgm:scene3d>
+    <dgm:sp3d/>
+    <dgm:txPr/>
+    <dgm:style>
+      <a:lnRef idx="0">
+        <a:scrgbClr r="0" g="0" b="0"/>
+      </a:lnRef>
+      <a:fillRef idx="3">
+        <a:scrgbClr r="0" g="0" b="0"/>
+      </a:fillRef>
+      <a:effectRef idx="2">
         <a:scrgbClr r="0" g="0" b="0"/>
       </a:effectRef>
       <a:fontRef idx="minor"/>
@@ -24387,7 +29728,7 @@
           <a:p>
             <a:fld id="{C1BCDE26-89C7-4F37-904D-6337A1DE0916}" type="datetimeFigureOut">
               <a:rPr lang="en-US" smtClean="0"/>
-              <a:t>11/5/2022</a:t>
+              <a:t>11/7/2022</a:t>
             </a:fld>
             <a:endParaRPr lang="en-US"/>
           </a:p>
@@ -24585,7 +29926,7 @@
           <a:p>
             <a:fld id="{C1BCDE26-89C7-4F37-904D-6337A1DE0916}" type="datetimeFigureOut">
               <a:rPr lang="en-US" smtClean="0"/>
-              <a:t>11/5/2022</a:t>
+              <a:t>11/7/2022</a:t>
             </a:fld>
             <a:endParaRPr lang="en-US"/>
           </a:p>
@@ -24793,7 +30134,7 @@
           <a:p>
             <a:fld id="{C1BCDE26-89C7-4F37-904D-6337A1DE0916}" type="datetimeFigureOut">
               <a:rPr lang="en-US" smtClean="0"/>
-              <a:t>11/5/2022</a:t>
+              <a:t>11/7/2022</a:t>
             </a:fld>
             <a:endParaRPr lang="en-US"/>
           </a:p>
@@ -24991,7 +30332,7 @@
           <a:p>
             <a:fld id="{C1BCDE26-89C7-4F37-904D-6337A1DE0916}" type="datetimeFigureOut">
               <a:rPr lang="en-US" smtClean="0"/>
-              <a:t>11/5/2022</a:t>
+              <a:t>11/7/2022</a:t>
             </a:fld>
             <a:endParaRPr lang="en-US"/>
           </a:p>
@@ -25266,7 +30607,7 @@
           <a:p>
             <a:fld id="{C1BCDE26-89C7-4F37-904D-6337A1DE0916}" type="datetimeFigureOut">
               <a:rPr lang="en-US" smtClean="0"/>
-              <a:t>11/5/2022</a:t>
+              <a:t>11/7/2022</a:t>
             </a:fld>
             <a:endParaRPr lang="en-US"/>
           </a:p>
@@ -25531,7 +30872,7 @@
           <a:p>
             <a:fld id="{C1BCDE26-89C7-4F37-904D-6337A1DE0916}" type="datetimeFigureOut">
               <a:rPr lang="en-US" smtClean="0"/>
-              <a:t>11/5/2022</a:t>
+              <a:t>11/7/2022</a:t>
             </a:fld>
             <a:endParaRPr lang="en-US"/>
           </a:p>
@@ -25943,7 +31284,7 @@
           <a:p>
             <a:fld id="{C1BCDE26-89C7-4F37-904D-6337A1DE0916}" type="datetimeFigureOut">
               <a:rPr lang="en-US" smtClean="0"/>
-              <a:t>11/5/2022</a:t>
+              <a:t>11/7/2022</a:t>
             </a:fld>
             <a:endParaRPr lang="en-US"/>
           </a:p>
@@ -26084,7 +31425,7 @@
           <a:p>
             <a:fld id="{C1BCDE26-89C7-4F37-904D-6337A1DE0916}" type="datetimeFigureOut">
               <a:rPr lang="en-US" smtClean="0"/>
-              <a:t>11/5/2022</a:t>
+              <a:t>11/7/2022</a:t>
             </a:fld>
             <a:endParaRPr lang="en-US"/>
           </a:p>
@@ -26197,7 +31538,7 @@
           <a:p>
             <a:fld id="{C1BCDE26-89C7-4F37-904D-6337A1DE0916}" type="datetimeFigureOut">
               <a:rPr lang="en-US" smtClean="0"/>
-              <a:t>11/5/2022</a:t>
+              <a:t>11/7/2022</a:t>
             </a:fld>
             <a:endParaRPr lang="en-US"/>
           </a:p>
@@ -26508,7 +31849,7 @@
           <a:p>
             <a:fld id="{C1BCDE26-89C7-4F37-904D-6337A1DE0916}" type="datetimeFigureOut">
               <a:rPr lang="en-US" smtClean="0"/>
-              <a:t>11/5/2022</a:t>
+              <a:t>11/7/2022</a:t>
             </a:fld>
             <a:endParaRPr lang="en-US"/>
           </a:p>
@@ -26796,7 +32137,7 @@
           <a:p>
             <a:fld id="{C1BCDE26-89C7-4F37-904D-6337A1DE0916}" type="datetimeFigureOut">
               <a:rPr lang="en-US" smtClean="0"/>
-              <a:t>11/5/2022</a:t>
+              <a:t>11/7/2022</a:t>
             </a:fld>
             <a:endParaRPr lang="en-US"/>
           </a:p>
@@ -27037,7 +32378,7 @@
           <a:p>
             <a:fld id="{C1BCDE26-89C7-4F37-904D-6337A1DE0916}" type="datetimeFigureOut">
               <a:rPr lang="en-US" smtClean="0"/>
-              <a:t>11/5/2022</a:t>
+              <a:t>11/7/2022</a:t>
             </a:fld>
             <a:endParaRPr lang="en-US"/>
           </a:p>
@@ -42555,6 +47896,14 @@
 <file path=ppt/slides/slide42.xml><?xml version="1.0" encoding="utf-8"?>
 <p:sld xmlns:a="http://schemas.openxmlformats.org/drawingml/2006/main" xmlns:r="http://schemas.openxmlformats.org/officeDocument/2006/relationships" xmlns:p="http://schemas.openxmlformats.org/presentationml/2006/main">
   <p:cSld>
+    <p:bg>
+      <p:bgPr>
+        <a:solidFill>
+          <a:schemeClr val="bg1"/>
+        </a:solidFill>
+        <a:effectLst/>
+      </p:bgPr>
+    </p:bg>
     <p:spTree>
       <p:nvGrpSpPr>
         <p:cNvPr id="1" name=""/>
@@ -42569,6 +47918,528 @@
           <a:chExt cx="0" cy="0"/>
         </a:xfrm>
       </p:grpSpPr>
+      <p:sp useBgFill="1">
+        <p:nvSpPr>
+          <p:cNvPr id="19" name="Rectangle 7">
+            <a:extLst>
+              <a:ext uri="{FF2B5EF4-FFF2-40B4-BE49-F238E27FC236}">
+                <a16:creationId xmlns:a16="http://schemas.microsoft.com/office/drawing/2014/main" id="{827B839B-9ADE-406B-8590-F1CAEDED45A1}"/>
+              </a:ext>
+              <a:ext uri="{C183D7F6-B498-43B3-948B-1728B52AA6E4}">
+                <adec:decorative xmlns:adec="http://schemas.microsoft.com/office/drawing/2017/decorative" val="1"/>
+              </a:ext>
+            </a:extLst>
+          </p:cNvPr>
+          <p:cNvSpPr>
+            <a:spLocks noGrp="1" noRot="1" noChangeAspect="1" noMove="1" noResize="1" noEditPoints="1" noAdjustHandles="1" noChangeArrowheads="1" noChangeShapeType="1" noTextEdit="1"/>
+          </p:cNvSpPr>
+          <p:nvPr>
+            <p:extLst>
+              <p:ext uri="{386F3935-93C4-4BCD-93E2-E3B085C9AB24}">
+                <p16:designElem xmlns:p16="http://schemas.microsoft.com/office/powerpoint/2015/main" val="1"/>
+              </p:ext>
+            </p:extLst>
+          </p:nvPr>
+        </p:nvSpPr>
+        <p:spPr>
+          <a:xfrm>
+            <a:off x="0" y="0"/>
+            <a:ext cx="12188952" cy="6858000"/>
+          </a:xfrm>
+          <a:prstGeom prst="rect">
+            <a:avLst/>
+          </a:prstGeom>
+          <a:ln>
+            <a:noFill/>
+          </a:ln>
+        </p:spPr>
+        <p:style>
+          <a:lnRef idx="2">
+            <a:schemeClr val="accent1">
+              <a:shade val="50000"/>
+            </a:schemeClr>
+          </a:lnRef>
+          <a:fillRef idx="1">
+            <a:schemeClr val="accent1"/>
+          </a:fillRef>
+          <a:effectRef idx="0">
+            <a:schemeClr val="accent1"/>
+          </a:effectRef>
+          <a:fontRef idx="minor">
+            <a:schemeClr val="lt1"/>
+          </a:fontRef>
+        </p:style>
+        <p:txBody>
+          <a:bodyPr rtlCol="0" anchor="ctr"/>
+          <a:lstStyle/>
+          <a:p>
+            <a:pPr algn="ctr"/>
+            <a:endParaRPr lang="en-US"/>
+          </a:p>
+        </p:txBody>
+      </p:sp>
+      <p:sp>
+        <p:nvSpPr>
+          <p:cNvPr id="20" name="Freeform 45">
+            <a:extLst>
+              <a:ext uri="{FF2B5EF4-FFF2-40B4-BE49-F238E27FC236}">
+                <a16:creationId xmlns:a16="http://schemas.microsoft.com/office/drawing/2014/main" id="{CFE45BF0-46DB-408C-B5F7-7B11716805D4}"/>
+              </a:ext>
+              <a:ext uri="{C183D7F6-B498-43B3-948B-1728B52AA6E4}">
+                <adec:decorative xmlns:adec="http://schemas.microsoft.com/office/drawing/2017/decorative" val="1"/>
+              </a:ext>
+            </a:extLst>
+          </p:cNvPr>
+          <p:cNvSpPr>
+            <a:spLocks noGrp="1" noRot="1" noChangeAspect="1" noMove="1" noResize="1" noEditPoints="1" noAdjustHandles="1" noChangeArrowheads="1" noChangeShapeType="1" noTextEdit="1"/>
+          </p:cNvSpPr>
+          <p:nvPr>
+            <p:extLst>
+              <p:ext uri="{386F3935-93C4-4BCD-93E2-E3B085C9AB24}">
+                <p16:designElem xmlns:p16="http://schemas.microsoft.com/office/powerpoint/2015/main" val="1"/>
+              </p:ext>
+            </p:extLst>
+          </p:nvPr>
+        </p:nvSpPr>
+        <p:spPr bwMode="auto">
+          <a:xfrm>
+            <a:off x="409710" y="1022350"/>
+            <a:ext cx="709612" cy="2095501"/>
+          </a:xfrm>
+          <a:custGeom>
+            <a:avLst/>
+            <a:gdLst>
+              <a:gd name="T0" fmla="*/ 447 w 447"/>
+              <a:gd name="T1" fmla="*/ 1363 h 1363"/>
+              <a:gd name="T2" fmla="*/ 0 w 447"/>
+              <a:gd name="T3" fmla="*/ 987 h 1363"/>
+              <a:gd name="T4" fmla="*/ 0 w 447"/>
+              <a:gd name="T5" fmla="*/ 0 h 1363"/>
+              <a:gd name="T6" fmla="*/ 447 w 447"/>
+              <a:gd name="T7" fmla="*/ 376 h 1363"/>
+              <a:gd name="T8" fmla="*/ 447 w 447"/>
+              <a:gd name="T9" fmla="*/ 1363 h 1363"/>
+            </a:gdLst>
+            <a:ahLst/>
+            <a:cxnLst>
+              <a:cxn ang="0">
+                <a:pos x="T0" y="T1"/>
+              </a:cxn>
+              <a:cxn ang="0">
+                <a:pos x="T2" y="T3"/>
+              </a:cxn>
+              <a:cxn ang="0">
+                <a:pos x="T4" y="T5"/>
+              </a:cxn>
+              <a:cxn ang="0">
+                <a:pos x="T6" y="T7"/>
+              </a:cxn>
+              <a:cxn ang="0">
+                <a:pos x="T8" y="T9"/>
+              </a:cxn>
+            </a:cxnLst>
+            <a:rect l="0" t="0" r="r" b="b"/>
+            <a:pathLst>
+              <a:path w="447" h="1363">
+                <a:moveTo>
+                  <a:pt x="447" y="1363"/>
+                </a:moveTo>
+                <a:lnTo>
+                  <a:pt x="0" y="987"/>
+                </a:lnTo>
+                <a:lnTo>
+                  <a:pt x="0" y="0"/>
+                </a:lnTo>
+                <a:lnTo>
+                  <a:pt x="447" y="376"/>
+                </a:lnTo>
+                <a:lnTo>
+                  <a:pt x="447" y="1363"/>
+                </a:lnTo>
+                <a:close/>
+              </a:path>
+            </a:pathLst>
+          </a:custGeom>
+          <a:solidFill>
+            <a:schemeClr val="accent1">
+              <a:lumMod val="50000"/>
+            </a:schemeClr>
+          </a:solidFill>
+          <a:ln>
+            <a:noFill/>
+          </a:ln>
+        </p:spPr>
+        <p:txBody>
+          <a:bodyPr vert="horz" wrap="square" lIns="91440" tIns="45720" rIns="91440" bIns="45720" numCol="1" anchor="t" anchorCtr="0" compatLnSpc="1">
+            <a:prstTxWarp prst="textNoShape">
+              <a:avLst/>
+            </a:prstTxWarp>
+          </a:bodyPr>
+          <a:lstStyle/>
+          <a:p>
+            <a:endParaRPr lang="en-US"/>
+          </a:p>
+        </p:txBody>
+      </p:sp>
+      <p:sp>
+        <p:nvSpPr>
+          <p:cNvPr id="21" name="Freeform 46">
+            <a:extLst>
+              <a:ext uri="{FF2B5EF4-FFF2-40B4-BE49-F238E27FC236}">
+                <a16:creationId xmlns:a16="http://schemas.microsoft.com/office/drawing/2014/main" id="{2AEBC8F2-97B1-41B4-93F1-2D289E197FBA}"/>
+              </a:ext>
+              <a:ext uri="{C183D7F6-B498-43B3-948B-1728B52AA6E4}">
+                <adec:decorative xmlns:adec="http://schemas.microsoft.com/office/drawing/2017/decorative" val="1"/>
+              </a:ext>
+            </a:extLst>
+          </p:cNvPr>
+          <p:cNvSpPr>
+            <a:spLocks noGrp="1" noRot="1" noChangeAspect="1" noMove="1" noResize="1" noEditPoints="1" noAdjustHandles="1" noChangeArrowheads="1" noChangeShapeType="1" noTextEdit="1"/>
+          </p:cNvSpPr>
+          <p:nvPr>
+            <p:extLst>
+              <p:ext uri="{386F3935-93C4-4BCD-93E2-E3B085C9AB24}">
+                <p16:designElem xmlns:p16="http://schemas.microsoft.com/office/powerpoint/2015/main" val="1"/>
+              </p:ext>
+            </p:extLst>
+          </p:nvPr>
+        </p:nvSpPr>
+        <p:spPr bwMode="auto">
+          <a:xfrm>
+            <a:off x="409710" y="837744"/>
+            <a:ext cx="403225" cy="1705431"/>
+          </a:xfrm>
+          <a:custGeom>
+            <a:avLst/>
+            <a:gdLst>
+              <a:gd name="T0" fmla="*/ 254 w 254"/>
+              <a:gd name="T1" fmla="*/ 987 h 1109"/>
+              <a:gd name="T2" fmla="*/ 0 w 254"/>
+              <a:gd name="T3" fmla="*/ 1109 h 1109"/>
+              <a:gd name="T4" fmla="*/ 0 w 254"/>
+              <a:gd name="T5" fmla="*/ 119 h 1109"/>
+              <a:gd name="T6" fmla="*/ 254 w 254"/>
+              <a:gd name="T7" fmla="*/ 0 h 1109"/>
+              <a:gd name="T8" fmla="*/ 254 w 254"/>
+              <a:gd name="T9" fmla="*/ 987 h 1109"/>
+            </a:gdLst>
+            <a:ahLst/>
+            <a:cxnLst>
+              <a:cxn ang="0">
+                <a:pos x="T0" y="T1"/>
+              </a:cxn>
+              <a:cxn ang="0">
+                <a:pos x="T2" y="T3"/>
+              </a:cxn>
+              <a:cxn ang="0">
+                <a:pos x="T4" y="T5"/>
+              </a:cxn>
+              <a:cxn ang="0">
+                <a:pos x="T6" y="T7"/>
+              </a:cxn>
+              <a:cxn ang="0">
+                <a:pos x="T8" y="T9"/>
+              </a:cxn>
+            </a:cxnLst>
+            <a:rect l="0" t="0" r="r" b="b"/>
+            <a:pathLst>
+              <a:path w="254" h="1109">
+                <a:moveTo>
+                  <a:pt x="254" y="987"/>
+                </a:moveTo>
+                <a:lnTo>
+                  <a:pt x="0" y="1109"/>
+                </a:lnTo>
+                <a:lnTo>
+                  <a:pt x="0" y="119"/>
+                </a:lnTo>
+                <a:lnTo>
+                  <a:pt x="254" y="0"/>
+                </a:lnTo>
+                <a:lnTo>
+                  <a:pt x="254" y="987"/>
+                </a:lnTo>
+                <a:close/>
+              </a:path>
+            </a:pathLst>
+          </a:custGeom>
+          <a:solidFill>
+            <a:schemeClr val="accent1">
+              <a:lumMod val="75000"/>
+            </a:schemeClr>
+          </a:solidFill>
+          <a:ln>
+            <a:noFill/>
+          </a:ln>
+        </p:spPr>
+        <p:txBody>
+          <a:bodyPr vert="horz" wrap="square" lIns="91440" tIns="45720" rIns="91440" bIns="45720" numCol="1" anchor="t" anchorCtr="0" compatLnSpc="1">
+            <a:prstTxWarp prst="textNoShape">
+              <a:avLst/>
+            </a:prstTxWarp>
+          </a:bodyPr>
+          <a:lstStyle/>
+          <a:p>
+            <a:endParaRPr lang="en-US"/>
+          </a:p>
+        </p:txBody>
+      </p:sp>
+      <p:sp>
+        <p:nvSpPr>
+          <p:cNvPr id="22" name="Freeform 47">
+            <a:extLst>
+              <a:ext uri="{FF2B5EF4-FFF2-40B4-BE49-F238E27FC236}">
+                <a16:creationId xmlns:a16="http://schemas.microsoft.com/office/drawing/2014/main" id="{472E3A19-F5D5-48FC-BB9C-48C2F68F598B}"/>
+              </a:ext>
+              <a:ext uri="{C183D7F6-B498-43B3-948B-1728B52AA6E4}">
+                <adec:decorative xmlns:adec="http://schemas.microsoft.com/office/drawing/2017/decorative" val="1"/>
+              </a:ext>
+            </a:extLst>
+          </p:cNvPr>
+          <p:cNvSpPr>
+            <a:spLocks noGrp="1" noRot="1" noChangeAspect="1" noMove="1" noResize="1" noEditPoints="1" noAdjustHandles="1" noChangeArrowheads="1" noChangeShapeType="1" noTextEdit="1"/>
+          </p:cNvSpPr>
+          <p:nvPr>
+            <p:extLst>
+              <p:ext uri="{386F3935-93C4-4BCD-93E2-E3B085C9AB24}">
+                <p16:designElem xmlns:p16="http://schemas.microsoft.com/office/powerpoint/2015/main" val="1"/>
+              </p:ext>
+            </p:extLst>
+          </p:nvPr>
+        </p:nvSpPr>
+        <p:spPr bwMode="auto">
+          <a:xfrm>
+            <a:off x="644660" y="640894"/>
+            <a:ext cx="168275" cy="1713195"/>
+          </a:xfrm>
+          <a:custGeom>
+            <a:avLst/>
+            <a:gdLst>
+              <a:gd name="T0" fmla="*/ 106 w 106"/>
+              <a:gd name="T1" fmla="*/ 1114 h 1114"/>
+              <a:gd name="T2" fmla="*/ 0 w 106"/>
+              <a:gd name="T3" fmla="*/ 1005 h 1114"/>
+              <a:gd name="T4" fmla="*/ 0 w 106"/>
+              <a:gd name="T5" fmla="*/ 0 h 1114"/>
+              <a:gd name="T6" fmla="*/ 106 w 106"/>
+              <a:gd name="T7" fmla="*/ 110 h 1114"/>
+              <a:gd name="T8" fmla="*/ 106 w 106"/>
+              <a:gd name="T9" fmla="*/ 1114 h 1114"/>
+            </a:gdLst>
+            <a:ahLst/>
+            <a:cxnLst>
+              <a:cxn ang="0">
+                <a:pos x="T0" y="T1"/>
+              </a:cxn>
+              <a:cxn ang="0">
+                <a:pos x="T2" y="T3"/>
+              </a:cxn>
+              <a:cxn ang="0">
+                <a:pos x="T4" y="T5"/>
+              </a:cxn>
+              <a:cxn ang="0">
+                <a:pos x="T6" y="T7"/>
+              </a:cxn>
+              <a:cxn ang="0">
+                <a:pos x="T8" y="T9"/>
+              </a:cxn>
+            </a:cxnLst>
+            <a:rect l="0" t="0" r="r" b="b"/>
+            <a:pathLst>
+              <a:path w="106" h="1114">
+                <a:moveTo>
+                  <a:pt x="106" y="1114"/>
+                </a:moveTo>
+                <a:lnTo>
+                  <a:pt x="0" y="1005"/>
+                </a:lnTo>
+                <a:lnTo>
+                  <a:pt x="0" y="0"/>
+                </a:lnTo>
+                <a:lnTo>
+                  <a:pt x="106" y="110"/>
+                </a:lnTo>
+                <a:lnTo>
+                  <a:pt x="106" y="1114"/>
+                </a:lnTo>
+                <a:close/>
+              </a:path>
+            </a:pathLst>
+          </a:custGeom>
+          <a:solidFill>
+            <a:schemeClr val="accent1">
+              <a:lumMod val="50000"/>
+            </a:schemeClr>
+          </a:solidFill>
+          <a:ln>
+            <a:noFill/>
+          </a:ln>
+        </p:spPr>
+        <p:txBody>
+          <a:bodyPr vert="horz" wrap="square" lIns="91440" tIns="45720" rIns="91440" bIns="45720" numCol="1" anchor="t" anchorCtr="0" compatLnSpc="1">
+            <a:prstTxWarp prst="textNoShape">
+              <a:avLst/>
+            </a:prstTxWarp>
+          </a:bodyPr>
+          <a:lstStyle/>
+          <a:p>
+            <a:endParaRPr lang="en-US"/>
+          </a:p>
+        </p:txBody>
+      </p:sp>
+      <p:sp>
+        <p:nvSpPr>
+          <p:cNvPr id="23" name="Freeform 44">
+            <a:extLst>
+              <a:ext uri="{FF2B5EF4-FFF2-40B4-BE49-F238E27FC236}">
+                <a16:creationId xmlns:a16="http://schemas.microsoft.com/office/drawing/2014/main" id="{7A62E32F-BB65-43A8-8EB5-92346890E549}"/>
+              </a:ext>
+              <a:ext uri="{C183D7F6-B498-43B3-948B-1728B52AA6E4}">
+                <adec:decorative xmlns:adec="http://schemas.microsoft.com/office/drawing/2017/decorative" val="1"/>
+              </a:ext>
+            </a:extLst>
+          </p:cNvPr>
+          <p:cNvSpPr>
+            <a:spLocks noGrp="1" noRot="1" noChangeAspect="1" noMove="1" noResize="1" noEditPoints="1" noAdjustHandles="1" noChangeArrowheads="1" noChangeShapeType="1" noTextEdit="1"/>
+          </p:cNvSpPr>
+          <p:nvPr>
+            <p:extLst>
+              <p:ext uri="{386F3935-93C4-4BCD-93E2-E3B085C9AB24}">
+                <p16:designElem xmlns:p16="http://schemas.microsoft.com/office/powerpoint/2015/main" val="1"/>
+              </p:ext>
+            </p:extLst>
+          </p:nvPr>
+        </p:nvSpPr>
+        <p:spPr bwMode="auto">
+          <a:xfrm>
+            <a:off x="11223203" y="635716"/>
+            <a:ext cx="328612" cy="1742360"/>
+          </a:xfrm>
+          <a:custGeom>
+            <a:avLst/>
+            <a:gdLst>
+              <a:gd name="T0" fmla="*/ 207 w 207"/>
+              <a:gd name="T1" fmla="*/ 987 h 1114"/>
+              <a:gd name="T2" fmla="*/ 0 w 207"/>
+              <a:gd name="T3" fmla="*/ 1114 h 1114"/>
+              <a:gd name="T4" fmla="*/ 0 w 207"/>
+              <a:gd name="T5" fmla="*/ 127 h 1114"/>
+              <a:gd name="T6" fmla="*/ 207 w 207"/>
+              <a:gd name="T7" fmla="*/ 0 h 1114"/>
+              <a:gd name="T8" fmla="*/ 207 w 207"/>
+              <a:gd name="T9" fmla="*/ 987 h 1114"/>
+            </a:gdLst>
+            <a:ahLst/>
+            <a:cxnLst>
+              <a:cxn ang="0">
+                <a:pos x="T0" y="T1"/>
+              </a:cxn>
+              <a:cxn ang="0">
+                <a:pos x="T2" y="T3"/>
+              </a:cxn>
+              <a:cxn ang="0">
+                <a:pos x="T4" y="T5"/>
+              </a:cxn>
+              <a:cxn ang="0">
+                <a:pos x="T6" y="T7"/>
+              </a:cxn>
+              <a:cxn ang="0">
+                <a:pos x="T8" y="T9"/>
+              </a:cxn>
+            </a:cxnLst>
+            <a:rect l="0" t="0" r="r" b="b"/>
+            <a:pathLst>
+              <a:path w="207" h="1114">
+                <a:moveTo>
+                  <a:pt x="207" y="987"/>
+                </a:moveTo>
+                <a:lnTo>
+                  <a:pt x="0" y="1114"/>
+                </a:lnTo>
+                <a:lnTo>
+                  <a:pt x="0" y="127"/>
+                </a:lnTo>
+                <a:lnTo>
+                  <a:pt x="207" y="0"/>
+                </a:lnTo>
+                <a:lnTo>
+                  <a:pt x="207" y="987"/>
+                </a:lnTo>
+                <a:close/>
+              </a:path>
+            </a:pathLst>
+          </a:custGeom>
+          <a:solidFill>
+            <a:schemeClr val="accent1">
+              <a:lumMod val="50000"/>
+            </a:schemeClr>
+          </a:solidFill>
+          <a:ln>
+            <a:noFill/>
+          </a:ln>
+        </p:spPr>
+        <p:txBody>
+          <a:bodyPr vert="horz" wrap="square" lIns="91440" tIns="45720" rIns="91440" bIns="45720" numCol="1" anchor="t" anchorCtr="0" compatLnSpc="1">
+            <a:prstTxWarp prst="textNoShape">
+              <a:avLst/>
+            </a:prstTxWarp>
+          </a:bodyPr>
+          <a:lstStyle/>
+          <a:p>
+            <a:endParaRPr lang="en-US"/>
+          </a:p>
+        </p:txBody>
+      </p:sp>
+      <p:sp>
+        <p:nvSpPr>
+          <p:cNvPr id="18" name="Rectangle 17">
+            <a:extLst>
+              <a:ext uri="{FF2B5EF4-FFF2-40B4-BE49-F238E27FC236}">
+                <a16:creationId xmlns:a16="http://schemas.microsoft.com/office/drawing/2014/main" id="{14E91B64-9FCC-451E-AFB4-A827D6329367}"/>
+              </a:ext>
+              <a:ext uri="{C183D7F6-B498-43B3-948B-1728B52AA6E4}">
+                <adec:decorative xmlns:adec="http://schemas.microsoft.com/office/drawing/2017/decorative" val="1"/>
+              </a:ext>
+            </a:extLst>
+          </p:cNvPr>
+          <p:cNvSpPr>
+            <a:spLocks noGrp="1" noRot="1" noChangeAspect="1" noMove="1" noResize="1" noEditPoints="1" noAdjustHandles="1" noChangeArrowheads="1" noChangeShapeType="1" noTextEdit="1"/>
+          </p:cNvSpPr>
+          <p:nvPr>
+            <p:extLst>
+              <p:ext uri="{386F3935-93C4-4BCD-93E2-E3B085C9AB24}">
+                <p16:designElem xmlns:p16="http://schemas.microsoft.com/office/powerpoint/2015/main" val="1"/>
+              </p:ext>
+            </p:extLst>
+          </p:nvPr>
+        </p:nvSpPr>
+        <p:spPr bwMode="auto">
+          <a:xfrm>
+            <a:off x="644055" y="635715"/>
+            <a:ext cx="10907863" cy="1541457"/>
+          </a:xfrm>
+          <a:prstGeom prst="rect">
+            <a:avLst/>
+          </a:prstGeom>
+          <a:solidFill>
+            <a:schemeClr val="accent1"/>
+          </a:solidFill>
+          <a:ln>
+            <a:noFill/>
+          </a:ln>
+        </p:spPr>
+        <p:txBody>
+          <a:bodyPr vert="horz" wrap="square" lIns="91440" tIns="45720" rIns="91440" bIns="45720" numCol="1" anchor="t" anchorCtr="0" compatLnSpc="1">
+            <a:prstTxWarp prst="textNoShape">
+              <a:avLst/>
+            </a:prstTxWarp>
+          </a:bodyPr>
+          <a:lstStyle/>
+          <a:p>
+            <a:endParaRPr lang="en-US"/>
+          </a:p>
+        </p:txBody>
+      </p:sp>
       <p:sp>
         <p:nvSpPr>
           <p:cNvPr id="2" name="Title 1">
@@ -42585,13 +48456,24 @@
             <p:ph type="title"/>
           </p:nvPr>
         </p:nvSpPr>
-        <p:spPr/>
+        <p:spPr>
+          <a:xfrm>
+            <a:off x="958506" y="800392"/>
+            <a:ext cx="10264697" cy="1212102"/>
+          </a:xfrm>
+        </p:spPr>
         <p:txBody>
-          <a:bodyPr/>
+          <a:bodyPr>
+            <a:normAutofit/>
+          </a:bodyPr>
           <a:lstStyle/>
           <a:p>
             <a:r>
-              <a:rPr lang="en-US" dirty="0"/>
+              <a:rPr lang="en-US" sz="4000">
+                <a:solidFill>
+                  <a:srgbClr val="FFFFFF"/>
+                </a:solidFill>
+              </a:rPr>
               <a:t>Master vs Main</a:t>
             </a:r>
           </a:p>
@@ -42613,30 +48495,147 @@
             <p:ph idx="1"/>
           </p:nvPr>
         </p:nvSpPr>
-        <p:spPr/>
+        <p:spPr>
+          <a:xfrm>
+            <a:off x="1119322" y="2490436"/>
+            <a:ext cx="10662968" cy="4280015"/>
+          </a:xfrm>
+        </p:spPr>
         <p:txBody>
-          <a:bodyPr/>
+          <a:bodyPr anchor="ctr">
+            <a:normAutofit/>
+          </a:bodyPr>
           <a:lstStyle/>
           <a:p>
             <a:r>
-              <a:rPr lang="en-US" dirty="0"/>
+              <a:rPr lang="en-US" sz="2400" dirty="0"/>
               <a:t>From 2.28 version of git onwards, in </a:t>
             </a:r>
             <a:r>
-              <a:rPr lang="en-US" dirty="0" err="1"/>
+              <a:rPr lang="en-US" sz="2400" dirty="0" err="1"/>
               <a:t>Github</a:t>
             </a:r>
             <a:r>
-              <a:rPr lang="en-US" dirty="0"/>
-              <a:t>, default branch is called </a:t>
-            </a:r>
-            <a:r>
-              <a:rPr lang="en-US"/>
-              <a:t>as main.</a:t>
+              <a:rPr lang="en-US" sz="2400" dirty="0"/>
+              <a:t>, default branch is called as main.</a:t>
             </a:r>
           </a:p>
           <a:p>
-            <a:endParaRPr lang="en-US" dirty="0"/>
+            <a:r>
+              <a:rPr lang="en-US" sz="2400" b="1" i="1" u="sng" dirty="0"/>
+              <a:t>Option 1:</a:t>
+            </a:r>
+            <a:r>
+              <a:rPr lang="en-US" sz="2400" dirty="0"/>
+              <a:t> Change default branch in </a:t>
+            </a:r>
+            <a:r>
+              <a:rPr lang="en-US" sz="2400" dirty="0" err="1"/>
+              <a:t>Github</a:t>
+            </a:r>
+            <a:r>
+              <a:rPr lang="en-US" sz="2400" dirty="0"/>
+              <a:t> Repo as per local Git Repo</a:t>
+            </a:r>
+          </a:p>
+          <a:p>
+            <a:r>
+              <a:rPr lang="en-US" sz="2400" b="1" i="1" u="sng" dirty="0"/>
+              <a:t>Option 2:</a:t>
+            </a:r>
+            <a:r>
+              <a:rPr lang="en-US" sz="2400" dirty="0"/>
+              <a:t> Change default branch in local Git Repo as per </a:t>
+            </a:r>
+            <a:r>
+              <a:rPr lang="en-US" sz="2400" dirty="0" err="1"/>
+              <a:t>Github</a:t>
+            </a:r>
+            <a:r>
+              <a:rPr lang="en-US" sz="2400" dirty="0"/>
+              <a:t> Repo</a:t>
+            </a:r>
+          </a:p>
+          <a:p>
+            <a:pPr lvl="1"/>
+            <a:r>
+              <a:rPr lang="en-US" dirty="0"/>
+              <a:t>To change branch after few commits</a:t>
+            </a:r>
+          </a:p>
+          <a:p>
+            <a:pPr marL="457200" lvl="1" indent="0">
+              <a:buNone/>
+            </a:pPr>
+            <a:r>
+              <a:rPr lang="en-US" dirty="0"/>
+              <a:t>&gt;&gt; </a:t>
+            </a:r>
+            <a:r>
+              <a:rPr lang="en-US" b="1" dirty="0"/>
+              <a:t>git branch –m main</a:t>
+            </a:r>
+          </a:p>
+          <a:p>
+            <a:pPr lvl="1"/>
+            <a:r>
+              <a:rPr lang="en-US" dirty="0"/>
+              <a:t>To change branch while creating local repo</a:t>
+            </a:r>
+          </a:p>
+          <a:p>
+            <a:pPr marL="457200" lvl="1" indent="0">
+              <a:buNone/>
+            </a:pPr>
+            <a:r>
+              <a:rPr lang="en-US" dirty="0"/>
+              <a:t>&gt;&gt; </a:t>
+            </a:r>
+            <a:r>
+              <a:rPr lang="en-US" b="1" dirty="0"/>
+              <a:t>git </a:t>
+            </a:r>
+            <a:r>
+              <a:rPr lang="en-US" b="1" dirty="0" err="1"/>
+              <a:t>init</a:t>
+            </a:r>
+            <a:r>
+              <a:rPr lang="en-US" b="1" dirty="0"/>
+              <a:t> –b main </a:t>
+            </a:r>
+            <a:r>
+              <a:rPr lang="en-US" b="1" dirty="0" err="1"/>
+              <a:t>MyWebsite</a:t>
+            </a:r>
+            <a:endParaRPr lang="en-US" b="1" dirty="0"/>
+          </a:p>
+          <a:p>
+            <a:pPr lvl="1"/>
+            <a:r>
+              <a:rPr lang="en-US" dirty="0"/>
+              <a:t>To config branch locally for all new local Repos</a:t>
+            </a:r>
+          </a:p>
+          <a:p>
+            <a:pPr marL="457200" lvl="1" indent="0">
+              <a:buNone/>
+            </a:pPr>
+            <a:r>
+              <a:rPr lang="en-US" dirty="0"/>
+              <a:t>&gt;&gt; </a:t>
+            </a:r>
+            <a:r>
+              <a:rPr lang="en-US" b="1" dirty="0"/>
+              <a:t>git config –global </a:t>
+            </a:r>
+            <a:r>
+              <a:rPr lang="en-US" b="1" dirty="0" err="1"/>
+              <a:t>init.defaultBranch</a:t>
+            </a:r>
+            <a:r>
+              <a:rPr lang="en-US" b="1" dirty="0"/>
+              <a:t> main</a:t>
+            </a:r>
           </a:p>
         </p:txBody>
       </p:sp>
@@ -42650,6 +48649,2616 @@
   <p:clrMapOvr>
     <a:masterClrMapping/>
   </p:clrMapOvr>
+</p:sld>
+</file>
+
+<file path=ppt/slides/slide43.xml><?xml version="1.0" encoding="utf-8"?>
+<p:sld xmlns:a="http://schemas.openxmlformats.org/drawingml/2006/main" xmlns:r="http://schemas.openxmlformats.org/officeDocument/2006/relationships" xmlns:p="http://schemas.openxmlformats.org/presentationml/2006/main">
+  <p:cSld>
+    <p:bg>
+      <p:bgPr>
+        <a:solidFill>
+          <a:schemeClr val="bg1"/>
+        </a:solidFill>
+        <a:effectLst/>
+      </p:bgPr>
+    </p:bg>
+    <p:spTree>
+      <p:nvGrpSpPr>
+        <p:cNvPr id="1" name=""/>
+        <p:cNvGrpSpPr/>
+        <p:nvPr/>
+      </p:nvGrpSpPr>
+      <p:grpSpPr>
+        <a:xfrm>
+          <a:off x="0" y="0"/>
+          <a:ext cx="0" cy="0"/>
+          <a:chOff x="0" y="0"/>
+          <a:chExt cx="0" cy="0"/>
+        </a:xfrm>
+      </p:grpSpPr>
+      <p:sp useBgFill="1">
+        <p:nvSpPr>
+          <p:cNvPr id="34" name="Rectangle 33">
+            <a:extLst>
+              <a:ext uri="{FF2B5EF4-FFF2-40B4-BE49-F238E27FC236}">
+                <a16:creationId xmlns:a16="http://schemas.microsoft.com/office/drawing/2014/main" id="{09588DA8-065E-4F6F-8EFD-43104AB2E0CF}"/>
+              </a:ext>
+              <a:ext uri="{C183D7F6-B498-43B3-948B-1728B52AA6E4}">
+                <adec:decorative xmlns:adec="http://schemas.microsoft.com/office/drawing/2017/decorative" val="1"/>
+              </a:ext>
+            </a:extLst>
+          </p:cNvPr>
+          <p:cNvSpPr>
+            <a:spLocks noGrp="1" noRot="1" noChangeAspect="1" noMove="1" noResize="1" noEditPoints="1" noAdjustHandles="1" noChangeArrowheads="1" noChangeShapeType="1" noTextEdit="1"/>
+          </p:cNvSpPr>
+          <p:nvPr>
+            <p:extLst>
+              <p:ext uri="{386F3935-93C4-4BCD-93E2-E3B085C9AB24}">
+                <p16:designElem xmlns:p16="http://schemas.microsoft.com/office/powerpoint/2015/main" val="1"/>
+              </p:ext>
+            </p:extLst>
+          </p:nvPr>
+        </p:nvSpPr>
+        <p:spPr>
+          <a:xfrm>
+            <a:off x="0" y="0"/>
+            <a:ext cx="12192000" cy="6858000"/>
+          </a:xfrm>
+          <a:prstGeom prst="rect">
+            <a:avLst/>
+          </a:prstGeom>
+          <a:ln w="12700" cap="flat" cmpd="sng" algn="ctr">
+            <a:noFill/>
+            <a:prstDash val="solid"/>
+            <a:miter lim="800000"/>
+          </a:ln>
+          <a:effectLst/>
+          <a:extLst>
+            <a:ext uri="{91240B29-F687-4F45-9708-019B960494DF}">
+              <a14:hiddenLine xmlns:a14="http://schemas.microsoft.com/office/drawing/2010/main" w="12700" cap="flat" cmpd="sng" algn="ctr">
+                <a:solidFill>
+                  <a:schemeClr val="accent1">
+                    <a:shade val="50000"/>
+                  </a:schemeClr>
+                </a:solidFill>
+                <a:prstDash val="solid"/>
+                <a:miter lim="800000"/>
+              </a14:hiddenLine>
+            </a:ext>
+          </a:extLst>
+        </p:spPr>
+        <p:style>
+          <a:lnRef idx="2">
+            <a:schemeClr val="accent1">
+              <a:shade val="50000"/>
+            </a:schemeClr>
+          </a:lnRef>
+          <a:fillRef idx="1">
+            <a:schemeClr val="accent1"/>
+          </a:fillRef>
+          <a:effectRef idx="0">
+            <a:schemeClr val="accent1"/>
+          </a:effectRef>
+          <a:fontRef idx="minor">
+            <a:schemeClr val="lt1"/>
+          </a:fontRef>
+        </p:style>
+        <p:txBody>
+          <a:bodyPr rtlCol="0" anchor="ctr"/>
+          <a:lstStyle/>
+          <a:p>
+            <a:pPr algn="ctr"/>
+            <a:endParaRPr lang="en-US"/>
+          </a:p>
+        </p:txBody>
+      </p:sp>
+      <p:sp useBgFill="1">
+        <p:nvSpPr>
+          <p:cNvPr id="36" name="Rectangle 35">
+            <a:extLst>
+              <a:ext uri="{FF2B5EF4-FFF2-40B4-BE49-F238E27FC236}">
+                <a16:creationId xmlns:a16="http://schemas.microsoft.com/office/drawing/2014/main" id="{C4285719-470E-454C-AF62-8323075F1F5B}"/>
+              </a:ext>
+              <a:ext uri="{C183D7F6-B498-43B3-948B-1728B52AA6E4}">
+                <adec:decorative xmlns:adec="http://schemas.microsoft.com/office/drawing/2017/decorative" val="1"/>
+              </a:ext>
+            </a:extLst>
+          </p:cNvPr>
+          <p:cNvSpPr>
+            <a:spLocks noGrp="1" noRot="1" noChangeAspect="1" noMove="1" noResize="1" noEditPoints="1" noAdjustHandles="1" noChangeArrowheads="1" noChangeShapeType="1" noTextEdit="1"/>
+          </p:cNvSpPr>
+          <p:nvPr>
+            <p:extLst>
+              <p:ext uri="{386F3935-93C4-4BCD-93E2-E3B085C9AB24}">
+                <p16:designElem xmlns:p16="http://schemas.microsoft.com/office/powerpoint/2015/main" val="1"/>
+              </p:ext>
+            </p:extLst>
+          </p:nvPr>
+        </p:nvSpPr>
+        <p:spPr>
+          <a:xfrm>
+            <a:off x="0" y="0"/>
+            <a:ext cx="12188952" cy="6858000"/>
+          </a:xfrm>
+          <a:prstGeom prst="rect">
+            <a:avLst/>
+          </a:prstGeom>
+          <a:ln w="12700" cap="flat" cmpd="sng" algn="ctr">
+            <a:noFill/>
+            <a:prstDash val="solid"/>
+            <a:miter lim="800000"/>
+          </a:ln>
+          <a:effectLst/>
+          <a:extLst>
+            <a:ext uri="{91240B29-F687-4F45-9708-019B960494DF}">
+              <a14:hiddenLine xmlns:a14="http://schemas.microsoft.com/office/drawing/2010/main" w="12700" cap="flat" cmpd="sng" algn="ctr">
+                <a:solidFill>
+                  <a:schemeClr val="accent1">
+                    <a:shade val="50000"/>
+                  </a:schemeClr>
+                </a:solidFill>
+                <a:prstDash val="solid"/>
+                <a:miter lim="800000"/>
+              </a14:hiddenLine>
+            </a:ext>
+          </a:extLst>
+        </p:spPr>
+        <p:style>
+          <a:lnRef idx="2">
+            <a:schemeClr val="accent1">
+              <a:shade val="50000"/>
+            </a:schemeClr>
+          </a:lnRef>
+          <a:fillRef idx="1">
+            <a:schemeClr val="accent1"/>
+          </a:fillRef>
+          <a:effectRef idx="0">
+            <a:schemeClr val="accent1"/>
+          </a:effectRef>
+          <a:fontRef idx="minor">
+            <a:schemeClr val="lt1"/>
+          </a:fontRef>
+        </p:style>
+        <p:txBody>
+          <a:bodyPr rtlCol="0" anchor="ctr"/>
+          <a:lstStyle/>
+          <a:p>
+            <a:pPr algn="ctr"/>
+            <a:endParaRPr lang="en-US"/>
+          </a:p>
+        </p:txBody>
+      </p:sp>
+      <p:sp>
+        <p:nvSpPr>
+          <p:cNvPr id="38" name="Rectangle 37">
+            <a:extLst>
+              <a:ext uri="{FF2B5EF4-FFF2-40B4-BE49-F238E27FC236}">
+                <a16:creationId xmlns:a16="http://schemas.microsoft.com/office/drawing/2014/main" id="{CD9FE4EF-C4D8-49A0-B2FF-81D8DB7D8A24}"/>
+              </a:ext>
+              <a:ext uri="{C183D7F6-B498-43B3-948B-1728B52AA6E4}">
+                <adec:decorative xmlns:adec="http://schemas.microsoft.com/office/drawing/2017/decorative" val="1"/>
+              </a:ext>
+            </a:extLst>
+          </p:cNvPr>
+          <p:cNvSpPr>
+            <a:spLocks noGrp="1" noRot="1" noChangeAspect="1" noMove="1" noResize="1" noEditPoints="1" noAdjustHandles="1" noChangeArrowheads="1" noChangeShapeType="1" noTextEdit="1"/>
+          </p:cNvSpPr>
+          <p:nvPr>
+            <p:extLst>
+              <p:ext uri="{386F3935-93C4-4BCD-93E2-E3B085C9AB24}">
+                <p16:designElem xmlns:p16="http://schemas.microsoft.com/office/powerpoint/2015/main" val="1"/>
+              </p:ext>
+            </p:extLst>
+          </p:nvPr>
+        </p:nvSpPr>
+        <p:spPr>
+          <a:xfrm rot="5400000" flipH="1">
+            <a:off x="-1410084" y="1410082"/>
+            <a:ext cx="6858000" cy="4037836"/>
+          </a:xfrm>
+          <a:prstGeom prst="rect">
+            <a:avLst/>
+          </a:prstGeom>
+          <a:gradFill>
+            <a:gsLst>
+              <a:gs pos="8000">
+                <a:srgbClr val="000000"/>
+              </a:gs>
+              <a:gs pos="100000">
+                <a:schemeClr val="accent1">
+                  <a:lumMod val="75000"/>
+                </a:schemeClr>
+              </a:gs>
+            </a:gsLst>
+            <a:lin ang="3000000" scaled="0"/>
+          </a:gradFill>
+          <a:ln>
+            <a:noFill/>
+          </a:ln>
+        </p:spPr>
+        <p:style>
+          <a:lnRef idx="2">
+            <a:schemeClr val="accent1">
+              <a:shade val="50000"/>
+            </a:schemeClr>
+          </a:lnRef>
+          <a:fillRef idx="1">
+            <a:schemeClr val="accent1"/>
+          </a:fillRef>
+          <a:effectRef idx="0">
+            <a:schemeClr val="accent1"/>
+          </a:effectRef>
+          <a:fontRef idx="minor">
+            <a:schemeClr val="lt1"/>
+          </a:fontRef>
+        </p:style>
+        <p:txBody>
+          <a:bodyPr rtlCol="0" anchor="ctr"/>
+          <a:lstStyle/>
+          <a:p>
+            <a:pPr algn="ctr"/>
+            <a:endParaRPr lang="en-US"/>
+          </a:p>
+        </p:txBody>
+      </p:sp>
+      <p:sp>
+        <p:nvSpPr>
+          <p:cNvPr id="40" name="Rectangle 39">
+            <a:extLst>
+              <a:ext uri="{FF2B5EF4-FFF2-40B4-BE49-F238E27FC236}">
+                <a16:creationId xmlns:a16="http://schemas.microsoft.com/office/drawing/2014/main" id="{4300840D-0A0B-4512-BACA-B439D5B9C57C}"/>
+              </a:ext>
+              <a:ext uri="{C183D7F6-B498-43B3-948B-1728B52AA6E4}">
+                <adec:decorative xmlns:adec="http://schemas.microsoft.com/office/drawing/2017/decorative" val="1"/>
+              </a:ext>
+            </a:extLst>
+          </p:cNvPr>
+          <p:cNvSpPr>
+            <a:spLocks noGrp="1" noRot="1" noChangeAspect="1" noMove="1" noResize="1" noEditPoints="1" noAdjustHandles="1" noChangeArrowheads="1" noChangeShapeType="1" noTextEdit="1"/>
+          </p:cNvSpPr>
+          <p:nvPr>
+            <p:extLst>
+              <p:ext uri="{386F3935-93C4-4BCD-93E2-E3B085C9AB24}">
+                <p16:designElem xmlns:p16="http://schemas.microsoft.com/office/powerpoint/2015/main" val="1"/>
+              </p:ext>
+            </p:extLst>
+          </p:nvPr>
+        </p:nvSpPr>
+        <p:spPr>
+          <a:xfrm rot="5400000" flipH="1">
+            <a:off x="-1410085" y="1420219"/>
+            <a:ext cx="6857999" cy="4037839"/>
+          </a:xfrm>
+          <a:prstGeom prst="rect">
+            <a:avLst/>
+          </a:prstGeom>
+          <a:gradFill>
+            <a:gsLst>
+              <a:gs pos="0">
+                <a:srgbClr val="000000">
+                  <a:alpha val="0"/>
+                </a:srgbClr>
+              </a:gs>
+              <a:gs pos="99000">
+                <a:schemeClr val="accent1">
+                  <a:alpha val="46000"/>
+                </a:schemeClr>
+              </a:gs>
+            </a:gsLst>
+            <a:lin ang="1800000" scaled="0"/>
+          </a:gradFill>
+          <a:ln>
+            <a:noFill/>
+          </a:ln>
+        </p:spPr>
+        <p:style>
+          <a:lnRef idx="2">
+            <a:schemeClr val="accent1">
+              <a:shade val="50000"/>
+            </a:schemeClr>
+          </a:lnRef>
+          <a:fillRef idx="1">
+            <a:schemeClr val="accent1"/>
+          </a:fillRef>
+          <a:effectRef idx="0">
+            <a:schemeClr val="accent1"/>
+          </a:effectRef>
+          <a:fontRef idx="minor">
+            <a:schemeClr val="lt1"/>
+          </a:fontRef>
+        </p:style>
+        <p:txBody>
+          <a:bodyPr rtlCol="0" anchor="ctr"/>
+          <a:lstStyle/>
+          <a:p>
+            <a:pPr algn="ctr"/>
+            <a:endParaRPr lang="en-US"/>
+          </a:p>
+        </p:txBody>
+      </p:sp>
+      <p:sp>
+        <p:nvSpPr>
+          <p:cNvPr id="42" name="Rectangle 41">
+            <a:extLst>
+              <a:ext uri="{FF2B5EF4-FFF2-40B4-BE49-F238E27FC236}">
+                <a16:creationId xmlns:a16="http://schemas.microsoft.com/office/drawing/2014/main" id="{D2B78728-A580-49A7-84F9-6EF6F583ADE0}"/>
+              </a:ext>
+              <a:ext uri="{C183D7F6-B498-43B3-948B-1728B52AA6E4}">
+                <adec:decorative xmlns:adec="http://schemas.microsoft.com/office/drawing/2017/decorative" val="1"/>
+              </a:ext>
+            </a:extLst>
+          </p:cNvPr>
+          <p:cNvSpPr>
+            <a:spLocks noGrp="1" noRot="1" noChangeAspect="1" noMove="1" noResize="1" noEditPoints="1" noAdjustHandles="1" noChangeArrowheads="1" noChangeShapeType="1" noTextEdit="1"/>
+          </p:cNvSpPr>
+          <p:nvPr>
+            <p:extLst>
+              <p:ext uri="{386F3935-93C4-4BCD-93E2-E3B085C9AB24}">
+                <p16:designElem xmlns:p16="http://schemas.microsoft.com/office/powerpoint/2015/main" val="1"/>
+              </p:ext>
+            </p:extLst>
+          </p:nvPr>
+        </p:nvSpPr>
+        <p:spPr>
+          <a:xfrm rot="5400000" flipH="1">
+            <a:off x="767923" y="3588085"/>
+            <a:ext cx="2501979" cy="4037841"/>
+          </a:xfrm>
+          <a:prstGeom prst="rect">
+            <a:avLst/>
+          </a:prstGeom>
+          <a:gradFill>
+            <a:gsLst>
+              <a:gs pos="2000">
+                <a:schemeClr val="accent1">
+                  <a:alpha val="29000"/>
+                </a:schemeClr>
+              </a:gs>
+              <a:gs pos="100000">
+                <a:srgbClr val="000000">
+                  <a:alpha val="30000"/>
+                </a:srgbClr>
+              </a:gs>
+            </a:gsLst>
+            <a:lin ang="7800000" scaled="0"/>
+          </a:gradFill>
+          <a:ln>
+            <a:noFill/>
+          </a:ln>
+        </p:spPr>
+        <p:style>
+          <a:lnRef idx="2">
+            <a:schemeClr val="accent1">
+              <a:shade val="50000"/>
+            </a:schemeClr>
+          </a:lnRef>
+          <a:fillRef idx="1">
+            <a:schemeClr val="accent1"/>
+          </a:fillRef>
+          <a:effectRef idx="0">
+            <a:schemeClr val="accent1"/>
+          </a:effectRef>
+          <a:fontRef idx="minor">
+            <a:schemeClr val="lt1"/>
+          </a:fontRef>
+        </p:style>
+        <p:txBody>
+          <a:bodyPr rtlCol="0" anchor="ctr"/>
+          <a:lstStyle/>
+          <a:p>
+            <a:pPr algn="ctr"/>
+            <a:endParaRPr lang="en-US" dirty="0"/>
+          </a:p>
+        </p:txBody>
+      </p:sp>
+      <p:sp>
+        <p:nvSpPr>
+          <p:cNvPr id="44" name="Freeform: Shape 43">
+            <a:extLst>
+              <a:ext uri="{FF2B5EF4-FFF2-40B4-BE49-F238E27FC236}">
+                <a16:creationId xmlns:a16="http://schemas.microsoft.com/office/drawing/2014/main" id="{38FAA1A1-D861-433F-88FA-1E9D6FD31D11}"/>
+              </a:ext>
+              <a:ext uri="{C183D7F6-B498-43B3-948B-1728B52AA6E4}">
+                <adec:decorative xmlns:adec="http://schemas.microsoft.com/office/drawing/2017/decorative" val="1"/>
+              </a:ext>
+            </a:extLst>
+          </p:cNvPr>
+          <p:cNvSpPr>
+            <a:spLocks noGrp="1" noRot="1" noChangeAspect="1" noMove="1" noResize="1" noEditPoints="1" noAdjustHandles="1" noChangeArrowheads="1" noChangeShapeType="1" noTextEdit="1"/>
+          </p:cNvSpPr>
+          <p:nvPr>
+            <p:extLst>
+              <p:ext uri="{386F3935-93C4-4BCD-93E2-E3B085C9AB24}">
+                <p16:designElem xmlns:p16="http://schemas.microsoft.com/office/powerpoint/2015/main" val="1"/>
+              </p:ext>
+            </p:extLst>
+          </p:nvPr>
+        </p:nvSpPr>
+        <p:spPr>
+          <a:xfrm rot="20635413">
+            <a:off x="-501737" y="969718"/>
+            <a:ext cx="3900357" cy="4178958"/>
+          </a:xfrm>
+          <a:custGeom>
+            <a:avLst/>
+            <a:gdLst>
+              <a:gd name="connsiteX0" fmla="*/ 2432225 w 3900357"/>
+              <a:gd name="connsiteY0" fmla="*/ 93939 h 4178958"/>
+              <a:gd name="connsiteX1" fmla="*/ 3900357 w 3900357"/>
+              <a:gd name="connsiteY1" fmla="*/ 2089479 h 4178958"/>
+              <a:gd name="connsiteX2" fmla="*/ 1810878 w 3900357"/>
+              <a:gd name="connsiteY2" fmla="*/ 4178958 h 4178958"/>
+              <a:gd name="connsiteX3" fmla="*/ 78249 w 3900357"/>
+              <a:gd name="connsiteY3" fmla="*/ 3257727 h 4178958"/>
+              <a:gd name="connsiteX4" fmla="*/ 0 w 3900357"/>
+              <a:gd name="connsiteY4" fmla="*/ 3128923 h 4178958"/>
+              <a:gd name="connsiteX5" fmla="*/ 831324 w 3900357"/>
+              <a:gd name="connsiteY5" fmla="*/ 244281 h 4178958"/>
+              <a:gd name="connsiteX6" fmla="*/ 997559 w 3900357"/>
+              <a:gd name="connsiteY6" fmla="*/ 164202 h 4178958"/>
+              <a:gd name="connsiteX7" fmla="*/ 1810878 w 3900357"/>
+              <a:gd name="connsiteY7" fmla="*/ 0 h 4178958"/>
+              <a:gd name="connsiteX8" fmla="*/ 2432225 w 3900357"/>
+              <a:gd name="connsiteY8" fmla="*/ 93939 h 4178958"/>
+            </a:gdLst>
+            <a:ahLst/>
+            <a:cxnLst>
+              <a:cxn ang="0">
+                <a:pos x="connsiteX0" y="connsiteY0"/>
+              </a:cxn>
+              <a:cxn ang="0">
+                <a:pos x="connsiteX1" y="connsiteY1"/>
+              </a:cxn>
+              <a:cxn ang="0">
+                <a:pos x="connsiteX2" y="connsiteY2"/>
+              </a:cxn>
+              <a:cxn ang="0">
+                <a:pos x="connsiteX3" y="connsiteY3"/>
+              </a:cxn>
+              <a:cxn ang="0">
+                <a:pos x="connsiteX4" y="connsiteY4"/>
+              </a:cxn>
+              <a:cxn ang="0">
+                <a:pos x="connsiteX5" y="connsiteY5"/>
+              </a:cxn>
+              <a:cxn ang="0">
+                <a:pos x="connsiteX6" y="connsiteY6"/>
+              </a:cxn>
+              <a:cxn ang="0">
+                <a:pos x="connsiteX7" y="connsiteY7"/>
+              </a:cxn>
+              <a:cxn ang="0">
+                <a:pos x="connsiteX8" y="connsiteY8"/>
+              </a:cxn>
+            </a:cxnLst>
+            <a:rect l="l" t="t" r="r" b="b"/>
+            <a:pathLst>
+              <a:path w="3900357" h="4178958">
+                <a:moveTo>
+                  <a:pt x="2432225" y="93939"/>
+                </a:moveTo>
+                <a:cubicBezTo>
+                  <a:pt x="3282786" y="358491"/>
+                  <a:pt x="3900357" y="1151865"/>
+                  <a:pt x="3900357" y="2089479"/>
+                </a:cubicBezTo>
+                <a:cubicBezTo>
+                  <a:pt x="3900357" y="3243466"/>
+                  <a:pt x="2964865" y="4178958"/>
+                  <a:pt x="1810878" y="4178958"/>
+                </a:cubicBezTo>
+                <a:cubicBezTo>
+                  <a:pt x="1089636" y="4178958"/>
+                  <a:pt x="453744" y="3813531"/>
+                  <a:pt x="78249" y="3257727"/>
+                </a:cubicBezTo>
+                <a:lnTo>
+                  <a:pt x="0" y="3128923"/>
+                </a:lnTo>
+                <a:lnTo>
+                  <a:pt x="831324" y="244281"/>
+                </a:lnTo>
+                <a:lnTo>
+                  <a:pt x="997559" y="164202"/>
+                </a:lnTo>
+                <a:cubicBezTo>
+                  <a:pt x="1247540" y="58468"/>
+                  <a:pt x="1522381" y="0"/>
+                  <a:pt x="1810878" y="0"/>
+                </a:cubicBezTo>
+                <a:cubicBezTo>
+                  <a:pt x="2027251" y="0"/>
+                  <a:pt x="2235942" y="32888"/>
+                  <a:pt x="2432225" y="93939"/>
+                </a:cubicBezTo>
+                <a:close/>
+              </a:path>
+            </a:pathLst>
+          </a:custGeom>
+          <a:gradFill>
+            <a:gsLst>
+              <a:gs pos="29000">
+                <a:srgbClr val="000000">
+                  <a:alpha val="0"/>
+                </a:srgbClr>
+              </a:gs>
+              <a:gs pos="100000">
+                <a:schemeClr val="accent1">
+                  <a:alpha val="43000"/>
+                </a:schemeClr>
+              </a:gs>
+            </a:gsLst>
+            <a:lin ang="1800000" scaled="0"/>
+          </a:gradFill>
+          <a:ln>
+            <a:noFill/>
+          </a:ln>
+        </p:spPr>
+        <p:style>
+          <a:lnRef idx="2">
+            <a:schemeClr val="accent1">
+              <a:shade val="50000"/>
+            </a:schemeClr>
+          </a:lnRef>
+          <a:fillRef idx="1">
+            <a:schemeClr val="accent1"/>
+          </a:fillRef>
+          <a:effectRef idx="0">
+            <a:schemeClr val="accent1"/>
+          </a:effectRef>
+          <a:fontRef idx="minor">
+            <a:schemeClr val="lt1"/>
+          </a:fontRef>
+        </p:style>
+        <p:txBody>
+          <a:bodyPr wrap="square" rtlCol="0" anchor="ctr">
+            <a:noAutofit/>
+          </a:bodyPr>
+          <a:lstStyle/>
+          <a:p>
+            <a:pPr algn="ctr"/>
+            <a:endParaRPr lang="en-US" dirty="0"/>
+          </a:p>
+        </p:txBody>
+      </p:sp>
+      <p:sp>
+        <p:nvSpPr>
+          <p:cNvPr id="46" name="Rectangle 45">
+            <a:extLst>
+              <a:ext uri="{FF2B5EF4-FFF2-40B4-BE49-F238E27FC236}">
+                <a16:creationId xmlns:a16="http://schemas.microsoft.com/office/drawing/2014/main" id="{8D71EDA1-87BF-4D5D-AB79-F346FD19278A}"/>
+              </a:ext>
+              <a:ext uri="{C183D7F6-B498-43B3-948B-1728B52AA6E4}">
+                <adec:decorative xmlns:adec="http://schemas.microsoft.com/office/drawing/2017/decorative" val="1"/>
+              </a:ext>
+            </a:extLst>
+          </p:cNvPr>
+          <p:cNvSpPr>
+            <a:spLocks noGrp="1" noRot="1" noChangeAspect="1" noMove="1" noResize="1" noEditPoints="1" noAdjustHandles="1" noChangeArrowheads="1" noChangeShapeType="1" noTextEdit="1"/>
+          </p:cNvSpPr>
+          <p:nvPr>
+            <p:extLst>
+              <p:ext uri="{386F3935-93C4-4BCD-93E2-E3B085C9AB24}">
+                <p16:designElem xmlns:p16="http://schemas.microsoft.com/office/powerpoint/2015/main" val="1"/>
+              </p:ext>
+            </p:extLst>
+          </p:nvPr>
+        </p:nvSpPr>
+        <p:spPr>
+          <a:xfrm rot="5400000" flipH="1">
+            <a:off x="-1410093" y="1399943"/>
+            <a:ext cx="6858003" cy="4037835"/>
+          </a:xfrm>
+          <a:prstGeom prst="rect">
+            <a:avLst/>
+          </a:prstGeom>
+          <a:gradFill>
+            <a:gsLst>
+              <a:gs pos="0">
+                <a:srgbClr val="000000">
+                  <a:alpha val="0"/>
+                </a:srgbClr>
+              </a:gs>
+              <a:gs pos="99000">
+                <a:schemeClr val="accent1">
+                  <a:lumMod val="60000"/>
+                  <a:lumOff val="40000"/>
+                  <a:alpha val="11000"/>
+                </a:schemeClr>
+              </a:gs>
+            </a:gsLst>
+            <a:lin ang="7200000" scaled="0"/>
+          </a:gradFill>
+          <a:ln>
+            <a:noFill/>
+          </a:ln>
+        </p:spPr>
+        <p:style>
+          <a:lnRef idx="2">
+            <a:schemeClr val="accent1">
+              <a:shade val="50000"/>
+            </a:schemeClr>
+          </a:lnRef>
+          <a:fillRef idx="1">
+            <a:schemeClr val="accent1"/>
+          </a:fillRef>
+          <a:effectRef idx="0">
+            <a:schemeClr val="accent1"/>
+          </a:effectRef>
+          <a:fontRef idx="minor">
+            <a:schemeClr val="lt1"/>
+          </a:fontRef>
+        </p:style>
+        <p:txBody>
+          <a:bodyPr rtlCol="0" anchor="ctr"/>
+          <a:lstStyle/>
+          <a:p>
+            <a:pPr algn="ctr"/>
+            <a:endParaRPr lang="en-US"/>
+          </a:p>
+        </p:txBody>
+      </p:sp>
+      <p:sp>
+        <p:nvSpPr>
+          <p:cNvPr id="2" name="Title 1">
+            <a:extLst>
+              <a:ext uri="{FF2B5EF4-FFF2-40B4-BE49-F238E27FC236}">
+                <a16:creationId xmlns:a16="http://schemas.microsoft.com/office/drawing/2014/main" id="{077CB7F9-3C25-C850-46DF-BB923C7619DD}"/>
+              </a:ext>
+            </a:extLst>
+          </p:cNvPr>
+          <p:cNvSpPr>
+            <a:spLocks noGrp="1"/>
+          </p:cNvSpPr>
+          <p:nvPr>
+            <p:ph type="title"/>
+          </p:nvPr>
+        </p:nvSpPr>
+        <p:spPr>
+          <a:xfrm>
+            <a:off x="466722" y="586855"/>
+            <a:ext cx="3201366" cy="3387497"/>
+          </a:xfrm>
+        </p:spPr>
+        <p:txBody>
+          <a:bodyPr anchor="b">
+            <a:normAutofit/>
+          </a:bodyPr>
+          <a:lstStyle/>
+          <a:p>
+            <a:pPr algn="r"/>
+            <a:r>
+              <a:rPr lang="en-US" sz="4000">
+                <a:solidFill>
+                  <a:srgbClr val="FFFFFF"/>
+                </a:solidFill>
+              </a:rPr>
+              <a:t>First Push to Remote Repo</a:t>
+            </a:r>
+          </a:p>
+        </p:txBody>
+      </p:sp>
+      <p:sp>
+        <p:nvSpPr>
+          <p:cNvPr id="47" name="Content Placeholder 2">
+            <a:extLst>
+              <a:ext uri="{FF2B5EF4-FFF2-40B4-BE49-F238E27FC236}">
+                <a16:creationId xmlns:a16="http://schemas.microsoft.com/office/drawing/2014/main" id="{CC0FEF36-8B03-21F5-9119-2B70EACDD38B}"/>
+              </a:ext>
+            </a:extLst>
+          </p:cNvPr>
+          <p:cNvSpPr>
+            <a:spLocks noGrp="1"/>
+          </p:cNvSpPr>
+          <p:nvPr>
+            <p:ph idx="1"/>
+          </p:nvPr>
+        </p:nvSpPr>
+        <p:spPr>
+          <a:xfrm>
+            <a:off x="4810259" y="649480"/>
+            <a:ext cx="6555347" cy="5546047"/>
+          </a:xfrm>
+        </p:spPr>
+        <p:txBody>
+          <a:bodyPr anchor="ctr">
+            <a:normAutofit/>
+          </a:bodyPr>
+          <a:lstStyle/>
+          <a:p>
+            <a:r>
+              <a:rPr lang="en-US" sz="2000"/>
+              <a:t>After matching default branches between local Git Repo and Remote Github repo</a:t>
+            </a:r>
+          </a:p>
+          <a:p>
+            <a:r>
+              <a:rPr lang="en-US" sz="2000"/>
+              <a:t>Create a new empty Repo in Github</a:t>
+            </a:r>
+          </a:p>
+          <a:p>
+            <a:r>
+              <a:rPr lang="en-US" sz="2000"/>
+              <a:t>Follow the commands in the page displayed after creating new empty repo</a:t>
+            </a:r>
+          </a:p>
+          <a:p>
+            <a:r>
+              <a:rPr lang="en-US" sz="2000"/>
+              <a:t>Some of the commands are as follows</a:t>
+            </a:r>
+          </a:p>
+          <a:p>
+            <a:pPr lvl="1"/>
+            <a:r>
+              <a:rPr lang="en-US" sz="2000"/>
+              <a:t>This will add github to known hosts list</a:t>
+            </a:r>
+          </a:p>
+          <a:p>
+            <a:pPr marL="457200" lvl="1" indent="0">
+              <a:buNone/>
+            </a:pPr>
+            <a:r>
+              <a:rPr lang="en-US" sz="2000"/>
+              <a:t>&gt;&gt; </a:t>
+            </a:r>
+            <a:r>
+              <a:rPr lang="en-US" sz="2000" b="1"/>
+              <a:t>git remote add origin “github URL to new repo”</a:t>
+            </a:r>
+          </a:p>
+          <a:p>
+            <a:pPr lvl="1"/>
+            <a:r>
+              <a:rPr lang="en-US" sz="2000"/>
+              <a:t>To view mapped hosts</a:t>
+            </a:r>
+          </a:p>
+          <a:p>
+            <a:pPr marL="457200" lvl="1" indent="0">
+              <a:buNone/>
+            </a:pPr>
+            <a:r>
+              <a:rPr lang="en-US" sz="2000"/>
+              <a:t>&gt;&gt; </a:t>
+            </a:r>
+            <a:r>
+              <a:rPr lang="en-US" sz="2000" b="1"/>
+              <a:t>git remove –v</a:t>
+            </a:r>
+          </a:p>
+          <a:p>
+            <a:pPr lvl="1"/>
+            <a:r>
+              <a:rPr lang="en-US" sz="2000"/>
+              <a:t>To push local repo to remote github repo</a:t>
+            </a:r>
+          </a:p>
+          <a:p>
+            <a:pPr marL="457200" lvl="1" indent="0">
+              <a:buNone/>
+            </a:pPr>
+            <a:r>
+              <a:rPr lang="en-US" sz="2000"/>
+              <a:t>&gt;&gt; </a:t>
+            </a:r>
+            <a:r>
+              <a:rPr lang="en-US" sz="2000" b="1"/>
+              <a:t>git push –u origin “default branch name”</a:t>
+            </a:r>
+          </a:p>
+        </p:txBody>
+      </p:sp>
+    </p:spTree>
+    <p:extLst>
+      <p:ext uri="{BB962C8B-B14F-4D97-AF65-F5344CB8AC3E}">
+        <p14:creationId xmlns:p14="http://schemas.microsoft.com/office/powerpoint/2010/main" val="1673485660"/>
+      </p:ext>
+    </p:extLst>
+  </p:cSld>
+  <p:clrMapOvr>
+    <a:masterClrMapping/>
+  </p:clrMapOvr>
+</p:sld>
+</file>
+
+<file path=ppt/slides/slide44.xml><?xml version="1.0" encoding="utf-8"?>
+<p:sld xmlns:a="http://schemas.openxmlformats.org/drawingml/2006/main" xmlns:r="http://schemas.openxmlformats.org/officeDocument/2006/relationships" xmlns:p="http://schemas.openxmlformats.org/presentationml/2006/main">
+  <p:cSld>
+    <p:bg>
+      <p:bgPr>
+        <a:solidFill>
+          <a:schemeClr val="bg1"/>
+        </a:solidFill>
+        <a:effectLst/>
+      </p:bgPr>
+    </p:bg>
+    <p:spTree>
+      <p:nvGrpSpPr>
+        <p:cNvPr id="1" name=""/>
+        <p:cNvGrpSpPr/>
+        <p:nvPr/>
+      </p:nvGrpSpPr>
+      <p:grpSpPr>
+        <a:xfrm>
+          <a:off x="0" y="0"/>
+          <a:ext cx="0" cy="0"/>
+          <a:chOff x="0" y="0"/>
+          <a:chExt cx="0" cy="0"/>
+        </a:xfrm>
+      </p:grpSpPr>
+      <p:sp useBgFill="1">
+        <p:nvSpPr>
+          <p:cNvPr id="9" name="Rectangle 8">
+            <a:extLst>
+              <a:ext uri="{FF2B5EF4-FFF2-40B4-BE49-F238E27FC236}">
+                <a16:creationId xmlns:a16="http://schemas.microsoft.com/office/drawing/2014/main" id="{BACC6370-2D7E-4714-9D71-7542949D7D5D}"/>
+              </a:ext>
+              <a:ext uri="{C183D7F6-B498-43B3-948B-1728B52AA6E4}">
+                <adec:decorative xmlns:adec="http://schemas.microsoft.com/office/drawing/2017/decorative" val="1"/>
+              </a:ext>
+            </a:extLst>
+          </p:cNvPr>
+          <p:cNvSpPr>
+            <a:spLocks noGrp="1" noRot="1" noChangeAspect="1" noMove="1" noResize="1" noEditPoints="1" noAdjustHandles="1" noChangeArrowheads="1" noChangeShapeType="1" noTextEdit="1"/>
+          </p:cNvSpPr>
+          <p:nvPr>
+            <p:extLst>
+              <p:ext uri="{386F3935-93C4-4BCD-93E2-E3B085C9AB24}">
+                <p16:designElem xmlns:p16="http://schemas.microsoft.com/office/powerpoint/2015/main" val="1"/>
+              </p:ext>
+            </p:extLst>
+          </p:nvPr>
+        </p:nvSpPr>
+        <p:spPr>
+          <a:xfrm>
+            <a:off x="0" y="0"/>
+            <a:ext cx="12192000" cy="6858000"/>
+          </a:xfrm>
+          <a:prstGeom prst="rect">
+            <a:avLst/>
+          </a:prstGeom>
+          <a:ln w="12700" cap="flat" cmpd="sng" algn="ctr">
+            <a:noFill/>
+            <a:prstDash val="solid"/>
+            <a:miter lim="800000"/>
+          </a:ln>
+          <a:effectLst/>
+          <a:extLst>
+            <a:ext uri="{91240B29-F687-4F45-9708-019B960494DF}">
+              <a14:hiddenLine xmlns:a14="http://schemas.microsoft.com/office/drawing/2010/main" w="12700" cap="flat" cmpd="sng" algn="ctr">
+                <a:solidFill>
+                  <a:schemeClr val="accent1">
+                    <a:shade val="50000"/>
+                  </a:schemeClr>
+                </a:solidFill>
+                <a:prstDash val="solid"/>
+                <a:miter lim="800000"/>
+              </a14:hiddenLine>
+            </a:ext>
+          </a:extLst>
+        </p:spPr>
+        <p:style>
+          <a:lnRef idx="2">
+            <a:schemeClr val="accent1">
+              <a:shade val="50000"/>
+            </a:schemeClr>
+          </a:lnRef>
+          <a:fillRef idx="1">
+            <a:schemeClr val="accent1"/>
+          </a:fillRef>
+          <a:effectRef idx="0">
+            <a:schemeClr val="accent1"/>
+          </a:effectRef>
+          <a:fontRef idx="minor">
+            <a:schemeClr val="lt1"/>
+          </a:fontRef>
+        </p:style>
+        <p:txBody>
+          <a:bodyPr rtlCol="0" anchor="ctr"/>
+          <a:lstStyle/>
+          <a:p>
+            <a:pPr algn="ctr"/>
+            <a:endParaRPr lang="en-US"/>
+          </a:p>
+        </p:txBody>
+      </p:sp>
+      <p:sp>
+        <p:nvSpPr>
+          <p:cNvPr id="11" name="Rectangle 10">
+            <a:extLst>
+              <a:ext uri="{FF2B5EF4-FFF2-40B4-BE49-F238E27FC236}">
+                <a16:creationId xmlns:a16="http://schemas.microsoft.com/office/drawing/2014/main" id="{256B2C21-A230-48C0-8DF1-C46611373C44}"/>
+              </a:ext>
+              <a:ext uri="{C183D7F6-B498-43B3-948B-1728B52AA6E4}">
+                <adec:decorative xmlns:adec="http://schemas.microsoft.com/office/drawing/2017/decorative" val="1"/>
+              </a:ext>
+            </a:extLst>
+          </p:cNvPr>
+          <p:cNvSpPr>
+            <a:spLocks noGrp="1" noRot="1" noChangeAspect="1" noMove="1" noResize="1" noEditPoints="1" noAdjustHandles="1" noChangeArrowheads="1" noChangeShapeType="1" noTextEdit="1"/>
+          </p:cNvSpPr>
+          <p:nvPr>
+            <p:extLst>
+              <p:ext uri="{386F3935-93C4-4BCD-93E2-E3B085C9AB24}">
+                <p16:designElem xmlns:p16="http://schemas.microsoft.com/office/powerpoint/2015/main" val="1"/>
+              </p:ext>
+            </p:extLst>
+          </p:nvPr>
+        </p:nvSpPr>
+        <p:spPr>
+          <a:xfrm rot="5400000" flipH="1">
+            <a:off x="-1410084" y="1410082"/>
+            <a:ext cx="6858000" cy="4037836"/>
+          </a:xfrm>
+          <a:prstGeom prst="rect">
+            <a:avLst/>
+          </a:prstGeom>
+          <a:gradFill>
+            <a:gsLst>
+              <a:gs pos="8000">
+                <a:srgbClr val="000000"/>
+              </a:gs>
+              <a:gs pos="100000">
+                <a:schemeClr val="accent1">
+                  <a:lumMod val="75000"/>
+                </a:schemeClr>
+              </a:gs>
+            </a:gsLst>
+            <a:lin ang="3000000" scaled="0"/>
+          </a:gradFill>
+          <a:ln>
+            <a:noFill/>
+          </a:ln>
+        </p:spPr>
+        <p:style>
+          <a:lnRef idx="2">
+            <a:schemeClr val="accent1">
+              <a:shade val="50000"/>
+            </a:schemeClr>
+          </a:lnRef>
+          <a:fillRef idx="1">
+            <a:schemeClr val="accent1"/>
+          </a:fillRef>
+          <a:effectRef idx="0">
+            <a:schemeClr val="accent1"/>
+          </a:effectRef>
+          <a:fontRef idx="minor">
+            <a:schemeClr val="lt1"/>
+          </a:fontRef>
+        </p:style>
+        <p:txBody>
+          <a:bodyPr rtlCol="0" anchor="ctr"/>
+          <a:lstStyle/>
+          <a:p>
+            <a:pPr algn="ctr"/>
+            <a:endParaRPr lang="en-US"/>
+          </a:p>
+        </p:txBody>
+      </p:sp>
+      <p:sp>
+        <p:nvSpPr>
+          <p:cNvPr id="13" name="Rectangle 12">
+            <a:extLst>
+              <a:ext uri="{FF2B5EF4-FFF2-40B4-BE49-F238E27FC236}">
+                <a16:creationId xmlns:a16="http://schemas.microsoft.com/office/drawing/2014/main" id="{3847E18C-932D-4C95-AABA-FEC7C9499AD7}"/>
+              </a:ext>
+              <a:ext uri="{C183D7F6-B498-43B3-948B-1728B52AA6E4}">
+                <adec:decorative xmlns:adec="http://schemas.microsoft.com/office/drawing/2017/decorative" val="1"/>
+              </a:ext>
+            </a:extLst>
+          </p:cNvPr>
+          <p:cNvSpPr>
+            <a:spLocks noGrp="1" noRot="1" noChangeAspect="1" noMove="1" noResize="1" noEditPoints="1" noAdjustHandles="1" noChangeArrowheads="1" noChangeShapeType="1" noTextEdit="1"/>
+          </p:cNvSpPr>
+          <p:nvPr>
+            <p:extLst>
+              <p:ext uri="{386F3935-93C4-4BCD-93E2-E3B085C9AB24}">
+                <p16:designElem xmlns:p16="http://schemas.microsoft.com/office/powerpoint/2015/main" val="1"/>
+              </p:ext>
+            </p:extLst>
+          </p:nvPr>
+        </p:nvSpPr>
+        <p:spPr>
+          <a:xfrm rot="5400000" flipH="1">
+            <a:off x="-1410085" y="1420219"/>
+            <a:ext cx="6857999" cy="4037839"/>
+          </a:xfrm>
+          <a:prstGeom prst="rect">
+            <a:avLst/>
+          </a:prstGeom>
+          <a:gradFill>
+            <a:gsLst>
+              <a:gs pos="0">
+                <a:srgbClr val="000000">
+                  <a:alpha val="0"/>
+                </a:srgbClr>
+              </a:gs>
+              <a:gs pos="99000">
+                <a:schemeClr val="accent1">
+                  <a:alpha val="46000"/>
+                </a:schemeClr>
+              </a:gs>
+            </a:gsLst>
+            <a:lin ang="1800000" scaled="0"/>
+          </a:gradFill>
+          <a:ln>
+            <a:noFill/>
+          </a:ln>
+        </p:spPr>
+        <p:style>
+          <a:lnRef idx="2">
+            <a:schemeClr val="accent1">
+              <a:shade val="50000"/>
+            </a:schemeClr>
+          </a:lnRef>
+          <a:fillRef idx="1">
+            <a:schemeClr val="accent1"/>
+          </a:fillRef>
+          <a:effectRef idx="0">
+            <a:schemeClr val="accent1"/>
+          </a:effectRef>
+          <a:fontRef idx="minor">
+            <a:schemeClr val="lt1"/>
+          </a:fontRef>
+        </p:style>
+        <p:txBody>
+          <a:bodyPr rtlCol="0" anchor="ctr"/>
+          <a:lstStyle/>
+          <a:p>
+            <a:pPr algn="ctr"/>
+            <a:endParaRPr lang="en-US"/>
+          </a:p>
+        </p:txBody>
+      </p:sp>
+      <p:sp>
+        <p:nvSpPr>
+          <p:cNvPr id="15" name="Rectangle 14">
+            <a:extLst>
+              <a:ext uri="{FF2B5EF4-FFF2-40B4-BE49-F238E27FC236}">
+                <a16:creationId xmlns:a16="http://schemas.microsoft.com/office/drawing/2014/main" id="{3150CB11-0C61-439E-910F-5787759E72A0}"/>
+              </a:ext>
+              <a:ext uri="{C183D7F6-B498-43B3-948B-1728B52AA6E4}">
+                <adec:decorative xmlns:adec="http://schemas.microsoft.com/office/drawing/2017/decorative" val="1"/>
+              </a:ext>
+            </a:extLst>
+          </p:cNvPr>
+          <p:cNvSpPr>
+            <a:spLocks noGrp="1" noRot="1" noChangeAspect="1" noMove="1" noResize="1" noEditPoints="1" noAdjustHandles="1" noChangeArrowheads="1" noChangeShapeType="1" noTextEdit="1"/>
+          </p:cNvSpPr>
+          <p:nvPr>
+            <p:extLst>
+              <p:ext uri="{386F3935-93C4-4BCD-93E2-E3B085C9AB24}">
+                <p16:designElem xmlns:p16="http://schemas.microsoft.com/office/powerpoint/2015/main" val="1"/>
+              </p:ext>
+            </p:extLst>
+          </p:nvPr>
+        </p:nvSpPr>
+        <p:spPr>
+          <a:xfrm rot="5400000" flipH="1">
+            <a:off x="767923" y="3588085"/>
+            <a:ext cx="2501979" cy="4037841"/>
+          </a:xfrm>
+          <a:prstGeom prst="rect">
+            <a:avLst/>
+          </a:prstGeom>
+          <a:gradFill>
+            <a:gsLst>
+              <a:gs pos="2000">
+                <a:schemeClr val="accent1">
+                  <a:alpha val="29000"/>
+                </a:schemeClr>
+              </a:gs>
+              <a:gs pos="100000">
+                <a:srgbClr val="000000">
+                  <a:alpha val="30000"/>
+                </a:srgbClr>
+              </a:gs>
+            </a:gsLst>
+            <a:lin ang="7800000" scaled="0"/>
+          </a:gradFill>
+          <a:ln>
+            <a:noFill/>
+          </a:ln>
+        </p:spPr>
+        <p:style>
+          <a:lnRef idx="2">
+            <a:schemeClr val="accent1">
+              <a:shade val="50000"/>
+            </a:schemeClr>
+          </a:lnRef>
+          <a:fillRef idx="1">
+            <a:schemeClr val="accent1"/>
+          </a:fillRef>
+          <a:effectRef idx="0">
+            <a:schemeClr val="accent1"/>
+          </a:effectRef>
+          <a:fontRef idx="minor">
+            <a:schemeClr val="lt1"/>
+          </a:fontRef>
+        </p:style>
+        <p:txBody>
+          <a:bodyPr rtlCol="0" anchor="ctr"/>
+          <a:lstStyle/>
+          <a:p>
+            <a:pPr algn="ctr"/>
+            <a:endParaRPr lang="en-US" dirty="0"/>
+          </a:p>
+        </p:txBody>
+      </p:sp>
+      <p:sp>
+        <p:nvSpPr>
+          <p:cNvPr id="17" name="Freeform: Shape 16">
+            <a:extLst>
+              <a:ext uri="{FF2B5EF4-FFF2-40B4-BE49-F238E27FC236}">
+                <a16:creationId xmlns:a16="http://schemas.microsoft.com/office/drawing/2014/main" id="{43F8A58B-5155-44CE-A5FF-7647B47D0A7A}"/>
+              </a:ext>
+              <a:ext uri="{C183D7F6-B498-43B3-948B-1728B52AA6E4}">
+                <adec:decorative xmlns:adec="http://schemas.microsoft.com/office/drawing/2017/decorative" val="1"/>
+              </a:ext>
+            </a:extLst>
+          </p:cNvPr>
+          <p:cNvSpPr>
+            <a:spLocks noGrp="1" noRot="1" noChangeAspect="1" noMove="1" noResize="1" noEditPoints="1" noAdjustHandles="1" noChangeArrowheads="1" noChangeShapeType="1" noTextEdit="1"/>
+          </p:cNvSpPr>
+          <p:nvPr>
+            <p:extLst>
+              <p:ext uri="{386F3935-93C4-4BCD-93E2-E3B085C9AB24}">
+                <p16:designElem xmlns:p16="http://schemas.microsoft.com/office/powerpoint/2015/main" val="1"/>
+              </p:ext>
+            </p:extLst>
+          </p:nvPr>
+        </p:nvSpPr>
+        <p:spPr>
+          <a:xfrm rot="20635413">
+            <a:off x="-501737" y="969718"/>
+            <a:ext cx="3900357" cy="4178958"/>
+          </a:xfrm>
+          <a:custGeom>
+            <a:avLst/>
+            <a:gdLst>
+              <a:gd name="connsiteX0" fmla="*/ 2432225 w 3900357"/>
+              <a:gd name="connsiteY0" fmla="*/ 93939 h 4178958"/>
+              <a:gd name="connsiteX1" fmla="*/ 3900357 w 3900357"/>
+              <a:gd name="connsiteY1" fmla="*/ 2089479 h 4178958"/>
+              <a:gd name="connsiteX2" fmla="*/ 1810878 w 3900357"/>
+              <a:gd name="connsiteY2" fmla="*/ 4178958 h 4178958"/>
+              <a:gd name="connsiteX3" fmla="*/ 78249 w 3900357"/>
+              <a:gd name="connsiteY3" fmla="*/ 3257727 h 4178958"/>
+              <a:gd name="connsiteX4" fmla="*/ 0 w 3900357"/>
+              <a:gd name="connsiteY4" fmla="*/ 3128923 h 4178958"/>
+              <a:gd name="connsiteX5" fmla="*/ 831324 w 3900357"/>
+              <a:gd name="connsiteY5" fmla="*/ 244281 h 4178958"/>
+              <a:gd name="connsiteX6" fmla="*/ 997559 w 3900357"/>
+              <a:gd name="connsiteY6" fmla="*/ 164202 h 4178958"/>
+              <a:gd name="connsiteX7" fmla="*/ 1810878 w 3900357"/>
+              <a:gd name="connsiteY7" fmla="*/ 0 h 4178958"/>
+              <a:gd name="connsiteX8" fmla="*/ 2432225 w 3900357"/>
+              <a:gd name="connsiteY8" fmla="*/ 93939 h 4178958"/>
+            </a:gdLst>
+            <a:ahLst/>
+            <a:cxnLst>
+              <a:cxn ang="0">
+                <a:pos x="connsiteX0" y="connsiteY0"/>
+              </a:cxn>
+              <a:cxn ang="0">
+                <a:pos x="connsiteX1" y="connsiteY1"/>
+              </a:cxn>
+              <a:cxn ang="0">
+                <a:pos x="connsiteX2" y="connsiteY2"/>
+              </a:cxn>
+              <a:cxn ang="0">
+                <a:pos x="connsiteX3" y="connsiteY3"/>
+              </a:cxn>
+              <a:cxn ang="0">
+                <a:pos x="connsiteX4" y="connsiteY4"/>
+              </a:cxn>
+              <a:cxn ang="0">
+                <a:pos x="connsiteX5" y="connsiteY5"/>
+              </a:cxn>
+              <a:cxn ang="0">
+                <a:pos x="connsiteX6" y="connsiteY6"/>
+              </a:cxn>
+              <a:cxn ang="0">
+                <a:pos x="connsiteX7" y="connsiteY7"/>
+              </a:cxn>
+              <a:cxn ang="0">
+                <a:pos x="connsiteX8" y="connsiteY8"/>
+              </a:cxn>
+            </a:cxnLst>
+            <a:rect l="l" t="t" r="r" b="b"/>
+            <a:pathLst>
+              <a:path w="3900357" h="4178958">
+                <a:moveTo>
+                  <a:pt x="2432225" y="93939"/>
+                </a:moveTo>
+                <a:cubicBezTo>
+                  <a:pt x="3282786" y="358491"/>
+                  <a:pt x="3900357" y="1151865"/>
+                  <a:pt x="3900357" y="2089479"/>
+                </a:cubicBezTo>
+                <a:cubicBezTo>
+                  <a:pt x="3900357" y="3243466"/>
+                  <a:pt x="2964865" y="4178958"/>
+                  <a:pt x="1810878" y="4178958"/>
+                </a:cubicBezTo>
+                <a:cubicBezTo>
+                  <a:pt x="1089636" y="4178958"/>
+                  <a:pt x="453744" y="3813531"/>
+                  <a:pt x="78249" y="3257727"/>
+                </a:cubicBezTo>
+                <a:lnTo>
+                  <a:pt x="0" y="3128923"/>
+                </a:lnTo>
+                <a:lnTo>
+                  <a:pt x="831324" y="244281"/>
+                </a:lnTo>
+                <a:lnTo>
+                  <a:pt x="997559" y="164202"/>
+                </a:lnTo>
+                <a:cubicBezTo>
+                  <a:pt x="1247540" y="58468"/>
+                  <a:pt x="1522381" y="0"/>
+                  <a:pt x="1810878" y="0"/>
+                </a:cubicBezTo>
+                <a:cubicBezTo>
+                  <a:pt x="2027251" y="0"/>
+                  <a:pt x="2235942" y="32888"/>
+                  <a:pt x="2432225" y="93939"/>
+                </a:cubicBezTo>
+                <a:close/>
+              </a:path>
+            </a:pathLst>
+          </a:custGeom>
+          <a:gradFill>
+            <a:gsLst>
+              <a:gs pos="29000">
+                <a:srgbClr val="000000">
+                  <a:alpha val="0"/>
+                </a:srgbClr>
+              </a:gs>
+              <a:gs pos="100000">
+                <a:schemeClr val="accent1">
+                  <a:alpha val="43000"/>
+                </a:schemeClr>
+              </a:gs>
+            </a:gsLst>
+            <a:lin ang="1800000" scaled="0"/>
+          </a:gradFill>
+          <a:ln>
+            <a:noFill/>
+          </a:ln>
+        </p:spPr>
+        <p:style>
+          <a:lnRef idx="2">
+            <a:schemeClr val="accent1">
+              <a:shade val="50000"/>
+            </a:schemeClr>
+          </a:lnRef>
+          <a:fillRef idx="1">
+            <a:schemeClr val="accent1"/>
+          </a:fillRef>
+          <a:effectRef idx="0">
+            <a:schemeClr val="accent1"/>
+          </a:effectRef>
+          <a:fontRef idx="minor">
+            <a:schemeClr val="lt1"/>
+          </a:fontRef>
+        </p:style>
+        <p:txBody>
+          <a:bodyPr wrap="square" rtlCol="0" anchor="ctr">
+            <a:noAutofit/>
+          </a:bodyPr>
+          <a:lstStyle/>
+          <a:p>
+            <a:pPr algn="ctr"/>
+            <a:endParaRPr lang="en-US" dirty="0"/>
+          </a:p>
+        </p:txBody>
+      </p:sp>
+      <p:sp>
+        <p:nvSpPr>
+          <p:cNvPr id="19" name="Rectangle 18">
+            <a:extLst>
+              <a:ext uri="{FF2B5EF4-FFF2-40B4-BE49-F238E27FC236}">
+                <a16:creationId xmlns:a16="http://schemas.microsoft.com/office/drawing/2014/main" id="{443F2ACA-E6D6-4028-82DD-F03C262D5DE6}"/>
+              </a:ext>
+              <a:ext uri="{C183D7F6-B498-43B3-948B-1728B52AA6E4}">
+                <adec:decorative xmlns:adec="http://schemas.microsoft.com/office/drawing/2017/decorative" val="1"/>
+              </a:ext>
+            </a:extLst>
+          </p:cNvPr>
+          <p:cNvSpPr>
+            <a:spLocks noGrp="1" noRot="1" noChangeAspect="1" noMove="1" noResize="1" noEditPoints="1" noAdjustHandles="1" noChangeArrowheads="1" noChangeShapeType="1" noTextEdit="1"/>
+          </p:cNvSpPr>
+          <p:nvPr>
+            <p:extLst>
+              <p:ext uri="{386F3935-93C4-4BCD-93E2-E3B085C9AB24}">
+                <p16:designElem xmlns:p16="http://schemas.microsoft.com/office/powerpoint/2015/main" val="1"/>
+              </p:ext>
+            </p:extLst>
+          </p:nvPr>
+        </p:nvSpPr>
+        <p:spPr>
+          <a:xfrm rot="5400000" flipH="1">
+            <a:off x="-1410095" y="1410079"/>
+            <a:ext cx="6858003" cy="4037835"/>
+          </a:xfrm>
+          <a:prstGeom prst="rect">
+            <a:avLst/>
+          </a:prstGeom>
+          <a:gradFill>
+            <a:gsLst>
+              <a:gs pos="0">
+                <a:srgbClr val="000000">
+                  <a:alpha val="0"/>
+                </a:srgbClr>
+              </a:gs>
+              <a:gs pos="99000">
+                <a:schemeClr val="accent1">
+                  <a:lumMod val="60000"/>
+                  <a:lumOff val="40000"/>
+                  <a:alpha val="11000"/>
+                </a:schemeClr>
+              </a:gs>
+            </a:gsLst>
+            <a:lin ang="7200000" scaled="0"/>
+          </a:gradFill>
+          <a:ln>
+            <a:noFill/>
+          </a:ln>
+        </p:spPr>
+        <p:style>
+          <a:lnRef idx="2">
+            <a:schemeClr val="accent1">
+              <a:shade val="50000"/>
+            </a:schemeClr>
+          </a:lnRef>
+          <a:fillRef idx="1">
+            <a:schemeClr val="accent1"/>
+          </a:fillRef>
+          <a:effectRef idx="0">
+            <a:schemeClr val="accent1"/>
+          </a:effectRef>
+          <a:fontRef idx="minor">
+            <a:schemeClr val="lt1"/>
+          </a:fontRef>
+        </p:style>
+        <p:txBody>
+          <a:bodyPr rtlCol="0" anchor="ctr"/>
+          <a:lstStyle/>
+          <a:p>
+            <a:pPr algn="ctr"/>
+            <a:endParaRPr lang="en-US"/>
+          </a:p>
+        </p:txBody>
+      </p:sp>
+      <p:sp>
+        <p:nvSpPr>
+          <p:cNvPr id="2" name="Title 1">
+            <a:extLst>
+              <a:ext uri="{FF2B5EF4-FFF2-40B4-BE49-F238E27FC236}">
+                <a16:creationId xmlns:a16="http://schemas.microsoft.com/office/drawing/2014/main" id="{B368623D-7ED4-6912-4326-781B36404E0C}"/>
+              </a:ext>
+            </a:extLst>
+          </p:cNvPr>
+          <p:cNvSpPr>
+            <a:spLocks noGrp="1"/>
+          </p:cNvSpPr>
+          <p:nvPr>
+            <p:ph type="title"/>
+          </p:nvPr>
+        </p:nvSpPr>
+        <p:spPr>
+          <a:xfrm>
+            <a:off x="586478" y="1683756"/>
+            <a:ext cx="3115265" cy="2396359"/>
+          </a:xfrm>
+        </p:spPr>
+        <p:txBody>
+          <a:bodyPr anchor="b">
+            <a:normAutofit/>
+          </a:bodyPr>
+          <a:lstStyle/>
+          <a:p>
+            <a:pPr algn="r"/>
+            <a:r>
+              <a:rPr lang="en-US" sz="4000">
+                <a:solidFill>
+                  <a:srgbClr val="FFFFFF"/>
+                </a:solidFill>
+              </a:rPr>
+              <a:t>Pull from Github</a:t>
+            </a:r>
+          </a:p>
+        </p:txBody>
+      </p:sp>
+      <p:graphicFrame>
+        <p:nvGraphicFramePr>
+          <p:cNvPr id="5" name="Content Placeholder 2">
+            <a:extLst>
+              <a:ext uri="{FF2B5EF4-FFF2-40B4-BE49-F238E27FC236}">
+                <a16:creationId xmlns:a16="http://schemas.microsoft.com/office/drawing/2014/main" id="{94BB7252-5412-E4A3-9EEC-D1524628CC60}"/>
+              </a:ext>
+            </a:extLst>
+          </p:cNvPr>
+          <p:cNvGraphicFramePr>
+            <a:graphicFrameLocks noGrp="1"/>
+          </p:cNvGraphicFramePr>
+          <p:nvPr>
+            <p:ph idx="1"/>
+            <p:extLst>
+              <p:ext uri="{D42A27DB-BD31-4B8C-83A1-F6EECF244321}">
+                <p14:modId xmlns:p14="http://schemas.microsoft.com/office/powerpoint/2010/main" val="286410211"/>
+              </p:ext>
+            </p:extLst>
+          </p:nvPr>
+        </p:nvGraphicFramePr>
+        <p:xfrm>
+          <a:off x="4905052" y="750440"/>
+          <a:ext cx="6666833" cy="5453920"/>
+        </p:xfrm>
+        <a:graphic>
+          <a:graphicData uri="http://schemas.openxmlformats.org/drawingml/2006/diagram">
+            <dgm:relIds xmlns:dgm="http://schemas.openxmlformats.org/drawingml/2006/diagram" xmlns:r="http://schemas.openxmlformats.org/officeDocument/2006/relationships" r:dm="rId2" r:lo="rId3" r:qs="rId4" r:cs="rId5"/>
+          </a:graphicData>
+        </a:graphic>
+      </p:graphicFrame>
+    </p:spTree>
+    <p:extLst>
+      <p:ext uri="{BB962C8B-B14F-4D97-AF65-F5344CB8AC3E}">
+        <p14:creationId xmlns:p14="http://schemas.microsoft.com/office/powerpoint/2010/main" val="2592276923"/>
+      </p:ext>
+    </p:extLst>
+  </p:cSld>
+  <p:clrMapOvr>
+    <a:masterClrMapping/>
+  </p:clrMapOvr>
+</p:sld>
+</file>
+
+<file path=ppt/slides/slide45.xml><?xml version="1.0" encoding="utf-8"?>
+<p:sld xmlns:a="http://schemas.openxmlformats.org/drawingml/2006/main" xmlns:r="http://schemas.openxmlformats.org/officeDocument/2006/relationships" xmlns:p="http://schemas.openxmlformats.org/presentationml/2006/main">
+  <p:cSld>
+    <p:bg>
+      <p:bgPr>
+        <a:solidFill>
+          <a:schemeClr val="bg1"/>
+        </a:solidFill>
+        <a:effectLst/>
+      </p:bgPr>
+    </p:bg>
+    <p:spTree>
+      <p:nvGrpSpPr>
+        <p:cNvPr id="1" name=""/>
+        <p:cNvGrpSpPr/>
+        <p:nvPr/>
+      </p:nvGrpSpPr>
+      <p:grpSpPr>
+        <a:xfrm>
+          <a:off x="0" y="0"/>
+          <a:ext cx="0" cy="0"/>
+          <a:chOff x="0" y="0"/>
+          <a:chExt cx="0" cy="0"/>
+        </a:xfrm>
+      </p:grpSpPr>
+      <p:sp useBgFill="1">
+        <p:nvSpPr>
+          <p:cNvPr id="8" name="Rectangle 7">
+            <a:extLst>
+              <a:ext uri="{FF2B5EF4-FFF2-40B4-BE49-F238E27FC236}">
+                <a16:creationId xmlns:a16="http://schemas.microsoft.com/office/drawing/2014/main" id="{C7FA33FF-088D-4F16-95A2-2C64D353DEA8}"/>
+              </a:ext>
+              <a:ext uri="{C183D7F6-B498-43B3-948B-1728B52AA6E4}">
+                <adec:decorative xmlns:adec="http://schemas.microsoft.com/office/drawing/2017/decorative" val="1"/>
+              </a:ext>
+            </a:extLst>
+          </p:cNvPr>
+          <p:cNvSpPr>
+            <a:spLocks noGrp="1" noRot="1" noChangeAspect="1" noMove="1" noResize="1" noEditPoints="1" noAdjustHandles="1" noChangeArrowheads="1" noChangeShapeType="1" noTextEdit="1"/>
+          </p:cNvSpPr>
+          <p:nvPr>
+            <p:extLst>
+              <p:ext uri="{386F3935-93C4-4BCD-93E2-E3B085C9AB24}">
+                <p16:designElem xmlns:p16="http://schemas.microsoft.com/office/powerpoint/2015/main" val="1"/>
+              </p:ext>
+            </p:extLst>
+          </p:nvPr>
+        </p:nvSpPr>
+        <p:spPr>
+          <a:xfrm>
+            <a:off x="1524" y="0"/>
+            <a:ext cx="12188952" cy="6858000"/>
+          </a:xfrm>
+          <a:prstGeom prst="rect">
+            <a:avLst/>
+          </a:prstGeom>
+          <a:ln>
+            <a:noFill/>
+          </a:ln>
+        </p:spPr>
+        <p:style>
+          <a:lnRef idx="2">
+            <a:schemeClr val="accent1">
+              <a:shade val="50000"/>
+            </a:schemeClr>
+          </a:lnRef>
+          <a:fillRef idx="1">
+            <a:schemeClr val="accent1"/>
+          </a:fillRef>
+          <a:effectRef idx="0">
+            <a:schemeClr val="accent1"/>
+          </a:effectRef>
+          <a:fontRef idx="minor">
+            <a:schemeClr val="lt1"/>
+          </a:fontRef>
+        </p:style>
+        <p:txBody>
+          <a:bodyPr rtlCol="0" anchor="ctr"/>
+          <a:lstStyle/>
+          <a:p>
+            <a:pPr marL="0" marR="0" lvl="0" indent="0" algn="ctr" defTabSz="914400" rtl="0" eaLnBrk="1" fontAlgn="auto" latinLnBrk="0" hangingPunct="1">
+              <a:lnSpc>
+                <a:spcPct val="100000"/>
+              </a:lnSpc>
+              <a:spcBef>
+                <a:spcPts val="0"/>
+              </a:spcBef>
+              <a:spcAft>
+                <a:spcPts val="0"/>
+              </a:spcAft>
+              <a:buClrTx/>
+              <a:buSzTx/>
+              <a:buFontTx/>
+              <a:buNone/>
+              <a:tabLst/>
+              <a:defRPr/>
+            </a:pPr>
+            <a:endParaRPr kumimoji="0" lang="en-US" sz="1800" b="0" i="0" u="none" strike="noStrike" kern="1200" cap="none" spc="0" normalizeH="0" baseline="0" noProof="0">
+              <a:ln>
+                <a:noFill/>
+              </a:ln>
+              <a:solidFill>
+                <a:prstClr val="white"/>
+              </a:solidFill>
+              <a:effectLst/>
+              <a:uLnTx/>
+              <a:uFillTx/>
+              <a:latin typeface="Calibri" panose="020F0502020204030204"/>
+              <a:ea typeface="+mn-ea"/>
+              <a:cs typeface="+mn-cs"/>
+            </a:endParaRPr>
+          </a:p>
+        </p:txBody>
+      </p:sp>
+      <p:sp>
+        <p:nvSpPr>
+          <p:cNvPr id="10" name="Rectangle 9">
+            <a:extLst>
+              <a:ext uri="{FF2B5EF4-FFF2-40B4-BE49-F238E27FC236}">
+                <a16:creationId xmlns:a16="http://schemas.microsoft.com/office/drawing/2014/main" id="{A376EFB1-01CF-419F-ABF1-2AF02BBFCBD1}"/>
+              </a:ext>
+              <a:ext uri="{C183D7F6-B498-43B3-948B-1728B52AA6E4}">
+                <adec:decorative xmlns:adec="http://schemas.microsoft.com/office/drawing/2017/decorative" val="1"/>
+              </a:ext>
+            </a:extLst>
+          </p:cNvPr>
+          <p:cNvSpPr>
+            <a:spLocks noGrp="1" noRot="1" noChangeAspect="1" noMove="1" noResize="1" noEditPoints="1" noAdjustHandles="1" noChangeArrowheads="1" noChangeShapeType="1" noTextEdit="1"/>
+          </p:cNvSpPr>
+          <p:nvPr>
+            <p:extLst>
+              <p:ext uri="{386F3935-93C4-4BCD-93E2-E3B085C9AB24}">
+                <p16:designElem xmlns:p16="http://schemas.microsoft.com/office/powerpoint/2015/main" val="1"/>
+              </p:ext>
+            </p:extLst>
+          </p:nvPr>
+        </p:nvSpPr>
+        <p:spPr>
+          <a:xfrm>
+            <a:off x="0" y="0"/>
+            <a:ext cx="4709160" cy="6858000"/>
+          </a:xfrm>
+          <a:prstGeom prst="rect">
+            <a:avLst/>
+          </a:prstGeom>
+          <a:solidFill>
+            <a:schemeClr val="tx1">
+              <a:alpha val="81000"/>
+            </a:schemeClr>
+          </a:solidFill>
+          <a:ln>
+            <a:noFill/>
+          </a:ln>
+        </p:spPr>
+        <p:style>
+          <a:lnRef idx="2">
+            <a:schemeClr val="accent1">
+              <a:shade val="50000"/>
+            </a:schemeClr>
+          </a:lnRef>
+          <a:fillRef idx="1">
+            <a:schemeClr val="accent1"/>
+          </a:fillRef>
+          <a:effectRef idx="0">
+            <a:schemeClr val="accent1"/>
+          </a:effectRef>
+          <a:fontRef idx="minor">
+            <a:schemeClr val="lt1"/>
+          </a:fontRef>
+        </p:style>
+        <p:txBody>
+          <a:bodyPr rtlCol="0" anchor="ctr"/>
+          <a:lstStyle/>
+          <a:p>
+            <a:pPr marL="0" marR="0" lvl="0" indent="0" algn="ctr" defTabSz="914400" rtl="0" eaLnBrk="1" fontAlgn="auto" latinLnBrk="0" hangingPunct="1">
+              <a:lnSpc>
+                <a:spcPct val="100000"/>
+              </a:lnSpc>
+              <a:spcBef>
+                <a:spcPts val="0"/>
+              </a:spcBef>
+              <a:spcAft>
+                <a:spcPts val="0"/>
+              </a:spcAft>
+              <a:buClrTx/>
+              <a:buSzTx/>
+              <a:buFontTx/>
+              <a:buNone/>
+              <a:tabLst/>
+              <a:defRPr/>
+            </a:pPr>
+            <a:endParaRPr kumimoji="0" lang="en-US" sz="1800" b="0" i="0" u="none" strike="noStrike" kern="1200" cap="none" spc="0" normalizeH="0" baseline="0" noProof="0">
+              <a:ln>
+                <a:noFill/>
+              </a:ln>
+              <a:solidFill>
+                <a:prstClr val="white"/>
+              </a:solidFill>
+              <a:effectLst/>
+              <a:uLnTx/>
+              <a:uFillTx/>
+              <a:latin typeface="Calibri" panose="020F0502020204030204"/>
+              <a:ea typeface="+mn-ea"/>
+              <a:cs typeface="+mn-cs"/>
+            </a:endParaRPr>
+          </a:p>
+        </p:txBody>
+      </p:sp>
+      <p:sp>
+        <p:nvSpPr>
+          <p:cNvPr id="12" name="Freeform: Shape 11">
+            <a:extLst>
+              <a:ext uri="{FF2B5EF4-FFF2-40B4-BE49-F238E27FC236}">
+                <a16:creationId xmlns:a16="http://schemas.microsoft.com/office/drawing/2014/main" id="{FF9DEA15-78BD-4750-AA18-B9F28A6D5AB8}"/>
+              </a:ext>
+              <a:ext uri="{C183D7F6-B498-43B3-948B-1728B52AA6E4}">
+                <adec:decorative xmlns:adec="http://schemas.microsoft.com/office/drawing/2017/decorative" val="1"/>
+              </a:ext>
+            </a:extLst>
+          </p:cNvPr>
+          <p:cNvSpPr>
+            <a:spLocks noGrp="1" noRot="1" noChangeAspect="1" noMove="1" noResize="1" noEditPoints="1" noAdjustHandles="1" noChangeArrowheads="1" noChangeShapeType="1" noTextEdit="1"/>
+          </p:cNvSpPr>
+          <p:nvPr>
+            <p:extLst>
+              <p:ext uri="{386F3935-93C4-4BCD-93E2-E3B085C9AB24}">
+                <p16:designElem xmlns:p16="http://schemas.microsoft.com/office/powerpoint/2015/main" val="1"/>
+              </p:ext>
+            </p:extLst>
+          </p:nvPr>
+        </p:nvSpPr>
+        <p:spPr>
+          <a:xfrm>
+            <a:off x="0" y="0"/>
+            <a:ext cx="3284331" cy="6858000"/>
+          </a:xfrm>
+          <a:custGeom>
+            <a:avLst/>
+            <a:gdLst>
+              <a:gd name="connsiteX0" fmla="*/ 0 w 4319042"/>
+              <a:gd name="connsiteY0" fmla="*/ 0 h 6858000"/>
+              <a:gd name="connsiteX1" fmla="*/ 1142888 w 4319042"/>
+              <a:gd name="connsiteY1" fmla="*/ 0 h 6858000"/>
+              <a:gd name="connsiteX2" fmla="*/ 4319042 w 4319042"/>
+              <a:gd name="connsiteY2" fmla="*/ 6858000 h 6858000"/>
+              <a:gd name="connsiteX3" fmla="*/ 0 w 4319042"/>
+              <a:gd name="connsiteY3" fmla="*/ 6858000 h 6858000"/>
+            </a:gdLst>
+            <a:ahLst/>
+            <a:cxnLst>
+              <a:cxn ang="0">
+                <a:pos x="connsiteX0" y="connsiteY0"/>
+              </a:cxn>
+              <a:cxn ang="0">
+                <a:pos x="connsiteX1" y="connsiteY1"/>
+              </a:cxn>
+              <a:cxn ang="0">
+                <a:pos x="connsiteX2" y="connsiteY2"/>
+              </a:cxn>
+              <a:cxn ang="0">
+                <a:pos x="connsiteX3" y="connsiteY3"/>
+              </a:cxn>
+            </a:cxnLst>
+            <a:rect l="l" t="t" r="r" b="b"/>
+            <a:pathLst>
+              <a:path w="4319042" h="6858000">
+                <a:moveTo>
+                  <a:pt x="0" y="0"/>
+                </a:moveTo>
+                <a:lnTo>
+                  <a:pt x="1142888" y="0"/>
+                </a:lnTo>
+                <a:lnTo>
+                  <a:pt x="4319042" y="6858000"/>
+                </a:lnTo>
+                <a:lnTo>
+                  <a:pt x="0" y="6858000"/>
+                </a:lnTo>
+                <a:close/>
+              </a:path>
+            </a:pathLst>
+          </a:custGeom>
+          <a:solidFill>
+            <a:schemeClr val="tx1">
+              <a:alpha val="35000"/>
+            </a:schemeClr>
+          </a:solidFill>
+          <a:ln>
+            <a:noFill/>
+          </a:ln>
+        </p:spPr>
+        <p:style>
+          <a:lnRef idx="2">
+            <a:schemeClr val="accent1">
+              <a:shade val="50000"/>
+            </a:schemeClr>
+          </a:lnRef>
+          <a:fillRef idx="1">
+            <a:schemeClr val="accent1"/>
+          </a:fillRef>
+          <a:effectRef idx="0">
+            <a:schemeClr val="accent1"/>
+          </a:effectRef>
+          <a:fontRef idx="minor">
+            <a:schemeClr val="lt1"/>
+          </a:fontRef>
+        </p:style>
+        <p:txBody>
+          <a:bodyPr wrap="square" rtlCol="0" anchor="ctr">
+            <a:noAutofit/>
+          </a:bodyPr>
+          <a:lstStyle/>
+          <a:p>
+            <a:pPr marL="0" marR="0" lvl="0" indent="0" algn="ctr" defTabSz="914400" rtl="0" eaLnBrk="1" fontAlgn="auto" latinLnBrk="0" hangingPunct="1">
+              <a:lnSpc>
+                <a:spcPct val="100000"/>
+              </a:lnSpc>
+              <a:spcBef>
+                <a:spcPts val="0"/>
+              </a:spcBef>
+              <a:spcAft>
+                <a:spcPts val="0"/>
+              </a:spcAft>
+              <a:buClrTx/>
+              <a:buSzTx/>
+              <a:buFontTx/>
+              <a:buNone/>
+              <a:tabLst/>
+              <a:defRPr/>
+            </a:pPr>
+            <a:endParaRPr kumimoji="0" lang="en-US" sz="1800" b="0" i="0" u="none" strike="noStrike" kern="1200" cap="none" spc="0" normalizeH="0" baseline="0" noProof="0">
+              <a:ln>
+                <a:noFill/>
+              </a:ln>
+              <a:solidFill>
+                <a:prstClr val="white"/>
+              </a:solidFill>
+              <a:effectLst/>
+              <a:uLnTx/>
+              <a:uFillTx/>
+              <a:latin typeface="Calibri" panose="020F0502020204030204"/>
+              <a:ea typeface="+mn-ea"/>
+              <a:cs typeface="+mn-cs"/>
+            </a:endParaRPr>
+          </a:p>
+        </p:txBody>
+      </p:sp>
+      <p:sp>
+        <p:nvSpPr>
+          <p:cNvPr id="2" name="Title 1">
+            <a:extLst>
+              <a:ext uri="{FF2B5EF4-FFF2-40B4-BE49-F238E27FC236}">
+                <a16:creationId xmlns:a16="http://schemas.microsoft.com/office/drawing/2014/main" id="{2A278279-3895-1CDF-69F7-0EC80221099E}"/>
+              </a:ext>
+            </a:extLst>
+          </p:cNvPr>
+          <p:cNvSpPr>
+            <a:spLocks noGrp="1"/>
+          </p:cNvSpPr>
+          <p:nvPr>
+            <p:ph type="title"/>
+          </p:nvPr>
+        </p:nvSpPr>
+        <p:spPr>
+          <a:xfrm>
+            <a:off x="804672" y="640080"/>
+            <a:ext cx="3282696" cy="5257800"/>
+          </a:xfrm>
+        </p:spPr>
+        <p:txBody>
+          <a:bodyPr>
+            <a:normAutofit/>
+          </a:bodyPr>
+          <a:lstStyle/>
+          <a:p>
+            <a:r>
+              <a:rPr lang="en-US">
+                <a:solidFill>
+                  <a:schemeClr val="bg1"/>
+                </a:solidFill>
+              </a:rPr>
+              <a:t>Access Github Repo across machines</a:t>
+            </a:r>
+          </a:p>
+        </p:txBody>
+      </p:sp>
+      <p:graphicFrame>
+        <p:nvGraphicFramePr>
+          <p:cNvPr id="14" name="Content Placeholder 2">
+            <a:extLst>
+              <a:ext uri="{FF2B5EF4-FFF2-40B4-BE49-F238E27FC236}">
+                <a16:creationId xmlns:a16="http://schemas.microsoft.com/office/drawing/2014/main" id="{F2B1951A-FB82-C8CA-2D93-53F773B95F76}"/>
+              </a:ext>
+            </a:extLst>
+          </p:cNvPr>
+          <p:cNvGraphicFramePr>
+            <a:graphicFrameLocks noGrp="1"/>
+          </p:cNvGraphicFramePr>
+          <p:nvPr>
+            <p:ph idx="1"/>
+            <p:extLst>
+              <p:ext uri="{D42A27DB-BD31-4B8C-83A1-F6EECF244321}">
+                <p14:modId xmlns:p14="http://schemas.microsoft.com/office/powerpoint/2010/main" val="1753508068"/>
+              </p:ext>
+            </p:extLst>
+          </p:nvPr>
+        </p:nvGraphicFramePr>
+        <p:xfrm>
+          <a:off x="5136205" y="136188"/>
+          <a:ext cx="6721812" cy="6556442"/>
+        </p:xfrm>
+        <a:graphic>
+          <a:graphicData uri="http://schemas.openxmlformats.org/drawingml/2006/diagram">
+            <dgm:relIds xmlns:dgm="http://schemas.openxmlformats.org/drawingml/2006/diagram" xmlns:r="http://schemas.openxmlformats.org/officeDocument/2006/relationships" r:dm="rId2" r:lo="rId3" r:qs="rId4" r:cs="rId5"/>
+          </a:graphicData>
+        </a:graphic>
+      </p:graphicFrame>
+    </p:spTree>
+    <p:extLst>
+      <p:ext uri="{BB962C8B-B14F-4D97-AF65-F5344CB8AC3E}">
+        <p14:creationId xmlns:p14="http://schemas.microsoft.com/office/powerpoint/2010/main" val="4212964873"/>
+      </p:ext>
+    </p:extLst>
+  </p:cSld>
+  <p:clrMapOvr>
+    <a:masterClrMapping/>
+  </p:clrMapOvr>
+</p:sld>
+</file>
+
+<file path=ppt/slides/slide46.xml><?xml version="1.0" encoding="utf-8"?>
+<p:sld xmlns:a="http://schemas.openxmlformats.org/drawingml/2006/main" xmlns:r="http://schemas.openxmlformats.org/officeDocument/2006/relationships" xmlns:p="http://schemas.openxmlformats.org/presentationml/2006/main">
+  <p:cSld>
+    <p:bg>
+      <p:bgPr>
+        <a:solidFill>
+          <a:schemeClr val="bg1"/>
+        </a:solidFill>
+        <a:effectLst/>
+      </p:bgPr>
+    </p:bg>
+    <p:spTree>
+      <p:nvGrpSpPr>
+        <p:cNvPr id="1" name=""/>
+        <p:cNvGrpSpPr/>
+        <p:nvPr/>
+      </p:nvGrpSpPr>
+      <p:grpSpPr>
+        <a:xfrm>
+          <a:off x="0" y="0"/>
+          <a:ext cx="0" cy="0"/>
+          <a:chOff x="0" y="0"/>
+          <a:chExt cx="0" cy="0"/>
+        </a:xfrm>
+      </p:grpSpPr>
+      <p:sp>
+        <p:nvSpPr>
+          <p:cNvPr id="35" name="Rectangle 34">
+            <a:extLst>
+              <a:ext uri="{FF2B5EF4-FFF2-40B4-BE49-F238E27FC236}">
+                <a16:creationId xmlns:a16="http://schemas.microsoft.com/office/drawing/2014/main" id="{0DE6A193-4755-479A-BC6F-A7EBCA73BE1A}"/>
+              </a:ext>
+              <a:ext uri="{C183D7F6-B498-43B3-948B-1728B52AA6E4}">
+                <adec:decorative xmlns:adec="http://schemas.microsoft.com/office/drawing/2017/decorative" val="1"/>
+              </a:ext>
+            </a:extLst>
+          </p:cNvPr>
+          <p:cNvSpPr>
+            <a:spLocks noGrp="1" noRot="1" noChangeAspect="1" noMove="1" noResize="1" noEditPoints="1" noAdjustHandles="1" noChangeArrowheads="1" noChangeShapeType="1" noTextEdit="1"/>
+          </p:cNvSpPr>
+          <p:nvPr>
+            <p:extLst>
+              <p:ext uri="{386F3935-93C4-4BCD-93E2-E3B085C9AB24}">
+                <p16:designElem xmlns:p16="http://schemas.microsoft.com/office/powerpoint/2015/main" val="1"/>
+              </p:ext>
+            </p:extLst>
+          </p:nvPr>
+        </p:nvSpPr>
+        <p:spPr>
+          <a:xfrm>
+            <a:off x="0" y="0"/>
+            <a:ext cx="12192001" cy="6858000"/>
+          </a:xfrm>
+          <a:prstGeom prst="rect">
+            <a:avLst/>
+          </a:prstGeom>
+          <a:solidFill>
+            <a:schemeClr val="tx1"/>
+          </a:solidFill>
+          <a:ln>
+            <a:noFill/>
+          </a:ln>
+        </p:spPr>
+        <p:style>
+          <a:lnRef idx="2">
+            <a:schemeClr val="accent1">
+              <a:shade val="50000"/>
+            </a:schemeClr>
+          </a:lnRef>
+          <a:fillRef idx="1">
+            <a:schemeClr val="accent1"/>
+          </a:fillRef>
+          <a:effectRef idx="0">
+            <a:schemeClr val="accent1"/>
+          </a:effectRef>
+          <a:fontRef idx="minor">
+            <a:schemeClr val="lt1"/>
+          </a:fontRef>
+        </p:style>
+        <p:txBody>
+          <a:bodyPr rtlCol="0" anchor="ctr"/>
+          <a:lstStyle/>
+          <a:p>
+            <a:pPr algn="ctr"/>
+            <a:endParaRPr lang="en-US"/>
+          </a:p>
+        </p:txBody>
+      </p:sp>
+      <p:pic>
+        <p:nvPicPr>
+          <p:cNvPr id="20" name="Graphic 19" descr="Smiling Face with No Fill">
+            <a:extLst>
+              <a:ext uri="{FF2B5EF4-FFF2-40B4-BE49-F238E27FC236}">
+                <a16:creationId xmlns:a16="http://schemas.microsoft.com/office/drawing/2014/main" id="{BA7880F4-1382-CACB-C82F-1AABB40C01CE}"/>
+              </a:ext>
+            </a:extLst>
+          </p:cNvPr>
+          <p:cNvPicPr>
+            <a:picLocks noChangeAspect="1"/>
+          </p:cNvPicPr>
+          <p:nvPr/>
+        </p:nvPicPr>
+        <p:blipFill>
+          <a:blip r:embed="rId2">
+            <a:extLst>
+              <a:ext uri="{28A0092B-C50C-407E-A947-70E740481C1C}">
+                <a14:useLocalDpi xmlns:a14="http://schemas.microsoft.com/office/drawing/2010/main" val="0"/>
+              </a:ext>
+              <a:ext uri="{96DAC541-7B7A-43D3-8B79-37D633B846F1}">
+                <asvg:svgBlip xmlns:asvg="http://schemas.microsoft.com/office/drawing/2016/SVG/main" r:embed="rId3"/>
+              </a:ext>
+            </a:extLst>
+          </a:blip>
+          <a:stretch>
+            <a:fillRect/>
+          </a:stretch>
+        </p:blipFill>
+        <p:spPr>
+          <a:xfrm>
+            <a:off x="7949045" y="1472476"/>
+            <a:ext cx="3789988" cy="3789988"/>
+          </a:xfrm>
+          <a:prstGeom prst="rect">
+            <a:avLst/>
+          </a:prstGeom>
+        </p:spPr>
+      </p:pic>
+      <p:sp>
+        <p:nvSpPr>
+          <p:cNvPr id="37" name="Freeform: Shape 36">
+            <a:extLst>
+              <a:ext uri="{FF2B5EF4-FFF2-40B4-BE49-F238E27FC236}">
+                <a16:creationId xmlns:a16="http://schemas.microsoft.com/office/drawing/2014/main" id="{AB8B8498-A488-40AF-99EB-F622ED9AD6B8}"/>
+              </a:ext>
+              <a:ext uri="{C183D7F6-B498-43B3-948B-1728B52AA6E4}">
+                <adec:decorative xmlns:adec="http://schemas.microsoft.com/office/drawing/2017/decorative" val="1"/>
+              </a:ext>
+            </a:extLst>
+          </p:cNvPr>
+          <p:cNvSpPr>
+            <a:spLocks noGrp="1" noRot="1" noChangeAspect="1" noMove="1" noResize="1" noEditPoints="1" noAdjustHandles="1" noChangeArrowheads="1" noChangeShapeType="1" noTextEdit="1"/>
+          </p:cNvSpPr>
+          <p:nvPr>
+            <p:extLst>
+              <p:ext uri="{386F3935-93C4-4BCD-93E2-E3B085C9AB24}">
+                <p16:designElem xmlns:p16="http://schemas.microsoft.com/office/powerpoint/2015/main" val="1"/>
+              </p:ext>
+            </p:extLst>
+          </p:nvPr>
+        </p:nvSpPr>
+        <p:spPr>
+          <a:xfrm flipV="1">
+            <a:off x="0" y="-478"/>
+            <a:ext cx="8896786" cy="6858478"/>
+          </a:xfrm>
+          <a:custGeom>
+            <a:avLst/>
+            <a:gdLst>
+              <a:gd name="connsiteX0" fmla="*/ 1472231 w 8896786"/>
+              <a:gd name="connsiteY0" fmla="*/ 6858478 h 6858478"/>
+              <a:gd name="connsiteX1" fmla="*/ 8896786 w 8896786"/>
+              <a:gd name="connsiteY1" fmla="*/ 6858478 h 6858478"/>
+              <a:gd name="connsiteX2" fmla="*/ 5720411 w 8896786"/>
+              <a:gd name="connsiteY2" fmla="*/ 0 h 6858478"/>
+              <a:gd name="connsiteX3" fmla="*/ 5714834 w 8896786"/>
+              <a:gd name="connsiteY3" fmla="*/ 0 h 6858478"/>
+              <a:gd name="connsiteX4" fmla="*/ 4648606 w 8896786"/>
+              <a:gd name="connsiteY4" fmla="*/ 0 h 6858478"/>
+              <a:gd name="connsiteX5" fmla="*/ 0 w 8896786"/>
+              <a:gd name="connsiteY5" fmla="*/ 0 h 6858478"/>
+              <a:gd name="connsiteX6" fmla="*/ 0 w 8896786"/>
+              <a:gd name="connsiteY6" fmla="*/ 6857915 h 6858478"/>
+              <a:gd name="connsiteX7" fmla="*/ 1472491 w 8896786"/>
+              <a:gd name="connsiteY7" fmla="*/ 6857915 h 6858478"/>
+            </a:gdLst>
+            <a:ahLst/>
+            <a:cxnLst>
+              <a:cxn ang="0">
+                <a:pos x="connsiteX0" y="connsiteY0"/>
+              </a:cxn>
+              <a:cxn ang="0">
+                <a:pos x="connsiteX1" y="connsiteY1"/>
+              </a:cxn>
+              <a:cxn ang="0">
+                <a:pos x="connsiteX2" y="connsiteY2"/>
+              </a:cxn>
+              <a:cxn ang="0">
+                <a:pos x="connsiteX3" y="connsiteY3"/>
+              </a:cxn>
+              <a:cxn ang="0">
+                <a:pos x="connsiteX4" y="connsiteY4"/>
+              </a:cxn>
+              <a:cxn ang="0">
+                <a:pos x="connsiteX5" y="connsiteY5"/>
+              </a:cxn>
+              <a:cxn ang="0">
+                <a:pos x="connsiteX6" y="connsiteY6"/>
+              </a:cxn>
+              <a:cxn ang="0">
+                <a:pos x="connsiteX7" y="connsiteY7"/>
+              </a:cxn>
+            </a:cxnLst>
+            <a:rect l="l" t="t" r="r" b="b"/>
+            <a:pathLst>
+              <a:path w="8896786" h="6858478">
+                <a:moveTo>
+                  <a:pt x="1472231" y="6858478"/>
+                </a:moveTo>
+                <a:lnTo>
+                  <a:pt x="8896786" y="6858478"/>
+                </a:lnTo>
+                <a:lnTo>
+                  <a:pt x="5720411" y="0"/>
+                </a:lnTo>
+                <a:lnTo>
+                  <a:pt x="5714834" y="0"/>
+                </a:lnTo>
+                <a:lnTo>
+                  <a:pt x="4648606" y="0"/>
+                </a:lnTo>
+                <a:lnTo>
+                  <a:pt x="0" y="0"/>
+                </a:lnTo>
+                <a:lnTo>
+                  <a:pt x="0" y="6857915"/>
+                </a:lnTo>
+                <a:lnTo>
+                  <a:pt x="1472491" y="6857915"/>
+                </a:lnTo>
+                <a:close/>
+              </a:path>
+            </a:pathLst>
+          </a:custGeom>
+          <a:solidFill>
+            <a:schemeClr val="bg1">
+              <a:lumMod val="85000"/>
+              <a:lumOff val="15000"/>
+              <a:alpha val="70000"/>
+            </a:schemeClr>
+          </a:solidFill>
+          <a:ln>
+            <a:noFill/>
+          </a:ln>
+        </p:spPr>
+        <p:style>
+          <a:lnRef idx="2">
+            <a:schemeClr val="accent1">
+              <a:shade val="50000"/>
+            </a:schemeClr>
+          </a:lnRef>
+          <a:fillRef idx="1">
+            <a:schemeClr val="accent1"/>
+          </a:fillRef>
+          <a:effectRef idx="0">
+            <a:schemeClr val="accent1"/>
+          </a:effectRef>
+          <a:fontRef idx="minor">
+            <a:schemeClr val="lt1"/>
+          </a:fontRef>
+        </p:style>
+        <p:txBody>
+          <a:bodyPr wrap="square" rtlCol="0" anchor="ctr">
+            <a:noAutofit/>
+          </a:bodyPr>
+          <a:lstStyle/>
+          <a:p>
+            <a:pPr marL="0" marR="0" lvl="0" indent="0" algn="ctr" defTabSz="914400" rtl="0" eaLnBrk="1" fontAlgn="auto" latinLnBrk="0" hangingPunct="1">
+              <a:lnSpc>
+                <a:spcPct val="100000"/>
+              </a:lnSpc>
+              <a:spcBef>
+                <a:spcPts val="0"/>
+              </a:spcBef>
+              <a:spcAft>
+                <a:spcPts val="0"/>
+              </a:spcAft>
+              <a:buClrTx/>
+              <a:buSzTx/>
+              <a:buFontTx/>
+              <a:buNone/>
+              <a:tabLst/>
+              <a:defRPr/>
+            </a:pPr>
+            <a:endParaRPr kumimoji="0" lang="en-US" sz="1800" b="0" i="0" u="none" strike="noStrike" kern="1200" cap="none" spc="0" normalizeH="0" baseline="0" noProof="0">
+              <a:ln>
+                <a:noFill/>
+              </a:ln>
+              <a:solidFill>
+                <a:prstClr val="white"/>
+              </a:solidFill>
+              <a:effectLst/>
+              <a:uLnTx/>
+              <a:uFillTx/>
+              <a:latin typeface="Calibri" panose="020F0502020204030204"/>
+              <a:ea typeface="+mn-ea"/>
+              <a:cs typeface="+mn-cs"/>
+            </a:endParaRPr>
+          </a:p>
+        </p:txBody>
+      </p:sp>
+      <p:sp>
+        <p:nvSpPr>
+          <p:cNvPr id="39" name="Freeform: Shape 38">
+            <a:extLst>
+              <a:ext uri="{FF2B5EF4-FFF2-40B4-BE49-F238E27FC236}">
+                <a16:creationId xmlns:a16="http://schemas.microsoft.com/office/drawing/2014/main" id="{2F033D07-FE42-4E5C-A00A-FFE1D42C0FFD}"/>
+              </a:ext>
+              <a:ext uri="{C183D7F6-B498-43B3-948B-1728B52AA6E4}">
+                <adec:decorative xmlns:adec="http://schemas.microsoft.com/office/drawing/2017/decorative" val="1"/>
+              </a:ext>
+            </a:extLst>
+          </p:cNvPr>
+          <p:cNvSpPr>
+            <a:spLocks noGrp="1" noRot="1" noChangeAspect="1" noMove="1" noResize="1" noEditPoints="1" noAdjustHandles="1" noChangeArrowheads="1" noChangeShapeType="1" noTextEdit="1"/>
+          </p:cNvSpPr>
+          <p:nvPr>
+            <p:extLst>
+              <p:ext uri="{386F3935-93C4-4BCD-93E2-E3B085C9AB24}">
+                <p16:designElem xmlns:p16="http://schemas.microsoft.com/office/powerpoint/2015/main" val="1"/>
+              </p:ext>
+            </p:extLst>
+          </p:nvPr>
+        </p:nvSpPr>
+        <p:spPr>
+          <a:xfrm flipV="1">
+            <a:off x="0" y="-479"/>
+            <a:ext cx="8096249" cy="6858479"/>
+          </a:xfrm>
+          <a:custGeom>
+            <a:avLst/>
+            <a:gdLst>
+              <a:gd name="connsiteX0" fmla="*/ 0 w 8096249"/>
+              <a:gd name="connsiteY0" fmla="*/ 6858479 h 6858479"/>
+              <a:gd name="connsiteX1" fmla="*/ 2130297 w 8096249"/>
+              <a:gd name="connsiteY1" fmla="*/ 6858479 h 6858479"/>
+              <a:gd name="connsiteX2" fmla="*/ 2130297 w 8096249"/>
+              <a:gd name="connsiteY2" fmla="*/ 6858478 h 6858479"/>
+              <a:gd name="connsiteX3" fmla="*/ 8096249 w 8096249"/>
+              <a:gd name="connsiteY3" fmla="*/ 6858478 h 6858479"/>
+              <a:gd name="connsiteX4" fmla="*/ 4919874 w 8096249"/>
+              <a:gd name="connsiteY4" fmla="*/ 0 h 6858479"/>
+              <a:gd name="connsiteX5" fmla="*/ 4914297 w 8096249"/>
+              <a:gd name="connsiteY5" fmla="*/ 0 h 6858479"/>
+              <a:gd name="connsiteX6" fmla="*/ 3848069 w 8096249"/>
+              <a:gd name="connsiteY6" fmla="*/ 0 h 6858479"/>
+              <a:gd name="connsiteX7" fmla="*/ 18197 w 8096249"/>
+              <a:gd name="connsiteY7" fmla="*/ 0 h 6858479"/>
+              <a:gd name="connsiteX8" fmla="*/ 18197 w 8096249"/>
+              <a:gd name="connsiteY8" fmla="*/ 479 h 6858479"/>
+              <a:gd name="connsiteX9" fmla="*/ 0 w 8096249"/>
+              <a:gd name="connsiteY9" fmla="*/ 479 h 6858479"/>
+            </a:gdLst>
+            <a:ahLst/>
+            <a:cxnLst>
+              <a:cxn ang="0">
+                <a:pos x="connsiteX0" y="connsiteY0"/>
+              </a:cxn>
+              <a:cxn ang="0">
+                <a:pos x="connsiteX1" y="connsiteY1"/>
+              </a:cxn>
+              <a:cxn ang="0">
+                <a:pos x="connsiteX2" y="connsiteY2"/>
+              </a:cxn>
+              <a:cxn ang="0">
+                <a:pos x="connsiteX3" y="connsiteY3"/>
+              </a:cxn>
+              <a:cxn ang="0">
+                <a:pos x="connsiteX4" y="connsiteY4"/>
+              </a:cxn>
+              <a:cxn ang="0">
+                <a:pos x="connsiteX5" y="connsiteY5"/>
+              </a:cxn>
+              <a:cxn ang="0">
+                <a:pos x="connsiteX6" y="connsiteY6"/>
+              </a:cxn>
+              <a:cxn ang="0">
+                <a:pos x="connsiteX7" y="connsiteY7"/>
+              </a:cxn>
+              <a:cxn ang="0">
+                <a:pos x="connsiteX8" y="connsiteY8"/>
+              </a:cxn>
+              <a:cxn ang="0">
+                <a:pos x="connsiteX9" y="connsiteY9"/>
+              </a:cxn>
+            </a:cxnLst>
+            <a:rect l="l" t="t" r="r" b="b"/>
+            <a:pathLst>
+              <a:path w="8096249" h="6858479">
+                <a:moveTo>
+                  <a:pt x="0" y="6858479"/>
+                </a:moveTo>
+                <a:lnTo>
+                  <a:pt x="2130297" y="6858479"/>
+                </a:lnTo>
+                <a:lnTo>
+                  <a:pt x="2130297" y="6858478"/>
+                </a:lnTo>
+                <a:lnTo>
+                  <a:pt x="8096249" y="6858478"/>
+                </a:lnTo>
+                <a:lnTo>
+                  <a:pt x="4919874" y="0"/>
+                </a:lnTo>
+                <a:lnTo>
+                  <a:pt x="4914297" y="0"/>
+                </a:lnTo>
+                <a:lnTo>
+                  <a:pt x="3848069" y="0"/>
+                </a:lnTo>
+                <a:lnTo>
+                  <a:pt x="18197" y="0"/>
+                </a:lnTo>
+                <a:lnTo>
+                  <a:pt x="18197" y="479"/>
+                </a:lnTo>
+                <a:lnTo>
+                  <a:pt x="0" y="479"/>
+                </a:lnTo>
+                <a:close/>
+              </a:path>
+            </a:pathLst>
+          </a:custGeom>
+          <a:solidFill>
+            <a:schemeClr val="bg1">
+              <a:lumMod val="85000"/>
+              <a:lumOff val="15000"/>
+            </a:schemeClr>
+          </a:solidFill>
+          <a:ln>
+            <a:noFill/>
+          </a:ln>
+        </p:spPr>
+        <p:style>
+          <a:lnRef idx="2">
+            <a:schemeClr val="accent1">
+              <a:shade val="50000"/>
+            </a:schemeClr>
+          </a:lnRef>
+          <a:fillRef idx="1">
+            <a:schemeClr val="accent1"/>
+          </a:fillRef>
+          <a:effectRef idx="0">
+            <a:schemeClr val="accent1"/>
+          </a:effectRef>
+          <a:fontRef idx="minor">
+            <a:schemeClr val="lt1"/>
+          </a:fontRef>
+        </p:style>
+        <p:txBody>
+          <a:bodyPr wrap="square" rtlCol="0" anchor="ctr">
+            <a:noAutofit/>
+          </a:bodyPr>
+          <a:lstStyle/>
+          <a:p>
+            <a:pPr marL="0" marR="0" lvl="0" indent="0" algn="ctr" defTabSz="914400" rtl="0" eaLnBrk="1" fontAlgn="auto" latinLnBrk="0" hangingPunct="1">
+              <a:lnSpc>
+                <a:spcPct val="100000"/>
+              </a:lnSpc>
+              <a:spcBef>
+                <a:spcPts val="0"/>
+              </a:spcBef>
+              <a:spcAft>
+                <a:spcPts val="0"/>
+              </a:spcAft>
+              <a:buClrTx/>
+              <a:buSzTx/>
+              <a:buFontTx/>
+              <a:buNone/>
+              <a:tabLst/>
+              <a:defRPr/>
+            </a:pPr>
+            <a:endParaRPr kumimoji="0" lang="en-US" sz="1800" b="0" i="0" u="none" strike="noStrike" kern="1200" cap="none" spc="0" normalizeH="0" baseline="0" noProof="0">
+              <a:ln>
+                <a:noFill/>
+              </a:ln>
+              <a:solidFill>
+                <a:prstClr val="white"/>
+              </a:solidFill>
+              <a:effectLst/>
+              <a:uLnTx/>
+              <a:uFillTx/>
+              <a:latin typeface="Calibri" panose="020F0502020204030204"/>
+              <a:ea typeface="+mn-ea"/>
+              <a:cs typeface="+mn-cs"/>
+            </a:endParaRPr>
+          </a:p>
+        </p:txBody>
+      </p:sp>
+      <p:sp>
+        <p:nvSpPr>
+          <p:cNvPr id="2" name="Title 1">
+            <a:extLst>
+              <a:ext uri="{FF2B5EF4-FFF2-40B4-BE49-F238E27FC236}">
+                <a16:creationId xmlns:a16="http://schemas.microsoft.com/office/drawing/2014/main" id="{E8AB69B6-B95D-5085-587A-304F0C81CCD2}"/>
+              </a:ext>
+            </a:extLst>
+          </p:cNvPr>
+          <p:cNvSpPr>
+            <a:spLocks noGrp="1"/>
+          </p:cNvSpPr>
+          <p:nvPr>
+            <p:ph type="ctrTitle"/>
+          </p:nvPr>
+        </p:nvSpPr>
+        <p:spPr>
+          <a:xfrm>
+            <a:off x="804672" y="877824"/>
+            <a:ext cx="5294376" cy="3072384"/>
+          </a:xfrm>
+        </p:spPr>
+        <p:txBody>
+          <a:bodyPr anchor="b">
+            <a:normAutofit/>
+          </a:bodyPr>
+          <a:lstStyle/>
+          <a:p>
+            <a:pPr algn="l"/>
+            <a:r>
+              <a:rPr lang="en-US" sz="5400"/>
+              <a:t>Thanks for your patience</a:t>
+            </a:r>
+          </a:p>
+        </p:txBody>
+      </p:sp>
+      <p:sp>
+        <p:nvSpPr>
+          <p:cNvPr id="3" name="Subtitle 2">
+            <a:extLst>
+              <a:ext uri="{FF2B5EF4-FFF2-40B4-BE49-F238E27FC236}">
+                <a16:creationId xmlns:a16="http://schemas.microsoft.com/office/drawing/2014/main" id="{54820124-1B05-9840-95BB-E9078D34B11E}"/>
+              </a:ext>
+            </a:extLst>
+          </p:cNvPr>
+          <p:cNvSpPr>
+            <a:spLocks noGrp="1"/>
+          </p:cNvSpPr>
+          <p:nvPr>
+            <p:ph type="subTitle" idx="1"/>
+          </p:nvPr>
+        </p:nvSpPr>
+        <p:spPr>
+          <a:xfrm>
+            <a:off x="804672" y="4096512"/>
+            <a:ext cx="4167376" cy="1155525"/>
+          </a:xfrm>
+        </p:spPr>
+        <p:txBody>
+          <a:bodyPr anchor="t">
+            <a:normAutofit/>
+          </a:bodyPr>
+          <a:lstStyle/>
+          <a:p>
+            <a:pPr algn="l"/>
+            <a:r>
+              <a:rPr lang="en-US" sz="2000"/>
+              <a:t>					- By Syed Abdul Zuber</a:t>
+            </a:r>
+          </a:p>
+        </p:txBody>
+      </p:sp>
+    </p:spTree>
+    <p:extLst>
+      <p:ext uri="{BB962C8B-B14F-4D97-AF65-F5344CB8AC3E}">
+        <p14:creationId xmlns:p14="http://schemas.microsoft.com/office/powerpoint/2010/main" val="3372492904"/>
+      </p:ext>
+    </p:extLst>
+  </p:cSld>
+  <p:clrMapOvr>
+    <a:overrideClrMapping bg1="dk1" tx1="lt1" bg2="dk2" tx2="lt2" accent1="accent1" accent2="accent2" accent3="accent3" accent4="accent4" accent5="accent5" accent6="accent6" hlink="hlink" folHlink="folHlink"/>
+  </p:clrMapOvr>
+  <p:timing>
+    <p:tnLst>
+      <p:par>
+        <p:cTn id="1" dur="indefinite" restart="never" nodeType="tmRoot">
+          <p:childTnLst>
+            <p:seq concurrent="1" nextAc="seek">
+              <p:cTn id="2" dur="indefinite" nodeType="mainSeq">
+                <p:childTnLst>
+                  <p:par>
+                    <p:cTn id="3" fill="hold">
+                      <p:stCondLst>
+                        <p:cond delay="indefinite"/>
+                        <p:cond evt="onBegin" delay="0">
+                          <p:tn val="2"/>
+                        </p:cond>
+                      </p:stCondLst>
+                      <p:childTnLst>
+                        <p:par>
+                          <p:cTn id="4" fill="hold">
+                            <p:stCondLst>
+                              <p:cond delay="0"/>
+                            </p:stCondLst>
+                            <p:childTnLst>
+                              <p:par>
+                                <p:cTn id="5" presetID="10" presetClass="entr" presetSubtype="0" fill="hold" grpId="0" nodeType="withEffect">
+                                  <p:stCondLst>
+                                    <p:cond delay="1000"/>
+                                  </p:stCondLst>
+                                  <p:iterate type="wd">
+                                    <p:tmPct val="15000"/>
+                                  </p:iterate>
+                                  <p:childTnLst>
+                                    <p:set>
+                                      <p:cBhvr>
+                                        <p:cTn id="6" dur="1" fill="hold">
+                                          <p:stCondLst>
+                                            <p:cond delay="0"/>
+                                          </p:stCondLst>
+                                        </p:cTn>
+                                        <p:tgtEl>
+                                          <p:spTgt spid="3">
+                                            <p:txEl>
+                                              <p:pRg st="0" end="0"/>
+                                            </p:txEl>
+                                          </p:spTgt>
+                                        </p:tgtEl>
+                                        <p:attrNameLst>
+                                          <p:attrName>style.visibility</p:attrName>
+                                        </p:attrNameLst>
+                                      </p:cBhvr>
+                                      <p:to>
+                                        <p:strVal val="visible"/>
+                                      </p:to>
+                                    </p:set>
+                                    <p:animEffect transition="in" filter="fade">
+                                      <p:cBhvr>
+                                        <p:cTn id="7" dur="1000"/>
+                                        <p:tgtEl>
+                                          <p:spTgt spid="3">
+                                            <p:txEl>
+                                              <p:pRg st="0" end="0"/>
+                                            </p:txEl>
+                                          </p:spTgt>
+                                        </p:tgtEl>
+                                      </p:cBhvr>
+                                    </p:animEffect>
+                                  </p:childTnLst>
+                                </p:cTn>
+                              </p:par>
+                              <p:par>
+                                <p:cTn id="8" presetID="10" presetClass="entr" presetSubtype="0" fill="hold" grpId="0" nodeType="withEffect">
+                                  <p:stCondLst>
+                                    <p:cond delay="500"/>
+                                  </p:stCondLst>
+                                  <p:iterate type="wd">
+                                    <p:tmPct val="15000"/>
+                                  </p:iterate>
+                                  <p:childTnLst>
+                                    <p:set>
+                                      <p:cBhvr>
+                                        <p:cTn id="9" dur="1" fill="hold">
+                                          <p:stCondLst>
+                                            <p:cond delay="0"/>
+                                          </p:stCondLst>
+                                        </p:cTn>
+                                        <p:tgtEl>
+                                          <p:spTgt spid="2"/>
+                                        </p:tgtEl>
+                                        <p:attrNameLst>
+                                          <p:attrName>style.visibility</p:attrName>
+                                        </p:attrNameLst>
+                                      </p:cBhvr>
+                                      <p:to>
+                                        <p:strVal val="visible"/>
+                                      </p:to>
+                                    </p:set>
+                                    <p:animEffect transition="in" filter="fade">
+                                      <p:cBhvr>
+                                        <p:cTn id="10" dur="1000"/>
+                                        <p:tgtEl>
+                                          <p:spTgt spid="2"/>
+                                        </p:tgtEl>
+                                      </p:cBhvr>
+                                    </p:animEffect>
+                                  </p:childTnLst>
+                                </p:cTn>
+                              </p:par>
+                            </p:childTnLst>
+                          </p:cTn>
+                        </p:par>
+                      </p:childTnLst>
+                    </p:cTn>
+                  </p:par>
+                </p:childTnLst>
+              </p:cTn>
+              <p:prevCondLst>
+                <p:cond evt="onPrev" delay="0">
+                  <p:tgtEl>
+                    <p:sldTgt/>
+                  </p:tgtEl>
+                </p:cond>
+              </p:prevCondLst>
+              <p:nextCondLst>
+                <p:cond evt="onNext" delay="0">
+                  <p:tgtEl>
+                    <p:sldTgt/>
+                  </p:tgtEl>
+                </p:cond>
+              </p:nextCondLst>
+            </p:seq>
+          </p:childTnLst>
+        </p:cTn>
+      </p:par>
+    </p:tnLst>
+    <p:bldLst>
+      <p:bldP spid="2" grpId="0"/>
+      <p:bldP spid="3" grpId="0" build="p"/>
+    </p:bldLst>
+  </p:timing>
 </p:sld>
 </file>
 

--- a/GIT.pptx
+++ b/GIT.pptx
@@ -35092,6 +35092,458 @@
   <p:clrMapOvr>
     <a:masterClrMapping/>
   </p:clrMapOvr>
+  <p:timing>
+    <p:tnLst>
+      <p:par>
+        <p:cTn id="1" dur="indefinite" restart="never" nodeType="tmRoot">
+          <p:childTnLst>
+            <p:seq concurrent="1" nextAc="seek">
+              <p:cTn id="2" dur="indefinite" nodeType="mainSeq">
+                <p:childTnLst>
+                  <p:par>
+                    <p:cTn id="3" fill="hold">
+                      <p:stCondLst>
+                        <p:cond delay="indefinite"/>
+                      </p:stCondLst>
+                      <p:childTnLst>
+                        <p:par>
+                          <p:cTn id="4" fill="hold">
+                            <p:stCondLst>
+                              <p:cond delay="0"/>
+                            </p:stCondLst>
+                            <p:childTnLst>
+                              <p:par>
+                                <p:cTn id="5" presetID="10" presetClass="entr" presetSubtype="0" fill="hold" grpId="0" nodeType="clickEffect">
+                                  <p:stCondLst>
+                                    <p:cond delay="0"/>
+                                  </p:stCondLst>
+                                  <p:childTnLst>
+                                    <p:set>
+                                      <p:cBhvr>
+                                        <p:cTn id="6" dur="1" fill="hold">
+                                          <p:stCondLst>
+                                            <p:cond delay="0"/>
+                                          </p:stCondLst>
+                                        </p:cTn>
+                                        <p:tgtEl>
+                                          <p:spTgt spid="3">
+                                            <p:txEl>
+                                              <p:pRg st="0" end="0"/>
+                                            </p:txEl>
+                                          </p:spTgt>
+                                        </p:tgtEl>
+                                        <p:attrNameLst>
+                                          <p:attrName>style.visibility</p:attrName>
+                                        </p:attrNameLst>
+                                      </p:cBhvr>
+                                      <p:to>
+                                        <p:strVal val="visible"/>
+                                      </p:to>
+                                    </p:set>
+                                    <p:animEffect transition="in" filter="fade">
+                                      <p:cBhvr>
+                                        <p:cTn id="7" dur="500"/>
+                                        <p:tgtEl>
+                                          <p:spTgt spid="3">
+                                            <p:txEl>
+                                              <p:pRg st="0" end="0"/>
+                                            </p:txEl>
+                                          </p:spTgt>
+                                        </p:tgtEl>
+                                      </p:cBhvr>
+                                    </p:animEffect>
+                                  </p:childTnLst>
+                                </p:cTn>
+                              </p:par>
+                            </p:childTnLst>
+                          </p:cTn>
+                        </p:par>
+                      </p:childTnLst>
+                    </p:cTn>
+                  </p:par>
+                  <p:par>
+                    <p:cTn id="8" fill="hold">
+                      <p:stCondLst>
+                        <p:cond delay="indefinite"/>
+                      </p:stCondLst>
+                      <p:childTnLst>
+                        <p:par>
+                          <p:cTn id="9" fill="hold">
+                            <p:stCondLst>
+                              <p:cond delay="0"/>
+                            </p:stCondLst>
+                            <p:childTnLst>
+                              <p:par>
+                                <p:cTn id="10" presetID="10" presetClass="entr" presetSubtype="0" fill="hold" grpId="0" nodeType="clickEffect">
+                                  <p:stCondLst>
+                                    <p:cond delay="0"/>
+                                  </p:stCondLst>
+                                  <p:childTnLst>
+                                    <p:set>
+                                      <p:cBhvr>
+                                        <p:cTn id="11" dur="1" fill="hold">
+                                          <p:stCondLst>
+                                            <p:cond delay="0"/>
+                                          </p:stCondLst>
+                                        </p:cTn>
+                                        <p:tgtEl>
+                                          <p:spTgt spid="3">
+                                            <p:txEl>
+                                              <p:pRg st="1" end="1"/>
+                                            </p:txEl>
+                                          </p:spTgt>
+                                        </p:tgtEl>
+                                        <p:attrNameLst>
+                                          <p:attrName>style.visibility</p:attrName>
+                                        </p:attrNameLst>
+                                      </p:cBhvr>
+                                      <p:to>
+                                        <p:strVal val="visible"/>
+                                      </p:to>
+                                    </p:set>
+                                    <p:animEffect transition="in" filter="fade">
+                                      <p:cBhvr>
+                                        <p:cTn id="12" dur="500"/>
+                                        <p:tgtEl>
+                                          <p:spTgt spid="3">
+                                            <p:txEl>
+                                              <p:pRg st="1" end="1"/>
+                                            </p:txEl>
+                                          </p:spTgt>
+                                        </p:tgtEl>
+                                      </p:cBhvr>
+                                    </p:animEffect>
+                                  </p:childTnLst>
+                                </p:cTn>
+                              </p:par>
+                            </p:childTnLst>
+                          </p:cTn>
+                        </p:par>
+                      </p:childTnLst>
+                    </p:cTn>
+                  </p:par>
+                  <p:par>
+                    <p:cTn id="13" fill="hold">
+                      <p:stCondLst>
+                        <p:cond delay="indefinite"/>
+                      </p:stCondLst>
+                      <p:childTnLst>
+                        <p:par>
+                          <p:cTn id="14" fill="hold">
+                            <p:stCondLst>
+                              <p:cond delay="0"/>
+                            </p:stCondLst>
+                            <p:childTnLst>
+                              <p:par>
+                                <p:cTn id="15" presetID="10" presetClass="entr" presetSubtype="0" fill="hold" grpId="0" nodeType="clickEffect">
+                                  <p:stCondLst>
+                                    <p:cond delay="0"/>
+                                  </p:stCondLst>
+                                  <p:childTnLst>
+                                    <p:set>
+                                      <p:cBhvr>
+                                        <p:cTn id="16" dur="1" fill="hold">
+                                          <p:stCondLst>
+                                            <p:cond delay="0"/>
+                                          </p:stCondLst>
+                                        </p:cTn>
+                                        <p:tgtEl>
+                                          <p:spTgt spid="3">
+                                            <p:txEl>
+                                              <p:pRg st="2" end="2"/>
+                                            </p:txEl>
+                                          </p:spTgt>
+                                        </p:tgtEl>
+                                        <p:attrNameLst>
+                                          <p:attrName>style.visibility</p:attrName>
+                                        </p:attrNameLst>
+                                      </p:cBhvr>
+                                      <p:to>
+                                        <p:strVal val="visible"/>
+                                      </p:to>
+                                    </p:set>
+                                    <p:animEffect transition="in" filter="fade">
+                                      <p:cBhvr>
+                                        <p:cTn id="17" dur="500"/>
+                                        <p:tgtEl>
+                                          <p:spTgt spid="3">
+                                            <p:txEl>
+                                              <p:pRg st="2" end="2"/>
+                                            </p:txEl>
+                                          </p:spTgt>
+                                        </p:tgtEl>
+                                      </p:cBhvr>
+                                    </p:animEffect>
+                                  </p:childTnLst>
+                                </p:cTn>
+                              </p:par>
+                            </p:childTnLst>
+                          </p:cTn>
+                        </p:par>
+                      </p:childTnLst>
+                    </p:cTn>
+                  </p:par>
+                  <p:par>
+                    <p:cTn id="18" fill="hold">
+                      <p:stCondLst>
+                        <p:cond delay="indefinite"/>
+                      </p:stCondLst>
+                      <p:childTnLst>
+                        <p:par>
+                          <p:cTn id="19" fill="hold">
+                            <p:stCondLst>
+                              <p:cond delay="0"/>
+                            </p:stCondLst>
+                            <p:childTnLst>
+                              <p:par>
+                                <p:cTn id="20" presetID="10" presetClass="entr" presetSubtype="0" fill="hold" grpId="0" nodeType="clickEffect">
+                                  <p:stCondLst>
+                                    <p:cond delay="0"/>
+                                  </p:stCondLst>
+                                  <p:childTnLst>
+                                    <p:set>
+                                      <p:cBhvr>
+                                        <p:cTn id="21" dur="1" fill="hold">
+                                          <p:stCondLst>
+                                            <p:cond delay="0"/>
+                                          </p:stCondLst>
+                                        </p:cTn>
+                                        <p:tgtEl>
+                                          <p:spTgt spid="3">
+                                            <p:txEl>
+                                              <p:pRg st="3" end="3"/>
+                                            </p:txEl>
+                                          </p:spTgt>
+                                        </p:tgtEl>
+                                        <p:attrNameLst>
+                                          <p:attrName>style.visibility</p:attrName>
+                                        </p:attrNameLst>
+                                      </p:cBhvr>
+                                      <p:to>
+                                        <p:strVal val="visible"/>
+                                      </p:to>
+                                    </p:set>
+                                    <p:animEffect transition="in" filter="fade">
+                                      <p:cBhvr>
+                                        <p:cTn id="22" dur="500"/>
+                                        <p:tgtEl>
+                                          <p:spTgt spid="3">
+                                            <p:txEl>
+                                              <p:pRg st="3" end="3"/>
+                                            </p:txEl>
+                                          </p:spTgt>
+                                        </p:tgtEl>
+                                      </p:cBhvr>
+                                    </p:animEffect>
+                                  </p:childTnLst>
+                                </p:cTn>
+                              </p:par>
+                            </p:childTnLst>
+                          </p:cTn>
+                        </p:par>
+                      </p:childTnLst>
+                    </p:cTn>
+                  </p:par>
+                  <p:par>
+                    <p:cTn id="23" fill="hold">
+                      <p:stCondLst>
+                        <p:cond delay="indefinite"/>
+                      </p:stCondLst>
+                      <p:childTnLst>
+                        <p:par>
+                          <p:cTn id="24" fill="hold">
+                            <p:stCondLst>
+                              <p:cond delay="0"/>
+                            </p:stCondLst>
+                            <p:childTnLst>
+                              <p:par>
+                                <p:cTn id="25" presetID="10" presetClass="entr" presetSubtype="0" fill="hold" grpId="0" nodeType="clickEffect">
+                                  <p:stCondLst>
+                                    <p:cond delay="0"/>
+                                  </p:stCondLst>
+                                  <p:childTnLst>
+                                    <p:set>
+                                      <p:cBhvr>
+                                        <p:cTn id="26" dur="1" fill="hold">
+                                          <p:stCondLst>
+                                            <p:cond delay="0"/>
+                                          </p:stCondLst>
+                                        </p:cTn>
+                                        <p:tgtEl>
+                                          <p:spTgt spid="3">
+                                            <p:txEl>
+                                              <p:pRg st="4" end="4"/>
+                                            </p:txEl>
+                                          </p:spTgt>
+                                        </p:tgtEl>
+                                        <p:attrNameLst>
+                                          <p:attrName>style.visibility</p:attrName>
+                                        </p:attrNameLst>
+                                      </p:cBhvr>
+                                      <p:to>
+                                        <p:strVal val="visible"/>
+                                      </p:to>
+                                    </p:set>
+                                    <p:animEffect transition="in" filter="fade">
+                                      <p:cBhvr>
+                                        <p:cTn id="27" dur="500"/>
+                                        <p:tgtEl>
+                                          <p:spTgt spid="3">
+                                            <p:txEl>
+                                              <p:pRg st="4" end="4"/>
+                                            </p:txEl>
+                                          </p:spTgt>
+                                        </p:tgtEl>
+                                      </p:cBhvr>
+                                    </p:animEffect>
+                                  </p:childTnLst>
+                                </p:cTn>
+                              </p:par>
+                            </p:childTnLst>
+                          </p:cTn>
+                        </p:par>
+                      </p:childTnLst>
+                    </p:cTn>
+                  </p:par>
+                  <p:par>
+                    <p:cTn id="28" fill="hold">
+                      <p:stCondLst>
+                        <p:cond delay="indefinite"/>
+                      </p:stCondLst>
+                      <p:childTnLst>
+                        <p:par>
+                          <p:cTn id="29" fill="hold">
+                            <p:stCondLst>
+                              <p:cond delay="0"/>
+                            </p:stCondLst>
+                            <p:childTnLst>
+                              <p:par>
+                                <p:cTn id="30" presetID="10" presetClass="entr" presetSubtype="0" fill="hold" grpId="0" nodeType="clickEffect">
+                                  <p:stCondLst>
+                                    <p:cond delay="0"/>
+                                  </p:stCondLst>
+                                  <p:childTnLst>
+                                    <p:set>
+                                      <p:cBhvr>
+                                        <p:cTn id="31" dur="1" fill="hold">
+                                          <p:stCondLst>
+                                            <p:cond delay="0"/>
+                                          </p:stCondLst>
+                                        </p:cTn>
+                                        <p:tgtEl>
+                                          <p:spTgt spid="3">
+                                            <p:txEl>
+                                              <p:pRg st="5" end="5"/>
+                                            </p:txEl>
+                                          </p:spTgt>
+                                        </p:tgtEl>
+                                        <p:attrNameLst>
+                                          <p:attrName>style.visibility</p:attrName>
+                                        </p:attrNameLst>
+                                      </p:cBhvr>
+                                      <p:to>
+                                        <p:strVal val="visible"/>
+                                      </p:to>
+                                    </p:set>
+                                    <p:animEffect transition="in" filter="fade">
+                                      <p:cBhvr>
+                                        <p:cTn id="32" dur="500"/>
+                                        <p:tgtEl>
+                                          <p:spTgt spid="3">
+                                            <p:txEl>
+                                              <p:pRg st="5" end="5"/>
+                                            </p:txEl>
+                                          </p:spTgt>
+                                        </p:tgtEl>
+                                      </p:cBhvr>
+                                    </p:animEffect>
+                                  </p:childTnLst>
+                                </p:cTn>
+                              </p:par>
+                            </p:childTnLst>
+                          </p:cTn>
+                        </p:par>
+                      </p:childTnLst>
+                    </p:cTn>
+                  </p:par>
+                  <p:par>
+                    <p:cTn id="33" fill="hold">
+                      <p:stCondLst>
+                        <p:cond delay="indefinite"/>
+                      </p:stCondLst>
+                      <p:childTnLst>
+                        <p:par>
+                          <p:cTn id="34" fill="hold">
+                            <p:stCondLst>
+                              <p:cond delay="0"/>
+                            </p:stCondLst>
+                            <p:childTnLst>
+                              <p:par>
+                                <p:cTn id="35" presetID="6" presetClass="entr" presetSubtype="16" fill="hold" nodeType="clickEffect">
+                                  <p:stCondLst>
+                                    <p:cond delay="0"/>
+                                  </p:stCondLst>
+                                  <p:childTnLst>
+                                    <p:set>
+                                      <p:cBhvr>
+                                        <p:cTn id="36" dur="1" fill="hold">
+                                          <p:stCondLst>
+                                            <p:cond delay="0"/>
+                                          </p:stCondLst>
+                                        </p:cTn>
+                                        <p:tgtEl>
+                                          <p:spTgt spid="8"/>
+                                        </p:tgtEl>
+                                        <p:attrNameLst>
+                                          <p:attrName>style.visibility</p:attrName>
+                                        </p:attrNameLst>
+                                      </p:cBhvr>
+                                      <p:to>
+                                        <p:strVal val="visible"/>
+                                      </p:to>
+                                    </p:set>
+                                    <p:animEffect transition="in" filter="circle(in)">
+                                      <p:cBhvr>
+                                        <p:cTn id="37" dur="2000"/>
+                                        <p:tgtEl>
+                                          <p:spTgt spid="8"/>
+                                        </p:tgtEl>
+                                      </p:cBhvr>
+                                    </p:animEffect>
+                                  </p:childTnLst>
+                                </p:cTn>
+                              </p:par>
+                            </p:childTnLst>
+                          </p:cTn>
+                        </p:par>
+                      </p:childTnLst>
+                    </p:cTn>
+                  </p:par>
+                </p:childTnLst>
+              </p:cTn>
+              <p:prevCondLst>
+                <p:cond evt="onPrev" delay="0">
+                  <p:tgtEl>
+                    <p:sldTgt/>
+                  </p:tgtEl>
+                </p:cond>
+              </p:prevCondLst>
+              <p:nextCondLst>
+                <p:cond evt="onNext" delay="0">
+                  <p:tgtEl>
+                    <p:sldTgt/>
+                  </p:tgtEl>
+                </p:cond>
+              </p:nextCondLst>
+            </p:seq>
+          </p:childTnLst>
+        </p:cTn>
+      </p:par>
+    </p:tnLst>
+    <p:bldLst>
+      <p:bldP spid="3" grpId="0" build="p"/>
+    </p:bldLst>
+  </p:timing>
 </p:sld>
 </file>
 
@@ -37156,6 +37608,89 @@
   <p:clrMapOvr>
     <a:masterClrMapping/>
   </p:clrMapOvr>
+  <p:timing>
+    <p:tnLst>
+      <p:par>
+        <p:cTn id="1" dur="indefinite" restart="never" nodeType="tmRoot">
+          <p:childTnLst>
+            <p:seq concurrent="1" nextAc="seek">
+              <p:cTn id="2" dur="indefinite" nodeType="mainSeq">
+                <p:childTnLst>
+                  <p:par>
+                    <p:cTn id="3" fill="hold">
+                      <p:stCondLst>
+                        <p:cond delay="indefinite"/>
+                      </p:stCondLst>
+                      <p:childTnLst>
+                        <p:par>
+                          <p:cTn id="4" fill="hold">
+                            <p:stCondLst>
+                              <p:cond delay="0"/>
+                            </p:stCondLst>
+                            <p:childTnLst>
+                              <p:par>
+                                <p:cTn id="5" presetID="14" presetClass="entr" presetSubtype="10" fill="hold" nodeType="clickEffect">
+                                  <p:stCondLst>
+                                    <p:cond delay="0"/>
+                                  </p:stCondLst>
+                                  <p:childTnLst>
+                                    <p:set>
+                                      <p:cBhvr>
+                                        <p:cTn id="6" dur="1" fill="hold">
+                                          <p:stCondLst>
+                                            <p:cond delay="0"/>
+                                          </p:stCondLst>
+                                        </p:cTn>
+                                        <p:tgtEl>
+                                          <p:spTgt spid="7"/>
+                                        </p:tgtEl>
+                                        <p:attrNameLst>
+                                          <p:attrName>style.visibility</p:attrName>
+                                        </p:attrNameLst>
+                                      </p:cBhvr>
+                                      <p:to>
+                                        <p:strVal val="visible"/>
+                                      </p:to>
+                                    </p:set>
+                                    <p:animEffect transition="in" filter="randombar(horizontal)">
+                                      <p:cBhvr>
+                                        <p:cTn id="7" dur="500"/>
+                                        <p:tgtEl>
+                                          <p:spTgt spid="7"/>
+                                        </p:tgtEl>
+                                      </p:cBhvr>
+                                    </p:animEffect>
+                                  </p:childTnLst>
+                                </p:cTn>
+                              </p:par>
+                            </p:childTnLst>
+                          </p:cTn>
+                        </p:par>
+                      </p:childTnLst>
+                    </p:cTn>
+                  </p:par>
+                </p:childTnLst>
+              </p:cTn>
+              <p:prevCondLst>
+                <p:cond evt="onPrev" delay="0">
+                  <p:tgtEl>
+                    <p:sldTgt/>
+                  </p:tgtEl>
+                </p:cond>
+              </p:prevCondLst>
+              <p:nextCondLst>
+                <p:cond evt="onNext" delay="0">
+                  <p:tgtEl>
+                    <p:sldTgt/>
+                  </p:tgtEl>
+                </p:cond>
+              </p:nextCondLst>
+            </p:seq>
+          </p:childTnLst>
+        </p:cTn>
+      </p:par>
+    </p:tnLst>
+  </p:timing>
 </p:sld>
 </file>
 
@@ -37403,7 +37938,7 @@
           <a:p>
             <a:pPr algn="r"/>
             <a:r>
-              <a:rPr lang="en-US" sz="6100"/>
+              <a:rPr lang="en-US" sz="6100" dirty="0"/>
               <a:t>Contents</a:t>
             </a:r>
           </a:p>
@@ -37558,6 +38093,611 @@
   <p:clrMapOvr>
     <a:masterClrMapping/>
   </p:clrMapOvr>
+  <p:timing>
+    <p:tnLst>
+      <p:par>
+        <p:cTn id="1" dur="indefinite" restart="never" nodeType="tmRoot">
+          <p:childTnLst>
+            <p:seq concurrent="1" nextAc="seek">
+              <p:cTn id="2" dur="indefinite" nodeType="mainSeq">
+                <p:childTnLst>
+                  <p:par>
+                    <p:cTn id="3" fill="hold">
+                      <p:stCondLst>
+                        <p:cond delay="indefinite"/>
+                      </p:stCondLst>
+                      <p:childTnLst>
+                        <p:par>
+                          <p:cTn id="4" fill="hold">
+                            <p:stCondLst>
+                              <p:cond delay="0"/>
+                            </p:stCondLst>
+                            <p:childTnLst>
+                              <p:par>
+                                <p:cTn id="5" presetID="42" presetClass="entr" presetSubtype="0" fill="hold" nodeType="clickEffect">
+                                  <p:stCondLst>
+                                    <p:cond delay="0"/>
+                                  </p:stCondLst>
+                                  <p:childTnLst>
+                                    <p:set>
+                                      <p:cBhvr>
+                                        <p:cTn id="6" dur="1" fill="hold">
+                                          <p:stCondLst>
+                                            <p:cond delay="0"/>
+                                          </p:stCondLst>
+                                        </p:cTn>
+                                        <p:tgtEl>
+                                          <p:spTgt spid="3">
+                                            <p:txEl>
+                                              <p:pRg st="0" end="0"/>
+                                            </p:txEl>
+                                          </p:spTgt>
+                                        </p:tgtEl>
+                                        <p:attrNameLst>
+                                          <p:attrName>style.visibility</p:attrName>
+                                        </p:attrNameLst>
+                                      </p:cBhvr>
+                                      <p:to>
+                                        <p:strVal val="visible"/>
+                                      </p:to>
+                                    </p:set>
+                                    <p:animEffect transition="in" filter="fade">
+                                      <p:cBhvr>
+                                        <p:cTn id="7" dur="1000"/>
+                                        <p:tgtEl>
+                                          <p:spTgt spid="3">
+                                            <p:txEl>
+                                              <p:pRg st="0" end="0"/>
+                                            </p:txEl>
+                                          </p:spTgt>
+                                        </p:tgtEl>
+                                      </p:cBhvr>
+                                    </p:animEffect>
+                                    <p:anim calcmode="lin" valueType="num">
+                                      <p:cBhvr>
+                                        <p:cTn id="8" dur="1000" fill="hold"/>
+                                        <p:tgtEl>
+                                          <p:spTgt spid="3">
+                                            <p:txEl>
+                                              <p:pRg st="0" end="0"/>
+                                            </p:txEl>
+                                          </p:spTgt>
+                                        </p:tgtEl>
+                                        <p:attrNameLst>
+                                          <p:attrName>ppt_x</p:attrName>
+                                        </p:attrNameLst>
+                                      </p:cBhvr>
+                                      <p:tavLst>
+                                        <p:tav tm="0">
+                                          <p:val>
+                                            <p:strVal val="#ppt_x"/>
+                                          </p:val>
+                                        </p:tav>
+                                        <p:tav tm="100000">
+                                          <p:val>
+                                            <p:strVal val="#ppt_x"/>
+                                          </p:val>
+                                        </p:tav>
+                                      </p:tavLst>
+                                    </p:anim>
+                                    <p:anim calcmode="lin" valueType="num">
+                                      <p:cBhvr>
+                                        <p:cTn id="9" dur="1000" fill="hold"/>
+                                        <p:tgtEl>
+                                          <p:spTgt spid="3">
+                                            <p:txEl>
+                                              <p:pRg st="0" end="0"/>
+                                            </p:txEl>
+                                          </p:spTgt>
+                                        </p:tgtEl>
+                                        <p:attrNameLst>
+                                          <p:attrName>ppt_y</p:attrName>
+                                        </p:attrNameLst>
+                                      </p:cBhvr>
+                                      <p:tavLst>
+                                        <p:tav tm="0">
+                                          <p:val>
+                                            <p:strVal val="#ppt_y+.1"/>
+                                          </p:val>
+                                        </p:tav>
+                                        <p:tav tm="100000">
+                                          <p:val>
+                                            <p:strVal val="#ppt_y"/>
+                                          </p:val>
+                                        </p:tav>
+                                      </p:tavLst>
+                                    </p:anim>
+                                  </p:childTnLst>
+                                </p:cTn>
+                              </p:par>
+                            </p:childTnLst>
+                          </p:cTn>
+                        </p:par>
+                      </p:childTnLst>
+                    </p:cTn>
+                  </p:par>
+                  <p:par>
+                    <p:cTn id="10" fill="hold">
+                      <p:stCondLst>
+                        <p:cond delay="indefinite"/>
+                      </p:stCondLst>
+                      <p:childTnLst>
+                        <p:par>
+                          <p:cTn id="11" fill="hold">
+                            <p:stCondLst>
+                              <p:cond delay="0"/>
+                            </p:stCondLst>
+                            <p:childTnLst>
+                              <p:par>
+                                <p:cTn id="12" presetID="42" presetClass="entr" presetSubtype="0" fill="hold" nodeType="clickEffect">
+                                  <p:stCondLst>
+                                    <p:cond delay="0"/>
+                                  </p:stCondLst>
+                                  <p:childTnLst>
+                                    <p:set>
+                                      <p:cBhvr>
+                                        <p:cTn id="13" dur="1" fill="hold">
+                                          <p:stCondLst>
+                                            <p:cond delay="0"/>
+                                          </p:stCondLst>
+                                        </p:cTn>
+                                        <p:tgtEl>
+                                          <p:spTgt spid="3">
+                                            <p:txEl>
+                                              <p:pRg st="1" end="1"/>
+                                            </p:txEl>
+                                          </p:spTgt>
+                                        </p:tgtEl>
+                                        <p:attrNameLst>
+                                          <p:attrName>style.visibility</p:attrName>
+                                        </p:attrNameLst>
+                                      </p:cBhvr>
+                                      <p:to>
+                                        <p:strVal val="visible"/>
+                                      </p:to>
+                                    </p:set>
+                                    <p:animEffect transition="in" filter="fade">
+                                      <p:cBhvr>
+                                        <p:cTn id="14" dur="1000"/>
+                                        <p:tgtEl>
+                                          <p:spTgt spid="3">
+                                            <p:txEl>
+                                              <p:pRg st="1" end="1"/>
+                                            </p:txEl>
+                                          </p:spTgt>
+                                        </p:tgtEl>
+                                      </p:cBhvr>
+                                    </p:animEffect>
+                                    <p:anim calcmode="lin" valueType="num">
+                                      <p:cBhvr>
+                                        <p:cTn id="15" dur="1000" fill="hold"/>
+                                        <p:tgtEl>
+                                          <p:spTgt spid="3">
+                                            <p:txEl>
+                                              <p:pRg st="1" end="1"/>
+                                            </p:txEl>
+                                          </p:spTgt>
+                                        </p:tgtEl>
+                                        <p:attrNameLst>
+                                          <p:attrName>ppt_x</p:attrName>
+                                        </p:attrNameLst>
+                                      </p:cBhvr>
+                                      <p:tavLst>
+                                        <p:tav tm="0">
+                                          <p:val>
+                                            <p:strVal val="#ppt_x"/>
+                                          </p:val>
+                                        </p:tav>
+                                        <p:tav tm="100000">
+                                          <p:val>
+                                            <p:strVal val="#ppt_x"/>
+                                          </p:val>
+                                        </p:tav>
+                                      </p:tavLst>
+                                    </p:anim>
+                                    <p:anim calcmode="lin" valueType="num">
+                                      <p:cBhvr>
+                                        <p:cTn id="16" dur="1000" fill="hold"/>
+                                        <p:tgtEl>
+                                          <p:spTgt spid="3">
+                                            <p:txEl>
+                                              <p:pRg st="1" end="1"/>
+                                            </p:txEl>
+                                          </p:spTgt>
+                                        </p:tgtEl>
+                                        <p:attrNameLst>
+                                          <p:attrName>ppt_y</p:attrName>
+                                        </p:attrNameLst>
+                                      </p:cBhvr>
+                                      <p:tavLst>
+                                        <p:tav tm="0">
+                                          <p:val>
+                                            <p:strVal val="#ppt_y+.1"/>
+                                          </p:val>
+                                        </p:tav>
+                                        <p:tav tm="100000">
+                                          <p:val>
+                                            <p:strVal val="#ppt_y"/>
+                                          </p:val>
+                                        </p:tav>
+                                      </p:tavLst>
+                                    </p:anim>
+                                  </p:childTnLst>
+                                </p:cTn>
+                              </p:par>
+                            </p:childTnLst>
+                          </p:cTn>
+                        </p:par>
+                      </p:childTnLst>
+                    </p:cTn>
+                  </p:par>
+                  <p:par>
+                    <p:cTn id="17" fill="hold">
+                      <p:stCondLst>
+                        <p:cond delay="indefinite"/>
+                      </p:stCondLst>
+                      <p:childTnLst>
+                        <p:par>
+                          <p:cTn id="18" fill="hold">
+                            <p:stCondLst>
+                              <p:cond delay="0"/>
+                            </p:stCondLst>
+                            <p:childTnLst>
+                              <p:par>
+                                <p:cTn id="19" presetID="42" presetClass="entr" presetSubtype="0" fill="hold" nodeType="clickEffect">
+                                  <p:stCondLst>
+                                    <p:cond delay="0"/>
+                                  </p:stCondLst>
+                                  <p:childTnLst>
+                                    <p:set>
+                                      <p:cBhvr>
+                                        <p:cTn id="20" dur="1" fill="hold">
+                                          <p:stCondLst>
+                                            <p:cond delay="0"/>
+                                          </p:stCondLst>
+                                        </p:cTn>
+                                        <p:tgtEl>
+                                          <p:spTgt spid="3">
+                                            <p:txEl>
+                                              <p:pRg st="2" end="2"/>
+                                            </p:txEl>
+                                          </p:spTgt>
+                                        </p:tgtEl>
+                                        <p:attrNameLst>
+                                          <p:attrName>style.visibility</p:attrName>
+                                        </p:attrNameLst>
+                                      </p:cBhvr>
+                                      <p:to>
+                                        <p:strVal val="visible"/>
+                                      </p:to>
+                                    </p:set>
+                                    <p:animEffect transition="in" filter="fade">
+                                      <p:cBhvr>
+                                        <p:cTn id="21" dur="1000"/>
+                                        <p:tgtEl>
+                                          <p:spTgt spid="3">
+                                            <p:txEl>
+                                              <p:pRg st="2" end="2"/>
+                                            </p:txEl>
+                                          </p:spTgt>
+                                        </p:tgtEl>
+                                      </p:cBhvr>
+                                    </p:animEffect>
+                                    <p:anim calcmode="lin" valueType="num">
+                                      <p:cBhvr>
+                                        <p:cTn id="22" dur="1000" fill="hold"/>
+                                        <p:tgtEl>
+                                          <p:spTgt spid="3">
+                                            <p:txEl>
+                                              <p:pRg st="2" end="2"/>
+                                            </p:txEl>
+                                          </p:spTgt>
+                                        </p:tgtEl>
+                                        <p:attrNameLst>
+                                          <p:attrName>ppt_x</p:attrName>
+                                        </p:attrNameLst>
+                                      </p:cBhvr>
+                                      <p:tavLst>
+                                        <p:tav tm="0">
+                                          <p:val>
+                                            <p:strVal val="#ppt_x"/>
+                                          </p:val>
+                                        </p:tav>
+                                        <p:tav tm="100000">
+                                          <p:val>
+                                            <p:strVal val="#ppt_x"/>
+                                          </p:val>
+                                        </p:tav>
+                                      </p:tavLst>
+                                    </p:anim>
+                                    <p:anim calcmode="lin" valueType="num">
+                                      <p:cBhvr>
+                                        <p:cTn id="23" dur="1000" fill="hold"/>
+                                        <p:tgtEl>
+                                          <p:spTgt spid="3">
+                                            <p:txEl>
+                                              <p:pRg st="2" end="2"/>
+                                            </p:txEl>
+                                          </p:spTgt>
+                                        </p:tgtEl>
+                                        <p:attrNameLst>
+                                          <p:attrName>ppt_y</p:attrName>
+                                        </p:attrNameLst>
+                                      </p:cBhvr>
+                                      <p:tavLst>
+                                        <p:tav tm="0">
+                                          <p:val>
+                                            <p:strVal val="#ppt_y+.1"/>
+                                          </p:val>
+                                        </p:tav>
+                                        <p:tav tm="100000">
+                                          <p:val>
+                                            <p:strVal val="#ppt_y"/>
+                                          </p:val>
+                                        </p:tav>
+                                      </p:tavLst>
+                                    </p:anim>
+                                  </p:childTnLst>
+                                </p:cTn>
+                              </p:par>
+                            </p:childTnLst>
+                          </p:cTn>
+                        </p:par>
+                      </p:childTnLst>
+                    </p:cTn>
+                  </p:par>
+                  <p:par>
+                    <p:cTn id="24" fill="hold">
+                      <p:stCondLst>
+                        <p:cond delay="indefinite"/>
+                      </p:stCondLst>
+                      <p:childTnLst>
+                        <p:par>
+                          <p:cTn id="25" fill="hold">
+                            <p:stCondLst>
+                              <p:cond delay="0"/>
+                            </p:stCondLst>
+                            <p:childTnLst>
+                              <p:par>
+                                <p:cTn id="26" presetID="42" presetClass="entr" presetSubtype="0" fill="hold" nodeType="clickEffect">
+                                  <p:stCondLst>
+                                    <p:cond delay="0"/>
+                                  </p:stCondLst>
+                                  <p:childTnLst>
+                                    <p:set>
+                                      <p:cBhvr>
+                                        <p:cTn id="27" dur="1" fill="hold">
+                                          <p:stCondLst>
+                                            <p:cond delay="0"/>
+                                          </p:stCondLst>
+                                        </p:cTn>
+                                        <p:tgtEl>
+                                          <p:spTgt spid="3">
+                                            <p:txEl>
+                                              <p:pRg st="3" end="3"/>
+                                            </p:txEl>
+                                          </p:spTgt>
+                                        </p:tgtEl>
+                                        <p:attrNameLst>
+                                          <p:attrName>style.visibility</p:attrName>
+                                        </p:attrNameLst>
+                                      </p:cBhvr>
+                                      <p:to>
+                                        <p:strVal val="visible"/>
+                                      </p:to>
+                                    </p:set>
+                                    <p:animEffect transition="in" filter="fade">
+                                      <p:cBhvr>
+                                        <p:cTn id="28" dur="1000"/>
+                                        <p:tgtEl>
+                                          <p:spTgt spid="3">
+                                            <p:txEl>
+                                              <p:pRg st="3" end="3"/>
+                                            </p:txEl>
+                                          </p:spTgt>
+                                        </p:tgtEl>
+                                      </p:cBhvr>
+                                    </p:animEffect>
+                                    <p:anim calcmode="lin" valueType="num">
+                                      <p:cBhvr>
+                                        <p:cTn id="29" dur="1000" fill="hold"/>
+                                        <p:tgtEl>
+                                          <p:spTgt spid="3">
+                                            <p:txEl>
+                                              <p:pRg st="3" end="3"/>
+                                            </p:txEl>
+                                          </p:spTgt>
+                                        </p:tgtEl>
+                                        <p:attrNameLst>
+                                          <p:attrName>ppt_x</p:attrName>
+                                        </p:attrNameLst>
+                                      </p:cBhvr>
+                                      <p:tavLst>
+                                        <p:tav tm="0">
+                                          <p:val>
+                                            <p:strVal val="#ppt_x"/>
+                                          </p:val>
+                                        </p:tav>
+                                        <p:tav tm="100000">
+                                          <p:val>
+                                            <p:strVal val="#ppt_x"/>
+                                          </p:val>
+                                        </p:tav>
+                                      </p:tavLst>
+                                    </p:anim>
+                                    <p:anim calcmode="lin" valueType="num">
+                                      <p:cBhvr>
+                                        <p:cTn id="30" dur="1000" fill="hold"/>
+                                        <p:tgtEl>
+                                          <p:spTgt spid="3">
+                                            <p:txEl>
+                                              <p:pRg st="3" end="3"/>
+                                            </p:txEl>
+                                          </p:spTgt>
+                                        </p:tgtEl>
+                                        <p:attrNameLst>
+                                          <p:attrName>ppt_y</p:attrName>
+                                        </p:attrNameLst>
+                                      </p:cBhvr>
+                                      <p:tavLst>
+                                        <p:tav tm="0">
+                                          <p:val>
+                                            <p:strVal val="#ppt_y+.1"/>
+                                          </p:val>
+                                        </p:tav>
+                                        <p:tav tm="100000">
+                                          <p:val>
+                                            <p:strVal val="#ppt_y"/>
+                                          </p:val>
+                                        </p:tav>
+                                      </p:tavLst>
+                                    </p:anim>
+                                  </p:childTnLst>
+                                </p:cTn>
+                              </p:par>
+                            </p:childTnLst>
+                          </p:cTn>
+                        </p:par>
+                      </p:childTnLst>
+                    </p:cTn>
+                  </p:par>
+                  <p:par>
+                    <p:cTn id="31" fill="hold">
+                      <p:stCondLst>
+                        <p:cond delay="indefinite"/>
+                      </p:stCondLst>
+                      <p:childTnLst>
+                        <p:par>
+                          <p:cTn id="32" fill="hold">
+                            <p:stCondLst>
+                              <p:cond delay="0"/>
+                            </p:stCondLst>
+                            <p:childTnLst>
+                              <p:par>
+                                <p:cTn id="33" presetID="42" presetClass="entr" presetSubtype="0" fill="hold" nodeType="clickEffect">
+                                  <p:stCondLst>
+                                    <p:cond delay="0"/>
+                                  </p:stCondLst>
+                                  <p:childTnLst>
+                                    <p:set>
+                                      <p:cBhvr>
+                                        <p:cTn id="34" dur="1" fill="hold">
+                                          <p:stCondLst>
+                                            <p:cond delay="0"/>
+                                          </p:stCondLst>
+                                        </p:cTn>
+                                        <p:tgtEl>
+                                          <p:spTgt spid="3">
+                                            <p:txEl>
+                                              <p:pRg st="4" end="4"/>
+                                            </p:txEl>
+                                          </p:spTgt>
+                                        </p:tgtEl>
+                                        <p:attrNameLst>
+                                          <p:attrName>style.visibility</p:attrName>
+                                        </p:attrNameLst>
+                                      </p:cBhvr>
+                                      <p:to>
+                                        <p:strVal val="visible"/>
+                                      </p:to>
+                                    </p:set>
+                                    <p:animEffect transition="in" filter="fade">
+                                      <p:cBhvr>
+                                        <p:cTn id="35" dur="1000"/>
+                                        <p:tgtEl>
+                                          <p:spTgt spid="3">
+                                            <p:txEl>
+                                              <p:pRg st="4" end="4"/>
+                                            </p:txEl>
+                                          </p:spTgt>
+                                        </p:tgtEl>
+                                      </p:cBhvr>
+                                    </p:animEffect>
+                                    <p:anim calcmode="lin" valueType="num">
+                                      <p:cBhvr>
+                                        <p:cTn id="36" dur="1000" fill="hold"/>
+                                        <p:tgtEl>
+                                          <p:spTgt spid="3">
+                                            <p:txEl>
+                                              <p:pRg st="4" end="4"/>
+                                            </p:txEl>
+                                          </p:spTgt>
+                                        </p:tgtEl>
+                                        <p:attrNameLst>
+                                          <p:attrName>ppt_x</p:attrName>
+                                        </p:attrNameLst>
+                                      </p:cBhvr>
+                                      <p:tavLst>
+                                        <p:tav tm="0">
+                                          <p:val>
+                                            <p:strVal val="#ppt_x"/>
+                                          </p:val>
+                                        </p:tav>
+                                        <p:tav tm="100000">
+                                          <p:val>
+                                            <p:strVal val="#ppt_x"/>
+                                          </p:val>
+                                        </p:tav>
+                                      </p:tavLst>
+                                    </p:anim>
+                                    <p:anim calcmode="lin" valueType="num">
+                                      <p:cBhvr>
+                                        <p:cTn id="37" dur="1000" fill="hold"/>
+                                        <p:tgtEl>
+                                          <p:spTgt spid="3">
+                                            <p:txEl>
+                                              <p:pRg st="4" end="4"/>
+                                            </p:txEl>
+                                          </p:spTgt>
+                                        </p:tgtEl>
+                                        <p:attrNameLst>
+                                          <p:attrName>ppt_y</p:attrName>
+                                        </p:attrNameLst>
+                                      </p:cBhvr>
+                                      <p:tavLst>
+                                        <p:tav tm="0">
+                                          <p:val>
+                                            <p:strVal val="#ppt_y+.1"/>
+                                          </p:val>
+                                        </p:tav>
+                                        <p:tav tm="100000">
+                                          <p:val>
+                                            <p:strVal val="#ppt_y"/>
+                                          </p:val>
+                                        </p:tav>
+                                      </p:tavLst>
+                                    </p:anim>
+                                  </p:childTnLst>
+                                </p:cTn>
+                              </p:par>
+                            </p:childTnLst>
+                          </p:cTn>
+                        </p:par>
+                      </p:childTnLst>
+                    </p:cTn>
+                  </p:par>
+                </p:childTnLst>
+              </p:cTn>
+              <p:prevCondLst>
+                <p:cond evt="onPrev" delay="0">
+                  <p:tgtEl>
+                    <p:sldTgt/>
+                  </p:tgtEl>
+                </p:cond>
+              </p:prevCondLst>
+              <p:nextCondLst>
+                <p:cond evt="onNext" delay="0">
+                  <p:tgtEl>
+                    <p:sldTgt/>
+                  </p:tgtEl>
+                </p:cond>
+              </p:nextCondLst>
+            </p:seq>
+          </p:childTnLst>
+        </p:cTn>
+      </p:par>
+    </p:tnLst>
+  </p:timing>
 </p:sld>
 </file>
 
@@ -38953,6 +40093,235 @@
   <p:clrMapOvr>
     <a:masterClrMapping/>
   </p:clrMapOvr>
+  <p:timing>
+    <p:tnLst>
+      <p:par>
+        <p:cTn id="1" dur="indefinite" restart="never" nodeType="tmRoot">
+          <p:childTnLst>
+            <p:seq concurrent="1" nextAc="seek">
+              <p:cTn id="2" dur="indefinite" nodeType="mainSeq">
+                <p:childTnLst>
+                  <p:par>
+                    <p:cTn id="3" fill="hold">
+                      <p:stCondLst>
+                        <p:cond delay="indefinite"/>
+                      </p:stCondLst>
+                      <p:childTnLst>
+                        <p:par>
+                          <p:cTn id="4" fill="hold">
+                            <p:stCondLst>
+                              <p:cond delay="0"/>
+                            </p:stCondLst>
+                            <p:childTnLst>
+                              <p:par>
+                                <p:cTn id="5" presetID="1" presetClass="entr" presetSubtype="0" fill="hold" grpId="0" nodeType="clickEffect">
+                                  <p:stCondLst>
+                                    <p:cond delay="0"/>
+                                  </p:stCondLst>
+                                  <p:childTnLst>
+                                    <p:set>
+                                      <p:cBhvr>
+                                        <p:cTn id="6" dur="1" fill="hold">
+                                          <p:stCondLst>
+                                            <p:cond delay="0"/>
+                                          </p:stCondLst>
+                                        </p:cTn>
+                                        <p:tgtEl>
+                                          <p:spTgt spid="3">
+                                            <p:txEl>
+                                              <p:pRg st="0" end="0"/>
+                                            </p:txEl>
+                                          </p:spTgt>
+                                        </p:tgtEl>
+                                        <p:attrNameLst>
+                                          <p:attrName>style.visibility</p:attrName>
+                                        </p:attrNameLst>
+                                      </p:cBhvr>
+                                      <p:to>
+                                        <p:strVal val="visible"/>
+                                      </p:to>
+                                    </p:set>
+                                  </p:childTnLst>
+                                </p:cTn>
+                              </p:par>
+                            </p:childTnLst>
+                          </p:cTn>
+                        </p:par>
+                      </p:childTnLst>
+                    </p:cTn>
+                  </p:par>
+                  <p:par>
+                    <p:cTn id="7" fill="hold">
+                      <p:stCondLst>
+                        <p:cond delay="indefinite"/>
+                      </p:stCondLst>
+                      <p:childTnLst>
+                        <p:par>
+                          <p:cTn id="8" fill="hold">
+                            <p:stCondLst>
+                              <p:cond delay="0"/>
+                            </p:stCondLst>
+                            <p:childTnLst>
+                              <p:par>
+                                <p:cTn id="9" presetID="1" presetClass="entr" presetSubtype="0" fill="hold" grpId="0" nodeType="clickEffect">
+                                  <p:stCondLst>
+                                    <p:cond delay="0"/>
+                                  </p:stCondLst>
+                                  <p:childTnLst>
+                                    <p:set>
+                                      <p:cBhvr>
+                                        <p:cTn id="10" dur="1" fill="hold">
+                                          <p:stCondLst>
+                                            <p:cond delay="0"/>
+                                          </p:stCondLst>
+                                        </p:cTn>
+                                        <p:tgtEl>
+                                          <p:spTgt spid="3">
+                                            <p:txEl>
+                                              <p:pRg st="1" end="1"/>
+                                            </p:txEl>
+                                          </p:spTgt>
+                                        </p:tgtEl>
+                                        <p:attrNameLst>
+                                          <p:attrName>style.visibility</p:attrName>
+                                        </p:attrNameLst>
+                                      </p:cBhvr>
+                                      <p:to>
+                                        <p:strVal val="visible"/>
+                                      </p:to>
+                                    </p:set>
+                                  </p:childTnLst>
+                                </p:cTn>
+                              </p:par>
+                            </p:childTnLst>
+                          </p:cTn>
+                        </p:par>
+                      </p:childTnLst>
+                    </p:cTn>
+                  </p:par>
+                  <p:par>
+                    <p:cTn id="11" fill="hold">
+                      <p:stCondLst>
+                        <p:cond delay="indefinite"/>
+                      </p:stCondLst>
+                      <p:childTnLst>
+                        <p:par>
+                          <p:cTn id="12" fill="hold">
+                            <p:stCondLst>
+                              <p:cond delay="0"/>
+                            </p:stCondLst>
+                            <p:childTnLst>
+                              <p:par>
+                                <p:cTn id="13" presetID="1" presetClass="entr" presetSubtype="0" fill="hold" grpId="0" nodeType="clickEffect">
+                                  <p:stCondLst>
+                                    <p:cond delay="0"/>
+                                  </p:stCondLst>
+                                  <p:childTnLst>
+                                    <p:set>
+                                      <p:cBhvr>
+                                        <p:cTn id="14" dur="1" fill="hold">
+                                          <p:stCondLst>
+                                            <p:cond delay="0"/>
+                                          </p:stCondLst>
+                                        </p:cTn>
+                                        <p:tgtEl>
+                                          <p:spTgt spid="3">
+                                            <p:txEl>
+                                              <p:pRg st="2" end="2"/>
+                                            </p:txEl>
+                                          </p:spTgt>
+                                        </p:tgtEl>
+                                        <p:attrNameLst>
+                                          <p:attrName>style.visibility</p:attrName>
+                                        </p:attrNameLst>
+                                      </p:cBhvr>
+                                      <p:to>
+                                        <p:strVal val="visible"/>
+                                      </p:to>
+                                    </p:set>
+                                  </p:childTnLst>
+                                </p:cTn>
+                              </p:par>
+                            </p:childTnLst>
+                          </p:cTn>
+                        </p:par>
+                      </p:childTnLst>
+                    </p:cTn>
+                  </p:par>
+                  <p:par>
+                    <p:cTn id="15" fill="hold">
+                      <p:stCondLst>
+                        <p:cond delay="indefinite"/>
+                      </p:stCondLst>
+                      <p:childTnLst>
+                        <p:par>
+                          <p:cTn id="16" fill="hold">
+                            <p:stCondLst>
+                              <p:cond delay="0"/>
+                            </p:stCondLst>
+                            <p:childTnLst>
+                              <p:par>
+                                <p:cTn id="17" presetID="1" presetClass="entr" presetSubtype="0" fill="hold" grpId="0" nodeType="clickEffect">
+                                  <p:stCondLst>
+                                    <p:cond delay="0"/>
+                                  </p:stCondLst>
+                                  <p:childTnLst>
+                                    <p:set>
+                                      <p:cBhvr>
+                                        <p:cTn id="18" dur="1" fill="hold">
+                                          <p:stCondLst>
+                                            <p:cond delay="0"/>
+                                          </p:stCondLst>
+                                        </p:cTn>
+                                        <p:tgtEl>
+                                          <p:spTgt spid="3">
+                                            <p:txEl>
+                                              <p:pRg st="3" end="3"/>
+                                            </p:txEl>
+                                          </p:spTgt>
+                                        </p:tgtEl>
+                                        <p:attrNameLst>
+                                          <p:attrName>style.visibility</p:attrName>
+                                        </p:attrNameLst>
+                                      </p:cBhvr>
+                                      <p:to>
+                                        <p:strVal val="visible"/>
+                                      </p:to>
+                                    </p:set>
+                                  </p:childTnLst>
+                                </p:cTn>
+                              </p:par>
+                            </p:childTnLst>
+                          </p:cTn>
+                        </p:par>
+                      </p:childTnLst>
+                    </p:cTn>
+                  </p:par>
+                </p:childTnLst>
+              </p:cTn>
+              <p:prevCondLst>
+                <p:cond evt="onPrev" delay="0">
+                  <p:tgtEl>
+                    <p:sldTgt/>
+                  </p:tgtEl>
+                </p:cond>
+              </p:prevCondLst>
+              <p:nextCondLst>
+                <p:cond evt="onNext" delay="0">
+                  <p:tgtEl>
+                    <p:sldTgt/>
+                  </p:tgtEl>
+                </p:cond>
+              </p:nextCondLst>
+            </p:seq>
+          </p:childTnLst>
+        </p:cTn>
+      </p:par>
+    </p:tnLst>
+    <p:bldLst>
+      <p:bldP spid="3" grpId="0" build="p"/>
+    </p:bldLst>
+  </p:timing>
 </p:sld>
 </file>
 
@@ -39071,13 +40440,8 @@
           <a:p>
             <a:r>
               <a:rPr lang="en-US" sz="4000" b="1" i="1" dirty="0"/>
-              <a:t>Step 1: Create/Modify </a:t>
+              <a:t>Step 1: Create/Modify in “Working Directory”</a:t>
             </a:r>
-            <a:r>
-              <a:rPr lang="en-US" sz="4000" b="1" i="1"/>
-              <a:t>in “Working Directory”</a:t>
-            </a:r>
-            <a:endParaRPr lang="en-US" sz="4000" b="1" i="1" dirty="0"/>
           </a:p>
         </p:txBody>
       </p:sp>
@@ -39229,6 +40593,466 @@
   <p:clrMapOvr>
     <a:masterClrMapping/>
   </p:clrMapOvr>
+  <p:timing>
+    <p:tnLst>
+      <p:par>
+        <p:cTn id="1" dur="indefinite" restart="never" nodeType="tmRoot">
+          <p:childTnLst>
+            <p:seq concurrent="1" nextAc="seek">
+              <p:cTn id="2" dur="indefinite" nodeType="mainSeq">
+                <p:childTnLst>
+                  <p:par>
+                    <p:cTn id="3" fill="hold">
+                      <p:stCondLst>
+                        <p:cond delay="indefinite"/>
+                      </p:stCondLst>
+                      <p:childTnLst>
+                        <p:par>
+                          <p:cTn id="4" fill="hold">
+                            <p:stCondLst>
+                              <p:cond delay="0"/>
+                            </p:stCondLst>
+                            <p:childTnLst>
+                              <p:par>
+                                <p:cTn id="5" presetID="2" presetClass="entr" presetSubtype="4" fill="hold" grpId="0" nodeType="clickEffect">
+                                  <p:stCondLst>
+                                    <p:cond delay="0"/>
+                                  </p:stCondLst>
+                                  <p:childTnLst>
+                                    <p:set>
+                                      <p:cBhvr>
+                                        <p:cTn id="6" dur="1" fill="hold">
+                                          <p:stCondLst>
+                                            <p:cond delay="0"/>
+                                          </p:stCondLst>
+                                        </p:cTn>
+                                        <p:tgtEl>
+                                          <p:spTgt spid="2"/>
+                                        </p:tgtEl>
+                                        <p:attrNameLst>
+                                          <p:attrName>style.visibility</p:attrName>
+                                        </p:attrNameLst>
+                                      </p:cBhvr>
+                                      <p:to>
+                                        <p:strVal val="visible"/>
+                                      </p:to>
+                                    </p:set>
+                                    <p:anim calcmode="lin" valueType="num">
+                                      <p:cBhvr additive="base">
+                                        <p:cTn id="7" dur="500" fill="hold"/>
+                                        <p:tgtEl>
+                                          <p:spTgt spid="2"/>
+                                        </p:tgtEl>
+                                        <p:attrNameLst>
+                                          <p:attrName>ppt_x</p:attrName>
+                                        </p:attrNameLst>
+                                      </p:cBhvr>
+                                      <p:tavLst>
+                                        <p:tav tm="0">
+                                          <p:val>
+                                            <p:strVal val="#ppt_x"/>
+                                          </p:val>
+                                        </p:tav>
+                                        <p:tav tm="100000">
+                                          <p:val>
+                                            <p:strVal val="#ppt_x"/>
+                                          </p:val>
+                                        </p:tav>
+                                      </p:tavLst>
+                                    </p:anim>
+                                    <p:anim calcmode="lin" valueType="num">
+                                      <p:cBhvr additive="base">
+                                        <p:cTn id="8" dur="500" fill="hold"/>
+                                        <p:tgtEl>
+                                          <p:spTgt spid="2"/>
+                                        </p:tgtEl>
+                                        <p:attrNameLst>
+                                          <p:attrName>ppt_y</p:attrName>
+                                        </p:attrNameLst>
+                                      </p:cBhvr>
+                                      <p:tavLst>
+                                        <p:tav tm="0">
+                                          <p:val>
+                                            <p:strVal val="1+#ppt_h/2"/>
+                                          </p:val>
+                                        </p:tav>
+                                        <p:tav tm="100000">
+                                          <p:val>
+                                            <p:strVal val="#ppt_y"/>
+                                          </p:val>
+                                        </p:tav>
+                                      </p:tavLst>
+                                    </p:anim>
+                                  </p:childTnLst>
+                                </p:cTn>
+                              </p:par>
+                            </p:childTnLst>
+                          </p:cTn>
+                        </p:par>
+                      </p:childTnLst>
+                    </p:cTn>
+                  </p:par>
+                  <p:par>
+                    <p:cTn id="9" fill="hold">
+                      <p:stCondLst>
+                        <p:cond delay="indefinite"/>
+                      </p:stCondLst>
+                      <p:childTnLst>
+                        <p:par>
+                          <p:cTn id="10" fill="hold">
+                            <p:stCondLst>
+                              <p:cond delay="0"/>
+                            </p:stCondLst>
+                            <p:childTnLst>
+                              <p:par>
+                                <p:cTn id="11" presetID="10" presetClass="entr" presetSubtype="0" fill="hold" grpId="0" nodeType="clickEffect">
+                                  <p:stCondLst>
+                                    <p:cond delay="0"/>
+                                  </p:stCondLst>
+                                  <p:childTnLst>
+                                    <p:set>
+                                      <p:cBhvr>
+                                        <p:cTn id="12" dur="1" fill="hold">
+                                          <p:stCondLst>
+                                            <p:cond delay="0"/>
+                                          </p:stCondLst>
+                                        </p:cTn>
+                                        <p:tgtEl>
+                                          <p:spTgt spid="3">
+                                            <p:txEl>
+                                              <p:pRg st="0" end="0"/>
+                                            </p:txEl>
+                                          </p:spTgt>
+                                        </p:tgtEl>
+                                        <p:attrNameLst>
+                                          <p:attrName>style.visibility</p:attrName>
+                                        </p:attrNameLst>
+                                      </p:cBhvr>
+                                      <p:to>
+                                        <p:strVal val="visible"/>
+                                      </p:to>
+                                    </p:set>
+                                    <p:animEffect transition="in" filter="fade">
+                                      <p:cBhvr>
+                                        <p:cTn id="13" dur="500"/>
+                                        <p:tgtEl>
+                                          <p:spTgt spid="3">
+                                            <p:txEl>
+                                              <p:pRg st="0" end="0"/>
+                                            </p:txEl>
+                                          </p:spTgt>
+                                        </p:tgtEl>
+                                      </p:cBhvr>
+                                    </p:animEffect>
+                                  </p:childTnLst>
+                                </p:cTn>
+                              </p:par>
+                            </p:childTnLst>
+                          </p:cTn>
+                        </p:par>
+                      </p:childTnLst>
+                    </p:cTn>
+                  </p:par>
+                  <p:par>
+                    <p:cTn id="14" fill="hold">
+                      <p:stCondLst>
+                        <p:cond delay="indefinite"/>
+                      </p:stCondLst>
+                      <p:childTnLst>
+                        <p:par>
+                          <p:cTn id="15" fill="hold">
+                            <p:stCondLst>
+                              <p:cond delay="0"/>
+                            </p:stCondLst>
+                            <p:childTnLst>
+                              <p:par>
+                                <p:cTn id="16" presetID="10" presetClass="entr" presetSubtype="0" fill="hold" grpId="0" nodeType="clickEffect">
+                                  <p:stCondLst>
+                                    <p:cond delay="0"/>
+                                  </p:stCondLst>
+                                  <p:childTnLst>
+                                    <p:set>
+                                      <p:cBhvr>
+                                        <p:cTn id="17" dur="1" fill="hold">
+                                          <p:stCondLst>
+                                            <p:cond delay="0"/>
+                                          </p:stCondLst>
+                                        </p:cTn>
+                                        <p:tgtEl>
+                                          <p:spTgt spid="3">
+                                            <p:txEl>
+                                              <p:pRg st="1" end="1"/>
+                                            </p:txEl>
+                                          </p:spTgt>
+                                        </p:tgtEl>
+                                        <p:attrNameLst>
+                                          <p:attrName>style.visibility</p:attrName>
+                                        </p:attrNameLst>
+                                      </p:cBhvr>
+                                      <p:to>
+                                        <p:strVal val="visible"/>
+                                      </p:to>
+                                    </p:set>
+                                    <p:animEffect transition="in" filter="fade">
+                                      <p:cBhvr>
+                                        <p:cTn id="18" dur="500"/>
+                                        <p:tgtEl>
+                                          <p:spTgt spid="3">
+                                            <p:txEl>
+                                              <p:pRg st="1" end="1"/>
+                                            </p:txEl>
+                                          </p:spTgt>
+                                        </p:tgtEl>
+                                      </p:cBhvr>
+                                    </p:animEffect>
+                                  </p:childTnLst>
+                                </p:cTn>
+                              </p:par>
+                            </p:childTnLst>
+                          </p:cTn>
+                        </p:par>
+                      </p:childTnLst>
+                    </p:cTn>
+                  </p:par>
+                  <p:par>
+                    <p:cTn id="19" fill="hold">
+                      <p:stCondLst>
+                        <p:cond delay="indefinite"/>
+                      </p:stCondLst>
+                      <p:childTnLst>
+                        <p:par>
+                          <p:cTn id="20" fill="hold">
+                            <p:stCondLst>
+                              <p:cond delay="0"/>
+                            </p:stCondLst>
+                            <p:childTnLst>
+                              <p:par>
+                                <p:cTn id="21" presetID="10" presetClass="entr" presetSubtype="0" fill="hold" grpId="0" nodeType="clickEffect">
+                                  <p:stCondLst>
+                                    <p:cond delay="0"/>
+                                  </p:stCondLst>
+                                  <p:childTnLst>
+                                    <p:set>
+                                      <p:cBhvr>
+                                        <p:cTn id="22" dur="1" fill="hold">
+                                          <p:stCondLst>
+                                            <p:cond delay="0"/>
+                                          </p:stCondLst>
+                                        </p:cTn>
+                                        <p:tgtEl>
+                                          <p:spTgt spid="3">
+                                            <p:txEl>
+                                              <p:pRg st="2" end="2"/>
+                                            </p:txEl>
+                                          </p:spTgt>
+                                        </p:tgtEl>
+                                        <p:attrNameLst>
+                                          <p:attrName>style.visibility</p:attrName>
+                                        </p:attrNameLst>
+                                      </p:cBhvr>
+                                      <p:to>
+                                        <p:strVal val="visible"/>
+                                      </p:to>
+                                    </p:set>
+                                    <p:animEffect transition="in" filter="fade">
+                                      <p:cBhvr>
+                                        <p:cTn id="23" dur="500"/>
+                                        <p:tgtEl>
+                                          <p:spTgt spid="3">
+                                            <p:txEl>
+                                              <p:pRg st="2" end="2"/>
+                                            </p:txEl>
+                                          </p:spTgt>
+                                        </p:tgtEl>
+                                      </p:cBhvr>
+                                    </p:animEffect>
+                                  </p:childTnLst>
+                                </p:cTn>
+                              </p:par>
+                            </p:childTnLst>
+                          </p:cTn>
+                        </p:par>
+                      </p:childTnLst>
+                    </p:cTn>
+                  </p:par>
+                  <p:par>
+                    <p:cTn id="24" fill="hold">
+                      <p:stCondLst>
+                        <p:cond delay="indefinite"/>
+                      </p:stCondLst>
+                      <p:childTnLst>
+                        <p:par>
+                          <p:cTn id="25" fill="hold">
+                            <p:stCondLst>
+                              <p:cond delay="0"/>
+                            </p:stCondLst>
+                            <p:childTnLst>
+                              <p:par>
+                                <p:cTn id="26" presetID="53" presetClass="entr" presetSubtype="16" fill="hold" nodeType="clickEffect">
+                                  <p:stCondLst>
+                                    <p:cond delay="0"/>
+                                  </p:stCondLst>
+                                  <p:childTnLst>
+                                    <p:set>
+                                      <p:cBhvr>
+                                        <p:cTn id="27" dur="1" fill="hold">
+                                          <p:stCondLst>
+                                            <p:cond delay="0"/>
+                                          </p:stCondLst>
+                                        </p:cTn>
+                                        <p:tgtEl>
+                                          <p:spTgt spid="10"/>
+                                        </p:tgtEl>
+                                        <p:attrNameLst>
+                                          <p:attrName>style.visibility</p:attrName>
+                                        </p:attrNameLst>
+                                      </p:cBhvr>
+                                      <p:to>
+                                        <p:strVal val="visible"/>
+                                      </p:to>
+                                    </p:set>
+                                    <p:anim calcmode="lin" valueType="num">
+                                      <p:cBhvr>
+                                        <p:cTn id="28" dur="500" fill="hold"/>
+                                        <p:tgtEl>
+                                          <p:spTgt spid="10"/>
+                                        </p:tgtEl>
+                                        <p:attrNameLst>
+                                          <p:attrName>ppt_w</p:attrName>
+                                        </p:attrNameLst>
+                                      </p:cBhvr>
+                                      <p:tavLst>
+                                        <p:tav tm="0">
+                                          <p:val>
+                                            <p:fltVal val="0"/>
+                                          </p:val>
+                                        </p:tav>
+                                        <p:tav tm="100000">
+                                          <p:val>
+                                            <p:strVal val="#ppt_w"/>
+                                          </p:val>
+                                        </p:tav>
+                                      </p:tavLst>
+                                    </p:anim>
+                                    <p:anim calcmode="lin" valueType="num">
+                                      <p:cBhvr>
+                                        <p:cTn id="29" dur="500" fill="hold"/>
+                                        <p:tgtEl>
+                                          <p:spTgt spid="10"/>
+                                        </p:tgtEl>
+                                        <p:attrNameLst>
+                                          <p:attrName>ppt_h</p:attrName>
+                                        </p:attrNameLst>
+                                      </p:cBhvr>
+                                      <p:tavLst>
+                                        <p:tav tm="0">
+                                          <p:val>
+                                            <p:fltVal val="0"/>
+                                          </p:val>
+                                        </p:tav>
+                                        <p:tav tm="100000">
+                                          <p:val>
+                                            <p:strVal val="#ppt_h"/>
+                                          </p:val>
+                                        </p:tav>
+                                      </p:tavLst>
+                                    </p:anim>
+                                    <p:animEffect transition="in" filter="fade">
+                                      <p:cBhvr>
+                                        <p:cTn id="30" dur="500"/>
+                                        <p:tgtEl>
+                                          <p:spTgt spid="10"/>
+                                        </p:tgtEl>
+                                      </p:cBhvr>
+                                    </p:animEffect>
+                                  </p:childTnLst>
+                                </p:cTn>
+                              </p:par>
+                            </p:childTnLst>
+                          </p:cTn>
+                        </p:par>
+                      </p:childTnLst>
+                    </p:cTn>
+                  </p:par>
+                  <p:par>
+                    <p:cTn id="31" fill="hold">
+                      <p:stCondLst>
+                        <p:cond delay="indefinite"/>
+                      </p:stCondLst>
+                      <p:childTnLst>
+                        <p:par>
+                          <p:cTn id="32" fill="hold">
+                            <p:stCondLst>
+                              <p:cond delay="0"/>
+                            </p:stCondLst>
+                            <p:childTnLst>
+                              <p:par>
+                                <p:cTn id="33" presetID="6" presetClass="entr" presetSubtype="16" fill="hold" nodeType="clickEffect">
+                                  <p:stCondLst>
+                                    <p:cond delay="0"/>
+                                  </p:stCondLst>
+                                  <p:childTnLst>
+                                    <p:set>
+                                      <p:cBhvr>
+                                        <p:cTn id="34" dur="1" fill="hold">
+                                          <p:stCondLst>
+                                            <p:cond delay="0"/>
+                                          </p:stCondLst>
+                                        </p:cTn>
+                                        <p:tgtEl>
+                                          <p:spTgt spid="8"/>
+                                        </p:tgtEl>
+                                        <p:attrNameLst>
+                                          <p:attrName>style.visibility</p:attrName>
+                                        </p:attrNameLst>
+                                      </p:cBhvr>
+                                      <p:to>
+                                        <p:strVal val="visible"/>
+                                      </p:to>
+                                    </p:set>
+                                    <p:animEffect transition="in" filter="circle(in)">
+                                      <p:cBhvr>
+                                        <p:cTn id="35" dur="2000"/>
+                                        <p:tgtEl>
+                                          <p:spTgt spid="8"/>
+                                        </p:tgtEl>
+                                      </p:cBhvr>
+                                    </p:animEffect>
+                                  </p:childTnLst>
+                                </p:cTn>
+                              </p:par>
+                            </p:childTnLst>
+                          </p:cTn>
+                        </p:par>
+                      </p:childTnLst>
+                    </p:cTn>
+                  </p:par>
+                </p:childTnLst>
+              </p:cTn>
+              <p:prevCondLst>
+                <p:cond evt="onPrev" delay="0">
+                  <p:tgtEl>
+                    <p:sldTgt/>
+                  </p:tgtEl>
+                </p:cond>
+              </p:prevCondLst>
+              <p:nextCondLst>
+                <p:cond evt="onNext" delay="0">
+                  <p:tgtEl>
+                    <p:sldTgt/>
+                  </p:tgtEl>
+                </p:cond>
+              </p:nextCondLst>
+            </p:seq>
+          </p:childTnLst>
+        </p:cTn>
+      </p:par>
+    </p:tnLst>
+    <p:bldLst>
+      <p:bldP spid="2" grpId="0"/>
+      <p:bldP spid="3" grpId="0" build="p"/>
+    </p:bldLst>
+  </p:timing>
 </p:sld>
 </file>
 
@@ -39905,6 +41729,368 @@
   <p:clrMapOvr>
     <a:masterClrMapping/>
   </p:clrMapOvr>
+  <p:timing>
+    <p:tnLst>
+      <p:par>
+        <p:cTn id="1" dur="indefinite" restart="never" nodeType="tmRoot">
+          <p:childTnLst>
+            <p:seq concurrent="1" nextAc="seek">
+              <p:cTn id="2" dur="indefinite" nodeType="mainSeq">
+                <p:childTnLst>
+                  <p:par>
+                    <p:cTn id="3" fill="hold">
+                      <p:stCondLst>
+                        <p:cond delay="indefinite"/>
+                      </p:stCondLst>
+                      <p:childTnLst>
+                        <p:par>
+                          <p:cTn id="4" fill="hold">
+                            <p:stCondLst>
+                              <p:cond delay="0"/>
+                            </p:stCondLst>
+                            <p:childTnLst>
+                              <p:par>
+                                <p:cTn id="5" presetID="1" presetClass="entr" presetSubtype="0" fill="hold" grpId="0" nodeType="clickEffect">
+                                  <p:stCondLst>
+                                    <p:cond delay="0"/>
+                                  </p:stCondLst>
+                                  <p:childTnLst>
+                                    <p:set>
+                                      <p:cBhvr>
+                                        <p:cTn id="6" dur="1" fill="hold">
+                                          <p:stCondLst>
+                                            <p:cond delay="0"/>
+                                          </p:stCondLst>
+                                        </p:cTn>
+                                        <p:tgtEl>
+                                          <p:spTgt spid="2"/>
+                                        </p:tgtEl>
+                                        <p:attrNameLst>
+                                          <p:attrName>style.visibility</p:attrName>
+                                        </p:attrNameLst>
+                                      </p:cBhvr>
+                                      <p:to>
+                                        <p:strVal val="visible"/>
+                                      </p:to>
+                                    </p:set>
+                                  </p:childTnLst>
+                                </p:cTn>
+                              </p:par>
+                            </p:childTnLst>
+                          </p:cTn>
+                        </p:par>
+                      </p:childTnLst>
+                    </p:cTn>
+                  </p:par>
+                  <p:par>
+                    <p:cTn id="7" fill="hold">
+                      <p:stCondLst>
+                        <p:cond delay="indefinite"/>
+                      </p:stCondLst>
+                      <p:childTnLst>
+                        <p:par>
+                          <p:cTn id="8" fill="hold">
+                            <p:stCondLst>
+                              <p:cond delay="0"/>
+                            </p:stCondLst>
+                            <p:childTnLst>
+                              <p:par>
+                                <p:cTn id="9" presetID="42" presetClass="entr" presetSubtype="0" fill="hold" grpId="0" nodeType="clickEffect">
+                                  <p:stCondLst>
+                                    <p:cond delay="0"/>
+                                  </p:stCondLst>
+                                  <p:childTnLst>
+                                    <p:set>
+                                      <p:cBhvr>
+                                        <p:cTn id="10" dur="1" fill="hold">
+                                          <p:stCondLst>
+                                            <p:cond delay="0"/>
+                                          </p:stCondLst>
+                                        </p:cTn>
+                                        <p:tgtEl>
+                                          <p:spTgt spid="3">
+                                            <p:txEl>
+                                              <p:pRg st="0" end="0"/>
+                                            </p:txEl>
+                                          </p:spTgt>
+                                        </p:tgtEl>
+                                        <p:attrNameLst>
+                                          <p:attrName>style.visibility</p:attrName>
+                                        </p:attrNameLst>
+                                      </p:cBhvr>
+                                      <p:to>
+                                        <p:strVal val="visible"/>
+                                      </p:to>
+                                    </p:set>
+                                    <p:animEffect transition="in" filter="fade">
+                                      <p:cBhvr>
+                                        <p:cTn id="11" dur="1000"/>
+                                        <p:tgtEl>
+                                          <p:spTgt spid="3">
+                                            <p:txEl>
+                                              <p:pRg st="0" end="0"/>
+                                            </p:txEl>
+                                          </p:spTgt>
+                                        </p:tgtEl>
+                                      </p:cBhvr>
+                                    </p:animEffect>
+                                    <p:anim calcmode="lin" valueType="num">
+                                      <p:cBhvr>
+                                        <p:cTn id="12" dur="1000" fill="hold"/>
+                                        <p:tgtEl>
+                                          <p:spTgt spid="3">
+                                            <p:txEl>
+                                              <p:pRg st="0" end="0"/>
+                                            </p:txEl>
+                                          </p:spTgt>
+                                        </p:tgtEl>
+                                        <p:attrNameLst>
+                                          <p:attrName>ppt_x</p:attrName>
+                                        </p:attrNameLst>
+                                      </p:cBhvr>
+                                      <p:tavLst>
+                                        <p:tav tm="0">
+                                          <p:val>
+                                            <p:strVal val="#ppt_x"/>
+                                          </p:val>
+                                        </p:tav>
+                                        <p:tav tm="100000">
+                                          <p:val>
+                                            <p:strVal val="#ppt_x"/>
+                                          </p:val>
+                                        </p:tav>
+                                      </p:tavLst>
+                                    </p:anim>
+                                    <p:anim calcmode="lin" valueType="num">
+                                      <p:cBhvr>
+                                        <p:cTn id="13" dur="1000" fill="hold"/>
+                                        <p:tgtEl>
+                                          <p:spTgt spid="3">
+                                            <p:txEl>
+                                              <p:pRg st="0" end="0"/>
+                                            </p:txEl>
+                                          </p:spTgt>
+                                        </p:tgtEl>
+                                        <p:attrNameLst>
+                                          <p:attrName>ppt_y</p:attrName>
+                                        </p:attrNameLst>
+                                      </p:cBhvr>
+                                      <p:tavLst>
+                                        <p:tav tm="0">
+                                          <p:val>
+                                            <p:strVal val="#ppt_y+.1"/>
+                                          </p:val>
+                                        </p:tav>
+                                        <p:tav tm="100000">
+                                          <p:val>
+                                            <p:strVal val="#ppt_y"/>
+                                          </p:val>
+                                        </p:tav>
+                                      </p:tavLst>
+                                    </p:anim>
+                                  </p:childTnLst>
+                                </p:cTn>
+                              </p:par>
+                            </p:childTnLst>
+                          </p:cTn>
+                        </p:par>
+                      </p:childTnLst>
+                    </p:cTn>
+                  </p:par>
+                  <p:par>
+                    <p:cTn id="14" fill="hold">
+                      <p:stCondLst>
+                        <p:cond delay="indefinite"/>
+                      </p:stCondLst>
+                      <p:childTnLst>
+                        <p:par>
+                          <p:cTn id="15" fill="hold">
+                            <p:stCondLst>
+                              <p:cond delay="0"/>
+                            </p:stCondLst>
+                            <p:childTnLst>
+                              <p:par>
+                                <p:cTn id="16" presetID="42" presetClass="entr" presetSubtype="0" fill="hold" grpId="0" nodeType="clickEffect">
+                                  <p:stCondLst>
+                                    <p:cond delay="0"/>
+                                  </p:stCondLst>
+                                  <p:childTnLst>
+                                    <p:set>
+                                      <p:cBhvr>
+                                        <p:cTn id="17" dur="1" fill="hold">
+                                          <p:stCondLst>
+                                            <p:cond delay="0"/>
+                                          </p:stCondLst>
+                                        </p:cTn>
+                                        <p:tgtEl>
+                                          <p:spTgt spid="3">
+                                            <p:txEl>
+                                              <p:pRg st="1" end="1"/>
+                                            </p:txEl>
+                                          </p:spTgt>
+                                        </p:tgtEl>
+                                        <p:attrNameLst>
+                                          <p:attrName>style.visibility</p:attrName>
+                                        </p:attrNameLst>
+                                      </p:cBhvr>
+                                      <p:to>
+                                        <p:strVal val="visible"/>
+                                      </p:to>
+                                    </p:set>
+                                    <p:animEffect transition="in" filter="fade">
+                                      <p:cBhvr>
+                                        <p:cTn id="18" dur="1000"/>
+                                        <p:tgtEl>
+                                          <p:spTgt spid="3">
+                                            <p:txEl>
+                                              <p:pRg st="1" end="1"/>
+                                            </p:txEl>
+                                          </p:spTgt>
+                                        </p:tgtEl>
+                                      </p:cBhvr>
+                                    </p:animEffect>
+                                    <p:anim calcmode="lin" valueType="num">
+                                      <p:cBhvr>
+                                        <p:cTn id="19" dur="1000" fill="hold"/>
+                                        <p:tgtEl>
+                                          <p:spTgt spid="3">
+                                            <p:txEl>
+                                              <p:pRg st="1" end="1"/>
+                                            </p:txEl>
+                                          </p:spTgt>
+                                        </p:tgtEl>
+                                        <p:attrNameLst>
+                                          <p:attrName>ppt_x</p:attrName>
+                                        </p:attrNameLst>
+                                      </p:cBhvr>
+                                      <p:tavLst>
+                                        <p:tav tm="0">
+                                          <p:val>
+                                            <p:strVal val="#ppt_x"/>
+                                          </p:val>
+                                        </p:tav>
+                                        <p:tav tm="100000">
+                                          <p:val>
+                                            <p:strVal val="#ppt_x"/>
+                                          </p:val>
+                                        </p:tav>
+                                      </p:tavLst>
+                                    </p:anim>
+                                    <p:anim calcmode="lin" valueType="num">
+                                      <p:cBhvr>
+                                        <p:cTn id="20" dur="1000" fill="hold"/>
+                                        <p:tgtEl>
+                                          <p:spTgt spid="3">
+                                            <p:txEl>
+                                              <p:pRg st="1" end="1"/>
+                                            </p:txEl>
+                                          </p:spTgt>
+                                        </p:tgtEl>
+                                        <p:attrNameLst>
+                                          <p:attrName>ppt_y</p:attrName>
+                                        </p:attrNameLst>
+                                      </p:cBhvr>
+                                      <p:tavLst>
+                                        <p:tav tm="0">
+                                          <p:val>
+                                            <p:strVal val="#ppt_y+.1"/>
+                                          </p:val>
+                                        </p:tav>
+                                        <p:tav tm="100000">
+                                          <p:val>
+                                            <p:strVal val="#ppt_y"/>
+                                          </p:val>
+                                        </p:tav>
+                                      </p:tavLst>
+                                    </p:anim>
+                                  </p:childTnLst>
+                                </p:cTn>
+                              </p:par>
+                            </p:childTnLst>
+                          </p:cTn>
+                        </p:par>
+                      </p:childTnLst>
+                    </p:cTn>
+                  </p:par>
+                  <p:par>
+                    <p:cTn id="21" fill="hold">
+                      <p:stCondLst>
+                        <p:cond delay="indefinite"/>
+                      </p:stCondLst>
+                      <p:childTnLst>
+                        <p:par>
+                          <p:cTn id="22" fill="hold">
+                            <p:stCondLst>
+                              <p:cond delay="0"/>
+                            </p:stCondLst>
+                            <p:childTnLst>
+                              <p:par>
+                                <p:cTn id="23" presetID="14" presetClass="entr" presetSubtype="10" fill="hold" nodeType="clickEffect">
+                                  <p:stCondLst>
+                                    <p:cond delay="0"/>
+                                  </p:stCondLst>
+                                  <p:childTnLst>
+                                    <p:set>
+                                      <p:cBhvr>
+                                        <p:cTn id="24" dur="1" fill="hold">
+                                          <p:stCondLst>
+                                            <p:cond delay="0"/>
+                                          </p:stCondLst>
+                                        </p:cTn>
+                                        <p:tgtEl>
+                                          <p:spTgt spid="5"/>
+                                        </p:tgtEl>
+                                        <p:attrNameLst>
+                                          <p:attrName>style.visibility</p:attrName>
+                                        </p:attrNameLst>
+                                      </p:cBhvr>
+                                      <p:to>
+                                        <p:strVal val="visible"/>
+                                      </p:to>
+                                    </p:set>
+                                    <p:animEffect transition="in" filter="randombar(horizontal)">
+                                      <p:cBhvr>
+                                        <p:cTn id="25" dur="500"/>
+                                        <p:tgtEl>
+                                          <p:spTgt spid="5"/>
+                                        </p:tgtEl>
+                                      </p:cBhvr>
+                                    </p:animEffect>
+                                  </p:childTnLst>
+                                </p:cTn>
+                              </p:par>
+                            </p:childTnLst>
+                          </p:cTn>
+                        </p:par>
+                      </p:childTnLst>
+                    </p:cTn>
+                  </p:par>
+                </p:childTnLst>
+              </p:cTn>
+              <p:prevCondLst>
+                <p:cond evt="onPrev" delay="0">
+                  <p:tgtEl>
+                    <p:sldTgt/>
+                  </p:tgtEl>
+                </p:cond>
+              </p:prevCondLst>
+              <p:nextCondLst>
+                <p:cond evt="onNext" delay="0">
+                  <p:tgtEl>
+                    <p:sldTgt/>
+                  </p:tgtEl>
+                </p:cond>
+              </p:nextCondLst>
+            </p:seq>
+          </p:childTnLst>
+        </p:cTn>
+      </p:par>
+    </p:tnLst>
+    <p:bldLst>
+      <p:bldP spid="2" grpId="0"/>
+      <p:bldP spid="3" grpId="0" build="p"/>
+    </p:bldLst>
+  </p:timing>
 </p:sld>
 </file>
 
@@ -40514,7 +42700,7 @@
               <a:buNone/>
             </a:pPr>
             <a:r>
-              <a:rPr lang="en-US" sz="2200"/>
+              <a:rPr lang="en-US" sz="2200" dirty="0"/>
               <a:t>&gt;&gt; git commit -m "A really good commit message"</a:t>
             </a:r>
           </a:p>
@@ -40523,7 +42709,7 @@
               <a:buNone/>
             </a:pPr>
             <a:r>
-              <a:rPr lang="en-US" sz="2200"/>
+              <a:rPr lang="en-US" sz="2200" dirty="0"/>
               <a:t>Commits all files currently in Git's staging area. The -m parameter allows for a commit message directly from the command line.</a:t>
             </a:r>
           </a:p>
@@ -40531,7 +42717,7 @@
             <a:pPr marL="0" indent="0">
               <a:buNone/>
             </a:pPr>
-            <a:endParaRPr lang="en-US" sz="2200"/>
+            <a:endParaRPr lang="en-US" sz="2200" dirty="0"/>
           </a:p>
         </p:txBody>
       </p:sp>
@@ -40581,6 +42767,344 @@
   <p:clrMapOvr>
     <a:masterClrMapping/>
   </p:clrMapOvr>
+  <p:timing>
+    <p:tnLst>
+      <p:par>
+        <p:cTn id="1" dur="indefinite" restart="never" nodeType="tmRoot">
+          <p:childTnLst>
+            <p:seq concurrent="1" nextAc="seek">
+              <p:cTn id="2" dur="indefinite" nodeType="mainSeq">
+                <p:childTnLst>
+                  <p:par>
+                    <p:cTn id="3" fill="hold">
+                      <p:stCondLst>
+                        <p:cond delay="indefinite"/>
+                      </p:stCondLst>
+                      <p:childTnLst>
+                        <p:par>
+                          <p:cTn id="4" fill="hold">
+                            <p:stCondLst>
+                              <p:cond delay="0"/>
+                            </p:stCondLst>
+                            <p:childTnLst>
+                              <p:par>
+                                <p:cTn id="5" presetID="1" presetClass="entr" presetSubtype="0" fill="hold" grpId="0" nodeType="clickEffect">
+                                  <p:stCondLst>
+                                    <p:cond delay="0"/>
+                                  </p:stCondLst>
+                                  <p:childTnLst>
+                                    <p:set>
+                                      <p:cBhvr>
+                                        <p:cTn id="6" dur="1" fill="hold">
+                                          <p:stCondLst>
+                                            <p:cond delay="0"/>
+                                          </p:stCondLst>
+                                        </p:cTn>
+                                        <p:tgtEl>
+                                          <p:spTgt spid="2"/>
+                                        </p:tgtEl>
+                                        <p:attrNameLst>
+                                          <p:attrName>style.visibility</p:attrName>
+                                        </p:attrNameLst>
+                                      </p:cBhvr>
+                                      <p:to>
+                                        <p:strVal val="visible"/>
+                                      </p:to>
+                                    </p:set>
+                                  </p:childTnLst>
+                                </p:cTn>
+                              </p:par>
+                            </p:childTnLst>
+                          </p:cTn>
+                        </p:par>
+                      </p:childTnLst>
+                    </p:cTn>
+                  </p:par>
+                  <p:par>
+                    <p:cTn id="7" fill="hold">
+                      <p:stCondLst>
+                        <p:cond delay="indefinite"/>
+                      </p:stCondLst>
+                      <p:childTnLst>
+                        <p:par>
+                          <p:cTn id="8" fill="hold">
+                            <p:stCondLst>
+                              <p:cond delay="0"/>
+                            </p:stCondLst>
+                            <p:childTnLst>
+                              <p:par>
+                                <p:cTn id="9" presetID="2" presetClass="entr" presetSubtype="4" fill="hold" grpId="0" nodeType="clickEffect">
+                                  <p:stCondLst>
+                                    <p:cond delay="0"/>
+                                  </p:stCondLst>
+                                  <p:childTnLst>
+                                    <p:set>
+                                      <p:cBhvr>
+                                        <p:cTn id="10" dur="1" fill="hold">
+                                          <p:stCondLst>
+                                            <p:cond delay="0"/>
+                                          </p:stCondLst>
+                                        </p:cTn>
+                                        <p:tgtEl>
+                                          <p:spTgt spid="3">
+                                            <p:txEl>
+                                              <p:pRg st="0" end="0"/>
+                                            </p:txEl>
+                                          </p:spTgt>
+                                        </p:tgtEl>
+                                        <p:attrNameLst>
+                                          <p:attrName>style.visibility</p:attrName>
+                                        </p:attrNameLst>
+                                      </p:cBhvr>
+                                      <p:to>
+                                        <p:strVal val="visible"/>
+                                      </p:to>
+                                    </p:set>
+                                    <p:anim calcmode="lin" valueType="num">
+                                      <p:cBhvr additive="base">
+                                        <p:cTn id="11" dur="500" fill="hold"/>
+                                        <p:tgtEl>
+                                          <p:spTgt spid="3">
+                                            <p:txEl>
+                                              <p:pRg st="0" end="0"/>
+                                            </p:txEl>
+                                          </p:spTgt>
+                                        </p:tgtEl>
+                                        <p:attrNameLst>
+                                          <p:attrName>ppt_x</p:attrName>
+                                        </p:attrNameLst>
+                                      </p:cBhvr>
+                                      <p:tavLst>
+                                        <p:tav tm="0">
+                                          <p:val>
+                                            <p:strVal val="#ppt_x"/>
+                                          </p:val>
+                                        </p:tav>
+                                        <p:tav tm="100000">
+                                          <p:val>
+                                            <p:strVal val="#ppt_x"/>
+                                          </p:val>
+                                        </p:tav>
+                                      </p:tavLst>
+                                    </p:anim>
+                                    <p:anim calcmode="lin" valueType="num">
+                                      <p:cBhvr additive="base">
+                                        <p:cTn id="12" dur="500" fill="hold"/>
+                                        <p:tgtEl>
+                                          <p:spTgt spid="3">
+                                            <p:txEl>
+                                              <p:pRg st="0" end="0"/>
+                                            </p:txEl>
+                                          </p:spTgt>
+                                        </p:tgtEl>
+                                        <p:attrNameLst>
+                                          <p:attrName>ppt_y</p:attrName>
+                                        </p:attrNameLst>
+                                      </p:cBhvr>
+                                      <p:tavLst>
+                                        <p:tav tm="0">
+                                          <p:val>
+                                            <p:strVal val="1+#ppt_h/2"/>
+                                          </p:val>
+                                        </p:tav>
+                                        <p:tav tm="100000">
+                                          <p:val>
+                                            <p:strVal val="#ppt_y"/>
+                                          </p:val>
+                                        </p:tav>
+                                      </p:tavLst>
+                                    </p:anim>
+                                  </p:childTnLst>
+                                </p:cTn>
+                              </p:par>
+                            </p:childTnLst>
+                          </p:cTn>
+                        </p:par>
+                      </p:childTnLst>
+                    </p:cTn>
+                  </p:par>
+                  <p:par>
+                    <p:cTn id="13" fill="hold">
+                      <p:stCondLst>
+                        <p:cond delay="indefinite"/>
+                      </p:stCondLst>
+                      <p:childTnLst>
+                        <p:par>
+                          <p:cTn id="14" fill="hold">
+                            <p:stCondLst>
+                              <p:cond delay="0"/>
+                            </p:stCondLst>
+                            <p:childTnLst>
+                              <p:par>
+                                <p:cTn id="15" presetID="2" presetClass="entr" presetSubtype="4" fill="hold" grpId="0" nodeType="clickEffect">
+                                  <p:stCondLst>
+                                    <p:cond delay="0"/>
+                                  </p:stCondLst>
+                                  <p:childTnLst>
+                                    <p:set>
+                                      <p:cBhvr>
+                                        <p:cTn id="16" dur="1" fill="hold">
+                                          <p:stCondLst>
+                                            <p:cond delay="0"/>
+                                          </p:stCondLst>
+                                        </p:cTn>
+                                        <p:tgtEl>
+                                          <p:spTgt spid="3">
+                                            <p:txEl>
+                                              <p:pRg st="1" end="1"/>
+                                            </p:txEl>
+                                          </p:spTgt>
+                                        </p:tgtEl>
+                                        <p:attrNameLst>
+                                          <p:attrName>style.visibility</p:attrName>
+                                        </p:attrNameLst>
+                                      </p:cBhvr>
+                                      <p:to>
+                                        <p:strVal val="visible"/>
+                                      </p:to>
+                                    </p:set>
+                                    <p:anim calcmode="lin" valueType="num">
+                                      <p:cBhvr additive="base">
+                                        <p:cTn id="17" dur="500" fill="hold"/>
+                                        <p:tgtEl>
+                                          <p:spTgt spid="3">
+                                            <p:txEl>
+                                              <p:pRg st="1" end="1"/>
+                                            </p:txEl>
+                                          </p:spTgt>
+                                        </p:tgtEl>
+                                        <p:attrNameLst>
+                                          <p:attrName>ppt_x</p:attrName>
+                                        </p:attrNameLst>
+                                      </p:cBhvr>
+                                      <p:tavLst>
+                                        <p:tav tm="0">
+                                          <p:val>
+                                            <p:strVal val="#ppt_x"/>
+                                          </p:val>
+                                        </p:tav>
+                                        <p:tav tm="100000">
+                                          <p:val>
+                                            <p:strVal val="#ppt_x"/>
+                                          </p:val>
+                                        </p:tav>
+                                      </p:tavLst>
+                                    </p:anim>
+                                    <p:anim calcmode="lin" valueType="num">
+                                      <p:cBhvr additive="base">
+                                        <p:cTn id="18" dur="500" fill="hold"/>
+                                        <p:tgtEl>
+                                          <p:spTgt spid="3">
+                                            <p:txEl>
+                                              <p:pRg st="1" end="1"/>
+                                            </p:txEl>
+                                          </p:spTgt>
+                                        </p:tgtEl>
+                                        <p:attrNameLst>
+                                          <p:attrName>ppt_y</p:attrName>
+                                        </p:attrNameLst>
+                                      </p:cBhvr>
+                                      <p:tavLst>
+                                        <p:tav tm="0">
+                                          <p:val>
+                                            <p:strVal val="1+#ppt_h/2"/>
+                                          </p:val>
+                                        </p:tav>
+                                        <p:tav tm="100000">
+                                          <p:val>
+                                            <p:strVal val="#ppt_y"/>
+                                          </p:val>
+                                        </p:tav>
+                                      </p:tavLst>
+                                    </p:anim>
+                                  </p:childTnLst>
+                                </p:cTn>
+                              </p:par>
+                            </p:childTnLst>
+                          </p:cTn>
+                        </p:par>
+                      </p:childTnLst>
+                    </p:cTn>
+                  </p:par>
+                  <p:par>
+                    <p:cTn id="19" fill="hold">
+                      <p:stCondLst>
+                        <p:cond delay="indefinite"/>
+                      </p:stCondLst>
+                      <p:childTnLst>
+                        <p:par>
+                          <p:cTn id="20" fill="hold">
+                            <p:stCondLst>
+                              <p:cond delay="0"/>
+                            </p:stCondLst>
+                            <p:childTnLst>
+                              <p:par>
+                                <p:cTn id="21" presetID="14" presetClass="entr" presetSubtype="10" fill="hold" nodeType="clickEffect">
+                                  <p:stCondLst>
+                                    <p:cond delay="0"/>
+                                  </p:stCondLst>
+                                  <p:childTnLst>
+                                    <p:set>
+                                      <p:cBhvr>
+                                        <p:cTn id="22" dur="1" fill="hold">
+                                          <p:stCondLst>
+                                            <p:cond delay="0"/>
+                                          </p:stCondLst>
+                                        </p:cTn>
+                                        <p:tgtEl>
+                                          <p:spTgt spid="6"/>
+                                        </p:tgtEl>
+                                        <p:attrNameLst>
+                                          <p:attrName>style.visibility</p:attrName>
+                                        </p:attrNameLst>
+                                      </p:cBhvr>
+                                      <p:to>
+                                        <p:strVal val="visible"/>
+                                      </p:to>
+                                    </p:set>
+                                    <p:animEffect transition="in" filter="randombar(horizontal)">
+                                      <p:cBhvr>
+                                        <p:cTn id="23" dur="500"/>
+                                        <p:tgtEl>
+                                          <p:spTgt spid="6"/>
+                                        </p:tgtEl>
+                                      </p:cBhvr>
+                                    </p:animEffect>
+                                  </p:childTnLst>
+                                </p:cTn>
+                              </p:par>
+                            </p:childTnLst>
+                          </p:cTn>
+                        </p:par>
+                      </p:childTnLst>
+                    </p:cTn>
+                  </p:par>
+                </p:childTnLst>
+              </p:cTn>
+              <p:prevCondLst>
+                <p:cond evt="onPrev" delay="0">
+                  <p:tgtEl>
+                    <p:sldTgt/>
+                  </p:tgtEl>
+                </p:cond>
+              </p:prevCondLst>
+              <p:nextCondLst>
+                <p:cond evt="onNext" delay="0">
+                  <p:tgtEl>
+                    <p:sldTgt/>
+                  </p:tgtEl>
+                </p:cond>
+              </p:nextCondLst>
+            </p:seq>
+          </p:childTnLst>
+        </p:cTn>
+      </p:par>
+    </p:tnLst>
+    <p:bldLst>
+      <p:bldP spid="2" grpId="0"/>
+      <p:bldP spid="3" grpId="0" build="p"/>
+    </p:bldLst>
+  </p:timing>
 </p:sld>
 </file>
 
@@ -41089,6 +43613,148 @@
   <p:clrMapOvr>
     <a:masterClrMapping/>
   </p:clrMapOvr>
+  <p:timing>
+    <p:tnLst>
+      <p:par>
+        <p:cTn id="1" dur="indefinite" restart="never" nodeType="tmRoot">
+          <p:childTnLst>
+            <p:seq concurrent="1" nextAc="seek">
+              <p:cTn id="2" dur="indefinite" nodeType="mainSeq">
+                <p:childTnLst>
+                  <p:par>
+                    <p:cTn id="3" fill="hold">
+                      <p:stCondLst>
+                        <p:cond delay="indefinite"/>
+                      </p:stCondLst>
+                      <p:childTnLst>
+                        <p:par>
+                          <p:cTn id="4" fill="hold">
+                            <p:stCondLst>
+                              <p:cond delay="0"/>
+                            </p:stCondLst>
+                            <p:childTnLst>
+                              <p:par>
+                                <p:cTn id="5" presetID="16" presetClass="entr" presetSubtype="21" fill="hold" grpId="0" nodeType="clickEffect">
+                                  <p:stCondLst>
+                                    <p:cond delay="0"/>
+                                  </p:stCondLst>
+                                  <p:childTnLst>
+                                    <p:set>
+                                      <p:cBhvr>
+                                        <p:cTn id="6" dur="1" fill="hold">
+                                          <p:stCondLst>
+                                            <p:cond delay="0"/>
+                                          </p:stCondLst>
+                                        </p:cTn>
+                                        <p:tgtEl>
+                                          <p:spTgt spid="2"/>
+                                        </p:tgtEl>
+                                        <p:attrNameLst>
+                                          <p:attrName>style.visibility</p:attrName>
+                                        </p:attrNameLst>
+                                      </p:cBhvr>
+                                      <p:to>
+                                        <p:strVal val="visible"/>
+                                      </p:to>
+                                    </p:set>
+                                    <p:animEffect transition="in" filter="barn(inVertical)">
+                                      <p:cBhvr>
+                                        <p:cTn id="7" dur="500"/>
+                                        <p:tgtEl>
+                                          <p:spTgt spid="2"/>
+                                        </p:tgtEl>
+                                      </p:cBhvr>
+                                    </p:animEffect>
+                                  </p:childTnLst>
+                                </p:cTn>
+                              </p:par>
+                            </p:childTnLst>
+                          </p:cTn>
+                        </p:par>
+                      </p:childTnLst>
+                    </p:cTn>
+                  </p:par>
+                  <p:par>
+                    <p:cTn id="8" fill="hold">
+                      <p:stCondLst>
+                        <p:cond delay="indefinite"/>
+                      </p:stCondLst>
+                      <p:childTnLst>
+                        <p:par>
+                          <p:cTn id="9" fill="hold">
+                            <p:stCondLst>
+                              <p:cond delay="0"/>
+                            </p:stCondLst>
+                            <p:childTnLst>
+                              <p:par>
+                                <p:cTn id="10" presetID="16" presetClass="entr" presetSubtype="21" fill="hold" grpId="0" nodeType="clickEffect">
+                                  <p:stCondLst>
+                                    <p:cond delay="0"/>
+                                  </p:stCondLst>
+                                  <p:childTnLst>
+                                    <p:set>
+                                      <p:cBhvr>
+                                        <p:cTn id="11" dur="1" fill="hold">
+                                          <p:stCondLst>
+                                            <p:cond delay="0"/>
+                                          </p:stCondLst>
+                                        </p:cTn>
+                                        <p:tgtEl>
+                                          <p:spTgt spid="5"/>
+                                        </p:tgtEl>
+                                        <p:attrNameLst>
+                                          <p:attrName>style.visibility</p:attrName>
+                                        </p:attrNameLst>
+                                      </p:cBhvr>
+                                      <p:to>
+                                        <p:strVal val="visible"/>
+                                      </p:to>
+                                    </p:set>
+                                    <p:animEffect transition="in" filter="barn(inVertical)">
+                                      <p:cBhvr>
+                                        <p:cTn id="12" dur="500"/>
+                                        <p:tgtEl>
+                                          <p:spTgt spid="5"/>
+                                        </p:tgtEl>
+                                      </p:cBhvr>
+                                    </p:animEffect>
+                                  </p:childTnLst>
+                                </p:cTn>
+                              </p:par>
+                            </p:childTnLst>
+                          </p:cTn>
+                        </p:par>
+                      </p:childTnLst>
+                    </p:cTn>
+                  </p:par>
+                </p:childTnLst>
+              </p:cTn>
+              <p:prevCondLst>
+                <p:cond evt="onPrev" delay="0">
+                  <p:tgtEl>
+                    <p:sldTgt/>
+                  </p:tgtEl>
+                </p:cond>
+              </p:prevCondLst>
+              <p:nextCondLst>
+                <p:cond evt="onNext" delay="0">
+                  <p:tgtEl>
+                    <p:sldTgt/>
+                  </p:tgtEl>
+                </p:cond>
+              </p:nextCondLst>
+            </p:seq>
+          </p:childTnLst>
+        </p:cTn>
+      </p:par>
+    </p:tnLst>
+    <p:bldLst>
+      <p:bldP spid="2" grpId="0"/>
+      <p:bldGraphic spid="5" grpId="0">
+        <p:bldAsOne/>
+      </p:bldGraphic>
+    </p:bldLst>
+  </p:timing>
 </p:sld>
 </file>
 
@@ -43741,7 +46407,7 @@
           <a:lstStyle/>
           <a:p>
             <a:r>
-              <a:rPr lang="en-US" sz="4800">
+              <a:rPr lang="en-US" sz="4800" dirty="0">
                 <a:solidFill>
                   <a:schemeClr val="bg1"/>
                 </a:solidFill>
@@ -43792,6 +46458,194 @@
   <p:clrMapOvr>
     <a:masterClrMapping/>
   </p:clrMapOvr>
+  <p:timing>
+    <p:tnLst>
+      <p:par>
+        <p:cTn id="1" dur="indefinite" restart="never" nodeType="tmRoot">
+          <p:childTnLst>
+            <p:seq concurrent="1" nextAc="seek">
+              <p:cTn id="2" dur="indefinite" nodeType="mainSeq">
+                <p:childTnLst>
+                  <p:par>
+                    <p:cTn id="3" fill="hold">
+                      <p:stCondLst>
+                        <p:cond delay="indefinite"/>
+                      </p:stCondLst>
+                      <p:childTnLst>
+                        <p:par>
+                          <p:cTn id="4" fill="hold">
+                            <p:stCondLst>
+                              <p:cond delay="0"/>
+                            </p:stCondLst>
+                            <p:childTnLst>
+                              <p:par>
+                                <p:cTn id="5" presetID="42" presetClass="entr" presetSubtype="0" fill="hold" grpId="0" nodeType="clickEffect">
+                                  <p:stCondLst>
+                                    <p:cond delay="0"/>
+                                  </p:stCondLst>
+                                  <p:childTnLst>
+                                    <p:set>
+                                      <p:cBhvr>
+                                        <p:cTn id="6" dur="1" fill="hold">
+                                          <p:stCondLst>
+                                            <p:cond delay="0"/>
+                                          </p:stCondLst>
+                                        </p:cTn>
+                                        <p:tgtEl>
+                                          <p:spTgt spid="2"/>
+                                        </p:tgtEl>
+                                        <p:attrNameLst>
+                                          <p:attrName>style.visibility</p:attrName>
+                                        </p:attrNameLst>
+                                      </p:cBhvr>
+                                      <p:to>
+                                        <p:strVal val="visible"/>
+                                      </p:to>
+                                    </p:set>
+                                    <p:animEffect transition="in" filter="fade">
+                                      <p:cBhvr>
+                                        <p:cTn id="7" dur="1000"/>
+                                        <p:tgtEl>
+                                          <p:spTgt spid="2"/>
+                                        </p:tgtEl>
+                                      </p:cBhvr>
+                                    </p:animEffect>
+                                    <p:anim calcmode="lin" valueType="num">
+                                      <p:cBhvr>
+                                        <p:cTn id="8" dur="1000" fill="hold"/>
+                                        <p:tgtEl>
+                                          <p:spTgt spid="2"/>
+                                        </p:tgtEl>
+                                        <p:attrNameLst>
+                                          <p:attrName>ppt_x</p:attrName>
+                                        </p:attrNameLst>
+                                      </p:cBhvr>
+                                      <p:tavLst>
+                                        <p:tav tm="0">
+                                          <p:val>
+                                            <p:strVal val="#ppt_x"/>
+                                          </p:val>
+                                        </p:tav>
+                                        <p:tav tm="100000">
+                                          <p:val>
+                                            <p:strVal val="#ppt_x"/>
+                                          </p:val>
+                                        </p:tav>
+                                      </p:tavLst>
+                                    </p:anim>
+                                    <p:anim calcmode="lin" valueType="num">
+                                      <p:cBhvr>
+                                        <p:cTn id="9" dur="1000" fill="hold"/>
+                                        <p:tgtEl>
+                                          <p:spTgt spid="2"/>
+                                        </p:tgtEl>
+                                        <p:attrNameLst>
+                                          <p:attrName>ppt_y</p:attrName>
+                                        </p:attrNameLst>
+                                      </p:cBhvr>
+                                      <p:tavLst>
+                                        <p:tav tm="0">
+                                          <p:val>
+                                            <p:strVal val="#ppt_y+.1"/>
+                                          </p:val>
+                                        </p:tav>
+                                        <p:tav tm="100000">
+                                          <p:val>
+                                            <p:strVal val="#ppt_y"/>
+                                          </p:val>
+                                        </p:tav>
+                                      </p:tavLst>
+                                    </p:anim>
+                                  </p:childTnLst>
+                                </p:cTn>
+                              </p:par>
+                            </p:childTnLst>
+                          </p:cTn>
+                        </p:par>
+                      </p:childTnLst>
+                    </p:cTn>
+                  </p:par>
+                  <p:par>
+                    <p:cTn id="10" fill="hold">
+                      <p:stCondLst>
+                        <p:cond delay="indefinite"/>
+                      </p:stCondLst>
+                      <p:childTnLst>
+                        <p:par>
+                          <p:cTn id="11" fill="hold">
+                            <p:stCondLst>
+                              <p:cond delay="0"/>
+                            </p:stCondLst>
+                            <p:childTnLst>
+                              <p:par>
+                                <p:cTn id="12" presetID="14" presetClass="entr" presetSubtype="10" fill="hold" grpId="0" nodeType="clickEffect">
+                                  <p:stCondLst>
+                                    <p:cond delay="0"/>
+                                  </p:stCondLst>
+                                  <p:childTnLst>
+                                    <p:set>
+                                      <p:cBhvr>
+                                        <p:cTn id="13" dur="1" fill="hold">
+                                          <p:stCondLst>
+                                            <p:cond delay="0"/>
+                                          </p:stCondLst>
+                                        </p:cTn>
+                                        <p:tgtEl>
+                                          <p:spTgt spid="7"/>
+                                        </p:tgtEl>
+                                        <p:attrNameLst>
+                                          <p:attrName>style.visibility</p:attrName>
+                                        </p:attrNameLst>
+                                      </p:cBhvr>
+                                      <p:to>
+                                        <p:strVal val="visible"/>
+                                      </p:to>
+                                    </p:set>
+                                    <p:animEffect transition="in" filter="randombar(horizontal)">
+                                      <p:cBhvr>
+                                        <p:cTn id="14" dur="500"/>
+                                        <p:tgtEl>
+                                          <p:spTgt spid="7"/>
+                                        </p:tgtEl>
+                                      </p:cBhvr>
+                                    </p:animEffect>
+                                  </p:childTnLst>
+                                </p:cTn>
+                              </p:par>
+                            </p:childTnLst>
+                          </p:cTn>
+                        </p:par>
+                      </p:childTnLst>
+                    </p:cTn>
+                  </p:par>
+                </p:childTnLst>
+              </p:cTn>
+              <p:prevCondLst>
+                <p:cond evt="onPrev" delay="0">
+                  <p:tgtEl>
+                    <p:sldTgt/>
+                  </p:tgtEl>
+                </p:cond>
+              </p:prevCondLst>
+              <p:nextCondLst>
+                <p:cond evt="onNext" delay="0">
+                  <p:tgtEl>
+                    <p:sldTgt/>
+                  </p:tgtEl>
+                </p:cond>
+              </p:nextCondLst>
+            </p:seq>
+          </p:childTnLst>
+        </p:cTn>
+      </p:par>
+    </p:tnLst>
+    <p:bldLst>
+      <p:bldP spid="2" grpId="0"/>
+      <p:bldGraphic spid="7" grpId="0">
+        <p:bldAsOne/>
+      </p:bldGraphic>
+    </p:bldLst>
+  </p:timing>
 </p:sld>
 </file>
 
@@ -45792,6 +48646,140 @@
   <p:clrMapOvr>
     <a:masterClrMapping/>
   </p:clrMapOvr>
+  <p:timing>
+    <p:tnLst>
+      <p:par>
+        <p:cTn id="1" dur="indefinite" restart="never" nodeType="tmRoot">
+          <p:childTnLst>
+            <p:seq concurrent="1" nextAc="seek">
+              <p:cTn id="2" dur="indefinite" nodeType="mainSeq">
+                <p:childTnLst>
+                  <p:par>
+                    <p:cTn id="3" fill="hold">
+                      <p:stCondLst>
+                        <p:cond delay="indefinite"/>
+                      </p:stCondLst>
+                      <p:childTnLst>
+                        <p:par>
+                          <p:cTn id="4" fill="hold">
+                            <p:stCondLst>
+                              <p:cond delay="0"/>
+                            </p:stCondLst>
+                            <p:childTnLst>
+                              <p:par>
+                                <p:cTn id="5" presetID="42" presetClass="entr" presetSubtype="0" fill="hold" grpId="0" nodeType="clickEffect">
+                                  <p:stCondLst>
+                                    <p:cond delay="0"/>
+                                  </p:stCondLst>
+                                  <p:childTnLst>
+                                    <p:set>
+                                      <p:cBhvr>
+                                        <p:cTn id="6" dur="1" fill="hold">
+                                          <p:stCondLst>
+                                            <p:cond delay="0"/>
+                                          </p:stCondLst>
+                                        </p:cTn>
+                                        <p:tgtEl>
+                                          <p:spTgt spid="15"/>
+                                        </p:tgtEl>
+                                        <p:attrNameLst>
+                                          <p:attrName>style.visibility</p:attrName>
+                                        </p:attrNameLst>
+                                      </p:cBhvr>
+                                      <p:to>
+                                        <p:strVal val="visible"/>
+                                      </p:to>
+                                    </p:set>
+                                    <p:animEffect transition="in" filter="fade">
+                                      <p:cBhvr>
+                                        <p:cTn id="7" dur="1000"/>
+                                        <p:tgtEl>
+                                          <p:spTgt spid="15"/>
+                                        </p:tgtEl>
+                                      </p:cBhvr>
+                                    </p:animEffect>
+                                    <p:anim calcmode="lin" valueType="num">
+                                      <p:cBhvr>
+                                        <p:cTn id="8" dur="1000" fill="hold"/>
+                                        <p:tgtEl>
+                                          <p:spTgt spid="15"/>
+                                        </p:tgtEl>
+                                        <p:attrNameLst>
+                                          <p:attrName>ppt_x</p:attrName>
+                                        </p:attrNameLst>
+                                      </p:cBhvr>
+                                      <p:tavLst>
+                                        <p:tav tm="0">
+                                          <p:val>
+                                            <p:strVal val="#ppt_x"/>
+                                          </p:val>
+                                        </p:tav>
+                                        <p:tav tm="100000">
+                                          <p:val>
+                                            <p:strVal val="#ppt_x"/>
+                                          </p:val>
+                                        </p:tav>
+                                      </p:tavLst>
+                                    </p:anim>
+                                    <p:anim calcmode="lin" valueType="num">
+                                      <p:cBhvr>
+                                        <p:cTn id="9" dur="1000" fill="hold"/>
+                                        <p:tgtEl>
+                                          <p:spTgt spid="15"/>
+                                        </p:tgtEl>
+                                        <p:attrNameLst>
+                                          <p:attrName>ppt_y</p:attrName>
+                                        </p:attrNameLst>
+                                      </p:cBhvr>
+                                      <p:tavLst>
+                                        <p:tav tm="0">
+                                          <p:val>
+                                            <p:strVal val="#ppt_y+.1"/>
+                                          </p:val>
+                                        </p:tav>
+                                        <p:tav tm="100000">
+                                          <p:val>
+                                            <p:strVal val="#ppt_y"/>
+                                          </p:val>
+                                        </p:tav>
+                                      </p:tavLst>
+                                    </p:anim>
+                                  </p:childTnLst>
+                                </p:cTn>
+                              </p:par>
+                            </p:childTnLst>
+                          </p:cTn>
+                        </p:par>
+                      </p:childTnLst>
+                    </p:cTn>
+                  </p:par>
+                </p:childTnLst>
+              </p:cTn>
+              <p:prevCondLst>
+                <p:cond evt="onPrev" delay="0">
+                  <p:tgtEl>
+                    <p:sldTgt/>
+                  </p:tgtEl>
+                </p:cond>
+              </p:prevCondLst>
+              <p:nextCondLst>
+                <p:cond evt="onNext" delay="0">
+                  <p:tgtEl>
+                    <p:sldTgt/>
+                  </p:tgtEl>
+                </p:cond>
+              </p:nextCondLst>
+            </p:seq>
+          </p:childTnLst>
+        </p:cTn>
+      </p:par>
+    </p:tnLst>
+    <p:bldLst>
+      <p:bldGraphic spid="15" grpId="0">
+        <p:bldAsOne/>
+      </p:bldGraphic>
+    </p:bldLst>
+  </p:timing>
 </p:sld>
 </file>
 
@@ -47160,7 +50148,7 @@
             <p:ph idx="1"/>
             <p:extLst>
               <p:ext uri="{D42A27DB-BD31-4B8C-83A1-F6EECF244321}">
-                <p14:modId xmlns:p14="http://schemas.microsoft.com/office/powerpoint/2010/main" val="3806699052"/>
+                <p14:modId xmlns:p14="http://schemas.microsoft.com/office/powerpoint/2010/main" val="772682066"/>
               </p:ext>
             </p:extLst>
           </p:nvPr>
@@ -47185,6 +50173,140 @@
   <p:clrMapOvr>
     <a:masterClrMapping/>
   </p:clrMapOvr>
+  <p:timing>
+    <p:tnLst>
+      <p:par>
+        <p:cTn id="1" dur="indefinite" restart="never" nodeType="tmRoot">
+          <p:childTnLst>
+            <p:seq concurrent="1" nextAc="seek">
+              <p:cTn id="2" dur="indefinite" nodeType="mainSeq">
+                <p:childTnLst>
+                  <p:par>
+                    <p:cTn id="3" fill="hold">
+                      <p:stCondLst>
+                        <p:cond delay="indefinite"/>
+                      </p:stCondLst>
+                      <p:childTnLst>
+                        <p:par>
+                          <p:cTn id="4" fill="hold">
+                            <p:stCondLst>
+                              <p:cond delay="0"/>
+                            </p:stCondLst>
+                            <p:childTnLst>
+                              <p:par>
+                                <p:cTn id="5" presetID="42" presetClass="entr" presetSubtype="0" fill="hold" grpId="0" nodeType="clickEffect">
+                                  <p:stCondLst>
+                                    <p:cond delay="0"/>
+                                  </p:stCondLst>
+                                  <p:childTnLst>
+                                    <p:set>
+                                      <p:cBhvr>
+                                        <p:cTn id="6" dur="1" fill="hold">
+                                          <p:stCondLst>
+                                            <p:cond delay="0"/>
+                                          </p:stCondLst>
+                                        </p:cTn>
+                                        <p:tgtEl>
+                                          <p:spTgt spid="5"/>
+                                        </p:tgtEl>
+                                        <p:attrNameLst>
+                                          <p:attrName>style.visibility</p:attrName>
+                                        </p:attrNameLst>
+                                      </p:cBhvr>
+                                      <p:to>
+                                        <p:strVal val="visible"/>
+                                      </p:to>
+                                    </p:set>
+                                    <p:animEffect transition="in" filter="fade">
+                                      <p:cBhvr>
+                                        <p:cTn id="7" dur="1000"/>
+                                        <p:tgtEl>
+                                          <p:spTgt spid="5"/>
+                                        </p:tgtEl>
+                                      </p:cBhvr>
+                                    </p:animEffect>
+                                    <p:anim calcmode="lin" valueType="num">
+                                      <p:cBhvr>
+                                        <p:cTn id="8" dur="1000" fill="hold"/>
+                                        <p:tgtEl>
+                                          <p:spTgt spid="5"/>
+                                        </p:tgtEl>
+                                        <p:attrNameLst>
+                                          <p:attrName>ppt_x</p:attrName>
+                                        </p:attrNameLst>
+                                      </p:cBhvr>
+                                      <p:tavLst>
+                                        <p:tav tm="0">
+                                          <p:val>
+                                            <p:strVal val="#ppt_x"/>
+                                          </p:val>
+                                        </p:tav>
+                                        <p:tav tm="100000">
+                                          <p:val>
+                                            <p:strVal val="#ppt_x"/>
+                                          </p:val>
+                                        </p:tav>
+                                      </p:tavLst>
+                                    </p:anim>
+                                    <p:anim calcmode="lin" valueType="num">
+                                      <p:cBhvr>
+                                        <p:cTn id="9" dur="1000" fill="hold"/>
+                                        <p:tgtEl>
+                                          <p:spTgt spid="5"/>
+                                        </p:tgtEl>
+                                        <p:attrNameLst>
+                                          <p:attrName>ppt_y</p:attrName>
+                                        </p:attrNameLst>
+                                      </p:cBhvr>
+                                      <p:tavLst>
+                                        <p:tav tm="0">
+                                          <p:val>
+                                            <p:strVal val="#ppt_y+.1"/>
+                                          </p:val>
+                                        </p:tav>
+                                        <p:tav tm="100000">
+                                          <p:val>
+                                            <p:strVal val="#ppt_y"/>
+                                          </p:val>
+                                        </p:tav>
+                                      </p:tavLst>
+                                    </p:anim>
+                                  </p:childTnLst>
+                                </p:cTn>
+                              </p:par>
+                            </p:childTnLst>
+                          </p:cTn>
+                        </p:par>
+                      </p:childTnLst>
+                    </p:cTn>
+                  </p:par>
+                </p:childTnLst>
+              </p:cTn>
+              <p:prevCondLst>
+                <p:cond evt="onPrev" delay="0">
+                  <p:tgtEl>
+                    <p:sldTgt/>
+                  </p:tgtEl>
+                </p:cond>
+              </p:prevCondLst>
+              <p:nextCondLst>
+                <p:cond evt="onNext" delay="0">
+                  <p:tgtEl>
+                    <p:sldTgt/>
+                  </p:tgtEl>
+                </p:cond>
+              </p:nextCondLst>
+            </p:seq>
+          </p:childTnLst>
+        </p:cTn>
+      </p:par>
+    </p:tnLst>
+    <p:bldLst>
+      <p:bldGraphic spid="5" grpId="0">
+        <p:bldAsOne/>
+      </p:bldGraphic>
+    </p:bldLst>
+  </p:timing>
 </p:sld>
 </file>
 
@@ -47356,6 +50478,140 @@
   <p:clrMapOvr>
     <a:masterClrMapping/>
   </p:clrMapOvr>
+  <p:timing>
+    <p:tnLst>
+      <p:par>
+        <p:cTn id="1" dur="indefinite" restart="never" nodeType="tmRoot">
+          <p:childTnLst>
+            <p:seq concurrent="1" nextAc="seek">
+              <p:cTn id="2" dur="indefinite" nodeType="mainSeq">
+                <p:childTnLst>
+                  <p:par>
+                    <p:cTn id="3" fill="hold">
+                      <p:stCondLst>
+                        <p:cond delay="indefinite"/>
+                      </p:stCondLst>
+                      <p:childTnLst>
+                        <p:par>
+                          <p:cTn id="4" fill="hold">
+                            <p:stCondLst>
+                              <p:cond delay="0"/>
+                            </p:stCondLst>
+                            <p:childTnLst>
+                              <p:par>
+                                <p:cTn id="5" presetID="53" presetClass="entr" presetSubtype="16" fill="hold" grpId="0" nodeType="clickEffect">
+                                  <p:stCondLst>
+                                    <p:cond delay="0"/>
+                                  </p:stCondLst>
+                                  <p:childTnLst>
+                                    <p:set>
+                                      <p:cBhvr>
+                                        <p:cTn id="6" dur="1" fill="hold">
+                                          <p:stCondLst>
+                                            <p:cond delay="0"/>
+                                          </p:stCondLst>
+                                        </p:cTn>
+                                        <p:tgtEl>
+                                          <p:spTgt spid="5"/>
+                                        </p:tgtEl>
+                                        <p:attrNameLst>
+                                          <p:attrName>style.visibility</p:attrName>
+                                        </p:attrNameLst>
+                                      </p:cBhvr>
+                                      <p:to>
+                                        <p:strVal val="visible"/>
+                                      </p:to>
+                                    </p:set>
+                                    <p:anim calcmode="lin" valueType="num">
+                                      <p:cBhvr>
+                                        <p:cTn id="7" dur="500" fill="hold"/>
+                                        <p:tgtEl>
+                                          <p:spTgt spid="5"/>
+                                        </p:tgtEl>
+                                        <p:attrNameLst>
+                                          <p:attrName>ppt_w</p:attrName>
+                                        </p:attrNameLst>
+                                      </p:cBhvr>
+                                      <p:tavLst>
+                                        <p:tav tm="0">
+                                          <p:val>
+                                            <p:fltVal val="0"/>
+                                          </p:val>
+                                        </p:tav>
+                                        <p:tav tm="100000">
+                                          <p:val>
+                                            <p:strVal val="#ppt_w"/>
+                                          </p:val>
+                                        </p:tav>
+                                      </p:tavLst>
+                                    </p:anim>
+                                    <p:anim calcmode="lin" valueType="num">
+                                      <p:cBhvr>
+                                        <p:cTn id="8" dur="500" fill="hold"/>
+                                        <p:tgtEl>
+                                          <p:spTgt spid="5"/>
+                                        </p:tgtEl>
+                                        <p:attrNameLst>
+                                          <p:attrName>ppt_h</p:attrName>
+                                        </p:attrNameLst>
+                                      </p:cBhvr>
+                                      <p:tavLst>
+                                        <p:tav tm="0">
+                                          <p:val>
+                                            <p:fltVal val="0"/>
+                                          </p:val>
+                                        </p:tav>
+                                        <p:tav tm="100000">
+                                          <p:val>
+                                            <p:strVal val="#ppt_h"/>
+                                          </p:val>
+                                        </p:tav>
+                                      </p:tavLst>
+                                    </p:anim>
+                                    <p:animEffect transition="in" filter="fade">
+                                      <p:cBhvr>
+                                        <p:cTn id="9" dur="500"/>
+                                        <p:tgtEl>
+                                          <p:spTgt spid="5"/>
+                                        </p:tgtEl>
+                                      </p:cBhvr>
+                                    </p:animEffect>
+                                  </p:childTnLst>
+                                </p:cTn>
+                              </p:par>
+                            </p:childTnLst>
+                          </p:cTn>
+                        </p:par>
+                      </p:childTnLst>
+                    </p:cTn>
+                  </p:par>
+                </p:childTnLst>
+              </p:cTn>
+              <p:prevCondLst>
+                <p:cond evt="onPrev" delay="0">
+                  <p:tgtEl>
+                    <p:sldTgt/>
+                  </p:tgtEl>
+                </p:cond>
+              </p:prevCondLst>
+              <p:nextCondLst>
+                <p:cond evt="onNext" delay="0">
+                  <p:tgtEl>
+                    <p:sldTgt/>
+                  </p:tgtEl>
+                </p:cond>
+              </p:nextCondLst>
+            </p:seq>
+          </p:childTnLst>
+        </p:cTn>
+      </p:par>
+    </p:tnLst>
+    <p:bldLst>
+      <p:bldGraphic spid="5" grpId="0">
+        <p:bldAsOne/>
+      </p:bldGraphic>
+    </p:bldLst>
+  </p:timing>
 </p:sld>
 </file>
 
@@ -49368,33 +52624,54 @@
           <a:lstStyle/>
           <a:p>
             <a:r>
-              <a:rPr lang="en-US" sz="2000"/>
-              <a:t>After matching default branches between local Git Repo and Remote Github repo</a:t>
+              <a:rPr lang="en-US" sz="2400" dirty="0"/>
+              <a:t>After matching default branches between local Git Repo and Remote </a:t>
+            </a:r>
+            <a:r>
+              <a:rPr lang="en-US" sz="2400" dirty="0" err="1"/>
+              <a:t>Github</a:t>
+            </a:r>
+            <a:r>
+              <a:rPr lang="en-US" sz="2400" dirty="0"/>
+              <a:t> repo</a:t>
             </a:r>
           </a:p>
           <a:p>
             <a:r>
-              <a:rPr lang="en-US" sz="2000"/>
-              <a:t>Create a new empty Repo in Github</a:t>
+              <a:rPr lang="en-US" sz="2400" dirty="0"/>
+              <a:t>Create a new empty Repo in </a:t>
             </a:r>
+            <a:r>
+              <a:rPr lang="en-US" sz="2400" dirty="0" err="1"/>
+              <a:t>Github</a:t>
+            </a:r>
+            <a:endParaRPr lang="en-US" sz="2400" dirty="0"/>
           </a:p>
           <a:p>
             <a:r>
-              <a:rPr lang="en-US" sz="2000"/>
+              <a:rPr lang="en-US" sz="2400" dirty="0"/>
               <a:t>Follow the commands in the page displayed after creating new empty repo</a:t>
             </a:r>
           </a:p>
           <a:p>
             <a:r>
-              <a:rPr lang="en-US" sz="2000"/>
+              <a:rPr lang="en-US" sz="2400" dirty="0"/>
               <a:t>Some of the commands are as follows</a:t>
             </a:r>
           </a:p>
           <a:p>
             <a:pPr lvl="1"/>
             <a:r>
-              <a:rPr lang="en-US" sz="2000"/>
-              <a:t>This will add github to known hosts list</a:t>
+              <a:rPr lang="en-US" dirty="0"/>
+              <a:t>This will add </a:t>
+            </a:r>
+            <a:r>
+              <a:rPr lang="en-US" dirty="0" err="1"/>
+              <a:t>github</a:t>
+            </a:r>
+            <a:r>
+              <a:rPr lang="en-US" dirty="0"/>
+              <a:t> to known hosts list</a:t>
             </a:r>
           </a:p>
           <a:p>
@@ -49402,18 +52679,26 @@
               <a:buNone/>
             </a:pPr>
             <a:r>
-              <a:rPr lang="en-US" sz="2000"/>
+              <a:rPr lang="en-US" dirty="0"/>
               <a:t>&gt;&gt; </a:t>
             </a:r>
             <a:r>
-              <a:rPr lang="en-US" sz="2000" b="1"/>
-              <a:t>git remote add origin “github URL to new repo”</a:t>
+              <a:rPr lang="en-US" b="1" dirty="0"/>
+              <a:t>git remote add origin “</a:t>
+            </a:r>
+            <a:r>
+              <a:rPr lang="en-US" b="1" dirty="0" err="1"/>
+              <a:t>github</a:t>
+            </a:r>
+            <a:r>
+              <a:rPr lang="en-US" b="1" dirty="0"/>
+              <a:t> URL to new repo”</a:t>
             </a:r>
           </a:p>
           <a:p>
             <a:pPr lvl="1"/>
             <a:r>
-              <a:rPr lang="en-US" sz="2000"/>
+              <a:rPr lang="en-US" dirty="0"/>
               <a:t>To view mapped hosts</a:t>
             </a:r>
           </a:p>
@@ -49422,19 +52707,27 @@
               <a:buNone/>
             </a:pPr>
             <a:r>
-              <a:rPr lang="en-US" sz="2000"/>
+              <a:rPr lang="en-US" dirty="0"/>
               <a:t>&gt;&gt; </a:t>
             </a:r>
             <a:r>
-              <a:rPr lang="en-US" sz="2000" b="1"/>
+              <a:rPr lang="en-US" b="1" dirty="0"/>
               <a:t>git remove –v</a:t>
             </a:r>
           </a:p>
           <a:p>
             <a:pPr lvl="1"/>
             <a:r>
-              <a:rPr lang="en-US" sz="2000"/>
-              <a:t>To push local repo to remote github repo</a:t>
+              <a:rPr lang="en-US" dirty="0"/>
+              <a:t>To push local repo to remote </a:t>
+            </a:r>
+            <a:r>
+              <a:rPr lang="en-US" dirty="0" err="1"/>
+              <a:t>github</a:t>
+            </a:r>
+            <a:r>
+              <a:rPr lang="en-US" dirty="0"/>
+              <a:t> repo</a:t>
             </a:r>
           </a:p>
           <a:p>
@@ -49442,11 +52735,11 @@
               <a:buNone/>
             </a:pPr>
             <a:r>
-              <a:rPr lang="en-US" sz="2000"/>
+              <a:rPr lang="en-US" dirty="0"/>
               <a:t>&gt;&gt; </a:t>
             </a:r>
             <a:r>
-              <a:rPr lang="en-US" sz="2000" b="1"/>
+              <a:rPr lang="en-US" b="1" dirty="0"/>
               <a:t>git push –u origin “default branch name”</a:t>
             </a:r>
           </a:p>
@@ -50117,6 +53410,140 @@
   <p:clrMapOvr>
     <a:masterClrMapping/>
   </p:clrMapOvr>
+  <p:timing>
+    <p:tnLst>
+      <p:par>
+        <p:cTn id="1" dur="indefinite" restart="never" nodeType="tmRoot">
+          <p:childTnLst>
+            <p:seq concurrent="1" nextAc="seek">
+              <p:cTn id="2" dur="indefinite" nodeType="mainSeq">
+                <p:childTnLst>
+                  <p:par>
+                    <p:cTn id="3" fill="hold">
+                      <p:stCondLst>
+                        <p:cond delay="indefinite"/>
+                      </p:stCondLst>
+                      <p:childTnLst>
+                        <p:par>
+                          <p:cTn id="4" fill="hold">
+                            <p:stCondLst>
+                              <p:cond delay="0"/>
+                            </p:stCondLst>
+                            <p:childTnLst>
+                              <p:par>
+                                <p:cTn id="5" presetID="42" presetClass="entr" presetSubtype="0" fill="hold" grpId="0" nodeType="clickEffect">
+                                  <p:stCondLst>
+                                    <p:cond delay="0"/>
+                                  </p:stCondLst>
+                                  <p:childTnLst>
+                                    <p:set>
+                                      <p:cBhvr>
+                                        <p:cTn id="6" dur="1" fill="hold">
+                                          <p:stCondLst>
+                                            <p:cond delay="0"/>
+                                          </p:stCondLst>
+                                        </p:cTn>
+                                        <p:tgtEl>
+                                          <p:spTgt spid="5"/>
+                                        </p:tgtEl>
+                                        <p:attrNameLst>
+                                          <p:attrName>style.visibility</p:attrName>
+                                        </p:attrNameLst>
+                                      </p:cBhvr>
+                                      <p:to>
+                                        <p:strVal val="visible"/>
+                                      </p:to>
+                                    </p:set>
+                                    <p:animEffect transition="in" filter="fade">
+                                      <p:cBhvr>
+                                        <p:cTn id="7" dur="1000"/>
+                                        <p:tgtEl>
+                                          <p:spTgt spid="5"/>
+                                        </p:tgtEl>
+                                      </p:cBhvr>
+                                    </p:animEffect>
+                                    <p:anim calcmode="lin" valueType="num">
+                                      <p:cBhvr>
+                                        <p:cTn id="8" dur="1000" fill="hold"/>
+                                        <p:tgtEl>
+                                          <p:spTgt spid="5"/>
+                                        </p:tgtEl>
+                                        <p:attrNameLst>
+                                          <p:attrName>ppt_x</p:attrName>
+                                        </p:attrNameLst>
+                                      </p:cBhvr>
+                                      <p:tavLst>
+                                        <p:tav tm="0">
+                                          <p:val>
+                                            <p:strVal val="#ppt_x"/>
+                                          </p:val>
+                                        </p:tav>
+                                        <p:tav tm="100000">
+                                          <p:val>
+                                            <p:strVal val="#ppt_x"/>
+                                          </p:val>
+                                        </p:tav>
+                                      </p:tavLst>
+                                    </p:anim>
+                                    <p:anim calcmode="lin" valueType="num">
+                                      <p:cBhvr>
+                                        <p:cTn id="9" dur="1000" fill="hold"/>
+                                        <p:tgtEl>
+                                          <p:spTgt spid="5"/>
+                                        </p:tgtEl>
+                                        <p:attrNameLst>
+                                          <p:attrName>ppt_y</p:attrName>
+                                        </p:attrNameLst>
+                                      </p:cBhvr>
+                                      <p:tavLst>
+                                        <p:tav tm="0">
+                                          <p:val>
+                                            <p:strVal val="#ppt_y+.1"/>
+                                          </p:val>
+                                        </p:tav>
+                                        <p:tav tm="100000">
+                                          <p:val>
+                                            <p:strVal val="#ppt_y"/>
+                                          </p:val>
+                                        </p:tav>
+                                      </p:tavLst>
+                                    </p:anim>
+                                  </p:childTnLst>
+                                </p:cTn>
+                              </p:par>
+                            </p:childTnLst>
+                          </p:cTn>
+                        </p:par>
+                      </p:childTnLst>
+                    </p:cTn>
+                  </p:par>
+                </p:childTnLst>
+              </p:cTn>
+              <p:prevCondLst>
+                <p:cond evt="onPrev" delay="0">
+                  <p:tgtEl>
+                    <p:sldTgt/>
+                  </p:tgtEl>
+                </p:cond>
+              </p:prevCondLst>
+              <p:nextCondLst>
+                <p:cond evt="onNext" delay="0">
+                  <p:tgtEl>
+                    <p:sldTgt/>
+                  </p:tgtEl>
+                </p:cond>
+              </p:nextCondLst>
+            </p:seq>
+          </p:childTnLst>
+        </p:cTn>
+      </p:par>
+    </p:tnLst>
+    <p:bldLst>
+      <p:bldGraphic spid="5" grpId="0">
+        <p:bldAsOne/>
+      </p:bldGraphic>
+    </p:bldLst>
+  </p:timing>
 </p:sld>
 </file>
 
@@ -50547,6 +53974,94 @@
   <p:clrMapOvr>
     <a:masterClrMapping/>
   </p:clrMapOvr>
+  <p:timing>
+    <p:tnLst>
+      <p:par>
+        <p:cTn id="1" dur="indefinite" restart="never" nodeType="tmRoot">
+          <p:childTnLst>
+            <p:seq concurrent="1" nextAc="seek">
+              <p:cTn id="2" dur="indefinite" nodeType="mainSeq">
+                <p:childTnLst>
+                  <p:par>
+                    <p:cTn id="3" fill="hold">
+                      <p:stCondLst>
+                        <p:cond delay="indefinite"/>
+                      </p:stCondLst>
+                      <p:childTnLst>
+                        <p:par>
+                          <p:cTn id="4" fill="hold">
+                            <p:stCondLst>
+                              <p:cond delay="0"/>
+                            </p:stCondLst>
+                            <p:childTnLst>
+                              <p:par>
+                                <p:cTn id="5" presetID="14" presetClass="entr" presetSubtype="10" fill="hold" grpId="0" nodeType="clickEffect">
+                                  <p:stCondLst>
+                                    <p:cond delay="0"/>
+                                  </p:stCondLst>
+                                  <p:childTnLst>
+                                    <p:set>
+                                      <p:cBhvr>
+                                        <p:cTn id="6" dur="1" fill="hold">
+                                          <p:stCondLst>
+                                            <p:cond delay="0"/>
+                                          </p:stCondLst>
+                                        </p:cTn>
+                                        <p:tgtEl>
+                                          <p:spTgt spid="14"/>
+                                        </p:tgtEl>
+                                        <p:attrNameLst>
+                                          <p:attrName>style.visibility</p:attrName>
+                                        </p:attrNameLst>
+                                      </p:cBhvr>
+                                      <p:to>
+                                        <p:strVal val="visible"/>
+                                      </p:to>
+                                    </p:set>
+                                    <p:animEffect transition="in" filter="randombar(horizontal)">
+                                      <p:cBhvr>
+                                        <p:cTn id="7" dur="500"/>
+                                        <p:tgtEl>
+                                          <p:spTgt spid="14"/>
+                                        </p:tgtEl>
+                                      </p:cBhvr>
+                                    </p:animEffect>
+                                  </p:childTnLst>
+                                </p:cTn>
+                              </p:par>
+                            </p:childTnLst>
+                          </p:cTn>
+                        </p:par>
+                      </p:childTnLst>
+                    </p:cTn>
+                  </p:par>
+                </p:childTnLst>
+              </p:cTn>
+              <p:prevCondLst>
+                <p:cond evt="onPrev" delay="0">
+                  <p:tgtEl>
+                    <p:sldTgt/>
+                  </p:tgtEl>
+                </p:cond>
+              </p:prevCondLst>
+              <p:nextCondLst>
+                <p:cond evt="onNext" delay="0">
+                  <p:tgtEl>
+                    <p:sldTgt/>
+                  </p:tgtEl>
+                </p:cond>
+              </p:nextCondLst>
+            </p:seq>
+          </p:childTnLst>
+        </p:cTn>
+      </p:par>
+    </p:tnLst>
+    <p:bldLst>
+      <p:bldGraphic spid="14" grpId="0">
+        <p:bldAsOne/>
+      </p:bldGraphic>
+    </p:bldLst>
+  </p:timing>
 </p:sld>
 </file>
 
@@ -51104,7 +54619,7 @@
           <a:p>
             <a:pPr algn="l"/>
             <a:r>
-              <a:rPr lang="en-US" sz="2000"/>
+              <a:rPr lang="en-US" sz="2000" dirty="0"/>
               <a:t>					- By Syed Abdul Zuber</a:t>
             </a:r>
           </a:p>
